--- a/AppPublication/Documentation/PublicationSuiviCompetition - Manuel d'utilisation.pptx
+++ b/AppPublication/Documentation/PublicationSuiviCompetition - Manuel d'utilisation.pptx
@@ -8,10 +8,10 @@
     <p:sldMasterId id="2147483809" r:id="rId7"/>
   </p:sldMasterIdLst>
   <p:notesMasterIdLst>
-    <p:notesMasterId r:id="rId42"/>
+    <p:notesMasterId r:id="rId44"/>
   </p:notesMasterIdLst>
   <p:handoutMasterIdLst>
-    <p:handoutMasterId r:id="rId43"/>
+    <p:handoutMasterId r:id="rId45"/>
   </p:handoutMasterIdLst>
   <p:sldIdLst>
     <p:sldId id="293" r:id="rId8"/>
@@ -37,17 +37,19 @@
     <p:sldId id="324" r:id="rId28"/>
     <p:sldId id="311" r:id="rId29"/>
     <p:sldId id="312" r:id="rId30"/>
-    <p:sldId id="303" r:id="rId31"/>
-    <p:sldId id="304" r:id="rId32"/>
-    <p:sldId id="306" r:id="rId33"/>
-    <p:sldId id="326" r:id="rId34"/>
-    <p:sldId id="329" r:id="rId35"/>
-    <p:sldId id="327" r:id="rId36"/>
-    <p:sldId id="328" r:id="rId37"/>
-    <p:sldId id="330" r:id="rId38"/>
-    <p:sldId id="331" r:id="rId39"/>
-    <p:sldId id="332" r:id="rId40"/>
-    <p:sldId id="297" r:id="rId41"/>
+    <p:sldId id="334" r:id="rId31"/>
+    <p:sldId id="335" r:id="rId32"/>
+    <p:sldId id="303" r:id="rId33"/>
+    <p:sldId id="304" r:id="rId34"/>
+    <p:sldId id="306" r:id="rId35"/>
+    <p:sldId id="326" r:id="rId36"/>
+    <p:sldId id="329" r:id="rId37"/>
+    <p:sldId id="327" r:id="rId38"/>
+    <p:sldId id="328" r:id="rId39"/>
+    <p:sldId id="330" r:id="rId40"/>
+    <p:sldId id="331" r:id="rId41"/>
+    <p:sldId id="332" r:id="rId42"/>
+    <p:sldId id="297" r:id="rId43"/>
   </p:sldIdLst>
   <p:sldSz cx="12192000" cy="6858000"/>
   <p:notesSz cx="6858000" cy="9144000"/>
@@ -262,7 +264,7 @@
           <a:p>
             <a:fld id="{2FC9C06B-3A03-409A-B425-472FC6ED632E}" type="datetimeFigureOut">
               <a:rPr lang="fr-FR" smtClean="0"/>
-              <a:t>16/03/2024</a:t>
+              <a:t>18/04/2024</a:t>
             </a:fld>
             <a:endParaRPr lang="fr-FR"/>
           </a:p>
@@ -439,7 +441,7 @@
           <a:p>
             <a:fld id="{1BF3F09E-A5E2-4FD2-AA48-324D4F0E8F41}" type="datetimeFigureOut">
               <a:rPr lang="fr"/>
-              <a:t>16/03/2024</a:t>
+              <a:t>18/04/2024</a:t>
             </a:fld>
             <a:endParaRPr lang="en-US"/>
           </a:p>
@@ -15903,7 +15905,7 @@
                 </a:solidFill>
                 <a:latin typeface="Montserrat" panose="00000800000000000000" pitchFamily="2" charset="0"/>
               </a:rPr>
-              <a:t>v1.2.1.0 – xx/04/2024 </a:t>
+              <a:t>v1.2.1.0 – 20/04/2024 </a:t>
             </a:r>
           </a:p>
         </p:txBody>
@@ -17563,7 +17565,7 @@
                 </a:solidFill>
                 <a:latin typeface="Montserrat" panose="00000800000000000000" pitchFamily="2" charset="0"/>
               </a:rPr>
-              <a:t>v1.2.1.0 – xx/04/2024 </a:t>
+              <a:t>v1.2.1.0 – 20/04/2024 </a:t>
             </a:r>
           </a:p>
         </p:txBody>
@@ -25008,7 +25010,7 @@
           <a:p>
             <a:r>
               <a:rPr lang="fr-FR" sz="1400" dirty="0"/>
-              <a:t>Disposer des informations de connexion FTP de votre fournisseur</a:t>
+              <a:t>Disposer des informations de connexion FTP de votre hébergeur</a:t>
             </a:r>
           </a:p>
           <a:p>
@@ -27176,17 +27178,17 @@
           <a:p>
             <a:r>
               <a:rPr lang="fr-FR" dirty="0"/>
-              <a:t>Problème de génération</a:t>
-            </a:r>
-          </a:p>
-        </p:txBody>
-      </p:sp>
-      <p:sp>
-        <p:nvSpPr>
-          <p:cNvPr id="3" name="Espace réservé du texte 2">
-            <a:extLst>
-              <a:ext uri="{FF2B5EF4-FFF2-40B4-BE49-F238E27FC236}">
-                <a16:creationId xmlns:a16="http://schemas.microsoft.com/office/drawing/2014/main" id="{697918DB-A234-7002-388D-E181D0CF7603}"/>
+              <a:t>Eléments à contrôler - Génération</a:t>
+            </a:r>
+          </a:p>
+        </p:txBody>
+      </p:sp>
+      <p:sp>
+        <p:nvSpPr>
+          <p:cNvPr id="10" name="Espace réservé du texte 9">
+            <a:extLst>
+              <a:ext uri="{FF2B5EF4-FFF2-40B4-BE49-F238E27FC236}">
+                <a16:creationId xmlns:a16="http://schemas.microsoft.com/office/drawing/2014/main" id="{CF3C03EA-DDD4-445D-9A36-DC7D32FDA7A4}"/>
               </a:ext>
             </a:extLst>
           </p:cNvPr>
@@ -27199,120 +27201,20 @@
         </p:nvSpPr>
         <p:spPr>
           <a:xfrm>
-            <a:off x="422693" y="1858075"/>
-            <a:ext cx="11369615" cy="4552249"/>
-          </a:xfrm>
-        </p:spPr>
-        <p:txBody>
-          <a:bodyPr>
-            <a:normAutofit fontScale="85000" lnSpcReduction="20000"/>
-          </a:bodyPr>
+            <a:off x="270763" y="1580233"/>
+            <a:ext cx="11797412" cy="448592"/>
+          </a:xfrm>
+        </p:spPr>
+        <p:txBody>
+          <a:bodyPr/>
           <a:lstStyle/>
           <a:p>
-            <a:r>
-              <a:rPr lang="fr-FR" sz="1800" i="1" dirty="0"/>
-              <a:t>Etat de la connexion au serveur de compétition</a:t>
-            </a:r>
-          </a:p>
-          <a:p>
-            <a:r>
-              <a:rPr lang="fr-FR" sz="1800" i="1" dirty="0"/>
-              <a:t>Message d’erreur</a:t>
-            </a:r>
-          </a:p>
-          <a:p>
-            <a:r>
-              <a:rPr lang="fr-FR" sz="1800" i="1" dirty="0"/>
-              <a:t>Fréquence de génération</a:t>
-            </a:r>
-          </a:p>
-          <a:p>
-            <a:r>
-              <a:rPr lang="fr-FR" sz="1800" i="1" dirty="0"/>
-              <a:t>Mauvaise configuration (répertoire temp inexistant ou inaccessible)</a:t>
-            </a:r>
-          </a:p>
-          <a:p>
-            <a:endParaRPr lang="fr-FR" sz="1800" i="1" dirty="0"/>
-          </a:p>
-          <a:p>
-            <a:r>
-              <a:rPr lang="fr-FR" sz="1800" i="1" dirty="0"/>
-              <a:t>Publication locale</a:t>
-            </a:r>
-          </a:p>
-          <a:p>
-            <a:pPr lvl="1"/>
-            <a:r>
-              <a:rPr lang="fr-FR" sz="2200" i="1" dirty="0"/>
-              <a:t>Mauvaise interface réseau</a:t>
-            </a:r>
-          </a:p>
-          <a:p>
-            <a:pPr lvl="1"/>
-            <a:r>
-              <a:rPr lang="fr-FR" sz="2200" i="1" dirty="0"/>
-              <a:t>Publication arrêtée</a:t>
-            </a:r>
-          </a:p>
-          <a:p>
-            <a:pPr lvl="1"/>
-            <a:r>
-              <a:rPr lang="fr-FR" sz="2200" i="1" dirty="0" err="1"/>
-              <a:t>Parefeu</a:t>
-            </a:r>
-            <a:r>
-              <a:rPr lang="fr-FR" sz="2200" i="1" dirty="0"/>
-              <a:t> Windows</a:t>
-            </a:r>
-          </a:p>
-          <a:p>
-            <a:r>
-              <a:rPr lang="fr-FR" sz="1800" i="1" dirty="0"/>
-              <a:t>Publication distante</a:t>
-            </a:r>
-          </a:p>
-          <a:p>
-            <a:pPr lvl="1"/>
-            <a:r>
-              <a:rPr lang="fr-FR" sz="2200" i="1" dirty="0"/>
-              <a:t>Mode FTP</a:t>
-            </a:r>
-          </a:p>
-          <a:p>
-            <a:pPr lvl="1"/>
-            <a:r>
-              <a:rPr lang="fr-FR" sz="2200" i="1" dirty="0" err="1"/>
-              <a:t>Parefeu</a:t>
-            </a:r>
-            <a:endParaRPr lang="fr-FR" sz="2200" i="1" dirty="0"/>
-          </a:p>
-          <a:p>
-            <a:pPr lvl="1"/>
-            <a:r>
-              <a:rPr lang="fr-FR" sz="2200" i="1" dirty="0"/>
-              <a:t>Login/MDP</a:t>
-            </a:r>
-          </a:p>
-          <a:p>
-            <a:pPr lvl="1"/>
-            <a:r>
-              <a:rPr lang="fr-FR" sz="2200" i="1" dirty="0"/>
-              <a:t>Répertoires distant incorrects</a:t>
-            </a:r>
-          </a:p>
-          <a:p>
-            <a:pPr lvl="1"/>
-            <a:r>
-              <a:rPr lang="fr-FR" sz="2200" i="1" dirty="0"/>
-              <a:t>Nombre de connexion simultanée</a:t>
-            </a:r>
-          </a:p>
-          <a:p>
-            <a:pPr lvl="1"/>
-            <a:r>
-              <a:rPr lang="fr-FR" sz="2200" i="1" dirty="0"/>
-              <a:t>Pb de certificat</a:t>
+            <a:pPr marL="101598" indent="0">
+              <a:buNone/>
+            </a:pPr>
+            <a:r>
+              <a:rPr lang="fr-FR" sz="1800" dirty="0"/>
+              <a:t>Si vous constatez que les données ne sont pas publiées ou ne sont pas actualisées, vérifiez les points suivants:</a:t>
             </a:r>
           </a:p>
         </p:txBody>
@@ -27345,6 +27247,331 @@
           </a:p>
         </p:txBody>
       </p:sp>
+      <p:graphicFrame>
+        <p:nvGraphicFramePr>
+          <p:cNvPr id="7" name="Tableau 6">
+            <a:extLst>
+              <a:ext uri="{FF2B5EF4-FFF2-40B4-BE49-F238E27FC236}">
+                <a16:creationId xmlns:a16="http://schemas.microsoft.com/office/drawing/2014/main" id="{C142FFEE-659B-6571-73CA-6E3D3E5DB0D6}"/>
+              </a:ext>
+            </a:extLst>
+          </p:cNvPr>
+          <p:cNvGraphicFramePr>
+            <a:graphicFrameLocks noGrp="1"/>
+          </p:cNvGraphicFramePr>
+          <p:nvPr>
+            <p:extLst>
+              <p:ext uri="{D42A27DB-BD31-4B8C-83A1-F6EECF244321}">
+                <p14:modId xmlns:p14="http://schemas.microsoft.com/office/powerpoint/2010/main" val="615822682"/>
+              </p:ext>
+            </p:extLst>
+          </p:nvPr>
+        </p:nvGraphicFramePr>
+        <p:xfrm>
+          <a:off x="270763" y="2017468"/>
+          <a:ext cx="11549762" cy="3768017"/>
+        </p:xfrm>
+        <a:graphic>
+          <a:graphicData uri="http://schemas.openxmlformats.org/drawingml/2006/table">
+            <a:tbl>
+              <a:tblPr firstRow="1" bandRow="1">
+                <a:tableStyleId>{5C22544A-7EE6-4342-B048-85BDC9FD1C3A}</a:tableStyleId>
+              </a:tblPr>
+              <a:tblGrid>
+                <a:gridCol w="5605364">
+                  <a:extLst>
+                    <a:ext uri="{9D8B030D-6E8A-4147-A177-3AD203B41FA5}">
+                      <a16:colId xmlns:a16="http://schemas.microsoft.com/office/drawing/2014/main" val="1181157168"/>
+                    </a:ext>
+                  </a:extLst>
+                </a:gridCol>
+                <a:gridCol w="5944398">
+                  <a:extLst>
+                    <a:ext uri="{9D8B030D-6E8A-4147-A177-3AD203B41FA5}">
+                      <a16:colId xmlns:a16="http://schemas.microsoft.com/office/drawing/2014/main" val="3916079968"/>
+                    </a:ext>
+                  </a:extLst>
+                </a:gridCol>
+              </a:tblGrid>
+              <a:tr h="370840">
+                <a:tc>
+                  <a:txBody>
+                    <a:bodyPr/>
+                    <a:lstStyle/>
+                    <a:p>
+                      <a:r>
+                        <a:rPr lang="fr-FR" dirty="0"/>
+                        <a:t>Contrôle</a:t>
+                      </a:r>
+                    </a:p>
+                  </a:txBody>
+                  <a:tcPr anchor="ctr"/>
+                </a:tc>
+                <a:tc>
+                  <a:txBody>
+                    <a:bodyPr/>
+                    <a:lstStyle/>
+                    <a:p>
+                      <a:r>
+                        <a:rPr lang="fr-FR" dirty="0"/>
+                        <a:t>Que faire</a:t>
+                      </a:r>
+                    </a:p>
+                  </a:txBody>
+                  <a:tcPr anchor="ctr"/>
+                </a:tc>
+                <a:extLst>
+                  <a:ext uri="{0D108BD9-81ED-4DB2-BD59-A6C34878D82A}">
+                    <a16:rowId xmlns:a16="http://schemas.microsoft.com/office/drawing/2014/main" val="2896649042"/>
+                  </a:ext>
+                </a:extLst>
+              </a:tr>
+              <a:tr h="720770">
+                <a:tc>
+                  <a:txBody>
+                    <a:bodyPr/>
+                    <a:lstStyle/>
+                    <a:p>
+                      <a:r>
+                        <a:rPr lang="fr-FR" dirty="0"/>
+                        <a:t>L’application est connecté au serveur de compétition (icone verte             )</a:t>
+                      </a:r>
+                    </a:p>
+                  </a:txBody>
+                  <a:tcPr anchor="ctr"/>
+                </a:tc>
+                <a:tc>
+                  <a:txBody>
+                    <a:bodyPr/>
+                    <a:lstStyle/>
+                    <a:p>
+                      <a:r>
+                        <a:rPr lang="fr-FR" dirty="0"/>
+                        <a:t>Reconnectez l’application au serveur</a:t>
+                      </a:r>
+                    </a:p>
+                  </a:txBody>
+                  <a:tcPr anchor="ctr"/>
+                </a:tc>
+                <a:extLst>
+                  <a:ext uri="{0D108BD9-81ED-4DB2-BD59-A6C34878D82A}">
+                    <a16:rowId xmlns:a16="http://schemas.microsoft.com/office/drawing/2014/main" val="2586581298"/>
+                  </a:ext>
+                </a:extLst>
+              </a:tr>
+              <a:tr h="481847">
+                <a:tc>
+                  <a:txBody>
+                    <a:bodyPr/>
+                    <a:lstStyle/>
+                    <a:p>
+                      <a:r>
+                        <a:rPr lang="fr-FR" dirty="0"/>
+                        <a:t>La génération est démarrée</a:t>
+                      </a:r>
+                    </a:p>
+                  </a:txBody>
+                  <a:tcPr anchor="ctr"/>
+                </a:tc>
+                <a:tc>
+                  <a:txBody>
+                    <a:bodyPr/>
+                    <a:lstStyle/>
+                    <a:p>
+                      <a:r>
+                        <a:rPr lang="fr-FR" dirty="0"/>
+                        <a:t>Démarrez la génération</a:t>
+                      </a:r>
+                    </a:p>
+                  </a:txBody>
+                  <a:tcPr anchor="ctr"/>
+                </a:tc>
+                <a:extLst>
+                  <a:ext uri="{0D108BD9-81ED-4DB2-BD59-A6C34878D82A}">
+                    <a16:rowId xmlns:a16="http://schemas.microsoft.com/office/drawing/2014/main" val="2578065560"/>
+                  </a:ext>
+                </a:extLst>
+              </a:tr>
+              <a:tr h="370840">
+                <a:tc>
+                  <a:txBody>
+                    <a:bodyPr/>
+                    <a:lstStyle/>
+                    <a:p>
+                      <a:r>
+                        <a:rPr lang="fr-FR" dirty="0"/>
+                        <a:t>Absence de message d’erreur</a:t>
+                      </a:r>
+                    </a:p>
+                  </a:txBody>
+                  <a:tcPr anchor="ctr"/>
+                </a:tc>
+                <a:tc>
+                  <a:txBody>
+                    <a:bodyPr/>
+                    <a:lstStyle/>
+                    <a:p>
+                      <a:r>
+                        <a:rPr lang="fr-FR" dirty="0"/>
+                        <a:t>Fermez la fenêtre d’erreur. Si l’erreur persiste ou si l’application ne fonctionne pas correctement, relancez cette dernière</a:t>
+                      </a:r>
+                    </a:p>
+                  </a:txBody>
+                  <a:tcPr anchor="ctr"/>
+                </a:tc>
+                <a:extLst>
+                  <a:ext uri="{0D108BD9-81ED-4DB2-BD59-A6C34878D82A}">
+                    <a16:rowId xmlns:a16="http://schemas.microsoft.com/office/drawing/2014/main" val="2675461195"/>
+                  </a:ext>
+                </a:extLst>
+              </a:tr>
+              <a:tr h="370840">
+                <a:tc>
+                  <a:txBody>
+                    <a:bodyPr/>
+                    <a:lstStyle/>
+                    <a:p>
+                      <a:r>
+                        <a:rPr lang="fr-FR" dirty="0"/>
+                        <a:t>La fréquence de mise à jour est trop faible</a:t>
+                      </a:r>
+                    </a:p>
+                  </a:txBody>
+                  <a:tcPr anchor="ctr"/>
+                </a:tc>
+                <a:tc>
+                  <a:txBody>
+                    <a:bodyPr/>
+                    <a:lstStyle/>
+                    <a:p>
+                      <a:r>
+                        <a:rPr lang="fr-FR" dirty="0"/>
+                        <a:t>Arrêtez la génération, modifiez le délai de génération et redémarrez la génération.</a:t>
+                      </a:r>
+                    </a:p>
+                  </a:txBody>
+                  <a:tcPr anchor="ctr"/>
+                </a:tc>
+                <a:extLst>
+                  <a:ext uri="{0D108BD9-81ED-4DB2-BD59-A6C34878D82A}">
+                    <a16:rowId xmlns:a16="http://schemas.microsoft.com/office/drawing/2014/main" val="2306318331"/>
+                  </a:ext>
+                </a:extLst>
+              </a:tr>
+              <a:tr h="370840">
+                <a:tc>
+                  <a:txBody>
+                    <a:bodyPr/>
+                    <a:lstStyle/>
+                    <a:p>
+                      <a:r>
+                        <a:rPr lang="fr-FR" dirty="0"/>
+                        <a:t>Le répertoire de travail est inaccessible</a:t>
+                      </a:r>
+                    </a:p>
+                  </a:txBody>
+                  <a:tcPr anchor="ctr"/>
+                </a:tc>
+                <a:tc>
+                  <a:txBody>
+                    <a:bodyPr/>
+                    <a:lstStyle/>
+                    <a:p>
+                      <a:pPr marL="0" marR="0" lvl="0" indent="0" algn="l" defTabSz="914400" rtl="0" eaLnBrk="1" fontAlgn="auto" latinLnBrk="0" hangingPunct="1">
+                        <a:lnSpc>
+                          <a:spcPct val="100000"/>
+                        </a:lnSpc>
+                        <a:spcBef>
+                          <a:spcPts val="0"/>
+                        </a:spcBef>
+                        <a:spcAft>
+                          <a:spcPts val="0"/>
+                        </a:spcAft>
+                        <a:buClrTx/>
+                        <a:buSzTx/>
+                        <a:buFontTx/>
+                        <a:buNone/>
+                        <a:tabLst/>
+                        <a:defRPr/>
+                      </a:pPr>
+                      <a:r>
+                        <a:rPr lang="fr-FR" dirty="0"/>
+                        <a:t>Arrêtez la génération, modifiez le répertoire de travail et redémarrez la génération.</a:t>
+                      </a:r>
+                    </a:p>
+                  </a:txBody>
+                  <a:tcPr anchor="ctr"/>
+                </a:tc>
+                <a:extLst>
+                  <a:ext uri="{0D108BD9-81ED-4DB2-BD59-A6C34878D82A}">
+                    <a16:rowId xmlns:a16="http://schemas.microsoft.com/office/drawing/2014/main" val="1667609265"/>
+                  </a:ext>
+                </a:extLst>
+              </a:tr>
+            </a:tbl>
+          </a:graphicData>
+        </a:graphic>
+      </p:graphicFrame>
+      <p:pic>
+        <p:nvPicPr>
+          <p:cNvPr id="9" name="Image 8">
+            <a:extLst>
+              <a:ext uri="{FF2B5EF4-FFF2-40B4-BE49-F238E27FC236}">
+                <a16:creationId xmlns:a16="http://schemas.microsoft.com/office/drawing/2014/main" id="{A4B598AD-7E9B-2B25-9A4A-511376C52C7B}"/>
+              </a:ext>
+            </a:extLst>
+          </p:cNvPr>
+          <p:cNvPicPr>
+            <a:picLocks noChangeAspect="1"/>
+          </p:cNvPicPr>
+          <p:nvPr/>
+        </p:nvPicPr>
+        <p:blipFill>
+          <a:blip r:embed="rId2"/>
+          <a:stretch>
+            <a:fillRect/>
+          </a:stretch>
+        </p:blipFill>
+        <p:spPr>
+          <a:xfrm>
+            <a:off x="1504302" y="2726533"/>
+            <a:ext cx="592155" cy="361526"/>
+          </a:xfrm>
+          <a:prstGeom prst="rect">
+            <a:avLst/>
+          </a:prstGeom>
+        </p:spPr>
+      </p:pic>
+      <p:pic>
+        <p:nvPicPr>
+          <p:cNvPr id="14" name="Image 13">
+            <a:extLst>
+              <a:ext uri="{FF2B5EF4-FFF2-40B4-BE49-F238E27FC236}">
+                <a16:creationId xmlns:a16="http://schemas.microsoft.com/office/drawing/2014/main" id="{F0EEA465-103F-046F-E098-6AF471671979}"/>
+              </a:ext>
+            </a:extLst>
+          </p:cNvPr>
+          <p:cNvPicPr>
+            <a:picLocks noChangeAspect="1"/>
+          </p:cNvPicPr>
+          <p:nvPr/>
+        </p:nvPicPr>
+        <p:blipFill>
+          <a:blip r:embed="rId3"/>
+          <a:stretch>
+            <a:fillRect/>
+          </a:stretch>
+        </p:blipFill>
+        <p:spPr>
+          <a:xfrm>
+            <a:off x="3071812" y="3179148"/>
+            <a:ext cx="1161403" cy="354627"/>
+          </a:xfrm>
+          <a:prstGeom prst="rect">
+            <a:avLst/>
+          </a:prstGeom>
+        </p:spPr>
+      </p:pic>
     </p:spTree>
     <p:extLst>
       <p:ext uri="{BB962C8B-B14F-4D97-AF65-F5344CB8AC3E}">
@@ -27377,6 +27604,724 @@
       </p:grpSpPr>
       <p:sp>
         <p:nvSpPr>
+          <p:cNvPr id="2" name="Titre 1">
+            <a:extLst>
+              <a:ext uri="{FF2B5EF4-FFF2-40B4-BE49-F238E27FC236}">
+                <a16:creationId xmlns:a16="http://schemas.microsoft.com/office/drawing/2014/main" id="{EC51AA81-A5DF-3A18-38B6-020B45588EFC}"/>
+              </a:ext>
+            </a:extLst>
+          </p:cNvPr>
+          <p:cNvSpPr>
+            <a:spLocks noGrp="1"/>
+          </p:cNvSpPr>
+          <p:nvPr>
+            <p:ph type="title"/>
+          </p:nvPr>
+        </p:nvSpPr>
+        <p:spPr/>
+        <p:txBody>
+          <a:bodyPr/>
+          <a:lstStyle/>
+          <a:p>
+            <a:r>
+              <a:rPr lang="fr-FR" dirty="0"/>
+              <a:t>Eléments à contrôler – Publication locale</a:t>
+            </a:r>
+          </a:p>
+        </p:txBody>
+      </p:sp>
+      <p:sp>
+        <p:nvSpPr>
+          <p:cNvPr id="10" name="Espace réservé du texte 9">
+            <a:extLst>
+              <a:ext uri="{FF2B5EF4-FFF2-40B4-BE49-F238E27FC236}">
+                <a16:creationId xmlns:a16="http://schemas.microsoft.com/office/drawing/2014/main" id="{CF3C03EA-DDD4-445D-9A36-DC7D32FDA7A4}"/>
+              </a:ext>
+            </a:extLst>
+          </p:cNvPr>
+          <p:cNvSpPr>
+            <a:spLocks noGrp="1"/>
+          </p:cNvSpPr>
+          <p:nvPr>
+            <p:ph type="body" idx="1"/>
+          </p:nvPr>
+        </p:nvSpPr>
+        <p:spPr>
+          <a:xfrm>
+            <a:off x="270763" y="1580233"/>
+            <a:ext cx="11797412" cy="448592"/>
+          </a:xfrm>
+        </p:spPr>
+        <p:txBody>
+          <a:bodyPr/>
+          <a:lstStyle/>
+          <a:p>
+            <a:pPr marL="101598" indent="0">
+              <a:buNone/>
+            </a:pPr>
+            <a:r>
+              <a:rPr lang="fr-FR" sz="1800" dirty="0"/>
+              <a:t>Si vous constatez que le site n’est pas accessible localement, vérifiez les points suivants:</a:t>
+            </a:r>
+          </a:p>
+        </p:txBody>
+      </p:sp>
+      <p:sp>
+        <p:nvSpPr>
+          <p:cNvPr id="4" name="Espace réservé du texte 3">
+            <a:extLst>
+              <a:ext uri="{FF2B5EF4-FFF2-40B4-BE49-F238E27FC236}">
+                <a16:creationId xmlns:a16="http://schemas.microsoft.com/office/drawing/2014/main" id="{6BDCEFA8-59A6-33CC-D69F-6DDA6E4D9636}"/>
+              </a:ext>
+            </a:extLst>
+          </p:cNvPr>
+          <p:cNvSpPr>
+            <a:spLocks noGrp="1"/>
+          </p:cNvSpPr>
+          <p:nvPr>
+            <p:ph type="body" sz="quarter" idx="15"/>
+          </p:nvPr>
+        </p:nvSpPr>
+        <p:spPr/>
+        <p:txBody>
+          <a:bodyPr/>
+          <a:lstStyle/>
+          <a:p>
+            <a:r>
+              <a:rPr lang="fr-FR" dirty="0"/>
+              <a:t>Dépannage</a:t>
+            </a:r>
+          </a:p>
+        </p:txBody>
+      </p:sp>
+      <p:graphicFrame>
+        <p:nvGraphicFramePr>
+          <p:cNvPr id="7" name="Tableau 6">
+            <a:extLst>
+              <a:ext uri="{FF2B5EF4-FFF2-40B4-BE49-F238E27FC236}">
+                <a16:creationId xmlns:a16="http://schemas.microsoft.com/office/drawing/2014/main" id="{C142FFEE-659B-6571-73CA-6E3D3E5DB0D6}"/>
+              </a:ext>
+            </a:extLst>
+          </p:cNvPr>
+          <p:cNvGraphicFramePr>
+            <a:graphicFrameLocks noGrp="1"/>
+          </p:cNvGraphicFramePr>
+          <p:nvPr>
+            <p:extLst>
+              <p:ext uri="{D42A27DB-BD31-4B8C-83A1-F6EECF244321}">
+                <p14:modId xmlns:p14="http://schemas.microsoft.com/office/powerpoint/2010/main" val="2456733157"/>
+              </p:ext>
+            </p:extLst>
+          </p:nvPr>
+        </p:nvGraphicFramePr>
+        <p:xfrm>
+          <a:off x="270763" y="2017468"/>
+          <a:ext cx="11549762" cy="1946202"/>
+        </p:xfrm>
+        <a:graphic>
+          <a:graphicData uri="http://schemas.openxmlformats.org/drawingml/2006/table">
+            <a:tbl>
+              <a:tblPr firstRow="1" bandRow="1">
+                <a:tableStyleId>{5C22544A-7EE6-4342-B048-85BDC9FD1C3A}</a:tableStyleId>
+              </a:tblPr>
+              <a:tblGrid>
+                <a:gridCol w="5605364">
+                  <a:extLst>
+                    <a:ext uri="{9D8B030D-6E8A-4147-A177-3AD203B41FA5}">
+                      <a16:colId xmlns:a16="http://schemas.microsoft.com/office/drawing/2014/main" val="1181157168"/>
+                    </a:ext>
+                  </a:extLst>
+                </a:gridCol>
+                <a:gridCol w="5944398">
+                  <a:extLst>
+                    <a:ext uri="{9D8B030D-6E8A-4147-A177-3AD203B41FA5}">
+                      <a16:colId xmlns:a16="http://schemas.microsoft.com/office/drawing/2014/main" val="3916079968"/>
+                    </a:ext>
+                  </a:extLst>
+                </a:gridCol>
+              </a:tblGrid>
+              <a:tr h="370840">
+                <a:tc>
+                  <a:txBody>
+                    <a:bodyPr/>
+                    <a:lstStyle/>
+                    <a:p>
+                      <a:r>
+                        <a:rPr lang="fr-FR" dirty="0"/>
+                        <a:t>Contrôle</a:t>
+                      </a:r>
+                    </a:p>
+                  </a:txBody>
+                  <a:tcPr anchor="ctr"/>
+                </a:tc>
+                <a:tc>
+                  <a:txBody>
+                    <a:bodyPr/>
+                    <a:lstStyle/>
+                    <a:p>
+                      <a:r>
+                        <a:rPr lang="fr-FR" dirty="0"/>
+                        <a:t>Que faire</a:t>
+                      </a:r>
+                    </a:p>
+                  </a:txBody>
+                  <a:tcPr anchor="ctr"/>
+                </a:tc>
+                <a:extLst>
+                  <a:ext uri="{0D108BD9-81ED-4DB2-BD59-A6C34878D82A}">
+                    <a16:rowId xmlns:a16="http://schemas.microsoft.com/office/drawing/2014/main" val="2896649042"/>
+                  </a:ext>
+                </a:extLst>
+              </a:tr>
+              <a:tr h="564442">
+                <a:tc>
+                  <a:txBody>
+                    <a:bodyPr/>
+                    <a:lstStyle/>
+                    <a:p>
+                      <a:r>
+                        <a:rPr lang="fr-FR" dirty="0"/>
+                        <a:t>La publication locale est démarrée </a:t>
+                      </a:r>
+                    </a:p>
+                  </a:txBody>
+                  <a:tcPr anchor="ctr"/>
+                </a:tc>
+                <a:tc>
+                  <a:txBody>
+                    <a:bodyPr/>
+                    <a:lstStyle/>
+                    <a:p>
+                      <a:r>
+                        <a:rPr lang="fr-FR" dirty="0"/>
+                        <a:t>Démarrez la publication</a:t>
+                      </a:r>
+                    </a:p>
+                  </a:txBody>
+                  <a:tcPr anchor="ctr"/>
+                </a:tc>
+                <a:extLst>
+                  <a:ext uri="{0D108BD9-81ED-4DB2-BD59-A6C34878D82A}">
+                    <a16:rowId xmlns:a16="http://schemas.microsoft.com/office/drawing/2014/main" val="2586581298"/>
+                  </a:ext>
+                </a:extLst>
+              </a:tr>
+              <a:tr h="370840">
+                <a:tc>
+                  <a:txBody>
+                    <a:bodyPr/>
+                    <a:lstStyle/>
+                    <a:p>
+                      <a:r>
+                        <a:rPr lang="fr-FR" dirty="0"/>
+                        <a:t>La publication se fait sur la bonne interface réseau</a:t>
+                      </a:r>
+                    </a:p>
+                  </a:txBody>
+                  <a:tcPr anchor="ctr"/>
+                </a:tc>
+                <a:tc>
+                  <a:txBody>
+                    <a:bodyPr/>
+                    <a:lstStyle/>
+                    <a:p>
+                      <a:r>
+                        <a:rPr lang="fr-FR" dirty="0"/>
+                        <a:t>Arrêtez la publication locale, sélectionnez la bonne interface réseau et démarrez la publication locale</a:t>
+                      </a:r>
+                    </a:p>
+                  </a:txBody>
+                  <a:tcPr anchor="ctr"/>
+                </a:tc>
+                <a:extLst>
+                  <a:ext uri="{0D108BD9-81ED-4DB2-BD59-A6C34878D82A}">
+                    <a16:rowId xmlns:a16="http://schemas.microsoft.com/office/drawing/2014/main" val="4129515051"/>
+                  </a:ext>
+                </a:extLst>
+              </a:tr>
+              <a:tr h="370840">
+                <a:tc>
+                  <a:txBody>
+                    <a:bodyPr/>
+                    <a:lstStyle/>
+                    <a:p>
+                      <a:r>
+                        <a:rPr lang="fr-FR" dirty="0"/>
+                        <a:t>Le pare-feu Windows autorise la l’accès Web</a:t>
+                      </a:r>
+                    </a:p>
+                  </a:txBody>
+                  <a:tcPr anchor="ctr"/>
+                </a:tc>
+                <a:tc>
+                  <a:txBody>
+                    <a:bodyPr/>
+                    <a:lstStyle/>
+                    <a:p>
+                      <a:r>
+                        <a:rPr lang="fr-FR" dirty="0"/>
+                        <a:t>Modifiez la configuration du pare-feu Windows</a:t>
+                      </a:r>
+                    </a:p>
+                  </a:txBody>
+                  <a:tcPr anchor="ctr"/>
+                </a:tc>
+                <a:extLst>
+                  <a:ext uri="{0D108BD9-81ED-4DB2-BD59-A6C34878D82A}">
+                    <a16:rowId xmlns:a16="http://schemas.microsoft.com/office/drawing/2014/main" val="3823118335"/>
+                  </a:ext>
+                </a:extLst>
+              </a:tr>
+            </a:tbl>
+          </a:graphicData>
+        </a:graphic>
+      </p:graphicFrame>
+      <p:pic>
+        <p:nvPicPr>
+          <p:cNvPr id="5" name="Image 4">
+            <a:extLst>
+              <a:ext uri="{FF2B5EF4-FFF2-40B4-BE49-F238E27FC236}">
+                <a16:creationId xmlns:a16="http://schemas.microsoft.com/office/drawing/2014/main" id="{2531E53B-5E15-45CC-78E1-23AF9BBA270E}"/>
+              </a:ext>
+            </a:extLst>
+          </p:cNvPr>
+          <p:cNvPicPr>
+            <a:picLocks noChangeAspect="1"/>
+          </p:cNvPicPr>
+          <p:nvPr/>
+        </p:nvPicPr>
+        <p:blipFill>
+          <a:blip r:embed="rId2"/>
+          <a:stretch>
+            <a:fillRect/>
+          </a:stretch>
+        </p:blipFill>
+        <p:spPr>
+          <a:xfrm>
+            <a:off x="3633787" y="2466060"/>
+            <a:ext cx="1247775" cy="381000"/>
+          </a:xfrm>
+          <a:prstGeom prst="rect">
+            <a:avLst/>
+          </a:prstGeom>
+        </p:spPr>
+      </p:pic>
+    </p:spTree>
+    <p:extLst>
+      <p:ext uri="{BB962C8B-B14F-4D97-AF65-F5344CB8AC3E}">
+        <p14:creationId xmlns:p14="http://schemas.microsoft.com/office/powerpoint/2010/main" val="2100333250"/>
+      </p:ext>
+    </p:extLst>
+  </p:cSld>
+  <p:clrMapOvr>
+    <a:masterClrMapping/>
+  </p:clrMapOvr>
+</p:sld>
+</file>
+
+<file path=ppt/slides/slide25.xml><?xml version="1.0" encoding="utf-8"?>
+<p:sld xmlns:a="http://schemas.openxmlformats.org/drawingml/2006/main" xmlns:r="http://schemas.openxmlformats.org/officeDocument/2006/relationships" xmlns:p="http://schemas.openxmlformats.org/presentationml/2006/main">
+  <p:cSld>
+    <p:spTree>
+      <p:nvGrpSpPr>
+        <p:cNvPr id="1" name=""/>
+        <p:cNvGrpSpPr/>
+        <p:nvPr/>
+      </p:nvGrpSpPr>
+      <p:grpSpPr>
+        <a:xfrm>
+          <a:off x="0" y="0"/>
+          <a:ext cx="0" cy="0"/>
+          <a:chOff x="0" y="0"/>
+          <a:chExt cx="0" cy="0"/>
+        </a:xfrm>
+      </p:grpSpPr>
+      <p:sp>
+        <p:nvSpPr>
+          <p:cNvPr id="2" name="Titre 1">
+            <a:extLst>
+              <a:ext uri="{FF2B5EF4-FFF2-40B4-BE49-F238E27FC236}">
+                <a16:creationId xmlns:a16="http://schemas.microsoft.com/office/drawing/2014/main" id="{EC51AA81-A5DF-3A18-38B6-020B45588EFC}"/>
+              </a:ext>
+            </a:extLst>
+          </p:cNvPr>
+          <p:cNvSpPr>
+            <a:spLocks noGrp="1"/>
+          </p:cNvSpPr>
+          <p:nvPr>
+            <p:ph type="title"/>
+          </p:nvPr>
+        </p:nvSpPr>
+        <p:spPr/>
+        <p:txBody>
+          <a:bodyPr/>
+          <a:lstStyle/>
+          <a:p>
+            <a:r>
+              <a:rPr lang="fr-FR" dirty="0"/>
+              <a:t>Eléments à contrôler – Publication distante</a:t>
+            </a:r>
+          </a:p>
+        </p:txBody>
+      </p:sp>
+      <p:sp>
+        <p:nvSpPr>
+          <p:cNvPr id="10" name="Espace réservé du texte 9">
+            <a:extLst>
+              <a:ext uri="{FF2B5EF4-FFF2-40B4-BE49-F238E27FC236}">
+                <a16:creationId xmlns:a16="http://schemas.microsoft.com/office/drawing/2014/main" id="{CF3C03EA-DDD4-445D-9A36-DC7D32FDA7A4}"/>
+              </a:ext>
+            </a:extLst>
+          </p:cNvPr>
+          <p:cNvSpPr>
+            <a:spLocks noGrp="1"/>
+          </p:cNvSpPr>
+          <p:nvPr>
+            <p:ph type="body" idx="1"/>
+          </p:nvPr>
+        </p:nvSpPr>
+        <p:spPr>
+          <a:xfrm>
+            <a:off x="270763" y="1580233"/>
+            <a:ext cx="11797412" cy="448592"/>
+          </a:xfrm>
+        </p:spPr>
+        <p:txBody>
+          <a:bodyPr/>
+          <a:lstStyle/>
+          <a:p>
+            <a:pPr marL="101598" indent="0">
+              <a:buNone/>
+            </a:pPr>
+            <a:r>
+              <a:rPr lang="fr-FR" sz="1800" dirty="0"/>
+              <a:t>Si vous constatez que le site n’est pas accessible à distance, vérifiez les points suivants:</a:t>
+            </a:r>
+          </a:p>
+        </p:txBody>
+      </p:sp>
+      <p:sp>
+        <p:nvSpPr>
+          <p:cNvPr id="4" name="Espace réservé du texte 3">
+            <a:extLst>
+              <a:ext uri="{FF2B5EF4-FFF2-40B4-BE49-F238E27FC236}">
+                <a16:creationId xmlns:a16="http://schemas.microsoft.com/office/drawing/2014/main" id="{6BDCEFA8-59A6-33CC-D69F-6DDA6E4D9636}"/>
+              </a:ext>
+            </a:extLst>
+          </p:cNvPr>
+          <p:cNvSpPr>
+            <a:spLocks noGrp="1"/>
+          </p:cNvSpPr>
+          <p:nvPr>
+            <p:ph type="body" sz="quarter" idx="15"/>
+          </p:nvPr>
+        </p:nvSpPr>
+        <p:spPr/>
+        <p:txBody>
+          <a:bodyPr/>
+          <a:lstStyle/>
+          <a:p>
+            <a:r>
+              <a:rPr lang="fr-FR" dirty="0"/>
+              <a:t>Dépannage</a:t>
+            </a:r>
+          </a:p>
+        </p:txBody>
+      </p:sp>
+      <p:graphicFrame>
+        <p:nvGraphicFramePr>
+          <p:cNvPr id="7" name="Tableau 6">
+            <a:extLst>
+              <a:ext uri="{FF2B5EF4-FFF2-40B4-BE49-F238E27FC236}">
+                <a16:creationId xmlns:a16="http://schemas.microsoft.com/office/drawing/2014/main" id="{C142FFEE-659B-6571-73CA-6E3D3E5DB0D6}"/>
+              </a:ext>
+            </a:extLst>
+          </p:cNvPr>
+          <p:cNvGraphicFramePr>
+            <a:graphicFrameLocks noGrp="1"/>
+          </p:cNvGraphicFramePr>
+          <p:nvPr>
+            <p:extLst>
+              <p:ext uri="{D42A27DB-BD31-4B8C-83A1-F6EECF244321}">
+                <p14:modId xmlns:p14="http://schemas.microsoft.com/office/powerpoint/2010/main" val="874116875"/>
+              </p:ext>
+            </p:extLst>
+          </p:nvPr>
+        </p:nvGraphicFramePr>
+        <p:xfrm>
+          <a:off x="270763" y="2017468"/>
+          <a:ext cx="11549762" cy="2586282"/>
+        </p:xfrm>
+        <a:graphic>
+          <a:graphicData uri="http://schemas.openxmlformats.org/drawingml/2006/table">
+            <a:tbl>
+              <a:tblPr firstRow="1" bandRow="1">
+                <a:tableStyleId>{5C22544A-7EE6-4342-B048-85BDC9FD1C3A}</a:tableStyleId>
+              </a:tblPr>
+              <a:tblGrid>
+                <a:gridCol w="5605364">
+                  <a:extLst>
+                    <a:ext uri="{9D8B030D-6E8A-4147-A177-3AD203B41FA5}">
+                      <a16:colId xmlns:a16="http://schemas.microsoft.com/office/drawing/2014/main" val="1181157168"/>
+                    </a:ext>
+                  </a:extLst>
+                </a:gridCol>
+                <a:gridCol w="5944398">
+                  <a:extLst>
+                    <a:ext uri="{9D8B030D-6E8A-4147-A177-3AD203B41FA5}">
+                      <a16:colId xmlns:a16="http://schemas.microsoft.com/office/drawing/2014/main" val="3916079968"/>
+                    </a:ext>
+                  </a:extLst>
+                </a:gridCol>
+              </a:tblGrid>
+              <a:tr h="370840">
+                <a:tc>
+                  <a:txBody>
+                    <a:bodyPr/>
+                    <a:lstStyle/>
+                    <a:p>
+                      <a:r>
+                        <a:rPr lang="fr-FR" dirty="0"/>
+                        <a:t>Contrôle</a:t>
+                      </a:r>
+                    </a:p>
+                  </a:txBody>
+                  <a:tcPr anchor="ctr"/>
+                </a:tc>
+                <a:tc>
+                  <a:txBody>
+                    <a:bodyPr/>
+                    <a:lstStyle/>
+                    <a:p>
+                      <a:r>
+                        <a:rPr lang="fr-FR" dirty="0"/>
+                        <a:t>Que faire</a:t>
+                      </a:r>
+                    </a:p>
+                  </a:txBody>
+                  <a:tcPr anchor="ctr"/>
+                </a:tc>
+                <a:extLst>
+                  <a:ext uri="{0D108BD9-81ED-4DB2-BD59-A6C34878D82A}">
+                    <a16:rowId xmlns:a16="http://schemas.microsoft.com/office/drawing/2014/main" val="2896649042"/>
+                  </a:ext>
+                </a:extLst>
+              </a:tr>
+              <a:tr h="564442">
+                <a:tc>
+                  <a:txBody>
+                    <a:bodyPr/>
+                    <a:lstStyle/>
+                    <a:p>
+                      <a:r>
+                        <a:rPr lang="fr-FR" dirty="0"/>
+                        <a:t>La publication distante est démarrée </a:t>
+                      </a:r>
+                    </a:p>
+                  </a:txBody>
+                  <a:tcPr anchor="ctr"/>
+                </a:tc>
+                <a:tc>
+                  <a:txBody>
+                    <a:bodyPr/>
+                    <a:lstStyle/>
+                    <a:p>
+                      <a:r>
+                        <a:rPr lang="fr-FR" dirty="0"/>
+                        <a:t>Démarrez la publication</a:t>
+                      </a:r>
+                    </a:p>
+                  </a:txBody>
+                  <a:tcPr anchor="ctr"/>
+                </a:tc>
+                <a:extLst>
+                  <a:ext uri="{0D108BD9-81ED-4DB2-BD59-A6C34878D82A}">
+                    <a16:rowId xmlns:a16="http://schemas.microsoft.com/office/drawing/2014/main" val="2586581298"/>
+                  </a:ext>
+                </a:extLst>
+              </a:tr>
+              <a:tr h="370840">
+                <a:tc>
+                  <a:txBody>
+                    <a:bodyPr/>
+                    <a:lstStyle/>
+                    <a:p>
+                      <a:r>
+                        <a:rPr lang="fr-FR" dirty="0"/>
+                        <a:t>Les paramètres de connexion FTP sont valides (compte, mot de passe répertoire)</a:t>
+                      </a:r>
+                    </a:p>
+                  </a:txBody>
+                  <a:tcPr anchor="ctr"/>
+                </a:tc>
+                <a:tc>
+                  <a:txBody>
+                    <a:bodyPr/>
+                    <a:lstStyle/>
+                    <a:p>
+                      <a:r>
+                        <a:rPr lang="fr-FR" dirty="0"/>
+                        <a:t>Arrêtez la publication distante, configurer les bons paramètres et démarrez la publication distante</a:t>
+                      </a:r>
+                    </a:p>
+                  </a:txBody>
+                  <a:tcPr anchor="ctr"/>
+                </a:tc>
+                <a:extLst>
+                  <a:ext uri="{0D108BD9-81ED-4DB2-BD59-A6C34878D82A}">
+                    <a16:rowId xmlns:a16="http://schemas.microsoft.com/office/drawing/2014/main" val="4129515051"/>
+                  </a:ext>
+                </a:extLst>
+              </a:tr>
+              <a:tr h="370840">
+                <a:tc>
+                  <a:txBody>
+                    <a:bodyPr/>
+                    <a:lstStyle/>
+                    <a:p>
+                      <a:r>
+                        <a:rPr lang="fr-FR" dirty="0"/>
+                        <a:t>Le pare-feu Windows autorise la connexion FTP</a:t>
+                      </a:r>
+                    </a:p>
+                  </a:txBody>
+                  <a:tcPr anchor="ctr"/>
+                </a:tc>
+                <a:tc>
+                  <a:txBody>
+                    <a:bodyPr/>
+                    <a:lstStyle/>
+                    <a:p>
+                      <a:r>
+                        <a:rPr lang="fr-FR" dirty="0"/>
+                        <a:t>Modifiez la configuration du pare-feu Windows</a:t>
+                      </a:r>
+                    </a:p>
+                  </a:txBody>
+                  <a:tcPr anchor="ctr"/>
+                </a:tc>
+                <a:extLst>
+                  <a:ext uri="{0D108BD9-81ED-4DB2-BD59-A6C34878D82A}">
+                    <a16:rowId xmlns:a16="http://schemas.microsoft.com/office/drawing/2014/main" val="3823118335"/>
+                  </a:ext>
+                </a:extLst>
+              </a:tr>
+              <a:tr h="370840">
+                <a:tc>
+                  <a:txBody>
+                    <a:bodyPr/>
+                    <a:lstStyle/>
+                    <a:p>
+                      <a:r>
+                        <a:rPr lang="fr-FR" dirty="0"/>
+                        <a:t>Le mode FTP est approprié (Actif/Passif)</a:t>
+                      </a:r>
+                    </a:p>
+                  </a:txBody>
+                  <a:tcPr anchor="ctr"/>
+                </a:tc>
+                <a:tc>
+                  <a:txBody>
+                    <a:bodyPr/>
+                    <a:lstStyle/>
+                    <a:p>
+                      <a:pPr marL="0" marR="0" lvl="0" indent="0" algn="l" defTabSz="914400" rtl="0" eaLnBrk="1" fontAlgn="auto" latinLnBrk="0" hangingPunct="1">
+                        <a:lnSpc>
+                          <a:spcPct val="100000"/>
+                        </a:lnSpc>
+                        <a:spcBef>
+                          <a:spcPts val="0"/>
+                        </a:spcBef>
+                        <a:spcAft>
+                          <a:spcPts val="0"/>
+                        </a:spcAft>
+                        <a:buClrTx/>
+                        <a:buSzTx/>
+                        <a:buFontTx/>
+                        <a:buNone/>
+                        <a:tabLst/>
+                        <a:defRPr/>
+                      </a:pPr>
+                      <a:r>
+                        <a:rPr lang="fr-FR" dirty="0"/>
+                        <a:t>Arrêtez la publication distante, sélectionnez le mode adéquat et démarrez la publication distante</a:t>
+                      </a:r>
+                    </a:p>
+                  </a:txBody>
+                  <a:tcPr anchor="ctr"/>
+                </a:tc>
+                <a:extLst>
+                  <a:ext uri="{0D108BD9-81ED-4DB2-BD59-A6C34878D82A}">
+                    <a16:rowId xmlns:a16="http://schemas.microsoft.com/office/drawing/2014/main" val="1423062560"/>
+                  </a:ext>
+                </a:extLst>
+              </a:tr>
+            </a:tbl>
+          </a:graphicData>
+        </a:graphic>
+      </p:graphicFrame>
+      <p:pic>
+        <p:nvPicPr>
+          <p:cNvPr id="5" name="Image 4">
+            <a:extLst>
+              <a:ext uri="{FF2B5EF4-FFF2-40B4-BE49-F238E27FC236}">
+                <a16:creationId xmlns:a16="http://schemas.microsoft.com/office/drawing/2014/main" id="{2531E53B-5E15-45CC-78E1-23AF9BBA270E}"/>
+              </a:ext>
+            </a:extLst>
+          </p:cNvPr>
+          <p:cNvPicPr>
+            <a:picLocks noChangeAspect="1"/>
+          </p:cNvPicPr>
+          <p:nvPr/>
+        </p:nvPicPr>
+        <p:blipFill>
+          <a:blip r:embed="rId2"/>
+          <a:stretch>
+            <a:fillRect/>
+          </a:stretch>
+        </p:blipFill>
+        <p:spPr>
+          <a:xfrm>
+            <a:off x="3929062" y="2466060"/>
+            <a:ext cx="1247775" cy="381000"/>
+          </a:xfrm>
+          <a:prstGeom prst="rect">
+            <a:avLst/>
+          </a:prstGeom>
+        </p:spPr>
+      </p:pic>
+    </p:spTree>
+    <p:extLst>
+      <p:ext uri="{BB962C8B-B14F-4D97-AF65-F5344CB8AC3E}">
+        <p14:creationId xmlns:p14="http://schemas.microsoft.com/office/powerpoint/2010/main" val="2824300561"/>
+      </p:ext>
+    </p:extLst>
+  </p:cSld>
+  <p:clrMapOvr>
+    <a:masterClrMapping/>
+  </p:clrMapOvr>
+</p:sld>
+</file>
+
+<file path=ppt/slides/slide26.xml><?xml version="1.0" encoding="utf-8"?>
+<p:sld xmlns:a="http://schemas.openxmlformats.org/drawingml/2006/main" xmlns:r="http://schemas.openxmlformats.org/officeDocument/2006/relationships" xmlns:p="http://schemas.openxmlformats.org/presentationml/2006/main">
+  <p:cSld>
+    <p:spTree>
+      <p:nvGrpSpPr>
+        <p:cNvPr id="1" name=""/>
+        <p:cNvGrpSpPr/>
+        <p:nvPr/>
+      </p:nvGrpSpPr>
+      <p:grpSpPr>
+        <a:xfrm>
+          <a:off x="0" y="0"/>
+          <a:ext cx="0" cy="0"/>
+          <a:chOff x="0" y="0"/>
+          <a:chExt cx="0" cy="0"/>
+        </a:xfrm>
+      </p:grpSpPr>
+      <p:sp>
+        <p:nvSpPr>
           <p:cNvPr id="8" name="Titre 7">
             <a:extLst>
               <a:ext uri="{FF2B5EF4-FFF2-40B4-BE49-F238E27FC236}">
@@ -27441,7 +28386,7 @@
 </p:sld>
 </file>
 
-<file path=ppt/slides/slide25.xml><?xml version="1.0" encoding="utf-8"?>
+<file path=ppt/slides/slide27.xml><?xml version="1.0" encoding="utf-8"?>
 <p:sld xmlns:a="http://schemas.openxmlformats.org/drawingml/2006/main" xmlns:r="http://schemas.openxmlformats.org/officeDocument/2006/relationships" xmlns:p="http://schemas.openxmlformats.org/presentationml/2006/main">
   <p:cSld>
     <p:spTree>
@@ -28926,7 +29871,7 @@
 </p:sld>
 </file>
 
-<file path=ppt/slides/slide26.xml><?xml version="1.0" encoding="utf-8"?>
+<file path=ppt/slides/slide28.xml><?xml version="1.0" encoding="utf-8"?>
 <p:sld xmlns:a="http://schemas.openxmlformats.org/drawingml/2006/main" xmlns:r="http://schemas.openxmlformats.org/officeDocument/2006/relationships" xmlns:p="http://schemas.openxmlformats.org/presentationml/2006/main">
   <p:cSld>
     <p:spTree>
@@ -29001,7 +29946,7 @@
               <a:rPr lang="fr-FR" sz="1200" b="1" dirty="0">
                 <a:latin typeface="Barlow" panose="00000500000000000000" pitchFamily="2" charset="0"/>
               </a:rPr>
-              <a:t>v1.2.1.0 – xx/04/2024</a:t>
+              <a:t>v1.2.1.0 – 20/04/2024</a:t>
             </a:r>
           </a:p>
           <a:p>
@@ -29607,7 +30552,7 @@
 </p:sld>
 </file>
 
-<file path=ppt/slides/slide27.xml><?xml version="1.0" encoding="utf-8"?>
+<file path=ppt/slides/slide29.xml><?xml version="1.0" encoding="utf-8"?>
 <p:sld xmlns:a="http://schemas.openxmlformats.org/drawingml/2006/main" xmlns:r="http://schemas.openxmlformats.org/officeDocument/2006/relationships" xmlns:p="http://schemas.openxmlformats.org/presentationml/2006/main">
   <p:cSld>
     <p:spTree>
@@ -30262,7 +31207,123 @@
 </p:sld>
 </file>
 
-<file path=ppt/slides/slide28.xml><?xml version="1.0" encoding="utf-8"?>
+<file path=ppt/slides/slide3.xml><?xml version="1.0" encoding="utf-8"?>
+<p:sld xmlns:a="http://schemas.openxmlformats.org/drawingml/2006/main" xmlns:r="http://schemas.openxmlformats.org/officeDocument/2006/relationships" xmlns:p="http://schemas.openxmlformats.org/presentationml/2006/main">
+  <p:cSld>
+    <p:spTree>
+      <p:nvGrpSpPr>
+        <p:cNvPr id="1" name=""/>
+        <p:cNvGrpSpPr/>
+        <p:nvPr/>
+      </p:nvGrpSpPr>
+      <p:grpSpPr>
+        <a:xfrm>
+          <a:off x="0" y="0"/>
+          <a:ext cx="0" cy="0"/>
+          <a:chOff x="0" y="0"/>
+          <a:chExt cx="0" cy="0"/>
+        </a:xfrm>
+      </p:grpSpPr>
+      <p:sp>
+        <p:nvSpPr>
+          <p:cNvPr id="4" name="Titre 3">
+            <a:extLst>
+              <a:ext uri="{FF2B5EF4-FFF2-40B4-BE49-F238E27FC236}">
+                <a16:creationId xmlns:a16="http://schemas.microsoft.com/office/drawing/2014/main" id="{5AB25890-5D2B-8A4F-90E1-E25E94E888E5}"/>
+              </a:ext>
+            </a:extLst>
+          </p:cNvPr>
+          <p:cNvSpPr>
+            <a:spLocks noGrp="1"/>
+          </p:cNvSpPr>
+          <p:nvPr>
+            <p:ph type="title"/>
+          </p:nvPr>
+        </p:nvSpPr>
+        <p:spPr>
+          <a:prstGeom prst="rect">
+            <a:avLst/>
+          </a:prstGeom>
+        </p:spPr>
+        <p:txBody>
+          <a:bodyPr/>
+          <a:lstStyle/>
+          <a:p>
+            <a:r>
+              <a:rPr lang="fr-FR" dirty="0"/>
+              <a:t>Description générale</a:t>
+            </a:r>
+          </a:p>
+        </p:txBody>
+      </p:sp>
+      <p:sp>
+        <p:nvSpPr>
+          <p:cNvPr id="5" name="Espace réservé du contenu 4">
+            <a:extLst>
+              <a:ext uri="{FF2B5EF4-FFF2-40B4-BE49-F238E27FC236}">
+                <a16:creationId xmlns:a16="http://schemas.microsoft.com/office/drawing/2014/main" id="{24F509AC-E712-3C45-AAC9-0BA6E5C35D4B}"/>
+              </a:ext>
+            </a:extLst>
+          </p:cNvPr>
+          <p:cNvSpPr>
+            <a:spLocks noGrp="1"/>
+          </p:cNvSpPr>
+          <p:nvPr>
+            <p:ph sz="half" idx="1"/>
+          </p:nvPr>
+        </p:nvSpPr>
+        <p:spPr>
+          <a:prstGeom prst="rect">
+            <a:avLst/>
+          </a:prstGeom>
+        </p:spPr>
+        <p:txBody>
+          <a:bodyPr/>
+          <a:lstStyle/>
+          <a:p>
+            <a:r>
+              <a:rPr lang="fr-FR" b="0" dirty="0"/>
+              <a:t>Description du logiciel et des ses fonctionnalités</a:t>
+            </a:r>
+          </a:p>
+        </p:txBody>
+      </p:sp>
+      <p:sp>
+        <p:nvSpPr>
+          <p:cNvPr id="2" name="Espace réservé du texte 1"/>
+          <p:cNvSpPr>
+            <a:spLocks noGrp="1"/>
+          </p:cNvSpPr>
+          <p:nvPr>
+            <p:ph type="body" sz="quarter" idx="10"/>
+          </p:nvPr>
+        </p:nvSpPr>
+        <p:spPr/>
+        <p:txBody>
+          <a:bodyPr/>
+          <a:lstStyle/>
+          <a:p>
+            <a:r>
+              <a:rPr lang="fr-FR" dirty="0"/>
+              <a:t>1</a:t>
+            </a:r>
+          </a:p>
+        </p:txBody>
+      </p:sp>
+    </p:spTree>
+    <p:extLst>
+      <p:ext uri="{BB962C8B-B14F-4D97-AF65-F5344CB8AC3E}">
+        <p14:creationId xmlns:p14="http://schemas.microsoft.com/office/powerpoint/2010/main" val="3615854999"/>
+      </p:ext>
+    </p:extLst>
+  </p:cSld>
+  <p:clrMapOvr>
+    <a:masterClrMapping/>
+  </p:clrMapOvr>
+</p:sld>
+</file>
+
+<file path=ppt/slides/slide30.xml><?xml version="1.0" encoding="utf-8"?>
 <p:sld xmlns:a="http://schemas.openxmlformats.org/drawingml/2006/main" xmlns:r="http://schemas.openxmlformats.org/officeDocument/2006/relationships" xmlns:p="http://schemas.openxmlformats.org/presentationml/2006/main">
   <p:cSld>
     <p:spTree>
@@ -32205,7 +33266,7 @@
 </p:sld>
 </file>
 
-<file path=ppt/slides/slide29.xml><?xml version="1.0" encoding="utf-8"?>
+<file path=ppt/slides/slide31.xml><?xml version="1.0" encoding="utf-8"?>
 <p:sld xmlns:a="http://schemas.openxmlformats.org/drawingml/2006/main" xmlns:r="http://schemas.openxmlformats.org/officeDocument/2006/relationships" xmlns:p="http://schemas.openxmlformats.org/presentationml/2006/main">
   <p:cSld>
     <p:spTree>
@@ -32756,123 +33817,7 @@
 </p:sld>
 </file>
 
-<file path=ppt/slides/slide3.xml><?xml version="1.0" encoding="utf-8"?>
-<p:sld xmlns:a="http://schemas.openxmlformats.org/drawingml/2006/main" xmlns:r="http://schemas.openxmlformats.org/officeDocument/2006/relationships" xmlns:p="http://schemas.openxmlformats.org/presentationml/2006/main">
-  <p:cSld>
-    <p:spTree>
-      <p:nvGrpSpPr>
-        <p:cNvPr id="1" name=""/>
-        <p:cNvGrpSpPr/>
-        <p:nvPr/>
-      </p:nvGrpSpPr>
-      <p:grpSpPr>
-        <a:xfrm>
-          <a:off x="0" y="0"/>
-          <a:ext cx="0" cy="0"/>
-          <a:chOff x="0" y="0"/>
-          <a:chExt cx="0" cy="0"/>
-        </a:xfrm>
-      </p:grpSpPr>
-      <p:sp>
-        <p:nvSpPr>
-          <p:cNvPr id="4" name="Titre 3">
-            <a:extLst>
-              <a:ext uri="{FF2B5EF4-FFF2-40B4-BE49-F238E27FC236}">
-                <a16:creationId xmlns:a16="http://schemas.microsoft.com/office/drawing/2014/main" id="{5AB25890-5D2B-8A4F-90E1-E25E94E888E5}"/>
-              </a:ext>
-            </a:extLst>
-          </p:cNvPr>
-          <p:cNvSpPr>
-            <a:spLocks noGrp="1"/>
-          </p:cNvSpPr>
-          <p:nvPr>
-            <p:ph type="title"/>
-          </p:nvPr>
-        </p:nvSpPr>
-        <p:spPr>
-          <a:prstGeom prst="rect">
-            <a:avLst/>
-          </a:prstGeom>
-        </p:spPr>
-        <p:txBody>
-          <a:bodyPr/>
-          <a:lstStyle/>
-          <a:p>
-            <a:r>
-              <a:rPr lang="fr-FR" dirty="0"/>
-              <a:t>Description générale</a:t>
-            </a:r>
-          </a:p>
-        </p:txBody>
-      </p:sp>
-      <p:sp>
-        <p:nvSpPr>
-          <p:cNvPr id="5" name="Espace réservé du contenu 4">
-            <a:extLst>
-              <a:ext uri="{FF2B5EF4-FFF2-40B4-BE49-F238E27FC236}">
-                <a16:creationId xmlns:a16="http://schemas.microsoft.com/office/drawing/2014/main" id="{24F509AC-E712-3C45-AAC9-0BA6E5C35D4B}"/>
-              </a:ext>
-            </a:extLst>
-          </p:cNvPr>
-          <p:cNvSpPr>
-            <a:spLocks noGrp="1"/>
-          </p:cNvSpPr>
-          <p:nvPr>
-            <p:ph sz="half" idx="1"/>
-          </p:nvPr>
-        </p:nvSpPr>
-        <p:spPr>
-          <a:prstGeom prst="rect">
-            <a:avLst/>
-          </a:prstGeom>
-        </p:spPr>
-        <p:txBody>
-          <a:bodyPr/>
-          <a:lstStyle/>
-          <a:p>
-            <a:r>
-              <a:rPr lang="fr-FR" b="0" dirty="0"/>
-              <a:t>Description du logiciel et des ses fonctionnalités</a:t>
-            </a:r>
-          </a:p>
-        </p:txBody>
-      </p:sp>
-      <p:sp>
-        <p:nvSpPr>
-          <p:cNvPr id="2" name="Espace réservé du texte 1"/>
-          <p:cNvSpPr>
-            <a:spLocks noGrp="1"/>
-          </p:cNvSpPr>
-          <p:nvPr>
-            <p:ph type="body" sz="quarter" idx="10"/>
-          </p:nvPr>
-        </p:nvSpPr>
-        <p:spPr/>
-        <p:txBody>
-          <a:bodyPr/>
-          <a:lstStyle/>
-          <a:p>
-            <a:r>
-              <a:rPr lang="fr-FR" dirty="0"/>
-              <a:t>1</a:t>
-            </a:r>
-          </a:p>
-        </p:txBody>
-      </p:sp>
-    </p:spTree>
-    <p:extLst>
-      <p:ext uri="{BB962C8B-B14F-4D97-AF65-F5344CB8AC3E}">
-        <p14:creationId xmlns:p14="http://schemas.microsoft.com/office/powerpoint/2010/main" val="3615854999"/>
-      </p:ext>
-    </p:extLst>
-  </p:cSld>
-  <p:clrMapOvr>
-    <a:masterClrMapping/>
-  </p:clrMapOvr>
-</p:sld>
-</file>
-
-<file path=ppt/slides/slide30.xml><?xml version="1.0" encoding="utf-8"?>
+<file path=ppt/slides/slide32.xml><?xml version="1.0" encoding="utf-8"?>
 <p:sld xmlns:a="http://schemas.openxmlformats.org/drawingml/2006/main" xmlns:r="http://schemas.openxmlformats.org/officeDocument/2006/relationships" xmlns:p="http://schemas.openxmlformats.org/presentationml/2006/main">
   <p:cSld>
     <p:spTree>
@@ -33592,857 +34537,6 @@
 </p:sld>
 </file>
 
-<file path=ppt/slides/slide31.xml><?xml version="1.0" encoding="utf-8"?>
-<p:sld xmlns:a="http://schemas.openxmlformats.org/drawingml/2006/main" xmlns:r="http://schemas.openxmlformats.org/officeDocument/2006/relationships" xmlns:p="http://schemas.openxmlformats.org/presentationml/2006/main">
-  <p:cSld>
-    <p:spTree>
-      <p:nvGrpSpPr>
-        <p:cNvPr id="1" name=""/>
-        <p:cNvGrpSpPr/>
-        <p:nvPr/>
-      </p:nvGrpSpPr>
-      <p:grpSpPr>
-        <a:xfrm>
-          <a:off x="0" y="0"/>
-          <a:ext cx="0" cy="0"/>
-          <a:chOff x="0" y="0"/>
-          <a:chExt cx="0" cy="0"/>
-        </a:xfrm>
-      </p:grpSpPr>
-      <p:sp>
-        <p:nvSpPr>
-          <p:cNvPr id="40" name="Rectangle : coins arrondis 39">
-            <a:extLst>
-              <a:ext uri="{FF2B5EF4-FFF2-40B4-BE49-F238E27FC236}">
-                <a16:creationId xmlns:a16="http://schemas.microsoft.com/office/drawing/2014/main" id="{58A34438-3D1A-7ADA-6577-FC12D5E3BB3A}"/>
-              </a:ext>
-            </a:extLst>
-          </p:cNvPr>
-          <p:cNvSpPr/>
-          <p:nvPr/>
-        </p:nvSpPr>
-        <p:spPr>
-          <a:xfrm>
-            <a:off x="3231116" y="1647522"/>
-            <a:ext cx="5829064" cy="4808792"/>
-          </a:xfrm>
-          <a:prstGeom prst="roundRect">
-            <a:avLst>
-              <a:gd name="adj" fmla="val 1691"/>
-            </a:avLst>
-          </a:prstGeom>
-          <a:noFill/>
-        </p:spPr>
-        <p:style>
-          <a:lnRef idx="2">
-            <a:schemeClr val="accent1"/>
-          </a:lnRef>
-          <a:fillRef idx="1">
-            <a:schemeClr val="lt1"/>
-          </a:fillRef>
-          <a:effectRef idx="0">
-            <a:schemeClr val="accent1"/>
-          </a:effectRef>
-          <a:fontRef idx="minor">
-            <a:schemeClr val="dk1"/>
-          </a:fontRef>
-        </p:style>
-        <p:txBody>
-          <a:bodyPr rtlCol="0" anchor="ctr"/>
-          <a:lstStyle/>
-          <a:p>
-            <a:pPr algn="r"/>
-            <a:endParaRPr lang="fr-FR" dirty="0"/>
-          </a:p>
-        </p:txBody>
-      </p:sp>
-      <p:sp>
-        <p:nvSpPr>
-          <p:cNvPr id="2" name="Titre 1">
-            <a:extLst>
-              <a:ext uri="{FF2B5EF4-FFF2-40B4-BE49-F238E27FC236}">
-                <a16:creationId xmlns:a16="http://schemas.microsoft.com/office/drawing/2014/main" id="{2C198829-35EB-6A46-EBAA-6A582DAFE970}"/>
-              </a:ext>
-            </a:extLst>
-          </p:cNvPr>
-          <p:cNvSpPr>
-            <a:spLocks noGrp="1"/>
-          </p:cNvSpPr>
-          <p:nvPr>
-            <p:ph type="title"/>
-          </p:nvPr>
-        </p:nvSpPr>
-        <p:spPr/>
-        <p:txBody>
-          <a:bodyPr/>
-          <a:lstStyle/>
-          <a:p>
-            <a:r>
-              <a:rPr lang="fr-FR" dirty="0"/>
-              <a:t>Plan du Site utilisateur – Affectations</a:t>
-            </a:r>
-          </a:p>
-        </p:txBody>
-      </p:sp>
-      <p:sp>
-        <p:nvSpPr>
-          <p:cNvPr id="4" name="Espace réservé du texte 3">
-            <a:extLst>
-              <a:ext uri="{FF2B5EF4-FFF2-40B4-BE49-F238E27FC236}">
-                <a16:creationId xmlns:a16="http://schemas.microsoft.com/office/drawing/2014/main" id="{55EE5942-743C-7FE0-DDCC-8AF825345982}"/>
-              </a:ext>
-            </a:extLst>
-          </p:cNvPr>
-          <p:cNvSpPr>
-            <a:spLocks noGrp="1"/>
-          </p:cNvSpPr>
-          <p:nvPr>
-            <p:ph type="body" sz="quarter" idx="15"/>
-          </p:nvPr>
-        </p:nvSpPr>
-        <p:spPr/>
-        <p:txBody>
-          <a:bodyPr/>
-          <a:lstStyle/>
-          <a:p>
-            <a:r>
-              <a:rPr lang="fr-FR" dirty="0"/>
-              <a:t>Annexe</a:t>
-            </a:r>
-          </a:p>
-        </p:txBody>
-      </p:sp>
-      <p:sp>
-        <p:nvSpPr>
-          <p:cNvPr id="34" name="Rectangle : coins arrondis 33">
-            <a:extLst>
-              <a:ext uri="{FF2B5EF4-FFF2-40B4-BE49-F238E27FC236}">
-                <a16:creationId xmlns:a16="http://schemas.microsoft.com/office/drawing/2014/main" id="{2A9E8854-3740-AEB4-DA1E-41A230566829}"/>
-              </a:ext>
-            </a:extLst>
-          </p:cNvPr>
-          <p:cNvSpPr/>
-          <p:nvPr/>
-        </p:nvSpPr>
-        <p:spPr>
-          <a:xfrm>
-            <a:off x="3231114" y="1639838"/>
-            <a:ext cx="5829066" cy="402322"/>
-          </a:xfrm>
-          <a:prstGeom prst="roundRect">
-            <a:avLst/>
-          </a:prstGeom>
-        </p:spPr>
-        <p:style>
-          <a:lnRef idx="0">
-            <a:schemeClr val="accent1"/>
-          </a:lnRef>
-          <a:fillRef idx="3">
-            <a:schemeClr val="accent1"/>
-          </a:fillRef>
-          <a:effectRef idx="3">
-            <a:schemeClr val="accent1"/>
-          </a:effectRef>
-          <a:fontRef idx="minor">
-            <a:schemeClr val="lt1"/>
-          </a:fontRef>
-        </p:style>
-        <p:txBody>
-          <a:bodyPr rtlCol="0" anchor="ctr"/>
-          <a:lstStyle/>
-          <a:p>
-            <a:pPr algn="ctr"/>
-            <a:r>
-              <a:rPr lang="fr-FR" sz="1400" dirty="0"/>
-              <a:t>Affectations des tapis</a:t>
-            </a:r>
-          </a:p>
-        </p:txBody>
-      </p:sp>
-      <p:pic>
-        <p:nvPicPr>
-          <p:cNvPr id="5" name="Image 4">
-            <a:extLst>
-              <a:ext uri="{FF2B5EF4-FFF2-40B4-BE49-F238E27FC236}">
-                <a16:creationId xmlns:a16="http://schemas.microsoft.com/office/drawing/2014/main" id="{299E2910-1D4D-F715-AB09-C6B0203E31BC}"/>
-              </a:ext>
-            </a:extLst>
-          </p:cNvPr>
-          <p:cNvPicPr>
-            <a:picLocks noChangeAspect="1"/>
-          </p:cNvPicPr>
-          <p:nvPr/>
-        </p:nvPicPr>
-        <p:blipFill>
-          <a:blip r:embed="rId2"/>
-          <a:stretch>
-            <a:fillRect/>
-          </a:stretch>
-        </p:blipFill>
-        <p:spPr>
-          <a:xfrm>
-            <a:off x="3878697" y="2145295"/>
-            <a:ext cx="4533900" cy="4207884"/>
-          </a:xfrm>
-          <a:prstGeom prst="rect">
-            <a:avLst/>
-          </a:prstGeom>
-        </p:spPr>
-      </p:pic>
-    </p:spTree>
-    <p:extLst>
-      <p:ext uri="{BB962C8B-B14F-4D97-AF65-F5344CB8AC3E}">
-        <p14:creationId xmlns:p14="http://schemas.microsoft.com/office/powerpoint/2010/main" val="2055979273"/>
-      </p:ext>
-    </p:extLst>
-  </p:cSld>
-  <p:clrMapOvr>
-    <a:masterClrMapping/>
-  </p:clrMapOvr>
-</p:sld>
-</file>
-
-<file path=ppt/slides/slide32.xml><?xml version="1.0" encoding="utf-8"?>
-<p:sld xmlns:a="http://schemas.openxmlformats.org/drawingml/2006/main" xmlns:r="http://schemas.openxmlformats.org/officeDocument/2006/relationships" xmlns:p="http://schemas.openxmlformats.org/presentationml/2006/main">
-  <p:cSld>
-    <p:spTree>
-      <p:nvGrpSpPr>
-        <p:cNvPr id="1" name=""/>
-        <p:cNvGrpSpPr/>
-        <p:nvPr/>
-      </p:nvGrpSpPr>
-      <p:grpSpPr>
-        <a:xfrm>
-          <a:off x="0" y="0"/>
-          <a:ext cx="0" cy="0"/>
-          <a:chOff x="0" y="0"/>
-          <a:chExt cx="0" cy="0"/>
-        </a:xfrm>
-      </p:grpSpPr>
-      <p:sp>
-        <p:nvSpPr>
-          <p:cNvPr id="2" name="Titre 1">
-            <a:extLst>
-              <a:ext uri="{FF2B5EF4-FFF2-40B4-BE49-F238E27FC236}">
-                <a16:creationId xmlns:a16="http://schemas.microsoft.com/office/drawing/2014/main" id="{2C198829-35EB-6A46-EBAA-6A582DAFE970}"/>
-              </a:ext>
-            </a:extLst>
-          </p:cNvPr>
-          <p:cNvSpPr>
-            <a:spLocks noGrp="1"/>
-          </p:cNvSpPr>
-          <p:nvPr>
-            <p:ph type="title"/>
-          </p:nvPr>
-        </p:nvSpPr>
-        <p:spPr/>
-        <p:txBody>
-          <a:bodyPr/>
-          <a:lstStyle/>
-          <a:p>
-            <a:r>
-              <a:rPr lang="fr-FR" dirty="0"/>
-              <a:t>Plan du Site utilisateur – Avancements</a:t>
-            </a:r>
-          </a:p>
-        </p:txBody>
-      </p:sp>
-      <p:sp>
-        <p:nvSpPr>
-          <p:cNvPr id="4" name="Espace réservé du texte 3">
-            <a:extLst>
-              <a:ext uri="{FF2B5EF4-FFF2-40B4-BE49-F238E27FC236}">
-                <a16:creationId xmlns:a16="http://schemas.microsoft.com/office/drawing/2014/main" id="{55EE5942-743C-7FE0-DDCC-8AF825345982}"/>
-              </a:ext>
-            </a:extLst>
-          </p:cNvPr>
-          <p:cNvSpPr>
-            <a:spLocks noGrp="1"/>
-          </p:cNvSpPr>
-          <p:nvPr>
-            <p:ph type="body" sz="quarter" idx="15"/>
-          </p:nvPr>
-        </p:nvSpPr>
-        <p:spPr/>
-        <p:txBody>
-          <a:bodyPr/>
-          <a:lstStyle/>
-          <a:p>
-            <a:r>
-              <a:rPr lang="fr-FR" dirty="0"/>
-              <a:t>Annexe</a:t>
-            </a:r>
-          </a:p>
-        </p:txBody>
-      </p:sp>
-      <p:sp>
-        <p:nvSpPr>
-          <p:cNvPr id="3" name="Rectangle : coins arrondis 2">
-            <a:extLst>
-              <a:ext uri="{FF2B5EF4-FFF2-40B4-BE49-F238E27FC236}">
-                <a16:creationId xmlns:a16="http://schemas.microsoft.com/office/drawing/2014/main" id="{503174A0-941A-A415-3B71-EFB82484532B}"/>
-              </a:ext>
-            </a:extLst>
-          </p:cNvPr>
-          <p:cNvSpPr/>
-          <p:nvPr/>
-        </p:nvSpPr>
-        <p:spPr>
-          <a:xfrm>
-            <a:off x="221059" y="1972782"/>
-            <a:ext cx="3529729" cy="3861738"/>
-          </a:xfrm>
-          <a:prstGeom prst="roundRect">
-            <a:avLst>
-              <a:gd name="adj" fmla="val 1691"/>
-            </a:avLst>
-          </a:prstGeom>
-          <a:noFill/>
-        </p:spPr>
-        <p:style>
-          <a:lnRef idx="2">
-            <a:schemeClr val="accent1"/>
-          </a:lnRef>
-          <a:fillRef idx="1">
-            <a:schemeClr val="lt1"/>
-          </a:fillRef>
-          <a:effectRef idx="0">
-            <a:schemeClr val="accent1"/>
-          </a:effectRef>
-          <a:fontRef idx="minor">
-            <a:schemeClr val="dk1"/>
-          </a:fontRef>
-        </p:style>
-        <p:txBody>
-          <a:bodyPr rtlCol="0" anchor="ctr"/>
-          <a:lstStyle/>
-          <a:p>
-            <a:pPr algn="r"/>
-            <a:endParaRPr lang="fr-FR" dirty="0"/>
-          </a:p>
-        </p:txBody>
-      </p:sp>
-      <p:sp>
-        <p:nvSpPr>
-          <p:cNvPr id="6" name="Rectangle : coins arrondis 5">
-            <a:extLst>
-              <a:ext uri="{FF2B5EF4-FFF2-40B4-BE49-F238E27FC236}">
-                <a16:creationId xmlns:a16="http://schemas.microsoft.com/office/drawing/2014/main" id="{1FF9D910-74CE-77AC-4697-C5E04C287AF0}"/>
-              </a:ext>
-            </a:extLst>
-          </p:cNvPr>
-          <p:cNvSpPr/>
-          <p:nvPr/>
-        </p:nvSpPr>
-        <p:spPr>
-          <a:xfrm>
-            <a:off x="221057" y="1965098"/>
-            <a:ext cx="3529731" cy="402322"/>
-          </a:xfrm>
-          <a:prstGeom prst="roundRect">
-            <a:avLst/>
-          </a:prstGeom>
-        </p:spPr>
-        <p:style>
-          <a:lnRef idx="0">
-            <a:schemeClr val="accent1"/>
-          </a:lnRef>
-          <a:fillRef idx="3">
-            <a:schemeClr val="accent1"/>
-          </a:fillRef>
-          <a:effectRef idx="3">
-            <a:schemeClr val="accent1"/>
-          </a:effectRef>
-          <a:fontRef idx="minor">
-            <a:schemeClr val="lt1"/>
-          </a:fontRef>
-        </p:style>
-        <p:txBody>
-          <a:bodyPr rtlCol="0" anchor="ctr"/>
-          <a:lstStyle/>
-          <a:p>
-            <a:pPr algn="ctr"/>
-            <a:r>
-              <a:rPr lang="fr-FR" sz="1400" dirty="0"/>
-              <a:t>Avancements (choix de catégorie)</a:t>
-            </a:r>
-          </a:p>
-        </p:txBody>
-      </p:sp>
-      <p:sp>
-        <p:nvSpPr>
-          <p:cNvPr id="7" name="Rectangle : coins arrondis 6">
-            <a:extLst>
-              <a:ext uri="{FF2B5EF4-FFF2-40B4-BE49-F238E27FC236}">
-                <a16:creationId xmlns:a16="http://schemas.microsoft.com/office/drawing/2014/main" id="{1A86364E-4B4A-25F5-F6B9-3ED2D611FCB6}"/>
-              </a:ext>
-            </a:extLst>
-          </p:cNvPr>
-          <p:cNvSpPr/>
-          <p:nvPr/>
-        </p:nvSpPr>
-        <p:spPr>
-          <a:xfrm>
-            <a:off x="4046431" y="1534320"/>
-            <a:ext cx="2690096" cy="3526522"/>
-          </a:xfrm>
-          <a:prstGeom prst="roundRect">
-            <a:avLst>
-              <a:gd name="adj" fmla="val 1691"/>
-            </a:avLst>
-          </a:prstGeom>
-          <a:noFill/>
-        </p:spPr>
-        <p:style>
-          <a:lnRef idx="2">
-            <a:schemeClr val="accent1"/>
-          </a:lnRef>
-          <a:fillRef idx="1">
-            <a:schemeClr val="lt1"/>
-          </a:fillRef>
-          <a:effectRef idx="0">
-            <a:schemeClr val="accent1"/>
-          </a:effectRef>
-          <a:fontRef idx="minor">
-            <a:schemeClr val="dk1"/>
-          </a:fontRef>
-        </p:style>
-        <p:txBody>
-          <a:bodyPr rtlCol="0" anchor="ctr"/>
-          <a:lstStyle/>
-          <a:p>
-            <a:pPr algn="r"/>
-            <a:endParaRPr lang="fr-FR" dirty="0"/>
-          </a:p>
-        </p:txBody>
-      </p:sp>
-      <p:sp>
-        <p:nvSpPr>
-          <p:cNvPr id="8" name="Rectangle : coins arrondis 7">
-            <a:extLst>
-              <a:ext uri="{FF2B5EF4-FFF2-40B4-BE49-F238E27FC236}">
-                <a16:creationId xmlns:a16="http://schemas.microsoft.com/office/drawing/2014/main" id="{784D7F57-DCD9-FF19-1D50-01AEC1AFCAAE}"/>
-              </a:ext>
-            </a:extLst>
-          </p:cNvPr>
-          <p:cNvSpPr/>
-          <p:nvPr/>
-        </p:nvSpPr>
-        <p:spPr>
-          <a:xfrm>
-            <a:off x="4046429" y="1534320"/>
-            <a:ext cx="2690098" cy="402322"/>
-          </a:xfrm>
-          <a:prstGeom prst="roundRect">
-            <a:avLst/>
-          </a:prstGeom>
-        </p:spPr>
-        <p:style>
-          <a:lnRef idx="0">
-            <a:schemeClr val="accent1"/>
-          </a:lnRef>
-          <a:fillRef idx="3">
-            <a:schemeClr val="accent1"/>
-          </a:fillRef>
-          <a:effectRef idx="3">
-            <a:schemeClr val="accent1"/>
-          </a:effectRef>
-          <a:fontRef idx="minor">
-            <a:schemeClr val="lt1"/>
-          </a:fontRef>
-        </p:style>
-        <p:txBody>
-          <a:bodyPr rtlCol="0" anchor="ctr"/>
-          <a:lstStyle/>
-          <a:p>
-            <a:pPr algn="ctr"/>
-            <a:r>
-              <a:rPr lang="fr-FR" sz="1400" dirty="0"/>
-              <a:t>Tableau de catégorie</a:t>
-            </a:r>
-          </a:p>
-        </p:txBody>
-      </p:sp>
-      <p:pic>
-        <p:nvPicPr>
-          <p:cNvPr id="14" name="Image 13">
-            <a:extLst>
-              <a:ext uri="{FF2B5EF4-FFF2-40B4-BE49-F238E27FC236}">
-                <a16:creationId xmlns:a16="http://schemas.microsoft.com/office/drawing/2014/main" id="{569F78C2-1079-9B2D-317A-BEFB7F12F78D}"/>
-              </a:ext>
-            </a:extLst>
-          </p:cNvPr>
-          <p:cNvPicPr>
-            <a:picLocks noChangeAspect="1"/>
-          </p:cNvPicPr>
-          <p:nvPr/>
-        </p:nvPicPr>
-        <p:blipFill>
-          <a:blip r:embed="rId2"/>
-          <a:stretch>
-            <a:fillRect/>
-          </a:stretch>
-        </p:blipFill>
-        <p:spPr>
-          <a:xfrm>
-            <a:off x="571095" y="2515039"/>
-            <a:ext cx="2834168" cy="3194967"/>
-          </a:xfrm>
-          <a:prstGeom prst="rect">
-            <a:avLst/>
-          </a:prstGeom>
-        </p:spPr>
-      </p:pic>
-      <p:pic>
-        <p:nvPicPr>
-          <p:cNvPr id="15" name="Image 14">
-            <a:extLst>
-              <a:ext uri="{FF2B5EF4-FFF2-40B4-BE49-F238E27FC236}">
-                <a16:creationId xmlns:a16="http://schemas.microsoft.com/office/drawing/2014/main" id="{E087A879-379E-56AC-1AF7-F653744646ED}"/>
-              </a:ext>
-            </a:extLst>
-          </p:cNvPr>
-          <p:cNvPicPr>
-            <a:picLocks noChangeAspect="1"/>
-          </p:cNvPicPr>
-          <p:nvPr/>
-        </p:nvPicPr>
-        <p:blipFill>
-          <a:blip r:embed="rId3"/>
-          <a:stretch>
-            <a:fillRect/>
-          </a:stretch>
-        </p:blipFill>
-        <p:spPr>
-          <a:xfrm>
-            <a:off x="4226822" y="2083601"/>
-            <a:ext cx="2270163" cy="2826353"/>
-          </a:xfrm>
-          <a:prstGeom prst="rect">
-            <a:avLst/>
-          </a:prstGeom>
-        </p:spPr>
-      </p:pic>
-      <p:sp>
-        <p:nvSpPr>
-          <p:cNvPr id="16" name="Rectangle : coins arrondis 15">
-            <a:extLst>
-              <a:ext uri="{FF2B5EF4-FFF2-40B4-BE49-F238E27FC236}">
-                <a16:creationId xmlns:a16="http://schemas.microsoft.com/office/drawing/2014/main" id="{EFB40968-59E3-B5AA-6426-D47479177ACF}"/>
-              </a:ext>
-            </a:extLst>
-          </p:cNvPr>
-          <p:cNvSpPr/>
-          <p:nvPr/>
-        </p:nvSpPr>
-        <p:spPr>
-          <a:xfrm>
-            <a:off x="7032172" y="2720037"/>
-            <a:ext cx="4938769" cy="3526522"/>
-          </a:xfrm>
-          <a:prstGeom prst="roundRect">
-            <a:avLst>
-              <a:gd name="adj" fmla="val 1691"/>
-            </a:avLst>
-          </a:prstGeom>
-          <a:noFill/>
-        </p:spPr>
-        <p:style>
-          <a:lnRef idx="2">
-            <a:schemeClr val="accent1"/>
-          </a:lnRef>
-          <a:fillRef idx="1">
-            <a:schemeClr val="lt1"/>
-          </a:fillRef>
-          <a:effectRef idx="0">
-            <a:schemeClr val="accent1"/>
-          </a:effectRef>
-          <a:fontRef idx="minor">
-            <a:schemeClr val="dk1"/>
-          </a:fontRef>
-        </p:style>
-        <p:txBody>
-          <a:bodyPr rtlCol="0" anchor="ctr"/>
-          <a:lstStyle/>
-          <a:p>
-            <a:pPr algn="r"/>
-            <a:endParaRPr lang="fr-FR" dirty="0"/>
-          </a:p>
-        </p:txBody>
-      </p:sp>
-      <p:sp>
-        <p:nvSpPr>
-          <p:cNvPr id="17" name="Rectangle : coins arrondis 16">
-            <a:extLst>
-              <a:ext uri="{FF2B5EF4-FFF2-40B4-BE49-F238E27FC236}">
-                <a16:creationId xmlns:a16="http://schemas.microsoft.com/office/drawing/2014/main" id="{27C9924D-127A-4599-64CD-4C4545D933E9}"/>
-              </a:ext>
-            </a:extLst>
-          </p:cNvPr>
-          <p:cNvSpPr/>
-          <p:nvPr/>
-        </p:nvSpPr>
-        <p:spPr>
-          <a:xfrm>
-            <a:off x="7032170" y="2720037"/>
-            <a:ext cx="4938769" cy="402322"/>
-          </a:xfrm>
-          <a:prstGeom prst="roundRect">
-            <a:avLst/>
-          </a:prstGeom>
-        </p:spPr>
-        <p:style>
-          <a:lnRef idx="0">
-            <a:schemeClr val="accent1"/>
-          </a:lnRef>
-          <a:fillRef idx="3">
-            <a:schemeClr val="accent1"/>
-          </a:fillRef>
-          <a:effectRef idx="3">
-            <a:schemeClr val="accent1"/>
-          </a:effectRef>
-          <a:fontRef idx="minor">
-            <a:schemeClr val="lt1"/>
-          </a:fontRef>
-        </p:style>
-        <p:txBody>
-          <a:bodyPr rtlCol="0" anchor="ctr"/>
-          <a:lstStyle/>
-          <a:p>
-            <a:pPr algn="ctr"/>
-            <a:r>
-              <a:rPr lang="fr-FR" sz="1400" dirty="0"/>
-              <a:t>Poule de catégorie</a:t>
-            </a:r>
-          </a:p>
-        </p:txBody>
-      </p:sp>
-      <p:pic>
-        <p:nvPicPr>
-          <p:cNvPr id="18" name="Image 17">
-            <a:extLst>
-              <a:ext uri="{FF2B5EF4-FFF2-40B4-BE49-F238E27FC236}">
-                <a16:creationId xmlns:a16="http://schemas.microsoft.com/office/drawing/2014/main" id="{B16364DA-96FA-F0CD-AE6C-E157B021F957}"/>
-              </a:ext>
-            </a:extLst>
-          </p:cNvPr>
-          <p:cNvPicPr>
-            <a:picLocks noChangeAspect="1"/>
-          </p:cNvPicPr>
-          <p:nvPr/>
-        </p:nvPicPr>
-        <p:blipFill>
-          <a:blip r:embed="rId4"/>
-          <a:stretch>
-            <a:fillRect/>
-          </a:stretch>
-        </p:blipFill>
-        <p:spPr>
-          <a:xfrm>
-            <a:off x="7204249" y="3288701"/>
-            <a:ext cx="2660296" cy="1978623"/>
-          </a:xfrm>
-          <a:prstGeom prst="rect">
-            <a:avLst/>
-          </a:prstGeom>
-        </p:spPr>
-      </p:pic>
-      <p:pic>
-        <p:nvPicPr>
-          <p:cNvPr id="19" name="Image 18">
-            <a:extLst>
-              <a:ext uri="{FF2B5EF4-FFF2-40B4-BE49-F238E27FC236}">
-                <a16:creationId xmlns:a16="http://schemas.microsoft.com/office/drawing/2014/main" id="{0C7124AE-7EA4-DB9F-D8BC-2C87D82F528E}"/>
-              </a:ext>
-            </a:extLst>
-          </p:cNvPr>
-          <p:cNvPicPr>
-            <a:picLocks noChangeAspect="1"/>
-          </p:cNvPicPr>
-          <p:nvPr/>
-        </p:nvPicPr>
-        <p:blipFill>
-          <a:blip r:embed="rId5"/>
-          <a:stretch>
-            <a:fillRect/>
-          </a:stretch>
-        </p:blipFill>
-        <p:spPr>
-          <a:xfrm>
-            <a:off x="9116679" y="4055692"/>
-            <a:ext cx="2656626" cy="2010299"/>
-          </a:xfrm>
-          <a:prstGeom prst="rect">
-            <a:avLst/>
-          </a:prstGeom>
-        </p:spPr>
-      </p:pic>
-      <p:cxnSp>
-        <p:nvCxnSpPr>
-          <p:cNvPr id="11" name="Connecteur : en angle 10">
-            <a:extLst>
-              <a:ext uri="{FF2B5EF4-FFF2-40B4-BE49-F238E27FC236}">
-                <a16:creationId xmlns:a16="http://schemas.microsoft.com/office/drawing/2014/main" id="{F5813451-B99C-85D9-890B-7BD6D792A98D}"/>
-              </a:ext>
-            </a:extLst>
-          </p:cNvPr>
-          <p:cNvCxnSpPr>
-            <a:cxnSpLocks/>
-            <a:endCxn id="15" idx="1"/>
-          </p:cNvCxnSpPr>
-          <p:nvPr/>
-        </p:nvCxnSpPr>
-        <p:spPr>
-          <a:xfrm flipV="1">
-            <a:off x="2916791" y="3496778"/>
-            <a:ext cx="1310031" cy="1237147"/>
-          </a:xfrm>
-          <a:prstGeom prst="curvedConnector3">
-            <a:avLst>
-              <a:gd name="adj1" fmla="val 50000"/>
-            </a:avLst>
-          </a:prstGeom>
-          <a:ln>
-            <a:headEnd type="diamond" w="med" len="med"/>
-            <a:tailEnd type="triangle" w="med" len="med"/>
-          </a:ln>
-        </p:spPr>
-        <p:style>
-          <a:lnRef idx="1">
-            <a:schemeClr val="accent1"/>
-          </a:lnRef>
-          <a:fillRef idx="0">
-            <a:schemeClr val="accent1"/>
-          </a:fillRef>
-          <a:effectRef idx="0">
-            <a:schemeClr val="accent1"/>
-          </a:effectRef>
-          <a:fontRef idx="minor">
-            <a:schemeClr val="tx1"/>
-          </a:fontRef>
-        </p:style>
-      </p:cxnSp>
-      <p:cxnSp>
-        <p:nvCxnSpPr>
-          <p:cNvPr id="22" name="Connecteur : en angle 10">
-            <a:extLst>
-              <a:ext uri="{FF2B5EF4-FFF2-40B4-BE49-F238E27FC236}">
-                <a16:creationId xmlns:a16="http://schemas.microsoft.com/office/drawing/2014/main" id="{49F7FAC1-9236-3A9E-5C30-67587362A919}"/>
-              </a:ext>
-            </a:extLst>
-          </p:cNvPr>
-          <p:cNvCxnSpPr>
-            <a:cxnSpLocks/>
-            <a:endCxn id="18" idx="2"/>
-          </p:cNvCxnSpPr>
-          <p:nvPr/>
-        </p:nvCxnSpPr>
-        <p:spPr>
-          <a:xfrm>
-            <a:off x="2916791" y="4909954"/>
-            <a:ext cx="5617606" cy="357370"/>
-          </a:xfrm>
-          <a:prstGeom prst="curvedConnector4">
-            <a:avLst>
-              <a:gd name="adj1" fmla="val 20527"/>
-              <a:gd name="adj2" fmla="val 163967"/>
-            </a:avLst>
-          </a:prstGeom>
-          <a:ln>
-            <a:headEnd type="diamond" w="med" len="med"/>
-            <a:tailEnd type="triangle" w="med" len="med"/>
-          </a:ln>
-        </p:spPr>
-        <p:style>
-          <a:lnRef idx="1">
-            <a:schemeClr val="accent1"/>
-          </a:lnRef>
-          <a:fillRef idx="0">
-            <a:schemeClr val="accent1"/>
-          </a:fillRef>
-          <a:effectRef idx="0">
-            <a:schemeClr val="accent1"/>
-          </a:effectRef>
-          <a:fontRef idx="minor">
-            <a:schemeClr val="tx1"/>
-          </a:fontRef>
-        </p:style>
-      </p:cxnSp>
-      <p:sp>
-        <p:nvSpPr>
-          <p:cNvPr id="26" name="Légende : encadrée à une bordure 25">
-            <a:extLst>
-              <a:ext uri="{FF2B5EF4-FFF2-40B4-BE49-F238E27FC236}">
-                <a16:creationId xmlns:a16="http://schemas.microsoft.com/office/drawing/2014/main" id="{6D3D5DAC-84E4-A2D1-6D7D-E05FD8DFE120}"/>
-              </a:ext>
-            </a:extLst>
-          </p:cNvPr>
-          <p:cNvSpPr/>
-          <p:nvPr/>
-        </p:nvSpPr>
-        <p:spPr>
-          <a:xfrm flipH="1">
-            <a:off x="7032170" y="2188659"/>
-            <a:ext cx="1806691" cy="331600"/>
-          </a:xfrm>
-          <a:prstGeom prst="accentBorderCallout1">
-            <a:avLst>
-              <a:gd name="adj1" fmla="val 18750"/>
-              <a:gd name="adj2" fmla="val -8333"/>
-              <a:gd name="adj3" fmla="val 535974"/>
-              <a:gd name="adj4" fmla="val -72045"/>
-            </a:avLst>
-          </a:prstGeom>
-          <a:solidFill>
-            <a:schemeClr val="accent6">
-              <a:alpha val="50000"/>
-            </a:schemeClr>
-          </a:solidFill>
-          <a:ln>
-            <a:solidFill>
-              <a:schemeClr val="accent6"/>
-            </a:solidFill>
-          </a:ln>
-        </p:spPr>
-        <p:style>
-          <a:lnRef idx="0">
-            <a:scrgbClr r="0" g="0" b="0"/>
-          </a:lnRef>
-          <a:fillRef idx="0">
-            <a:scrgbClr r="0" g="0" b="0"/>
-          </a:fillRef>
-          <a:effectRef idx="0">
-            <a:scrgbClr r="0" g="0" b="0"/>
-          </a:effectRef>
-          <a:fontRef idx="minor">
-            <a:schemeClr val="lt1"/>
-          </a:fontRef>
-        </p:style>
-        <p:txBody>
-          <a:bodyPr rtlCol="0" anchor="ctr"/>
-          <a:lstStyle/>
-          <a:p>
-            <a:pPr algn="ctr"/>
-            <a:r>
-              <a:rPr lang="fr-FR" sz="1050" dirty="0"/>
-              <a:t>Selon la disposition configuré</a:t>
-            </a:r>
-          </a:p>
-        </p:txBody>
-      </p:sp>
-    </p:spTree>
-    <p:extLst>
-      <p:ext uri="{BB962C8B-B14F-4D97-AF65-F5344CB8AC3E}">
-        <p14:creationId xmlns:p14="http://schemas.microsoft.com/office/powerpoint/2010/main" val="1262413790"/>
-      </p:ext>
-    </p:extLst>
-  </p:cSld>
-  <p:clrMapOvr>
-    <a:masterClrMapping/>
-  </p:clrMapOvr>
-</p:sld>
-</file>
-
 <file path=ppt/slides/slide33.xml><?xml version="1.0" encoding="utf-8"?>
 <p:sld xmlns:a="http://schemas.openxmlformats.org/drawingml/2006/main" xmlns:r="http://schemas.openxmlformats.org/officeDocument/2006/relationships" xmlns:p="http://schemas.openxmlformats.org/presentationml/2006/main">
   <p:cSld>
@@ -34462,66 +34556,10 @@
       </p:grpSpPr>
       <p:sp>
         <p:nvSpPr>
-          <p:cNvPr id="2" name="Titre 1">
-            <a:extLst>
-              <a:ext uri="{FF2B5EF4-FFF2-40B4-BE49-F238E27FC236}">
-                <a16:creationId xmlns:a16="http://schemas.microsoft.com/office/drawing/2014/main" id="{2C198829-35EB-6A46-EBAA-6A582DAFE970}"/>
-              </a:ext>
-            </a:extLst>
-          </p:cNvPr>
-          <p:cNvSpPr>
-            <a:spLocks noGrp="1"/>
-          </p:cNvSpPr>
-          <p:nvPr>
-            <p:ph type="title"/>
-          </p:nvPr>
-        </p:nvSpPr>
-        <p:spPr/>
-        <p:txBody>
-          <a:bodyPr/>
-          <a:lstStyle/>
-          <a:p>
-            <a:r>
-              <a:rPr lang="fr-FR" dirty="0"/>
-              <a:t>Plan du Site utilisateur – Classements</a:t>
-            </a:r>
-          </a:p>
-        </p:txBody>
-      </p:sp>
-      <p:sp>
-        <p:nvSpPr>
-          <p:cNvPr id="4" name="Espace réservé du texte 3">
-            <a:extLst>
-              <a:ext uri="{FF2B5EF4-FFF2-40B4-BE49-F238E27FC236}">
-                <a16:creationId xmlns:a16="http://schemas.microsoft.com/office/drawing/2014/main" id="{55EE5942-743C-7FE0-DDCC-8AF825345982}"/>
-              </a:ext>
-            </a:extLst>
-          </p:cNvPr>
-          <p:cNvSpPr>
-            <a:spLocks noGrp="1"/>
-          </p:cNvSpPr>
-          <p:nvPr>
-            <p:ph type="body" sz="quarter" idx="15"/>
-          </p:nvPr>
-        </p:nvSpPr>
-        <p:spPr/>
-        <p:txBody>
-          <a:bodyPr/>
-          <a:lstStyle/>
-          <a:p>
-            <a:r>
-              <a:rPr lang="fr-FR" dirty="0"/>
-              <a:t>Annexe</a:t>
-            </a:r>
-          </a:p>
-        </p:txBody>
-      </p:sp>
-      <p:sp>
-        <p:nvSpPr>
-          <p:cNvPr id="3" name="Rectangle : coins arrondis 2">
-            <a:extLst>
-              <a:ext uri="{FF2B5EF4-FFF2-40B4-BE49-F238E27FC236}">
-                <a16:creationId xmlns:a16="http://schemas.microsoft.com/office/drawing/2014/main" id="{503174A0-941A-A415-3B71-EFB82484532B}"/>
+          <p:cNvPr id="40" name="Rectangle : coins arrondis 39">
+            <a:extLst>
+              <a:ext uri="{FF2B5EF4-FFF2-40B4-BE49-F238E27FC236}">
+                <a16:creationId xmlns:a16="http://schemas.microsoft.com/office/drawing/2014/main" id="{58A34438-3D1A-7ADA-6577-FC12D5E3BB3A}"/>
               </a:ext>
             </a:extLst>
           </p:cNvPr>
@@ -34530,8 +34568,8 @@
         </p:nvSpPr>
         <p:spPr>
           <a:xfrm>
-            <a:off x="1240592" y="1972782"/>
-            <a:ext cx="3529729" cy="3861738"/>
+            <a:off x="3231116" y="1647522"/>
+            <a:ext cx="5829064" cy="4808792"/>
           </a:xfrm>
           <a:prstGeom prst="roundRect">
             <a:avLst>
@@ -34565,10 +34603,66 @@
       </p:sp>
       <p:sp>
         <p:nvSpPr>
-          <p:cNvPr id="6" name="Rectangle : coins arrondis 5">
-            <a:extLst>
-              <a:ext uri="{FF2B5EF4-FFF2-40B4-BE49-F238E27FC236}">
-                <a16:creationId xmlns:a16="http://schemas.microsoft.com/office/drawing/2014/main" id="{1FF9D910-74CE-77AC-4697-C5E04C287AF0}"/>
+          <p:cNvPr id="2" name="Titre 1">
+            <a:extLst>
+              <a:ext uri="{FF2B5EF4-FFF2-40B4-BE49-F238E27FC236}">
+                <a16:creationId xmlns:a16="http://schemas.microsoft.com/office/drawing/2014/main" id="{2C198829-35EB-6A46-EBAA-6A582DAFE970}"/>
+              </a:ext>
+            </a:extLst>
+          </p:cNvPr>
+          <p:cNvSpPr>
+            <a:spLocks noGrp="1"/>
+          </p:cNvSpPr>
+          <p:nvPr>
+            <p:ph type="title"/>
+          </p:nvPr>
+        </p:nvSpPr>
+        <p:spPr/>
+        <p:txBody>
+          <a:bodyPr/>
+          <a:lstStyle/>
+          <a:p>
+            <a:r>
+              <a:rPr lang="fr-FR" dirty="0"/>
+              <a:t>Plan du Site utilisateur – Affectations</a:t>
+            </a:r>
+          </a:p>
+        </p:txBody>
+      </p:sp>
+      <p:sp>
+        <p:nvSpPr>
+          <p:cNvPr id="4" name="Espace réservé du texte 3">
+            <a:extLst>
+              <a:ext uri="{FF2B5EF4-FFF2-40B4-BE49-F238E27FC236}">
+                <a16:creationId xmlns:a16="http://schemas.microsoft.com/office/drawing/2014/main" id="{55EE5942-743C-7FE0-DDCC-8AF825345982}"/>
+              </a:ext>
+            </a:extLst>
+          </p:cNvPr>
+          <p:cNvSpPr>
+            <a:spLocks noGrp="1"/>
+          </p:cNvSpPr>
+          <p:nvPr>
+            <p:ph type="body" sz="quarter" idx="15"/>
+          </p:nvPr>
+        </p:nvSpPr>
+        <p:spPr/>
+        <p:txBody>
+          <a:bodyPr/>
+          <a:lstStyle/>
+          <a:p>
+            <a:r>
+              <a:rPr lang="fr-FR" dirty="0"/>
+              <a:t>Annexe</a:t>
+            </a:r>
+          </a:p>
+        </p:txBody>
+      </p:sp>
+      <p:sp>
+        <p:nvSpPr>
+          <p:cNvPr id="34" name="Rectangle : coins arrondis 33">
+            <a:extLst>
+              <a:ext uri="{FF2B5EF4-FFF2-40B4-BE49-F238E27FC236}">
+                <a16:creationId xmlns:a16="http://schemas.microsoft.com/office/drawing/2014/main" id="{2A9E8854-3740-AEB4-DA1E-41A230566829}"/>
               </a:ext>
             </a:extLst>
           </p:cNvPr>
@@ -34577,8 +34671,8 @@
         </p:nvSpPr>
         <p:spPr>
           <a:xfrm>
-            <a:off x="1240590" y="1965098"/>
-            <a:ext cx="3529731" cy="402322"/>
+            <a:off x="3231114" y="1639838"/>
+            <a:ext cx="5829066" cy="402322"/>
           </a:xfrm>
           <a:prstGeom prst="roundRect">
             <a:avLst/>
@@ -34605,111 +34699,17 @@
             <a:pPr algn="ctr"/>
             <a:r>
               <a:rPr lang="fr-FR" sz="1400" dirty="0"/>
-              <a:t>Classements (choix de catégorie)</a:t>
-            </a:r>
-          </a:p>
-        </p:txBody>
-      </p:sp>
-      <p:sp>
-        <p:nvSpPr>
-          <p:cNvPr id="7" name="Rectangle : coins arrondis 6">
-            <a:extLst>
-              <a:ext uri="{FF2B5EF4-FFF2-40B4-BE49-F238E27FC236}">
-                <a16:creationId xmlns:a16="http://schemas.microsoft.com/office/drawing/2014/main" id="{1A86364E-4B4A-25F5-F6B9-3ED2D611FCB6}"/>
-              </a:ext>
-            </a:extLst>
-          </p:cNvPr>
-          <p:cNvSpPr/>
-          <p:nvPr/>
-        </p:nvSpPr>
-        <p:spPr>
-          <a:xfrm>
-            <a:off x="6427681" y="1965098"/>
-            <a:ext cx="3678344" cy="3526522"/>
-          </a:xfrm>
-          <a:prstGeom prst="roundRect">
-            <a:avLst>
-              <a:gd name="adj" fmla="val 1691"/>
-            </a:avLst>
-          </a:prstGeom>
-          <a:noFill/>
-        </p:spPr>
-        <p:style>
-          <a:lnRef idx="2">
-            <a:schemeClr val="accent1"/>
-          </a:lnRef>
-          <a:fillRef idx="1">
-            <a:schemeClr val="lt1"/>
-          </a:fillRef>
-          <a:effectRef idx="0">
-            <a:schemeClr val="accent1"/>
-          </a:effectRef>
-          <a:fontRef idx="minor">
-            <a:schemeClr val="dk1"/>
-          </a:fontRef>
-        </p:style>
-        <p:txBody>
-          <a:bodyPr rtlCol="0" anchor="ctr"/>
-          <a:lstStyle/>
-          <a:p>
-            <a:pPr algn="r"/>
-            <a:endParaRPr lang="fr-FR" dirty="0"/>
-          </a:p>
-        </p:txBody>
-      </p:sp>
-      <p:sp>
-        <p:nvSpPr>
-          <p:cNvPr id="8" name="Rectangle : coins arrondis 7">
-            <a:extLst>
-              <a:ext uri="{FF2B5EF4-FFF2-40B4-BE49-F238E27FC236}">
-                <a16:creationId xmlns:a16="http://schemas.microsoft.com/office/drawing/2014/main" id="{784D7F57-DCD9-FF19-1D50-01AEC1AFCAAE}"/>
-              </a:ext>
-            </a:extLst>
-          </p:cNvPr>
-          <p:cNvSpPr/>
-          <p:nvPr/>
-        </p:nvSpPr>
-        <p:spPr>
-          <a:xfrm>
-            <a:off x="6427679" y="1965098"/>
-            <a:ext cx="3678346" cy="402322"/>
-          </a:xfrm>
-          <a:prstGeom prst="roundRect">
-            <a:avLst/>
-          </a:prstGeom>
-        </p:spPr>
-        <p:style>
-          <a:lnRef idx="0">
-            <a:schemeClr val="accent1"/>
-          </a:lnRef>
-          <a:fillRef idx="3">
-            <a:schemeClr val="accent1"/>
-          </a:fillRef>
-          <a:effectRef idx="3">
-            <a:schemeClr val="accent1"/>
-          </a:effectRef>
-          <a:fontRef idx="minor">
-            <a:schemeClr val="lt1"/>
-          </a:fontRef>
-        </p:style>
-        <p:txBody>
-          <a:bodyPr rtlCol="0" anchor="ctr"/>
-          <a:lstStyle/>
-          <a:p>
-            <a:pPr algn="ctr"/>
-            <a:r>
-              <a:rPr lang="fr-FR" sz="1400" dirty="0"/>
-              <a:t>Tableau de classement de la catégorie</a:t>
+              <a:t>Affectations des tapis</a:t>
             </a:r>
           </a:p>
         </p:txBody>
       </p:sp>
       <p:pic>
         <p:nvPicPr>
-          <p:cNvPr id="14" name="Image 13">
-            <a:extLst>
-              <a:ext uri="{FF2B5EF4-FFF2-40B4-BE49-F238E27FC236}">
-                <a16:creationId xmlns:a16="http://schemas.microsoft.com/office/drawing/2014/main" id="{569F78C2-1079-9B2D-317A-BEFB7F12F78D}"/>
+          <p:cNvPr id="5" name="Image 4">
+            <a:extLst>
+              <a:ext uri="{FF2B5EF4-FFF2-40B4-BE49-F238E27FC236}">
+                <a16:creationId xmlns:a16="http://schemas.microsoft.com/office/drawing/2014/main" id="{299E2910-1D4D-F715-AB09-C6B0203E31BC}"/>
               </a:ext>
             </a:extLst>
           </p:cNvPr>
@@ -34726,82 +34726,8 @@
         </p:blipFill>
         <p:spPr>
           <a:xfrm>
-            <a:off x="1590628" y="2515039"/>
-            <a:ext cx="2834168" cy="3194967"/>
-          </a:xfrm>
-          <a:prstGeom prst="rect">
-            <a:avLst/>
-          </a:prstGeom>
-        </p:spPr>
-      </p:pic>
-      <p:cxnSp>
-        <p:nvCxnSpPr>
-          <p:cNvPr id="11" name="Connecteur : en angle 10">
-            <a:extLst>
-              <a:ext uri="{FF2B5EF4-FFF2-40B4-BE49-F238E27FC236}">
-                <a16:creationId xmlns:a16="http://schemas.microsoft.com/office/drawing/2014/main" id="{F5813451-B99C-85D9-890B-7BD6D792A98D}"/>
-              </a:ext>
-            </a:extLst>
-          </p:cNvPr>
-          <p:cNvCxnSpPr>
-            <a:cxnSpLocks/>
-          </p:cNvCxnSpPr>
-          <p:nvPr/>
-        </p:nvCxnSpPr>
-        <p:spPr>
-          <a:xfrm flipV="1">
-            <a:off x="3936324" y="3276600"/>
-            <a:ext cx="3135075" cy="1457325"/>
-          </a:xfrm>
-          <a:prstGeom prst="curvedConnector3">
-            <a:avLst>
-              <a:gd name="adj1" fmla="val 50000"/>
-            </a:avLst>
-          </a:prstGeom>
-          <a:ln>
-            <a:headEnd type="diamond" w="med" len="med"/>
-            <a:tailEnd type="triangle" w="med" len="med"/>
-          </a:ln>
-        </p:spPr>
-        <p:style>
-          <a:lnRef idx="1">
-            <a:schemeClr val="accent1"/>
-          </a:lnRef>
-          <a:fillRef idx="0">
-            <a:schemeClr val="accent1"/>
-          </a:fillRef>
-          <a:effectRef idx="0">
-            <a:schemeClr val="accent1"/>
-          </a:effectRef>
-          <a:fontRef idx="minor">
-            <a:schemeClr val="tx1"/>
-          </a:fontRef>
-        </p:style>
-      </p:cxnSp>
-      <p:pic>
-        <p:nvPicPr>
-          <p:cNvPr id="5" name="Image 4">
-            <a:extLst>
-              <a:ext uri="{FF2B5EF4-FFF2-40B4-BE49-F238E27FC236}">
-                <a16:creationId xmlns:a16="http://schemas.microsoft.com/office/drawing/2014/main" id="{8B2F415D-8326-8A03-AE1D-86DD1719AD63}"/>
-              </a:ext>
-            </a:extLst>
-          </p:cNvPr>
-          <p:cNvPicPr>
-            <a:picLocks noChangeAspect="1"/>
-          </p:cNvPicPr>
-          <p:nvPr/>
-        </p:nvPicPr>
-        <p:blipFill>
-          <a:blip r:embed="rId3"/>
-          <a:stretch>
-            <a:fillRect/>
-          </a:stretch>
-        </p:blipFill>
-        <p:spPr>
-          <a:xfrm>
-            <a:off x="7071399" y="2602235"/>
-            <a:ext cx="2390905" cy="2724520"/>
+            <a:off x="3878697" y="2145295"/>
+            <a:ext cx="4533900" cy="4207884"/>
           </a:xfrm>
           <a:prstGeom prst="rect">
             <a:avLst/>
@@ -34811,7 +34737,7 @@
     </p:spTree>
     <p:extLst>
       <p:ext uri="{BB962C8B-B14F-4D97-AF65-F5344CB8AC3E}">
-        <p14:creationId xmlns:p14="http://schemas.microsoft.com/office/powerpoint/2010/main" val="1290928888"/>
+        <p14:creationId xmlns:p14="http://schemas.microsoft.com/office/powerpoint/2010/main" val="2055979273"/>
       </p:ext>
     </p:extLst>
   </p:cSld>
@@ -34840,10 +34766,10 @@
       </p:grpSpPr>
       <p:sp>
         <p:nvSpPr>
-          <p:cNvPr id="4" name="Espace réservé du texte 3">
-            <a:extLst>
-              <a:ext uri="{FF2B5EF4-FFF2-40B4-BE49-F238E27FC236}">
-                <a16:creationId xmlns:a16="http://schemas.microsoft.com/office/drawing/2014/main" id="{B34A2E28-8332-4A52-825F-FE0C7BBC4CC4}"/>
+          <p:cNvPr id="2" name="Titre 1">
+            <a:extLst>
+              <a:ext uri="{FF2B5EF4-FFF2-40B4-BE49-F238E27FC236}">
+                <a16:creationId xmlns:a16="http://schemas.microsoft.com/office/drawing/2014/main" id="{2C198829-35EB-6A46-EBAA-6A582DAFE970}"/>
               </a:ext>
             </a:extLst>
           </p:cNvPr>
@@ -34851,7 +34777,7 @@
             <a:spLocks noGrp="1"/>
           </p:cNvSpPr>
           <p:nvPr>
-            <p:ph type="body" sz="quarter" idx="10"/>
+            <p:ph type="title"/>
           </p:nvPr>
         </p:nvSpPr>
         <p:spPr/>
@@ -34859,35 +34785,1004 @@
           <a:bodyPr/>
           <a:lstStyle/>
           <a:p>
+            <a:r>
+              <a:rPr lang="fr-FR" dirty="0"/>
+              <a:t>Plan du Site utilisateur – Avancements</a:t>
+            </a:r>
+          </a:p>
+        </p:txBody>
+      </p:sp>
+      <p:sp>
+        <p:nvSpPr>
+          <p:cNvPr id="4" name="Espace réservé du texte 3">
+            <a:extLst>
+              <a:ext uri="{FF2B5EF4-FFF2-40B4-BE49-F238E27FC236}">
+                <a16:creationId xmlns:a16="http://schemas.microsoft.com/office/drawing/2014/main" id="{55EE5942-743C-7FE0-DDCC-8AF825345982}"/>
+              </a:ext>
+            </a:extLst>
+          </p:cNvPr>
+          <p:cNvSpPr>
+            <a:spLocks noGrp="1"/>
+          </p:cNvSpPr>
+          <p:nvPr>
+            <p:ph type="body" sz="quarter" idx="15"/>
+          </p:nvPr>
+        </p:nvSpPr>
+        <p:spPr/>
+        <p:txBody>
+          <a:bodyPr/>
+          <a:lstStyle/>
+          <a:p>
+            <a:r>
+              <a:rPr lang="fr-FR" dirty="0"/>
+              <a:t>Annexe</a:t>
+            </a:r>
+          </a:p>
+        </p:txBody>
+      </p:sp>
+      <p:sp>
+        <p:nvSpPr>
+          <p:cNvPr id="3" name="Rectangle : coins arrondis 2">
+            <a:extLst>
+              <a:ext uri="{FF2B5EF4-FFF2-40B4-BE49-F238E27FC236}">
+                <a16:creationId xmlns:a16="http://schemas.microsoft.com/office/drawing/2014/main" id="{503174A0-941A-A415-3B71-EFB82484532B}"/>
+              </a:ext>
+            </a:extLst>
+          </p:cNvPr>
+          <p:cNvSpPr/>
+          <p:nvPr/>
+        </p:nvSpPr>
+        <p:spPr>
+          <a:xfrm>
+            <a:off x="221059" y="1972782"/>
+            <a:ext cx="3529729" cy="3861738"/>
+          </a:xfrm>
+          <a:prstGeom prst="roundRect">
+            <a:avLst>
+              <a:gd name="adj" fmla="val 1691"/>
+            </a:avLst>
+          </a:prstGeom>
+          <a:noFill/>
+        </p:spPr>
+        <p:style>
+          <a:lnRef idx="2">
+            <a:schemeClr val="accent1"/>
+          </a:lnRef>
+          <a:fillRef idx="1">
+            <a:schemeClr val="lt1"/>
+          </a:fillRef>
+          <a:effectRef idx="0">
+            <a:schemeClr val="accent1"/>
+          </a:effectRef>
+          <a:fontRef idx="minor">
+            <a:schemeClr val="dk1"/>
+          </a:fontRef>
+        </p:style>
+        <p:txBody>
+          <a:bodyPr rtlCol="0" anchor="ctr"/>
+          <a:lstStyle/>
+          <a:p>
+            <a:pPr algn="r"/>
+            <a:endParaRPr lang="fr-FR" dirty="0"/>
+          </a:p>
+        </p:txBody>
+      </p:sp>
+      <p:sp>
+        <p:nvSpPr>
+          <p:cNvPr id="6" name="Rectangle : coins arrondis 5">
+            <a:extLst>
+              <a:ext uri="{FF2B5EF4-FFF2-40B4-BE49-F238E27FC236}">
+                <a16:creationId xmlns:a16="http://schemas.microsoft.com/office/drawing/2014/main" id="{1FF9D910-74CE-77AC-4697-C5E04C287AF0}"/>
+              </a:ext>
+            </a:extLst>
+          </p:cNvPr>
+          <p:cNvSpPr/>
+          <p:nvPr/>
+        </p:nvSpPr>
+        <p:spPr>
+          <a:xfrm>
+            <a:off x="221057" y="1965098"/>
+            <a:ext cx="3529731" cy="402322"/>
+          </a:xfrm>
+          <a:prstGeom prst="roundRect">
+            <a:avLst/>
+          </a:prstGeom>
+        </p:spPr>
+        <p:style>
+          <a:lnRef idx="0">
+            <a:schemeClr val="accent1"/>
+          </a:lnRef>
+          <a:fillRef idx="3">
+            <a:schemeClr val="accent1"/>
+          </a:fillRef>
+          <a:effectRef idx="3">
+            <a:schemeClr val="accent1"/>
+          </a:effectRef>
+          <a:fontRef idx="minor">
+            <a:schemeClr val="lt1"/>
+          </a:fontRef>
+        </p:style>
+        <p:txBody>
+          <a:bodyPr rtlCol="0" anchor="ctr"/>
+          <a:lstStyle/>
+          <a:p>
             <a:pPr algn="ctr"/>
             <a:r>
-              <a:rPr lang="fr-FR" sz="1300" b="1" dirty="0"/>
-              <a:t>CONTACT</a:t>
-            </a:r>
-          </a:p>
+              <a:rPr lang="fr-FR" sz="1400" dirty="0"/>
+              <a:t>Avancements (choix de catégorie)</a:t>
+            </a:r>
+          </a:p>
+        </p:txBody>
+      </p:sp>
+      <p:sp>
+        <p:nvSpPr>
+          <p:cNvPr id="7" name="Rectangle : coins arrondis 6">
+            <a:extLst>
+              <a:ext uri="{FF2B5EF4-FFF2-40B4-BE49-F238E27FC236}">
+                <a16:creationId xmlns:a16="http://schemas.microsoft.com/office/drawing/2014/main" id="{1A86364E-4B4A-25F5-F6B9-3ED2D611FCB6}"/>
+              </a:ext>
+            </a:extLst>
+          </p:cNvPr>
+          <p:cNvSpPr/>
+          <p:nvPr/>
+        </p:nvSpPr>
+        <p:spPr>
+          <a:xfrm>
+            <a:off x="4046431" y="1534320"/>
+            <a:ext cx="2690096" cy="3526522"/>
+          </a:xfrm>
+          <a:prstGeom prst="roundRect">
+            <a:avLst>
+              <a:gd name="adj" fmla="val 1691"/>
+            </a:avLst>
+          </a:prstGeom>
+          <a:noFill/>
+        </p:spPr>
+        <p:style>
+          <a:lnRef idx="2">
+            <a:schemeClr val="accent1"/>
+          </a:lnRef>
+          <a:fillRef idx="1">
+            <a:schemeClr val="lt1"/>
+          </a:fillRef>
+          <a:effectRef idx="0">
+            <a:schemeClr val="accent1"/>
+          </a:effectRef>
+          <a:fontRef idx="minor">
+            <a:schemeClr val="dk1"/>
+          </a:fontRef>
+        </p:style>
+        <p:txBody>
+          <a:bodyPr rtlCol="0" anchor="ctr"/>
+          <a:lstStyle/>
+          <a:p>
+            <a:pPr algn="r"/>
+            <a:endParaRPr lang="fr-FR" dirty="0"/>
+          </a:p>
+        </p:txBody>
+      </p:sp>
+      <p:sp>
+        <p:nvSpPr>
+          <p:cNvPr id="8" name="Rectangle : coins arrondis 7">
+            <a:extLst>
+              <a:ext uri="{FF2B5EF4-FFF2-40B4-BE49-F238E27FC236}">
+                <a16:creationId xmlns:a16="http://schemas.microsoft.com/office/drawing/2014/main" id="{784D7F57-DCD9-FF19-1D50-01AEC1AFCAAE}"/>
+              </a:ext>
+            </a:extLst>
+          </p:cNvPr>
+          <p:cNvSpPr/>
+          <p:nvPr/>
+        </p:nvSpPr>
+        <p:spPr>
+          <a:xfrm>
+            <a:off x="4046429" y="1534320"/>
+            <a:ext cx="2690098" cy="402322"/>
+          </a:xfrm>
+          <a:prstGeom prst="roundRect">
+            <a:avLst/>
+          </a:prstGeom>
+        </p:spPr>
+        <p:style>
+          <a:lnRef idx="0">
+            <a:schemeClr val="accent1"/>
+          </a:lnRef>
+          <a:fillRef idx="3">
+            <a:schemeClr val="accent1"/>
+          </a:fillRef>
+          <a:effectRef idx="3">
+            <a:schemeClr val="accent1"/>
+          </a:effectRef>
+          <a:fontRef idx="minor">
+            <a:schemeClr val="lt1"/>
+          </a:fontRef>
+        </p:style>
+        <p:txBody>
+          <a:bodyPr rtlCol="0" anchor="ctr"/>
+          <a:lstStyle/>
           <a:p>
             <a:pPr algn="ctr"/>
             <a:r>
+              <a:rPr lang="fr-FR" sz="1400" dirty="0"/>
+              <a:t>Tableau de catégorie</a:t>
+            </a:r>
+          </a:p>
+        </p:txBody>
+      </p:sp>
+      <p:pic>
+        <p:nvPicPr>
+          <p:cNvPr id="14" name="Image 13">
+            <a:extLst>
+              <a:ext uri="{FF2B5EF4-FFF2-40B4-BE49-F238E27FC236}">
+                <a16:creationId xmlns:a16="http://schemas.microsoft.com/office/drawing/2014/main" id="{569F78C2-1079-9B2D-317A-BEFB7F12F78D}"/>
+              </a:ext>
+            </a:extLst>
+          </p:cNvPr>
+          <p:cNvPicPr>
+            <a:picLocks noChangeAspect="1"/>
+          </p:cNvPicPr>
+          <p:nvPr/>
+        </p:nvPicPr>
+        <p:blipFill>
+          <a:blip r:embed="rId2"/>
+          <a:stretch>
+            <a:fillRect/>
+          </a:stretch>
+        </p:blipFill>
+        <p:spPr>
+          <a:xfrm>
+            <a:off x="571095" y="2515039"/>
+            <a:ext cx="2834168" cy="3194967"/>
+          </a:xfrm>
+          <a:prstGeom prst="rect">
+            <a:avLst/>
+          </a:prstGeom>
+        </p:spPr>
+      </p:pic>
+      <p:pic>
+        <p:nvPicPr>
+          <p:cNvPr id="15" name="Image 14">
+            <a:extLst>
+              <a:ext uri="{FF2B5EF4-FFF2-40B4-BE49-F238E27FC236}">
+                <a16:creationId xmlns:a16="http://schemas.microsoft.com/office/drawing/2014/main" id="{E087A879-379E-56AC-1AF7-F653744646ED}"/>
+              </a:ext>
+            </a:extLst>
+          </p:cNvPr>
+          <p:cNvPicPr>
+            <a:picLocks noChangeAspect="1"/>
+          </p:cNvPicPr>
+          <p:nvPr/>
+        </p:nvPicPr>
+        <p:blipFill>
+          <a:blip r:embed="rId3"/>
+          <a:stretch>
+            <a:fillRect/>
+          </a:stretch>
+        </p:blipFill>
+        <p:spPr>
+          <a:xfrm>
+            <a:off x="4226822" y="2083601"/>
+            <a:ext cx="2270163" cy="2826353"/>
+          </a:xfrm>
+          <a:prstGeom prst="rect">
+            <a:avLst/>
+          </a:prstGeom>
+        </p:spPr>
+      </p:pic>
+      <p:sp>
+        <p:nvSpPr>
+          <p:cNvPr id="16" name="Rectangle : coins arrondis 15">
+            <a:extLst>
+              <a:ext uri="{FF2B5EF4-FFF2-40B4-BE49-F238E27FC236}">
+                <a16:creationId xmlns:a16="http://schemas.microsoft.com/office/drawing/2014/main" id="{EFB40968-59E3-B5AA-6426-D47479177ACF}"/>
+              </a:ext>
+            </a:extLst>
+          </p:cNvPr>
+          <p:cNvSpPr/>
+          <p:nvPr/>
+        </p:nvSpPr>
+        <p:spPr>
+          <a:xfrm>
+            <a:off x="7032172" y="2720037"/>
+            <a:ext cx="4938769" cy="3526522"/>
+          </a:xfrm>
+          <a:prstGeom prst="roundRect">
+            <a:avLst>
+              <a:gd name="adj" fmla="val 1691"/>
+            </a:avLst>
+          </a:prstGeom>
+          <a:noFill/>
+        </p:spPr>
+        <p:style>
+          <a:lnRef idx="2">
+            <a:schemeClr val="accent1"/>
+          </a:lnRef>
+          <a:fillRef idx="1">
+            <a:schemeClr val="lt1"/>
+          </a:fillRef>
+          <a:effectRef idx="0">
+            <a:schemeClr val="accent1"/>
+          </a:effectRef>
+          <a:fontRef idx="minor">
+            <a:schemeClr val="dk1"/>
+          </a:fontRef>
+        </p:style>
+        <p:txBody>
+          <a:bodyPr rtlCol="0" anchor="ctr"/>
+          <a:lstStyle/>
+          <a:p>
+            <a:pPr algn="r"/>
+            <a:endParaRPr lang="fr-FR" dirty="0"/>
+          </a:p>
+        </p:txBody>
+      </p:sp>
+      <p:sp>
+        <p:nvSpPr>
+          <p:cNvPr id="17" name="Rectangle : coins arrondis 16">
+            <a:extLst>
+              <a:ext uri="{FF2B5EF4-FFF2-40B4-BE49-F238E27FC236}">
+                <a16:creationId xmlns:a16="http://schemas.microsoft.com/office/drawing/2014/main" id="{27C9924D-127A-4599-64CD-4C4545D933E9}"/>
+              </a:ext>
+            </a:extLst>
+          </p:cNvPr>
+          <p:cNvSpPr/>
+          <p:nvPr/>
+        </p:nvSpPr>
+        <p:spPr>
+          <a:xfrm>
+            <a:off x="7032170" y="2720037"/>
+            <a:ext cx="4938769" cy="402322"/>
+          </a:xfrm>
+          <a:prstGeom prst="roundRect">
+            <a:avLst/>
+          </a:prstGeom>
+        </p:spPr>
+        <p:style>
+          <a:lnRef idx="0">
+            <a:schemeClr val="accent1"/>
+          </a:lnRef>
+          <a:fillRef idx="3">
+            <a:schemeClr val="accent1"/>
+          </a:fillRef>
+          <a:effectRef idx="3">
+            <a:schemeClr val="accent1"/>
+          </a:effectRef>
+          <a:fontRef idx="minor">
+            <a:schemeClr val="lt1"/>
+          </a:fontRef>
+        </p:style>
+        <p:txBody>
+          <a:bodyPr rtlCol="0" anchor="ctr"/>
+          <a:lstStyle/>
+          <a:p>
+            <a:pPr algn="ctr"/>
+            <a:r>
+              <a:rPr lang="fr-FR" sz="1400" dirty="0"/>
+              <a:t>Poule de catégorie</a:t>
+            </a:r>
+          </a:p>
+        </p:txBody>
+      </p:sp>
+      <p:pic>
+        <p:nvPicPr>
+          <p:cNvPr id="18" name="Image 17">
+            <a:extLst>
+              <a:ext uri="{FF2B5EF4-FFF2-40B4-BE49-F238E27FC236}">
+                <a16:creationId xmlns:a16="http://schemas.microsoft.com/office/drawing/2014/main" id="{B16364DA-96FA-F0CD-AE6C-E157B021F957}"/>
+              </a:ext>
+            </a:extLst>
+          </p:cNvPr>
+          <p:cNvPicPr>
+            <a:picLocks noChangeAspect="1"/>
+          </p:cNvPicPr>
+          <p:nvPr/>
+        </p:nvPicPr>
+        <p:blipFill>
+          <a:blip r:embed="rId4"/>
+          <a:stretch>
+            <a:fillRect/>
+          </a:stretch>
+        </p:blipFill>
+        <p:spPr>
+          <a:xfrm>
+            <a:off x="7204249" y="3288701"/>
+            <a:ext cx="2660296" cy="1978623"/>
+          </a:xfrm>
+          <a:prstGeom prst="rect">
+            <a:avLst/>
+          </a:prstGeom>
+        </p:spPr>
+      </p:pic>
+      <p:pic>
+        <p:nvPicPr>
+          <p:cNvPr id="19" name="Image 18">
+            <a:extLst>
+              <a:ext uri="{FF2B5EF4-FFF2-40B4-BE49-F238E27FC236}">
+                <a16:creationId xmlns:a16="http://schemas.microsoft.com/office/drawing/2014/main" id="{0C7124AE-7EA4-DB9F-D8BC-2C87D82F528E}"/>
+              </a:ext>
+            </a:extLst>
+          </p:cNvPr>
+          <p:cNvPicPr>
+            <a:picLocks noChangeAspect="1"/>
+          </p:cNvPicPr>
+          <p:nvPr/>
+        </p:nvPicPr>
+        <p:blipFill>
+          <a:blip r:embed="rId5"/>
+          <a:stretch>
+            <a:fillRect/>
+          </a:stretch>
+        </p:blipFill>
+        <p:spPr>
+          <a:xfrm>
+            <a:off x="9116679" y="4055692"/>
+            <a:ext cx="2656626" cy="2010299"/>
+          </a:xfrm>
+          <a:prstGeom prst="rect">
+            <a:avLst/>
+          </a:prstGeom>
+        </p:spPr>
+      </p:pic>
+      <p:cxnSp>
+        <p:nvCxnSpPr>
+          <p:cNvPr id="11" name="Connecteur : en angle 10">
+            <a:extLst>
+              <a:ext uri="{FF2B5EF4-FFF2-40B4-BE49-F238E27FC236}">
+                <a16:creationId xmlns:a16="http://schemas.microsoft.com/office/drawing/2014/main" id="{F5813451-B99C-85D9-890B-7BD6D792A98D}"/>
+              </a:ext>
+            </a:extLst>
+          </p:cNvPr>
+          <p:cNvCxnSpPr>
+            <a:cxnSpLocks/>
+            <a:endCxn id="15" idx="1"/>
+          </p:cNvCxnSpPr>
+          <p:nvPr/>
+        </p:nvCxnSpPr>
+        <p:spPr>
+          <a:xfrm flipV="1">
+            <a:off x="2916791" y="3496778"/>
+            <a:ext cx="1310031" cy="1237147"/>
+          </a:xfrm>
+          <a:prstGeom prst="curvedConnector3">
+            <a:avLst>
+              <a:gd name="adj1" fmla="val 50000"/>
+            </a:avLst>
+          </a:prstGeom>
+          <a:ln>
+            <a:headEnd type="diamond" w="med" len="med"/>
+            <a:tailEnd type="triangle" w="med" len="med"/>
+          </a:ln>
+        </p:spPr>
+        <p:style>
+          <a:lnRef idx="1">
+            <a:schemeClr val="accent1"/>
+          </a:lnRef>
+          <a:fillRef idx="0">
+            <a:schemeClr val="accent1"/>
+          </a:fillRef>
+          <a:effectRef idx="0">
+            <a:schemeClr val="accent1"/>
+          </a:effectRef>
+          <a:fontRef idx="minor">
+            <a:schemeClr val="tx1"/>
+          </a:fontRef>
+        </p:style>
+      </p:cxnSp>
+      <p:cxnSp>
+        <p:nvCxnSpPr>
+          <p:cNvPr id="22" name="Connecteur : en angle 10">
+            <a:extLst>
+              <a:ext uri="{FF2B5EF4-FFF2-40B4-BE49-F238E27FC236}">
+                <a16:creationId xmlns:a16="http://schemas.microsoft.com/office/drawing/2014/main" id="{49F7FAC1-9236-3A9E-5C30-67587362A919}"/>
+              </a:ext>
+            </a:extLst>
+          </p:cNvPr>
+          <p:cNvCxnSpPr>
+            <a:cxnSpLocks/>
+            <a:endCxn id="18" idx="2"/>
+          </p:cNvCxnSpPr>
+          <p:nvPr/>
+        </p:nvCxnSpPr>
+        <p:spPr>
+          <a:xfrm>
+            <a:off x="2916791" y="4909954"/>
+            <a:ext cx="5617606" cy="357370"/>
+          </a:xfrm>
+          <a:prstGeom prst="curvedConnector4">
+            <a:avLst>
+              <a:gd name="adj1" fmla="val 20527"/>
+              <a:gd name="adj2" fmla="val 163967"/>
+            </a:avLst>
+          </a:prstGeom>
+          <a:ln>
+            <a:headEnd type="diamond" w="med" len="med"/>
+            <a:tailEnd type="triangle" w="med" len="med"/>
+          </a:ln>
+        </p:spPr>
+        <p:style>
+          <a:lnRef idx="1">
+            <a:schemeClr val="accent1"/>
+          </a:lnRef>
+          <a:fillRef idx="0">
+            <a:schemeClr val="accent1"/>
+          </a:fillRef>
+          <a:effectRef idx="0">
+            <a:schemeClr val="accent1"/>
+          </a:effectRef>
+          <a:fontRef idx="minor">
+            <a:schemeClr val="tx1"/>
+          </a:fontRef>
+        </p:style>
+      </p:cxnSp>
+      <p:sp>
+        <p:nvSpPr>
+          <p:cNvPr id="26" name="Légende : encadrée à une bordure 25">
+            <a:extLst>
+              <a:ext uri="{FF2B5EF4-FFF2-40B4-BE49-F238E27FC236}">
+                <a16:creationId xmlns:a16="http://schemas.microsoft.com/office/drawing/2014/main" id="{6D3D5DAC-84E4-A2D1-6D7D-E05FD8DFE120}"/>
+              </a:ext>
+            </a:extLst>
+          </p:cNvPr>
+          <p:cNvSpPr/>
+          <p:nvPr/>
+        </p:nvSpPr>
+        <p:spPr>
+          <a:xfrm flipH="1">
+            <a:off x="7032170" y="2188659"/>
+            <a:ext cx="1806691" cy="331600"/>
+          </a:xfrm>
+          <a:prstGeom prst="accentBorderCallout1">
+            <a:avLst>
+              <a:gd name="adj1" fmla="val 18750"/>
+              <a:gd name="adj2" fmla="val -8333"/>
+              <a:gd name="adj3" fmla="val 535974"/>
+              <a:gd name="adj4" fmla="val -72045"/>
+            </a:avLst>
+          </a:prstGeom>
+          <a:solidFill>
+            <a:schemeClr val="accent6">
+              <a:alpha val="50000"/>
+            </a:schemeClr>
+          </a:solidFill>
+          <a:ln>
+            <a:solidFill>
+              <a:schemeClr val="accent6"/>
+            </a:solidFill>
+          </a:ln>
+        </p:spPr>
+        <p:style>
+          <a:lnRef idx="0">
+            <a:scrgbClr r="0" g="0" b="0"/>
+          </a:lnRef>
+          <a:fillRef idx="0">
+            <a:scrgbClr r="0" g="0" b="0"/>
+          </a:fillRef>
+          <a:effectRef idx="0">
+            <a:scrgbClr r="0" g="0" b="0"/>
+          </a:effectRef>
+          <a:fontRef idx="minor">
+            <a:schemeClr val="lt1"/>
+          </a:fontRef>
+        </p:style>
+        <p:txBody>
+          <a:bodyPr rtlCol="0" anchor="ctr"/>
+          <a:lstStyle/>
+          <a:p>
+            <a:pPr algn="ctr"/>
+            <a:r>
+              <a:rPr lang="fr-FR" sz="1050" dirty="0"/>
+              <a:t>Selon la disposition configuré</a:t>
+            </a:r>
+          </a:p>
+        </p:txBody>
+      </p:sp>
+    </p:spTree>
+    <p:extLst>
+      <p:ext uri="{BB962C8B-B14F-4D97-AF65-F5344CB8AC3E}">
+        <p14:creationId xmlns:p14="http://schemas.microsoft.com/office/powerpoint/2010/main" val="1262413790"/>
+      </p:ext>
+    </p:extLst>
+  </p:cSld>
+  <p:clrMapOvr>
+    <a:masterClrMapping/>
+  </p:clrMapOvr>
+</p:sld>
+</file>
+
+<file path=ppt/slides/slide35.xml><?xml version="1.0" encoding="utf-8"?>
+<p:sld xmlns:a="http://schemas.openxmlformats.org/drawingml/2006/main" xmlns:r="http://schemas.openxmlformats.org/officeDocument/2006/relationships" xmlns:p="http://schemas.openxmlformats.org/presentationml/2006/main">
+  <p:cSld>
+    <p:spTree>
+      <p:nvGrpSpPr>
+        <p:cNvPr id="1" name=""/>
+        <p:cNvGrpSpPr/>
+        <p:nvPr/>
+      </p:nvGrpSpPr>
+      <p:grpSpPr>
+        <a:xfrm>
+          <a:off x="0" y="0"/>
+          <a:ext cx="0" cy="0"/>
+          <a:chOff x="0" y="0"/>
+          <a:chExt cx="0" cy="0"/>
+        </a:xfrm>
+      </p:grpSpPr>
+      <p:sp>
+        <p:nvSpPr>
+          <p:cNvPr id="2" name="Titre 1">
+            <a:extLst>
+              <a:ext uri="{FF2B5EF4-FFF2-40B4-BE49-F238E27FC236}">
+                <a16:creationId xmlns:a16="http://schemas.microsoft.com/office/drawing/2014/main" id="{2C198829-35EB-6A46-EBAA-6A582DAFE970}"/>
+              </a:ext>
+            </a:extLst>
+          </p:cNvPr>
+          <p:cNvSpPr>
+            <a:spLocks noGrp="1"/>
+          </p:cNvSpPr>
+          <p:nvPr>
+            <p:ph type="title"/>
+          </p:nvPr>
+        </p:nvSpPr>
+        <p:spPr/>
+        <p:txBody>
+          <a:bodyPr/>
+          <a:lstStyle/>
+          <a:p>
+            <a:r>
               <a:rPr lang="fr-FR" dirty="0"/>
-              <a:t>Daniel GARRIVIER</a:t>
-            </a:r>
-          </a:p>
+              <a:t>Plan du Site utilisateur – Classements</a:t>
+            </a:r>
+          </a:p>
+        </p:txBody>
+      </p:sp>
+      <p:sp>
+        <p:nvSpPr>
+          <p:cNvPr id="4" name="Espace réservé du texte 3">
+            <a:extLst>
+              <a:ext uri="{FF2B5EF4-FFF2-40B4-BE49-F238E27FC236}">
+                <a16:creationId xmlns:a16="http://schemas.microsoft.com/office/drawing/2014/main" id="{55EE5942-743C-7FE0-DDCC-8AF825345982}"/>
+              </a:ext>
+            </a:extLst>
+          </p:cNvPr>
+          <p:cNvSpPr>
+            <a:spLocks noGrp="1"/>
+          </p:cNvSpPr>
+          <p:nvPr>
+            <p:ph type="body" sz="quarter" idx="15"/>
+          </p:nvPr>
+        </p:nvSpPr>
+        <p:spPr/>
+        <p:txBody>
+          <a:bodyPr/>
+          <a:lstStyle/>
+          <a:p>
+            <a:r>
+              <a:rPr lang="fr-FR" dirty="0"/>
+              <a:t>Annexe</a:t>
+            </a:r>
+          </a:p>
+        </p:txBody>
+      </p:sp>
+      <p:sp>
+        <p:nvSpPr>
+          <p:cNvPr id="3" name="Rectangle : coins arrondis 2">
+            <a:extLst>
+              <a:ext uri="{FF2B5EF4-FFF2-40B4-BE49-F238E27FC236}">
+                <a16:creationId xmlns:a16="http://schemas.microsoft.com/office/drawing/2014/main" id="{503174A0-941A-A415-3B71-EFB82484532B}"/>
+              </a:ext>
+            </a:extLst>
+          </p:cNvPr>
+          <p:cNvSpPr/>
+          <p:nvPr/>
+        </p:nvSpPr>
+        <p:spPr>
+          <a:xfrm>
+            <a:off x="1240592" y="1972782"/>
+            <a:ext cx="3529729" cy="3861738"/>
+          </a:xfrm>
+          <a:prstGeom prst="roundRect">
+            <a:avLst>
+              <a:gd name="adj" fmla="val 1691"/>
+            </a:avLst>
+          </a:prstGeom>
+          <a:noFill/>
+        </p:spPr>
+        <p:style>
+          <a:lnRef idx="2">
+            <a:schemeClr val="accent1"/>
+          </a:lnRef>
+          <a:fillRef idx="1">
+            <a:schemeClr val="lt1"/>
+          </a:fillRef>
+          <a:effectRef idx="0">
+            <a:schemeClr val="accent1"/>
+          </a:effectRef>
+          <a:fontRef idx="minor">
+            <a:schemeClr val="dk1"/>
+          </a:fontRef>
+        </p:style>
+        <p:txBody>
+          <a:bodyPr rtlCol="0" anchor="ctr"/>
+          <a:lstStyle/>
+          <a:p>
+            <a:pPr algn="r"/>
+            <a:endParaRPr lang="fr-FR" dirty="0"/>
+          </a:p>
+        </p:txBody>
+      </p:sp>
+      <p:sp>
+        <p:nvSpPr>
+          <p:cNvPr id="6" name="Rectangle : coins arrondis 5">
+            <a:extLst>
+              <a:ext uri="{FF2B5EF4-FFF2-40B4-BE49-F238E27FC236}">
+                <a16:creationId xmlns:a16="http://schemas.microsoft.com/office/drawing/2014/main" id="{1FF9D910-74CE-77AC-4697-C5E04C287AF0}"/>
+              </a:ext>
+            </a:extLst>
+          </p:cNvPr>
+          <p:cNvSpPr/>
+          <p:nvPr/>
+        </p:nvSpPr>
+        <p:spPr>
+          <a:xfrm>
+            <a:off x="1240590" y="1965098"/>
+            <a:ext cx="3529731" cy="402322"/>
+          </a:xfrm>
+          <a:prstGeom prst="roundRect">
+            <a:avLst/>
+          </a:prstGeom>
+        </p:spPr>
+        <p:style>
+          <a:lnRef idx="0">
+            <a:schemeClr val="accent1"/>
+          </a:lnRef>
+          <a:fillRef idx="3">
+            <a:schemeClr val="accent1"/>
+          </a:fillRef>
+          <a:effectRef idx="3">
+            <a:schemeClr val="accent1"/>
+          </a:effectRef>
+          <a:fontRef idx="minor">
+            <a:schemeClr val="lt1"/>
+          </a:fontRef>
+        </p:style>
+        <p:txBody>
+          <a:bodyPr rtlCol="0" anchor="ctr"/>
+          <a:lstStyle/>
           <a:p>
             <a:pPr algn="ctr"/>
             <a:r>
-              <a:rPr lang="fr-FR" dirty="0"/>
-              <a:t>ext.daniel.garrivier@ffjudo.com</a:t>
-            </a:r>
-          </a:p>
+              <a:rPr lang="fr-FR" sz="1400" dirty="0"/>
+              <a:t>Classements (choix de catégorie)</a:t>
+            </a:r>
+          </a:p>
+        </p:txBody>
+      </p:sp>
+      <p:sp>
+        <p:nvSpPr>
+          <p:cNvPr id="7" name="Rectangle : coins arrondis 6">
+            <a:extLst>
+              <a:ext uri="{FF2B5EF4-FFF2-40B4-BE49-F238E27FC236}">
+                <a16:creationId xmlns:a16="http://schemas.microsoft.com/office/drawing/2014/main" id="{1A86364E-4B4A-25F5-F6B9-3ED2D611FCB6}"/>
+              </a:ext>
+            </a:extLst>
+          </p:cNvPr>
+          <p:cNvSpPr/>
+          <p:nvPr/>
+        </p:nvSpPr>
+        <p:spPr>
+          <a:xfrm>
+            <a:off x="6427681" y="1965098"/>
+            <a:ext cx="3678344" cy="3526522"/>
+          </a:xfrm>
+          <a:prstGeom prst="roundRect">
+            <a:avLst>
+              <a:gd name="adj" fmla="val 1691"/>
+            </a:avLst>
+          </a:prstGeom>
+          <a:noFill/>
+        </p:spPr>
+        <p:style>
+          <a:lnRef idx="2">
+            <a:schemeClr val="accent1"/>
+          </a:lnRef>
+          <a:fillRef idx="1">
+            <a:schemeClr val="lt1"/>
+          </a:fillRef>
+          <a:effectRef idx="0">
+            <a:schemeClr val="accent1"/>
+          </a:effectRef>
+          <a:fontRef idx="minor">
+            <a:schemeClr val="dk1"/>
+          </a:fontRef>
+        </p:style>
+        <p:txBody>
+          <a:bodyPr rtlCol="0" anchor="ctr"/>
+          <a:lstStyle/>
+          <a:p>
+            <a:pPr algn="r"/>
+            <a:endParaRPr lang="fr-FR" dirty="0"/>
+          </a:p>
+        </p:txBody>
+      </p:sp>
+      <p:sp>
+        <p:nvSpPr>
+          <p:cNvPr id="8" name="Rectangle : coins arrondis 7">
+            <a:extLst>
+              <a:ext uri="{FF2B5EF4-FFF2-40B4-BE49-F238E27FC236}">
+                <a16:creationId xmlns:a16="http://schemas.microsoft.com/office/drawing/2014/main" id="{784D7F57-DCD9-FF19-1D50-01AEC1AFCAAE}"/>
+              </a:ext>
+            </a:extLst>
+          </p:cNvPr>
+          <p:cNvSpPr/>
+          <p:nvPr/>
+        </p:nvSpPr>
+        <p:spPr>
+          <a:xfrm>
+            <a:off x="6427679" y="1965098"/>
+            <a:ext cx="3678346" cy="402322"/>
+          </a:xfrm>
+          <a:prstGeom prst="roundRect">
+            <a:avLst/>
+          </a:prstGeom>
+        </p:spPr>
+        <p:style>
+          <a:lnRef idx="0">
+            <a:schemeClr val="accent1"/>
+          </a:lnRef>
+          <a:fillRef idx="3">
+            <a:schemeClr val="accent1"/>
+          </a:fillRef>
+          <a:effectRef idx="3">
+            <a:schemeClr val="accent1"/>
+          </a:effectRef>
+          <a:fontRef idx="minor">
+            <a:schemeClr val="lt1"/>
+          </a:fontRef>
+        </p:style>
+        <p:txBody>
+          <a:bodyPr rtlCol="0" anchor="ctr"/>
+          <a:lstStyle/>
           <a:p>
             <a:pPr algn="ctr"/>
             <a:r>
-              <a:rPr lang="fr-FR" dirty="0"/>
-              <a:t>-- -- -- -- --</a:t>
-            </a:r>
-          </a:p>
-        </p:txBody>
-      </p:sp>
+              <a:rPr lang="fr-FR" sz="1400" dirty="0"/>
+              <a:t>Tableau de classement de la catégorie</a:t>
+            </a:r>
+          </a:p>
+        </p:txBody>
+      </p:sp>
+      <p:pic>
+        <p:nvPicPr>
+          <p:cNvPr id="14" name="Image 13">
+            <a:extLst>
+              <a:ext uri="{FF2B5EF4-FFF2-40B4-BE49-F238E27FC236}">
+                <a16:creationId xmlns:a16="http://schemas.microsoft.com/office/drawing/2014/main" id="{569F78C2-1079-9B2D-317A-BEFB7F12F78D}"/>
+              </a:ext>
+            </a:extLst>
+          </p:cNvPr>
+          <p:cNvPicPr>
+            <a:picLocks noChangeAspect="1"/>
+          </p:cNvPicPr>
+          <p:nvPr/>
+        </p:nvPicPr>
+        <p:blipFill>
+          <a:blip r:embed="rId2"/>
+          <a:stretch>
+            <a:fillRect/>
+          </a:stretch>
+        </p:blipFill>
+        <p:spPr>
+          <a:xfrm>
+            <a:off x="1590628" y="2515039"/>
+            <a:ext cx="2834168" cy="3194967"/>
+          </a:xfrm>
+          <a:prstGeom prst="rect">
+            <a:avLst/>
+          </a:prstGeom>
+        </p:spPr>
+      </p:pic>
+      <p:cxnSp>
+        <p:nvCxnSpPr>
+          <p:cNvPr id="11" name="Connecteur : en angle 10">
+            <a:extLst>
+              <a:ext uri="{FF2B5EF4-FFF2-40B4-BE49-F238E27FC236}">
+                <a16:creationId xmlns:a16="http://schemas.microsoft.com/office/drawing/2014/main" id="{F5813451-B99C-85D9-890B-7BD6D792A98D}"/>
+              </a:ext>
+            </a:extLst>
+          </p:cNvPr>
+          <p:cNvCxnSpPr>
+            <a:cxnSpLocks/>
+          </p:cNvCxnSpPr>
+          <p:nvPr/>
+        </p:nvCxnSpPr>
+        <p:spPr>
+          <a:xfrm flipV="1">
+            <a:off x="3936324" y="3276600"/>
+            <a:ext cx="3135075" cy="1457325"/>
+          </a:xfrm>
+          <a:prstGeom prst="curvedConnector3">
+            <a:avLst>
+              <a:gd name="adj1" fmla="val 50000"/>
+            </a:avLst>
+          </a:prstGeom>
+          <a:ln>
+            <a:headEnd type="diamond" w="med" len="med"/>
+            <a:tailEnd type="triangle" w="med" len="med"/>
+          </a:ln>
+        </p:spPr>
+        <p:style>
+          <a:lnRef idx="1">
+            <a:schemeClr val="accent1"/>
+          </a:lnRef>
+          <a:fillRef idx="0">
+            <a:schemeClr val="accent1"/>
+          </a:fillRef>
+          <a:effectRef idx="0">
+            <a:schemeClr val="accent1"/>
+          </a:effectRef>
+          <a:fontRef idx="minor">
+            <a:schemeClr val="tx1"/>
+          </a:fontRef>
+        </p:style>
+      </p:cxnSp>
+      <p:pic>
+        <p:nvPicPr>
+          <p:cNvPr id="5" name="Image 4">
+            <a:extLst>
+              <a:ext uri="{FF2B5EF4-FFF2-40B4-BE49-F238E27FC236}">
+                <a16:creationId xmlns:a16="http://schemas.microsoft.com/office/drawing/2014/main" id="{8B2F415D-8326-8A03-AE1D-86DD1719AD63}"/>
+              </a:ext>
+            </a:extLst>
+          </p:cNvPr>
+          <p:cNvPicPr>
+            <a:picLocks noChangeAspect="1"/>
+          </p:cNvPicPr>
+          <p:nvPr/>
+        </p:nvPicPr>
+        <p:blipFill>
+          <a:blip r:embed="rId3"/>
+          <a:stretch>
+            <a:fillRect/>
+          </a:stretch>
+        </p:blipFill>
+        <p:spPr>
+          <a:xfrm>
+            <a:off x="7071399" y="2602235"/>
+            <a:ext cx="2390905" cy="2724520"/>
+          </a:xfrm>
+          <a:prstGeom prst="rect">
+            <a:avLst/>
+          </a:prstGeom>
+        </p:spPr>
+      </p:pic>
+    </p:spTree>
+    <p:extLst>
+      <p:ext uri="{BB962C8B-B14F-4D97-AF65-F5344CB8AC3E}">
+        <p14:creationId xmlns:p14="http://schemas.microsoft.com/office/powerpoint/2010/main" val="1290928888"/>
+      </p:ext>
+    </p:extLst>
+  </p:cSld>
+  <p:clrMapOvr>
+    <a:masterClrMapping/>
+  </p:clrMapOvr>
+</p:sld>
+</file>
+
+<file path=ppt/slides/slide36.xml><?xml version="1.0" encoding="utf-8"?>
+<p:sld xmlns:a="http://schemas.openxmlformats.org/drawingml/2006/main" xmlns:r="http://schemas.openxmlformats.org/officeDocument/2006/relationships" xmlns:p="http://schemas.openxmlformats.org/presentationml/2006/main">
+  <p:cSld>
+    <p:spTree>
+      <p:nvGrpSpPr>
+        <p:cNvPr id="1" name=""/>
+        <p:cNvGrpSpPr/>
+        <p:nvPr/>
+      </p:nvGrpSpPr>
+      <p:grpSpPr>
+        <a:xfrm>
+          <a:off x="0" y="0"/>
+          <a:ext cx="0" cy="0"/>
+          <a:chOff x="0" y="0"/>
+          <a:chExt cx="0" cy="0"/>
+        </a:xfrm>
+      </p:grpSpPr>
     </p:spTree>
     <p:extLst>
       <p:ext uri="{BB962C8B-B14F-4D97-AF65-F5344CB8AC3E}">
@@ -35028,7 +35923,7 @@
           <a:p>
             <a:r>
               <a:rPr lang="fr-FR" sz="1600" i="1" dirty="0"/>
-              <a:t>La publication sur Internet nécessite de disposer d’un compte auprès d’un fournisseur d’accès comme Free, Orange, etc.</a:t>
+              <a:t>La publication sur Internet nécessite de disposer d’un compte auprès d’un hébergeur comme Free, Orange, etc.</a:t>
             </a:r>
           </a:p>
           <a:p>
@@ -35677,7 +36572,7 @@
               <a:rPr lang="fr-FR" sz="1800" dirty="0">
                 <a:latin typeface="Barlow" panose="00000500000000000000" pitchFamily="2" charset="0"/>
               </a:rPr>
-              <a:t> » copie par FTP sur le site du fournisseur distant la dernière version généré du site de suivi. La 1</a:t>
+              <a:t> » copie par FTP sur le site de l’hébergeur distant la dernière version généré du site de suivi. La 1</a:t>
             </a:r>
             <a:r>
               <a:rPr lang="fr-FR" sz="1800" baseline="30000" dirty="0">
@@ -35705,7 +36600,7 @@
             </a:r>
             <a:r>
               <a:rPr lang="fr-FR" sz="1800" i="1" dirty="0"/>
-              <a:t>: En cas de publication distante, l’accès des utilisateurs se fait via l’adresse distante du fournisseur internet. Il n’y a pas de lien direct avec </a:t>
+              <a:t>: En cas de publication distante, l’accès des utilisateurs se fait via l’adresse distante de l’hébergeur. Il n’y a pas de lien direct avec </a:t>
             </a:r>
             <a:r>
               <a:rPr lang="fr-FR" sz="1800" i="1" dirty="0">
@@ -39476,15 +40371,6 @@
 </file>
 
 <file path=customXml/item1.xml><?xml version="1.0" encoding="utf-8"?>
-<?mso-contentType ?>
-<FormTemplates xmlns="http://schemas.microsoft.com/sharepoint/v3/contenttype/forms">
-  <Display>DocumentLibraryForm</Display>
-  <Edit>DocumentLibraryForm</Edit>
-  <New>DocumentLibraryForm</New>
-</FormTemplates>
-</file>
-
-<file path=customXml/item2.xml><?xml version="1.0" encoding="utf-8"?>
 <ct:contentTypeSchema xmlns:ct="http://schemas.microsoft.com/office/2006/metadata/contentType" xmlns:ma="http://schemas.microsoft.com/office/2006/metadata/properties/metaAttributes" ct:_="" ma:_="" ma:contentTypeName="Document" ma:contentTypeID="0x01010094D69007D53E474D873D1C4BCA1E8F18" ma:contentTypeVersion="15" ma:contentTypeDescription="Crée un document." ma:contentTypeScope="" ma:versionID="b94b5753296409f7397b66632584fdb0">
   <xsd:schema xmlns:xsd="http://www.w3.org/2001/XMLSchema" xmlns:xs="http://www.w3.org/2001/XMLSchema" xmlns:p="http://schemas.microsoft.com/office/2006/metadata/properties" xmlns:ns2="f9bf1094-3609-4046-a6fd-76c9c0caa714" xmlns:ns3="5d7a3535-6ccc-4381-989f-ae061031b78e" targetNamespace="http://schemas.microsoft.com/office/2006/metadata/properties" ma:root="true" ma:fieldsID="fee6db9217be9a70816f6107f4b0cedb" ns2:_="" ns3:_="">
     <xsd:import namespace="f9bf1094-3609-4046-a6fd-76c9c0caa714"/>
@@ -39713,6 +40599,15 @@
 </ct:contentTypeSchema>
 </file>
 
+<file path=customXml/item2.xml><?xml version="1.0" encoding="utf-8"?>
+<?mso-contentType ?>
+<FormTemplates xmlns="http://schemas.microsoft.com/sharepoint/v3/contenttype/forms">
+  <Display>DocumentLibraryForm</Display>
+  <Edit>DocumentLibraryForm</Edit>
+  <New>DocumentLibraryForm</New>
+</FormTemplates>
+</file>
+
 <file path=customXml/item3.xml><?xml version="1.0" encoding="utf-8"?>
 <p:properties xmlns:p="http://schemas.microsoft.com/office/2006/metadata/properties" xmlns:xsi="http://www.w3.org/2001/XMLSchema-instance" xmlns:pc="http://schemas.microsoft.com/office/infopath/2007/PartnerControls">
   <documentManagement>
@@ -39725,14 +40620,6 @@
 </file>
 
 <file path=customXml/itemProps1.xml><?xml version="1.0" encoding="utf-8"?>
-<ds:datastoreItem xmlns:ds="http://schemas.openxmlformats.org/officeDocument/2006/customXml" ds:itemID="{37867E26-7D2E-4C08-8937-A5EDA2DC982A}">
-  <ds:schemaRefs>
-    <ds:schemaRef ds:uri="http://schemas.microsoft.com/sharepoint/v3/contenttype/forms"/>
-  </ds:schemaRefs>
-</ds:datastoreItem>
-</file>
-
-<file path=customXml/itemProps2.xml><?xml version="1.0" encoding="utf-8"?>
 <ds:datastoreItem xmlns:ds="http://schemas.openxmlformats.org/officeDocument/2006/customXml" ds:itemID="{A23C0DE2-5723-4EBE-BB67-CD0D7BAFEF27}">
   <ds:schemaRefs>
     <ds:schemaRef ds:uri="http://schemas.microsoft.com/office/2006/metadata/contentType"/>
@@ -39747,6 +40634,14 @@
     <ds:schemaRef ds:uri="http://purl.org/dc/elements/1.1/"/>
     <ds:schemaRef ds:uri="http://purl.org/dc/terms/"/>
     <ds:schemaRef ds:uri="http://schemas.microsoft.com/internal/obd"/>
+  </ds:schemaRefs>
+</ds:datastoreItem>
+</file>
+
+<file path=customXml/itemProps2.xml><?xml version="1.0" encoding="utf-8"?>
+<ds:datastoreItem xmlns:ds="http://schemas.openxmlformats.org/officeDocument/2006/customXml" ds:itemID="{37867E26-7D2E-4C08-8937-A5EDA2DC982A}">
+  <ds:schemaRefs>
+    <ds:schemaRef ds:uri="http://schemas.microsoft.com/sharepoint/v3/contenttype/forms"/>
   </ds:schemaRefs>
 </ds:datastoreItem>
 </file>

--- a/AppPublication/Documentation/PublicationSuiviCompetition - Manuel d'utilisation.pptx
+++ b/AppPublication/Documentation/PublicationSuiviCompetition - Manuel d'utilisation.pptx
@@ -269,7 +269,7 @@
           <a:p>
             <a:fld id="{2FC9C06B-3A03-409A-B425-472FC6ED632E}" type="datetimeFigureOut">
               <a:rPr lang="fr-FR" smtClean="0"/>
-              <a:t>26/11/2024</a:t>
+              <a:t>17/12/2024</a:t>
             </a:fld>
             <a:endParaRPr lang="fr-FR"/>
           </a:p>
@@ -446,7 +446,7 @@
           <a:p>
             <a:fld id="{1BF3F09E-A5E2-4FD2-AA48-324D4F0E8F41}" type="datetimeFigureOut">
               <a:rPr lang="fr"/>
-              <a:t>26/11/2024</a:t>
+              <a:t>17/12/2024</a:t>
             </a:fld>
             <a:endParaRPr lang="en-US"/>
           </a:p>
@@ -17650,6 +17650,36 @@
           <a:chExt cx="0" cy="0"/>
         </a:xfrm>
       </p:grpSpPr>
+      <p:pic>
+        <p:nvPicPr>
+          <p:cNvPr id="13" name="Image 12">
+            <a:extLst>
+              <a:ext uri="{FF2B5EF4-FFF2-40B4-BE49-F238E27FC236}">
+                <a16:creationId xmlns:a16="http://schemas.microsoft.com/office/drawing/2014/main" id="{9BD9996D-6346-8651-5495-DF81C701F0E2}"/>
+              </a:ext>
+            </a:extLst>
+          </p:cNvPr>
+          <p:cNvPicPr>
+            <a:picLocks noChangeAspect="1"/>
+          </p:cNvPicPr>
+          <p:nvPr/>
+        </p:nvPicPr>
+        <p:blipFill>
+          <a:blip r:embed="rId2"/>
+          <a:stretch>
+            <a:fillRect/>
+          </a:stretch>
+        </p:blipFill>
+        <p:spPr>
+          <a:xfrm>
+            <a:off x="4289024" y="2028084"/>
+            <a:ext cx="3731995" cy="2890311"/>
+          </a:xfrm>
+          <a:prstGeom prst="rect">
+            <a:avLst/>
+          </a:prstGeom>
+        </p:spPr>
+      </p:pic>
       <p:sp>
         <p:nvSpPr>
           <p:cNvPr id="2" name="Titre 1">
@@ -17706,35 +17736,6 @@
           </a:p>
         </p:txBody>
       </p:sp>
-      <p:pic>
-        <p:nvPicPr>
-          <p:cNvPr id="8" name="Image 7">
-            <a:extLst>
-              <a:ext uri="{FF2B5EF4-FFF2-40B4-BE49-F238E27FC236}">
-                <a16:creationId xmlns:a16="http://schemas.microsoft.com/office/drawing/2014/main" id="{BD73F828-99E4-A271-AFA1-9ABFDCBF9076}"/>
-              </a:ext>
-            </a:extLst>
-          </p:cNvPr>
-          <p:cNvPicPr>
-            <a:picLocks noChangeAspect="1"/>
-          </p:cNvPicPr>
-          <p:nvPr/>
-        </p:nvPicPr>
-        <p:blipFill rotWithShape="1">
-          <a:blip r:embed="rId2"/>
-          <a:srcRect l="765" t="24306" r="50118" b="2133"/>
-          <a:stretch/>
-        </p:blipFill>
-        <p:spPr>
-          <a:xfrm>
-            <a:off x="4236719" y="2014758"/>
-            <a:ext cx="3949065" cy="3507105"/>
-          </a:xfrm>
-          <a:prstGeom prst="rect">
-            <a:avLst/>
-          </a:prstGeom>
-        </p:spPr>
-      </p:pic>
       <p:sp>
         <p:nvSpPr>
           <p:cNvPr id="3" name="Rectangle 2">
@@ -17967,7 +17968,7 @@
         </p:nvSpPr>
         <p:spPr>
           <a:xfrm>
-            <a:off x="5581032" y="5223107"/>
+            <a:off x="5495306" y="4638622"/>
             <a:ext cx="634031" cy="227575"/>
           </a:xfrm>
           <a:prstGeom prst="rect">
@@ -18019,7 +18020,7 @@
         </p:nvSpPr>
         <p:spPr>
           <a:xfrm>
-            <a:off x="6333507" y="5225489"/>
+            <a:off x="6249310" y="4638622"/>
             <a:ext cx="557831" cy="227575"/>
           </a:xfrm>
           <a:prstGeom prst="rect">
@@ -18175,8 +18176,8 @@
         </p:nvSpPr>
         <p:spPr>
           <a:xfrm>
-            <a:off x="5404820" y="2776023"/>
-            <a:ext cx="2693811" cy="156506"/>
+            <a:off x="5404821" y="2776023"/>
+            <a:ext cx="2246810" cy="135660"/>
           </a:xfrm>
           <a:prstGeom prst="rect">
             <a:avLst/>
@@ -18279,15 +18280,15 @@
         </p:nvSpPr>
         <p:spPr>
           <a:xfrm flipH="1">
-            <a:off x="2076450" y="5936580"/>
+            <a:off x="1861943" y="5456052"/>
             <a:ext cx="2981324" cy="436361"/>
           </a:xfrm>
           <a:prstGeom prst="accentBorderCallout1">
             <a:avLst>
               <a:gd name="adj1" fmla="val 18750"/>
               <a:gd name="adj2" fmla="val -8333"/>
-              <a:gd name="adj3" fmla="val -108235"/>
-              <a:gd name="adj4" fmla="val -33552"/>
+              <a:gd name="adj3" fmla="val -129981"/>
+              <a:gd name="adj4" fmla="val -27186"/>
             </a:avLst>
           </a:prstGeom>
           <a:ln>
@@ -18336,15 +18337,15 @@
         </p:nvSpPr>
         <p:spPr>
           <a:xfrm>
-            <a:off x="7549502" y="5936579"/>
+            <a:off x="7271464" y="5456052"/>
             <a:ext cx="3093099" cy="436362"/>
           </a:xfrm>
           <a:prstGeom prst="accentBorderCallout1">
             <a:avLst>
               <a:gd name="adj1" fmla="val 18750"/>
               <a:gd name="adj2" fmla="val -8333"/>
-              <a:gd name="adj3" fmla="val -102559"/>
-              <a:gd name="adj4" fmla="val -34696"/>
+              <a:gd name="adj3" fmla="val -138143"/>
+              <a:gd name="adj4" fmla="val -23819"/>
             </a:avLst>
           </a:prstGeom>
           <a:ln>
@@ -18507,15 +18508,15 @@
         </p:nvSpPr>
         <p:spPr>
           <a:xfrm>
-            <a:off x="8600315" y="2543784"/>
+            <a:off x="8600315" y="2186324"/>
             <a:ext cx="2042286" cy="528400"/>
           </a:xfrm>
           <a:prstGeom prst="accentBorderCallout1">
             <a:avLst>
               <a:gd name="adj1" fmla="val 18750"/>
               <a:gd name="adj2" fmla="val -8333"/>
-              <a:gd name="adj3" fmla="val 66748"/>
-              <a:gd name="adj4" fmla="val -20726"/>
+              <a:gd name="adj3" fmla="val 112460"/>
+              <a:gd name="adj4" fmla="val -70991"/>
             </a:avLst>
           </a:prstGeom>
           <a:ln>
@@ -18603,6 +18604,115 @@
             <a:r>
               <a:rPr lang="fr-FR" sz="1400" dirty="0"/>
               <a:t>QR Code du site web local</a:t>
+            </a:r>
+          </a:p>
+        </p:txBody>
+      </p:sp>
+      <p:sp>
+        <p:nvSpPr>
+          <p:cNvPr id="15" name="Rectangle 14">
+            <a:extLst>
+              <a:ext uri="{FF2B5EF4-FFF2-40B4-BE49-F238E27FC236}">
+                <a16:creationId xmlns:a16="http://schemas.microsoft.com/office/drawing/2014/main" id="{C8F1B060-4900-4652-32FA-78E0AEE6216F}"/>
+              </a:ext>
+            </a:extLst>
+          </p:cNvPr>
+          <p:cNvSpPr/>
+          <p:nvPr/>
+        </p:nvSpPr>
+        <p:spPr>
+          <a:xfrm>
+            <a:off x="7760578" y="2743908"/>
+            <a:ext cx="217311" cy="227575"/>
+          </a:xfrm>
+          <a:prstGeom prst="rect">
+            <a:avLst/>
+          </a:prstGeom>
+          <a:noFill/>
+          <a:ln w="28575">
+            <a:solidFill>
+              <a:srgbClr val="FFC000"/>
+            </a:solidFill>
+          </a:ln>
+        </p:spPr>
+        <p:style>
+          <a:lnRef idx="2">
+            <a:schemeClr val="accent1">
+              <a:shade val="15000"/>
+            </a:schemeClr>
+          </a:lnRef>
+          <a:fillRef idx="1">
+            <a:schemeClr val="accent1"/>
+          </a:fillRef>
+          <a:effectRef idx="0">
+            <a:schemeClr val="accent1"/>
+          </a:effectRef>
+          <a:fontRef idx="minor">
+            <a:schemeClr val="lt1"/>
+          </a:fontRef>
+        </p:style>
+        <p:txBody>
+          <a:bodyPr rtlCol="0" anchor="ctr"/>
+          <a:lstStyle/>
+          <a:p>
+            <a:pPr algn="ctr"/>
+            <a:endParaRPr lang="fr-FR"/>
+          </a:p>
+        </p:txBody>
+      </p:sp>
+      <p:sp>
+        <p:nvSpPr>
+          <p:cNvPr id="16" name="Légende : encadrée à une bordure 15">
+            <a:extLst>
+              <a:ext uri="{FF2B5EF4-FFF2-40B4-BE49-F238E27FC236}">
+                <a16:creationId xmlns:a16="http://schemas.microsoft.com/office/drawing/2014/main" id="{D34F33BE-3310-E160-BF33-7A046348D898}"/>
+              </a:ext>
+            </a:extLst>
+          </p:cNvPr>
+          <p:cNvSpPr/>
+          <p:nvPr/>
+        </p:nvSpPr>
+        <p:spPr>
+          <a:xfrm>
+            <a:off x="8602478" y="2937259"/>
+            <a:ext cx="3374424" cy="283867"/>
+          </a:xfrm>
+          <a:prstGeom prst="accentBorderCallout1">
+            <a:avLst>
+              <a:gd name="adj1" fmla="val 18750"/>
+              <a:gd name="adj2" fmla="val -8333"/>
+              <a:gd name="adj3" fmla="val 6183"/>
+              <a:gd name="adj4" fmla="val -17743"/>
+            </a:avLst>
+          </a:prstGeom>
+          <a:ln>
+            <a:solidFill>
+              <a:schemeClr val="accent4"/>
+            </a:solidFill>
+          </a:ln>
+        </p:spPr>
+        <p:style>
+          <a:lnRef idx="0">
+            <a:schemeClr val="accent4"/>
+          </a:lnRef>
+          <a:fillRef idx="3">
+            <a:schemeClr val="accent4"/>
+          </a:fillRef>
+          <a:effectRef idx="3">
+            <a:schemeClr val="accent4"/>
+          </a:effectRef>
+          <a:fontRef idx="minor">
+            <a:schemeClr val="lt1"/>
+          </a:fontRef>
+        </p:style>
+        <p:txBody>
+          <a:bodyPr rtlCol="0" anchor="ctr"/>
+          <a:lstStyle/>
+          <a:p>
+            <a:pPr algn="ctr"/>
+            <a:r>
+              <a:rPr lang="fr-FR" sz="1400" dirty="0"/>
+              <a:t>Copie l’URL complète dans le presse-papier</a:t>
             </a:r>
           </a:p>
         </p:txBody>
@@ -18639,10 +18749,10 @@
       </p:grpSpPr>
       <p:pic>
         <p:nvPicPr>
-          <p:cNvPr id="9" name="Image 8">
-            <a:extLst>
-              <a:ext uri="{FF2B5EF4-FFF2-40B4-BE49-F238E27FC236}">
-                <a16:creationId xmlns:a16="http://schemas.microsoft.com/office/drawing/2014/main" id="{546F8956-578C-AC80-2634-1CC846CB9833}"/>
+          <p:cNvPr id="10" name="Image 9">
+            <a:extLst>
+              <a:ext uri="{FF2B5EF4-FFF2-40B4-BE49-F238E27FC236}">
+                <a16:creationId xmlns:a16="http://schemas.microsoft.com/office/drawing/2014/main" id="{14546F8F-057C-C343-5073-768EBC066B12}"/>
               </a:ext>
             </a:extLst>
           </p:cNvPr>
@@ -18659,8 +18769,8 @@
         </p:blipFill>
         <p:spPr>
           <a:xfrm>
-            <a:off x="3971554" y="2081433"/>
-            <a:ext cx="3757661" cy="2804148"/>
+            <a:off x="4002578" y="2148999"/>
+            <a:ext cx="3631710" cy="2732564"/>
           </a:xfrm>
           <a:prstGeom prst="rect">
             <a:avLst/>
@@ -18864,7 +18974,7 @@
         </p:nvSpPr>
         <p:spPr>
           <a:xfrm>
-            <a:off x="8457594" y="3107796"/>
+            <a:off x="8408079" y="3107796"/>
             <a:ext cx="3553585" cy="318133"/>
           </a:xfrm>
           <a:prstGeom prst="accentBorderCallout1">
@@ -19181,15 +19291,15 @@
         </p:nvSpPr>
         <p:spPr>
           <a:xfrm>
-            <a:off x="8414125" y="2031015"/>
+            <a:off x="8229545" y="1663219"/>
             <a:ext cx="3093177" cy="283867"/>
           </a:xfrm>
           <a:prstGeom prst="accentBorderCallout1">
             <a:avLst>
               <a:gd name="adj1" fmla="val 18750"/>
               <a:gd name="adj2" fmla="val -8333"/>
-              <a:gd name="adj3" fmla="val 223337"/>
-              <a:gd name="adj4" fmla="val -100369"/>
+              <a:gd name="adj3" fmla="val 320582"/>
+              <a:gd name="adj4" fmla="val -95907"/>
             </a:avLst>
           </a:prstGeom>
           <a:ln>
@@ -19291,7 +19401,7 @@
         <p:spPr>
           <a:xfrm>
             <a:off x="5084689" y="2818558"/>
-            <a:ext cx="2551027" cy="156506"/>
+            <a:ext cx="2224796" cy="155246"/>
           </a:xfrm>
           <a:prstGeom prst="rect">
             <a:avLst/>
@@ -19342,15 +19452,15 @@
         </p:nvSpPr>
         <p:spPr>
           <a:xfrm>
-            <a:off x="8442157" y="2663312"/>
+            <a:off x="8408079" y="2148999"/>
             <a:ext cx="2667954" cy="310492"/>
           </a:xfrm>
           <a:prstGeom prst="accentBorderCallout1">
             <a:avLst>
               <a:gd name="adj1" fmla="val 18750"/>
               <a:gd name="adj2" fmla="val -8333"/>
-              <a:gd name="adj3" fmla="val 78705"/>
-              <a:gd name="adj4" fmla="val -28638"/>
+              <a:gd name="adj3" fmla="val 206507"/>
+              <a:gd name="adj4" fmla="val -48038"/>
             </a:avLst>
           </a:prstGeom>
           <a:ln>
@@ -20265,6 +20375,115 @@
             <a:r>
               <a:rPr lang="fr-FR" sz="1400" dirty="0"/>
               <a:t>Entité sélectionnée pour le niveau de publication</a:t>
+            </a:r>
+          </a:p>
+        </p:txBody>
+      </p:sp>
+      <p:sp>
+        <p:nvSpPr>
+          <p:cNvPr id="15" name="Rectangle 14">
+            <a:extLst>
+              <a:ext uri="{FF2B5EF4-FFF2-40B4-BE49-F238E27FC236}">
+                <a16:creationId xmlns:a16="http://schemas.microsoft.com/office/drawing/2014/main" id="{8CBD5103-C6D2-EEA2-AC3E-90D826D11C05}"/>
+              </a:ext>
+            </a:extLst>
+          </p:cNvPr>
+          <p:cNvSpPr/>
+          <p:nvPr/>
+        </p:nvSpPr>
+        <p:spPr>
+          <a:xfrm>
+            <a:off x="7363231" y="2810974"/>
+            <a:ext cx="217311" cy="227575"/>
+          </a:xfrm>
+          <a:prstGeom prst="rect">
+            <a:avLst/>
+          </a:prstGeom>
+          <a:noFill/>
+          <a:ln w="28575">
+            <a:solidFill>
+              <a:srgbClr val="FFC000"/>
+            </a:solidFill>
+          </a:ln>
+        </p:spPr>
+        <p:style>
+          <a:lnRef idx="2">
+            <a:schemeClr val="accent1">
+              <a:shade val="15000"/>
+            </a:schemeClr>
+          </a:lnRef>
+          <a:fillRef idx="1">
+            <a:schemeClr val="accent1"/>
+          </a:fillRef>
+          <a:effectRef idx="0">
+            <a:schemeClr val="accent1"/>
+          </a:effectRef>
+          <a:fontRef idx="minor">
+            <a:schemeClr val="lt1"/>
+          </a:fontRef>
+        </p:style>
+        <p:txBody>
+          <a:bodyPr rtlCol="0" anchor="ctr"/>
+          <a:lstStyle/>
+          <a:p>
+            <a:pPr algn="ctr"/>
+            <a:endParaRPr lang="fr-FR"/>
+          </a:p>
+        </p:txBody>
+      </p:sp>
+      <p:sp>
+        <p:nvSpPr>
+          <p:cNvPr id="16" name="Légende : encadrée à une bordure 15">
+            <a:extLst>
+              <a:ext uri="{FF2B5EF4-FFF2-40B4-BE49-F238E27FC236}">
+                <a16:creationId xmlns:a16="http://schemas.microsoft.com/office/drawing/2014/main" id="{ABD65DE1-1A88-2F00-870A-C23EE9620DC1}"/>
+              </a:ext>
+            </a:extLst>
+          </p:cNvPr>
+          <p:cNvSpPr/>
+          <p:nvPr/>
+        </p:nvSpPr>
+        <p:spPr>
+          <a:xfrm>
+            <a:off x="8411102" y="2647713"/>
+            <a:ext cx="3374424" cy="283867"/>
+          </a:xfrm>
+          <a:prstGeom prst="accentBorderCallout1">
+            <a:avLst>
+              <a:gd name="adj1" fmla="val 18750"/>
+              <a:gd name="adj2" fmla="val -8333"/>
+              <a:gd name="adj3" fmla="val 90069"/>
+              <a:gd name="adj4" fmla="val -24800"/>
+            </a:avLst>
+          </a:prstGeom>
+          <a:ln>
+            <a:solidFill>
+              <a:schemeClr val="accent4"/>
+            </a:solidFill>
+          </a:ln>
+        </p:spPr>
+        <p:style>
+          <a:lnRef idx="0">
+            <a:schemeClr val="accent4"/>
+          </a:lnRef>
+          <a:fillRef idx="3">
+            <a:schemeClr val="accent4"/>
+          </a:fillRef>
+          <a:effectRef idx="3">
+            <a:schemeClr val="accent4"/>
+          </a:effectRef>
+          <a:fontRef idx="minor">
+            <a:schemeClr val="lt1"/>
+          </a:fontRef>
+        </p:style>
+        <p:txBody>
+          <a:bodyPr rtlCol="0" anchor="ctr"/>
+          <a:lstStyle/>
+          <a:p>
+            <a:pPr algn="ctr"/>
+            <a:r>
+              <a:rPr lang="fr-FR" sz="1400" dirty="0"/>
+              <a:t>Copie l’URL complète dans le presse-papier</a:t>
             </a:r>
           </a:p>
         </p:txBody>
@@ -20301,10 +20520,10 @@
       </p:grpSpPr>
       <p:pic>
         <p:nvPicPr>
-          <p:cNvPr id="10" name="Image 9">
-            <a:extLst>
-              <a:ext uri="{FF2B5EF4-FFF2-40B4-BE49-F238E27FC236}">
-                <a16:creationId xmlns:a16="http://schemas.microsoft.com/office/drawing/2014/main" id="{C61C8023-99D1-2101-F255-77237306A496}"/>
+          <p:cNvPr id="9" name="Image 8">
+            <a:extLst>
+              <a:ext uri="{FF2B5EF4-FFF2-40B4-BE49-F238E27FC236}">
+                <a16:creationId xmlns:a16="http://schemas.microsoft.com/office/drawing/2014/main" id="{11821224-780E-100C-5A9F-C4484A51D2E0}"/>
               </a:ext>
             </a:extLst>
           </p:cNvPr>
@@ -20321,8 +20540,8 @@
         </p:blipFill>
         <p:spPr>
           <a:xfrm>
-            <a:off x="3932898" y="1710744"/>
-            <a:ext cx="4070065" cy="3496274"/>
+            <a:off x="4015886" y="1731456"/>
+            <a:ext cx="3734882" cy="3429516"/>
           </a:xfrm>
           <a:prstGeom prst="rect">
             <a:avLst/>
@@ -20518,7 +20737,7 @@
         </p:nvSpPr>
         <p:spPr>
           <a:xfrm>
-            <a:off x="8442157" y="2741552"/>
+            <a:off x="8408079" y="2848749"/>
             <a:ext cx="3553585" cy="318133"/>
           </a:xfrm>
           <a:prstGeom prst="accentBorderCallout1">
@@ -20783,7 +21002,7 @@
         </p:nvSpPr>
         <p:spPr>
           <a:xfrm>
-            <a:off x="5093670" y="2213207"/>
+            <a:off x="5134214" y="2242657"/>
             <a:ext cx="217311" cy="227575"/>
           </a:xfrm>
           <a:prstGeom prst="rect">
@@ -20892,7 +21111,7 @@
         </p:nvSpPr>
         <p:spPr>
           <a:xfrm>
-            <a:off x="4225450" y="2251536"/>
+            <a:off x="4295655" y="2308519"/>
             <a:ext cx="816450" cy="758836"/>
           </a:xfrm>
           <a:prstGeom prst="rect">
@@ -20944,8 +21163,8 @@
         </p:nvSpPr>
         <p:spPr>
           <a:xfrm>
-            <a:off x="5114688" y="2476682"/>
-            <a:ext cx="2800587" cy="156506"/>
+            <a:off x="5114689" y="2476681"/>
+            <a:ext cx="2314812" cy="201763"/>
           </a:xfrm>
           <a:prstGeom prst="rect">
             <a:avLst/>
@@ -20996,15 +21215,15 @@
         </p:nvSpPr>
         <p:spPr>
           <a:xfrm>
-            <a:off x="8442157" y="2301362"/>
+            <a:off x="8426297" y="2060394"/>
             <a:ext cx="2667954" cy="310492"/>
           </a:xfrm>
           <a:prstGeom prst="accentBorderCallout1">
             <a:avLst>
               <a:gd name="adj1" fmla="val 18750"/>
               <a:gd name="adj2" fmla="val -8333"/>
-              <a:gd name="adj3" fmla="val 81773"/>
-              <a:gd name="adj4" fmla="val -17928"/>
+              <a:gd name="adj3" fmla="val 126766"/>
+              <a:gd name="adj4" fmla="val -49107"/>
             </a:avLst>
           </a:prstGeom>
           <a:ln>
@@ -21167,7 +21386,7 @@
         </p:nvSpPr>
         <p:spPr>
           <a:xfrm>
-            <a:off x="6363633" y="4917168"/>
+            <a:off x="6274029" y="4887794"/>
             <a:ext cx="590124" cy="227575"/>
           </a:xfrm>
           <a:prstGeom prst="rect">
@@ -21219,7 +21438,7 @@
         </p:nvSpPr>
         <p:spPr>
           <a:xfrm>
-            <a:off x="4944640" y="4919681"/>
+            <a:off x="4906723" y="4894145"/>
             <a:ext cx="634031" cy="227575"/>
           </a:xfrm>
           <a:prstGeom prst="rect">
@@ -21271,7 +21490,7 @@
         </p:nvSpPr>
         <p:spPr>
           <a:xfrm>
-            <a:off x="5761185" y="4919681"/>
+            <a:off x="5680727" y="4887795"/>
             <a:ext cx="535556" cy="227575"/>
           </a:xfrm>
           <a:prstGeom prst="rect">
@@ -21380,8 +21599,8 @@
         </p:nvSpPr>
         <p:spPr>
           <a:xfrm>
-            <a:off x="6984748" y="6012222"/>
-            <a:ext cx="3816602" cy="436362"/>
+            <a:off x="6984747" y="6012222"/>
+            <a:ext cx="4125363" cy="436362"/>
           </a:xfrm>
           <a:prstGeom prst="accentBorderCallout1">
             <a:avLst>
@@ -21418,7 +21637,7 @@
             <a:pPr algn="ctr"/>
             <a:r>
               <a:rPr lang="fr-FR" sz="1400" dirty="0"/>
-              <a:t>Supprimer TOUT le contenu du répertoire racine sur le site distant (uniquement si arrêtée)</a:t>
+              <a:t>Supprimer TOUT le contenu du répertoire de la compétition sur le site distant (uniquement si arrêtée)</a:t>
             </a:r>
           </a:p>
         </p:txBody>
@@ -21867,8 +22086,8 @@
             <a:avLst>
               <a:gd name="adj1" fmla="val 18750"/>
               <a:gd name="adj2" fmla="val -8333"/>
-              <a:gd name="adj3" fmla="val 84104"/>
-              <a:gd name="adj4" fmla="val -59668"/>
+              <a:gd name="adj3" fmla="val 23566"/>
+              <a:gd name="adj4" fmla="val -60881"/>
             </a:avLst>
           </a:prstGeom>
           <a:ln>
@@ -21924,7 +22143,7 @@
             <a:avLst>
               <a:gd name="adj1" fmla="val 18750"/>
               <a:gd name="adj2" fmla="val -8333"/>
-              <a:gd name="adj3" fmla="val 25057"/>
+              <a:gd name="adj3" fmla="val -30359"/>
               <a:gd name="adj4" fmla="val -60477"/>
             </a:avLst>
           </a:prstGeom>
@@ -22209,8 +22428,8 @@
             <a:avLst>
               <a:gd name="adj1" fmla="val 18750"/>
               <a:gd name="adj2" fmla="val -8333"/>
-              <a:gd name="adj3" fmla="val -41442"/>
-              <a:gd name="adj4" fmla="val -59264"/>
+              <a:gd name="adj3" fmla="val -85774"/>
+              <a:gd name="adj4" fmla="val -60477"/>
             </a:avLst>
           </a:prstGeom>
           <a:ln>
@@ -22351,6 +22570,115 @@
           <a:p>
             <a:pPr algn="ctr"/>
             <a:endParaRPr lang="fr-FR"/>
+          </a:p>
+        </p:txBody>
+      </p:sp>
+      <p:sp>
+        <p:nvSpPr>
+          <p:cNvPr id="13" name="Rectangle 12">
+            <a:extLst>
+              <a:ext uri="{FF2B5EF4-FFF2-40B4-BE49-F238E27FC236}">
+                <a16:creationId xmlns:a16="http://schemas.microsoft.com/office/drawing/2014/main" id="{39B16C27-E2EB-3457-DFC6-2BE7B6BB888E}"/>
+              </a:ext>
+            </a:extLst>
+          </p:cNvPr>
+          <p:cNvSpPr/>
+          <p:nvPr/>
+        </p:nvSpPr>
+        <p:spPr>
+          <a:xfrm>
+            <a:off x="7478179" y="2469511"/>
+            <a:ext cx="217311" cy="227575"/>
+          </a:xfrm>
+          <a:prstGeom prst="rect">
+            <a:avLst/>
+          </a:prstGeom>
+          <a:noFill/>
+          <a:ln w="28575">
+            <a:solidFill>
+              <a:srgbClr val="FFC000"/>
+            </a:solidFill>
+          </a:ln>
+        </p:spPr>
+        <p:style>
+          <a:lnRef idx="2">
+            <a:schemeClr val="accent1">
+              <a:shade val="15000"/>
+            </a:schemeClr>
+          </a:lnRef>
+          <a:fillRef idx="1">
+            <a:schemeClr val="accent1"/>
+          </a:fillRef>
+          <a:effectRef idx="0">
+            <a:schemeClr val="accent1"/>
+          </a:effectRef>
+          <a:fontRef idx="minor">
+            <a:schemeClr val="lt1"/>
+          </a:fontRef>
+        </p:style>
+        <p:txBody>
+          <a:bodyPr rtlCol="0" anchor="ctr"/>
+          <a:lstStyle/>
+          <a:p>
+            <a:pPr algn="ctr"/>
+            <a:endParaRPr lang="fr-FR"/>
+          </a:p>
+        </p:txBody>
+      </p:sp>
+      <p:sp>
+        <p:nvSpPr>
+          <p:cNvPr id="15" name="Légende : encadrée à une bordure 14">
+            <a:extLst>
+              <a:ext uri="{FF2B5EF4-FFF2-40B4-BE49-F238E27FC236}">
+                <a16:creationId xmlns:a16="http://schemas.microsoft.com/office/drawing/2014/main" id="{485DAB41-D0C3-1559-125A-95D225F35F08}"/>
+              </a:ext>
+            </a:extLst>
+          </p:cNvPr>
+          <p:cNvSpPr/>
+          <p:nvPr/>
+        </p:nvSpPr>
+        <p:spPr>
+          <a:xfrm>
+            <a:off x="8413896" y="2458085"/>
+            <a:ext cx="3374424" cy="283867"/>
+          </a:xfrm>
+          <a:prstGeom prst="accentBorderCallout1">
+            <a:avLst>
+              <a:gd name="adj1" fmla="val 18750"/>
+              <a:gd name="adj2" fmla="val -8333"/>
+              <a:gd name="adj3" fmla="val 58751"/>
+              <a:gd name="adj4" fmla="val -21225"/>
+            </a:avLst>
+          </a:prstGeom>
+          <a:ln>
+            <a:solidFill>
+              <a:schemeClr val="accent4"/>
+            </a:solidFill>
+          </a:ln>
+        </p:spPr>
+        <p:style>
+          <a:lnRef idx="0">
+            <a:schemeClr val="accent4"/>
+          </a:lnRef>
+          <a:fillRef idx="3">
+            <a:schemeClr val="accent4"/>
+          </a:fillRef>
+          <a:effectRef idx="3">
+            <a:schemeClr val="accent4"/>
+          </a:effectRef>
+          <a:fontRef idx="minor">
+            <a:schemeClr val="lt1"/>
+          </a:fontRef>
+        </p:style>
+        <p:txBody>
+          <a:bodyPr rtlCol="0" anchor="ctr"/>
+          <a:lstStyle/>
+          <a:p>
+            <a:pPr algn="ctr"/>
+            <a:r>
+              <a:rPr lang="fr-FR" sz="1400" dirty="0"/>
+              <a:t>Copie l’URL complète dans le presse-papier</a:t>
+            </a:r>
           </a:p>
         </p:txBody>
       </p:sp>
@@ -23328,68 +23656,12 @@
           <a:chExt cx="0" cy="0"/>
         </a:xfrm>
       </p:grpSpPr>
-      <p:sp>
-        <p:nvSpPr>
-          <p:cNvPr id="2" name="Titre 1">
-            <a:extLst>
-              <a:ext uri="{FF2B5EF4-FFF2-40B4-BE49-F238E27FC236}">
-                <a16:creationId xmlns:a16="http://schemas.microsoft.com/office/drawing/2014/main" id="{EC51AA81-A5DF-3A18-38B6-020B45588EFC}"/>
-              </a:ext>
-            </a:extLst>
-          </p:cNvPr>
-          <p:cNvSpPr>
-            <a:spLocks noGrp="1"/>
-          </p:cNvSpPr>
-          <p:nvPr>
-            <p:ph type="title"/>
-          </p:nvPr>
-        </p:nvSpPr>
-        <p:spPr/>
-        <p:txBody>
-          <a:bodyPr/>
-          <a:lstStyle/>
-          <a:p>
-            <a:r>
-              <a:rPr lang="fr-FR" dirty="0"/>
-              <a:t>Ecran de Configuration</a:t>
-            </a:r>
-          </a:p>
-        </p:txBody>
-      </p:sp>
-      <p:sp>
-        <p:nvSpPr>
-          <p:cNvPr id="4" name="Espace réservé du texte 3">
-            <a:extLst>
-              <a:ext uri="{FF2B5EF4-FFF2-40B4-BE49-F238E27FC236}">
-                <a16:creationId xmlns:a16="http://schemas.microsoft.com/office/drawing/2014/main" id="{6BDCEFA8-59A6-33CC-D69F-6DDA6E4D9636}"/>
-              </a:ext>
-            </a:extLst>
-          </p:cNvPr>
-          <p:cNvSpPr>
-            <a:spLocks noGrp="1"/>
-          </p:cNvSpPr>
-          <p:nvPr>
-            <p:ph type="body" sz="quarter" idx="15"/>
-          </p:nvPr>
-        </p:nvSpPr>
-        <p:spPr/>
-        <p:txBody>
-          <a:bodyPr/>
-          <a:lstStyle/>
-          <a:p>
-            <a:r>
-              <a:rPr lang="fr-FR" dirty="0"/>
-              <a:t>Ecrans &amp; fonctionnalités</a:t>
-            </a:r>
-          </a:p>
-        </p:txBody>
-      </p:sp>
       <p:pic>
         <p:nvPicPr>
-          <p:cNvPr id="5" name="Image 4">
-            <a:extLst>
-              <a:ext uri="{FF2B5EF4-FFF2-40B4-BE49-F238E27FC236}">
-                <a16:creationId xmlns:a16="http://schemas.microsoft.com/office/drawing/2014/main" id="{84CC962D-3DBE-400A-60DA-11F73D3CE8A8}"/>
+          <p:cNvPr id="17" name="Image 16">
+            <a:extLst>
+              <a:ext uri="{FF2B5EF4-FFF2-40B4-BE49-F238E27FC236}">
+                <a16:creationId xmlns:a16="http://schemas.microsoft.com/office/drawing/2014/main" id="{27DD014A-692F-B398-DD35-CD366E991A3A}"/>
               </a:ext>
             </a:extLst>
           </p:cNvPr>
@@ -23406,8 +23678,8 @@
         </p:blipFill>
         <p:spPr>
           <a:xfrm>
-            <a:off x="3574496" y="1982866"/>
-            <a:ext cx="7772400" cy="3743325"/>
+            <a:off x="3557997" y="1885601"/>
+            <a:ext cx="7773485" cy="4086795"/>
           </a:xfrm>
           <a:prstGeom prst="rect">
             <a:avLst/>
@@ -23416,6 +23688,62 @@
       </p:pic>
       <p:sp>
         <p:nvSpPr>
+          <p:cNvPr id="2" name="Titre 1">
+            <a:extLst>
+              <a:ext uri="{FF2B5EF4-FFF2-40B4-BE49-F238E27FC236}">
+                <a16:creationId xmlns:a16="http://schemas.microsoft.com/office/drawing/2014/main" id="{EC51AA81-A5DF-3A18-38B6-020B45588EFC}"/>
+              </a:ext>
+            </a:extLst>
+          </p:cNvPr>
+          <p:cNvSpPr>
+            <a:spLocks noGrp="1"/>
+          </p:cNvSpPr>
+          <p:nvPr>
+            <p:ph type="title"/>
+          </p:nvPr>
+        </p:nvSpPr>
+        <p:spPr/>
+        <p:txBody>
+          <a:bodyPr/>
+          <a:lstStyle/>
+          <a:p>
+            <a:r>
+              <a:rPr lang="fr-FR" dirty="0"/>
+              <a:t>Ecran de Configuration</a:t>
+            </a:r>
+          </a:p>
+        </p:txBody>
+      </p:sp>
+      <p:sp>
+        <p:nvSpPr>
+          <p:cNvPr id="4" name="Espace réservé du texte 3">
+            <a:extLst>
+              <a:ext uri="{FF2B5EF4-FFF2-40B4-BE49-F238E27FC236}">
+                <a16:creationId xmlns:a16="http://schemas.microsoft.com/office/drawing/2014/main" id="{6BDCEFA8-59A6-33CC-D69F-6DDA6E4D9636}"/>
+              </a:ext>
+            </a:extLst>
+          </p:cNvPr>
+          <p:cNvSpPr>
+            <a:spLocks noGrp="1"/>
+          </p:cNvSpPr>
+          <p:nvPr>
+            <p:ph type="body" sz="quarter" idx="15"/>
+          </p:nvPr>
+        </p:nvSpPr>
+        <p:spPr/>
+        <p:txBody>
+          <a:bodyPr/>
+          <a:lstStyle/>
+          <a:p>
+            <a:r>
+              <a:rPr lang="fr-FR" dirty="0"/>
+              <a:t>Ecrans &amp; fonctionnalités</a:t>
+            </a:r>
+          </a:p>
+        </p:txBody>
+      </p:sp>
+      <p:sp>
+        <p:nvSpPr>
           <p:cNvPr id="9" name="Rectangle 8">
             <a:extLst>
               <a:ext uri="{FF2B5EF4-FFF2-40B4-BE49-F238E27FC236}">
@@ -23429,7 +23757,7 @@
         <p:spPr>
           <a:xfrm>
             <a:off x="3727005" y="2307014"/>
-            <a:ext cx="3933055" cy="2908798"/>
+            <a:ext cx="3933055" cy="3179386"/>
           </a:xfrm>
           <a:prstGeom prst="rect">
             <a:avLst/>
@@ -23480,8 +23808,8 @@
         </p:nvSpPr>
         <p:spPr>
           <a:xfrm>
-            <a:off x="7744905" y="2307014"/>
-            <a:ext cx="3470491" cy="2908798"/>
+            <a:off x="7744905" y="2307013"/>
+            <a:ext cx="3470491" cy="3179385"/>
           </a:xfrm>
           <a:prstGeom prst="rect">
             <a:avLst/>
@@ -23700,6 +24028,58 @@
               <a:rPr lang="fr-FR" sz="1800" i="1" dirty="0"/>
               <a:t>: Cet écran n’est accessible que si la génération est arrêtée.</a:t>
             </a:r>
+          </a:p>
+        </p:txBody>
+      </p:sp>
+      <p:sp>
+        <p:nvSpPr>
+          <p:cNvPr id="7" name="Rectangle 6">
+            <a:extLst>
+              <a:ext uri="{FF2B5EF4-FFF2-40B4-BE49-F238E27FC236}">
+                <a16:creationId xmlns:a16="http://schemas.microsoft.com/office/drawing/2014/main" id="{08E3E894-E2E1-764A-1C38-F1E84EE162F2}"/>
+              </a:ext>
+            </a:extLst>
+          </p:cNvPr>
+          <p:cNvSpPr/>
+          <p:nvPr/>
+        </p:nvSpPr>
+        <p:spPr>
+          <a:xfrm>
+            <a:off x="5927715" y="1916081"/>
+            <a:ext cx="3464690" cy="204362"/>
+          </a:xfrm>
+          <a:prstGeom prst="rect">
+            <a:avLst/>
+          </a:prstGeom>
+          <a:solidFill>
+            <a:srgbClr val="ECF6F9"/>
+          </a:solidFill>
+          <a:ln>
+            <a:noFill/>
+          </a:ln>
+        </p:spPr>
+        <p:style>
+          <a:lnRef idx="2">
+            <a:schemeClr val="accent1">
+              <a:shade val="15000"/>
+            </a:schemeClr>
+          </a:lnRef>
+          <a:fillRef idx="1">
+            <a:schemeClr val="accent1"/>
+          </a:fillRef>
+          <a:effectRef idx="0">
+            <a:schemeClr val="accent1"/>
+          </a:effectRef>
+          <a:fontRef idx="minor">
+            <a:schemeClr val="lt1"/>
+          </a:fontRef>
+        </p:style>
+        <p:txBody>
+          <a:bodyPr rtlCol="0" anchor="ctr"/>
+          <a:lstStyle/>
+          <a:p>
+            <a:pPr algn="ctr"/>
+            <a:endParaRPr lang="fr-FR"/>
           </a:p>
         </p:txBody>
       </p:sp>
@@ -23845,19 +24225,19 @@
           </a:prstGeom>
           <a:ln>
             <a:solidFill>
-              <a:schemeClr val="accent1"/>
+              <a:schemeClr val="accent4"/>
             </a:solidFill>
           </a:ln>
         </p:spPr>
         <p:style>
           <a:lnRef idx="0">
-            <a:schemeClr val="accent5"/>
+            <a:schemeClr val="accent4"/>
           </a:lnRef>
           <a:fillRef idx="3">
-            <a:schemeClr val="accent5"/>
+            <a:schemeClr val="accent4"/>
           </a:fillRef>
           <a:effectRef idx="3">
-            <a:schemeClr val="accent5"/>
+            <a:schemeClr val="accent4"/>
           </a:effectRef>
           <a:fontRef idx="minor">
             <a:schemeClr val="lt1"/>
@@ -23954,19 +24334,19 @@
           </a:prstGeom>
           <a:ln>
             <a:solidFill>
-              <a:schemeClr val="accent1"/>
+              <a:schemeClr val="accent4"/>
             </a:solidFill>
           </a:ln>
         </p:spPr>
         <p:style>
           <a:lnRef idx="0">
-            <a:schemeClr val="accent5"/>
+            <a:schemeClr val="accent4"/>
           </a:lnRef>
           <a:fillRef idx="3">
-            <a:schemeClr val="accent5"/>
+            <a:schemeClr val="accent4"/>
           </a:fillRef>
           <a:effectRef idx="3">
-            <a:schemeClr val="accent5"/>
+            <a:schemeClr val="accent4"/>
           </a:effectRef>
           <a:fontRef idx="minor">
             <a:schemeClr val="lt1"/>
@@ -24011,19 +24391,19 @@
           </a:prstGeom>
           <a:ln>
             <a:solidFill>
-              <a:schemeClr val="accent1"/>
+              <a:schemeClr val="accent4"/>
             </a:solidFill>
           </a:ln>
         </p:spPr>
         <p:style>
           <a:lnRef idx="0">
-            <a:schemeClr val="accent5"/>
+            <a:schemeClr val="accent4"/>
           </a:lnRef>
           <a:fillRef idx="3">
-            <a:schemeClr val="accent5"/>
+            <a:schemeClr val="accent4"/>
           </a:fillRef>
           <a:effectRef idx="3">
-            <a:schemeClr val="accent5"/>
+            <a:schemeClr val="accent4"/>
           </a:effectRef>
           <a:fontRef idx="minor">
             <a:schemeClr val="lt1"/>
@@ -24068,19 +24448,19 @@
           </a:prstGeom>
           <a:ln>
             <a:solidFill>
-              <a:schemeClr val="accent1"/>
+              <a:schemeClr val="accent4"/>
             </a:solidFill>
           </a:ln>
         </p:spPr>
         <p:style>
           <a:lnRef idx="0">
-            <a:schemeClr val="accent5"/>
+            <a:schemeClr val="accent4"/>
           </a:lnRef>
           <a:fillRef idx="3">
-            <a:schemeClr val="accent5"/>
+            <a:schemeClr val="accent4"/>
           </a:fillRef>
           <a:effectRef idx="3">
-            <a:schemeClr val="accent5"/>
+            <a:schemeClr val="accent4"/>
           </a:effectRef>
           <a:fontRef idx="minor">
             <a:schemeClr val="lt1"/>
@@ -24437,19 +24817,19 @@
           </a:prstGeom>
           <a:ln>
             <a:solidFill>
-              <a:schemeClr val="accent1"/>
+              <a:schemeClr val="accent4"/>
             </a:solidFill>
           </a:ln>
         </p:spPr>
         <p:style>
           <a:lnRef idx="0">
-            <a:schemeClr val="accent5"/>
+            <a:schemeClr val="accent4"/>
           </a:lnRef>
           <a:fillRef idx="3">
-            <a:schemeClr val="accent5"/>
+            <a:schemeClr val="accent4"/>
           </a:fillRef>
           <a:effectRef idx="3">
-            <a:schemeClr val="accent5"/>
+            <a:schemeClr val="accent4"/>
           </a:effectRef>
           <a:fontRef idx="minor">
             <a:schemeClr val="lt1"/>
@@ -24494,19 +24874,19 @@
           </a:prstGeom>
           <a:ln>
             <a:solidFill>
-              <a:schemeClr val="accent1"/>
+              <a:schemeClr val="accent4"/>
             </a:solidFill>
           </a:ln>
         </p:spPr>
         <p:style>
           <a:lnRef idx="0">
-            <a:schemeClr val="accent5"/>
+            <a:schemeClr val="accent4"/>
           </a:lnRef>
           <a:fillRef idx="3">
-            <a:schemeClr val="accent5"/>
+            <a:schemeClr val="accent4"/>
           </a:fillRef>
           <a:effectRef idx="3">
-            <a:schemeClr val="accent5"/>
+            <a:schemeClr val="accent4"/>
           </a:effectRef>
           <a:fontRef idx="minor">
             <a:schemeClr val="lt1"/>
@@ -24551,19 +24931,19 @@
           </a:prstGeom>
           <a:ln>
             <a:solidFill>
-              <a:schemeClr val="accent1"/>
+              <a:schemeClr val="accent4"/>
             </a:solidFill>
           </a:ln>
         </p:spPr>
         <p:style>
           <a:lnRef idx="0">
-            <a:schemeClr val="accent5"/>
+            <a:schemeClr val="accent4"/>
           </a:lnRef>
           <a:fillRef idx="3">
-            <a:schemeClr val="accent5"/>
+            <a:schemeClr val="accent4"/>
           </a:fillRef>
           <a:effectRef idx="3">
-            <a:schemeClr val="accent5"/>
+            <a:schemeClr val="accent4"/>
           </a:effectRef>
           <a:fontRef idx="minor">
             <a:schemeClr val="lt1"/>
@@ -24611,6 +24991,35 @@
           <a:chExt cx="0" cy="0"/>
         </a:xfrm>
       </p:grpSpPr>
+      <p:pic>
+        <p:nvPicPr>
+          <p:cNvPr id="12" name="Image 11">
+            <a:extLst>
+              <a:ext uri="{FF2B5EF4-FFF2-40B4-BE49-F238E27FC236}">
+                <a16:creationId xmlns:a16="http://schemas.microsoft.com/office/drawing/2014/main" id="{A04F54A9-DC11-4E5C-D6CC-5E6B335A409D}"/>
+              </a:ext>
+            </a:extLst>
+          </p:cNvPr>
+          <p:cNvPicPr>
+            <a:picLocks noChangeAspect="1"/>
+          </p:cNvPicPr>
+          <p:nvPr/>
+        </p:nvPicPr>
+        <p:blipFill>
+          <a:blip r:embed="rId2"/>
+          <a:srcRect l="53137" t="8170" r="2164" b="10572"/>
+          <a:stretch/>
+        </p:blipFill>
+        <p:spPr>
+          <a:xfrm>
+            <a:off x="4200872" y="2049070"/>
+            <a:ext cx="3474720" cy="3320866"/>
+          </a:xfrm>
+          <a:prstGeom prst="rect">
+            <a:avLst/>
+          </a:prstGeom>
+        </p:spPr>
+      </p:pic>
       <p:sp>
         <p:nvSpPr>
           <p:cNvPr id="2" name="Titre 1">
@@ -24672,35 +25081,6 @@
           </a:p>
         </p:txBody>
       </p:sp>
-      <p:pic>
-        <p:nvPicPr>
-          <p:cNvPr id="5" name="Image 4">
-            <a:extLst>
-              <a:ext uri="{FF2B5EF4-FFF2-40B4-BE49-F238E27FC236}">
-                <a16:creationId xmlns:a16="http://schemas.microsoft.com/office/drawing/2014/main" id="{84CC962D-3DBE-400A-60DA-11F73D3CE8A8}"/>
-              </a:ext>
-            </a:extLst>
-          </p:cNvPr>
-          <p:cNvPicPr>
-            <a:picLocks noChangeAspect="1"/>
-          </p:cNvPicPr>
-          <p:nvPr/>
-        </p:nvPicPr>
-        <p:blipFill rotWithShape="1">
-          <a:blip r:embed="rId2"/>
-          <a:srcRect l="53520" t="8353" r="1749" b="13785"/>
-          <a:stretch/>
-        </p:blipFill>
-        <p:spPr>
-          <a:xfrm>
-            <a:off x="4086224" y="2328593"/>
-            <a:ext cx="3476625" cy="2914650"/>
-          </a:xfrm>
-          <a:prstGeom prst="rect">
-            <a:avLst/>
-          </a:prstGeom>
-        </p:spPr>
-      </p:pic>
       <p:sp>
         <p:nvSpPr>
           <p:cNvPr id="7" name="Légende : encadrée à une bordure 6">
@@ -24715,32 +25095,32 @@
         </p:nvSpPr>
         <p:spPr>
           <a:xfrm flipH="1">
-            <a:off x="323702" y="3249449"/>
+            <a:off x="305069" y="4200798"/>
             <a:ext cx="3181935" cy="528401"/>
           </a:xfrm>
           <a:prstGeom prst="accentBorderCallout1">
             <a:avLst>
               <a:gd name="adj1" fmla="val 18750"/>
               <a:gd name="adj2" fmla="val -8333"/>
-              <a:gd name="adj3" fmla="val 160638"/>
-              <a:gd name="adj4" fmla="val -22953"/>
+              <a:gd name="adj3" fmla="val 31667"/>
+              <a:gd name="adj4" fmla="val -26206"/>
             </a:avLst>
           </a:prstGeom>
           <a:ln>
             <a:solidFill>
-              <a:schemeClr val="accent1"/>
+              <a:schemeClr val="accent4"/>
             </a:solidFill>
           </a:ln>
         </p:spPr>
         <p:style>
           <a:lnRef idx="0">
-            <a:schemeClr val="accent5"/>
+            <a:schemeClr val="accent4"/>
           </a:lnRef>
           <a:fillRef idx="3">
-            <a:schemeClr val="accent5"/>
+            <a:schemeClr val="accent4"/>
           </a:fillRef>
           <a:effectRef idx="3">
-            <a:schemeClr val="accent5"/>
+            <a:schemeClr val="accent4"/>
           </a:effectRef>
           <a:fontRef idx="minor">
             <a:schemeClr val="lt1"/>
@@ -24772,8 +25152,8 @@
         </p:nvSpPr>
         <p:spPr>
           <a:xfrm>
-            <a:off x="4241501" y="4036471"/>
-            <a:ext cx="1592082" cy="235042"/>
+            <a:off x="4328916" y="4117689"/>
+            <a:ext cx="1299240" cy="235042"/>
           </a:xfrm>
           <a:prstGeom prst="rect">
             <a:avLst/>
@@ -24781,7 +25161,7 @@
           <a:noFill/>
           <a:ln w="28575">
             <a:solidFill>
-              <a:srgbClr val="2349E3"/>
+              <a:srgbClr val="FFC000"/>
             </a:solidFill>
           </a:ln>
         </p:spPr>
@@ -24824,8 +25204,8 @@
         </p:nvSpPr>
         <p:spPr>
           <a:xfrm>
-            <a:off x="6096000" y="3621926"/>
-            <a:ext cx="1132936" cy="649587"/>
+            <a:off x="6172199" y="4582430"/>
+            <a:ext cx="907473" cy="313128"/>
           </a:xfrm>
           <a:prstGeom prst="rect">
             <a:avLst/>
@@ -24889,19 +25269,19 @@
           </a:prstGeom>
           <a:ln>
             <a:solidFill>
-              <a:schemeClr val="accent4"/>
+              <a:schemeClr val="accent1"/>
             </a:solidFill>
           </a:ln>
         </p:spPr>
         <p:style>
           <a:lnRef idx="0">
-            <a:schemeClr val="accent4"/>
+            <a:schemeClr val="accent5"/>
           </a:lnRef>
           <a:fillRef idx="3">
-            <a:schemeClr val="accent4"/>
+            <a:schemeClr val="accent5"/>
           </a:fillRef>
           <a:effectRef idx="3">
-            <a:schemeClr val="accent4"/>
+            <a:schemeClr val="accent5"/>
           </a:effectRef>
           <a:fontRef idx="minor">
             <a:schemeClr val="lt1"/>
@@ -24933,8 +25313,8 @@
         </p:nvSpPr>
         <p:spPr>
           <a:xfrm>
-            <a:off x="4203879" y="4668990"/>
-            <a:ext cx="3257372" cy="227575"/>
+            <a:off x="4292312" y="4933950"/>
+            <a:ext cx="3257372" cy="189182"/>
           </a:xfrm>
           <a:prstGeom prst="rect">
             <a:avLst/>
@@ -24942,7 +25322,7 @@
           <a:noFill/>
           <a:ln w="28575">
             <a:solidFill>
-              <a:srgbClr val="FFC000"/>
+              <a:srgbClr val="2349E3"/>
             </a:solidFill>
           </a:ln>
         </p:spPr>
@@ -24998,6 +25378,63 @@
           </a:prstGeom>
           <a:ln>
             <a:solidFill>
+              <a:schemeClr val="accent1"/>
+            </a:solidFill>
+          </a:ln>
+        </p:spPr>
+        <p:style>
+          <a:lnRef idx="0">
+            <a:schemeClr val="accent5"/>
+          </a:lnRef>
+          <a:fillRef idx="3">
+            <a:schemeClr val="accent5"/>
+          </a:fillRef>
+          <a:effectRef idx="3">
+            <a:schemeClr val="accent5"/>
+          </a:effectRef>
+          <a:fontRef idx="minor">
+            <a:schemeClr val="lt1"/>
+          </a:fontRef>
+        </p:style>
+        <p:txBody>
+          <a:bodyPr rtlCol="0" anchor="ctr"/>
+          <a:lstStyle/>
+          <a:p>
+            <a:pPr algn="ctr"/>
+            <a:r>
+              <a:rPr lang="fr-FR" sz="1400" dirty="0"/>
+              <a:t>Répertoire de travail de l’application</a:t>
+            </a:r>
+          </a:p>
+        </p:txBody>
+      </p:sp>
+      <p:sp>
+        <p:nvSpPr>
+          <p:cNvPr id="19" name="Légende : encadrée à une bordure 18">
+            <a:extLst>
+              <a:ext uri="{FF2B5EF4-FFF2-40B4-BE49-F238E27FC236}">
+                <a16:creationId xmlns:a16="http://schemas.microsoft.com/office/drawing/2014/main" id="{BCDCB479-EFDF-194D-1CBD-42B9F7A668CA}"/>
+              </a:ext>
+            </a:extLst>
+          </p:cNvPr>
+          <p:cNvSpPr/>
+          <p:nvPr/>
+        </p:nvSpPr>
+        <p:spPr>
+          <a:xfrm>
+            <a:off x="8143436" y="2328593"/>
+            <a:ext cx="2974144" cy="322765"/>
+          </a:xfrm>
+          <a:prstGeom prst="accentBorderCallout1">
+            <a:avLst>
+              <a:gd name="adj1" fmla="val 18750"/>
+              <a:gd name="adj2" fmla="val -8333"/>
+              <a:gd name="adj3" fmla="val 144407"/>
+              <a:gd name="adj4" fmla="val -37493"/>
+            </a:avLst>
+          </a:prstGeom>
+          <a:ln>
+            <a:solidFill>
               <a:schemeClr val="accent4"/>
             </a:solidFill>
           </a:ln>
@@ -25023,17 +25460,17 @@
             <a:pPr algn="ctr"/>
             <a:r>
               <a:rPr lang="fr-FR" sz="1400" dirty="0"/>
-              <a:t>Répertoire de travail de l’application</a:t>
-            </a:r>
-          </a:p>
-        </p:txBody>
-      </p:sp>
-      <p:sp>
-        <p:nvSpPr>
-          <p:cNvPr id="19" name="Légende : encadrée à une bordure 18">
-            <a:extLst>
-              <a:ext uri="{FF2B5EF4-FFF2-40B4-BE49-F238E27FC236}">
-                <a16:creationId xmlns:a16="http://schemas.microsoft.com/office/drawing/2014/main" id="{BCDCB479-EFDF-194D-1CBD-42B9F7A668CA}"/>
+              <a:t>Délai en seconde entre 2 générations</a:t>
+            </a:r>
+          </a:p>
+        </p:txBody>
+      </p:sp>
+      <p:sp>
+        <p:nvSpPr>
+          <p:cNvPr id="20" name="Rectangle 19">
+            <a:extLst>
+              <a:ext uri="{FF2B5EF4-FFF2-40B4-BE49-F238E27FC236}">
+                <a16:creationId xmlns:a16="http://schemas.microsoft.com/office/drawing/2014/main" id="{0061C9EA-91E8-100F-45B3-6EF6020CF3A5}"/>
               </a:ext>
             </a:extLst>
           </p:cNvPr>
@@ -25042,64 +25479,7 @@
         </p:nvSpPr>
         <p:spPr>
           <a:xfrm>
-            <a:off x="8143436" y="2328593"/>
-            <a:ext cx="2974144" cy="322765"/>
-          </a:xfrm>
-          <a:prstGeom prst="accentBorderCallout1">
-            <a:avLst>
-              <a:gd name="adj1" fmla="val 18750"/>
-              <a:gd name="adj2" fmla="val -8333"/>
-              <a:gd name="adj3" fmla="val 243268"/>
-              <a:gd name="adj4" fmla="val -41656"/>
-            </a:avLst>
-          </a:prstGeom>
-          <a:ln>
-            <a:solidFill>
-              <a:schemeClr val="accent1"/>
-            </a:solidFill>
-          </a:ln>
-        </p:spPr>
-        <p:style>
-          <a:lnRef idx="0">
-            <a:schemeClr val="accent5"/>
-          </a:lnRef>
-          <a:fillRef idx="3">
-            <a:schemeClr val="accent5"/>
-          </a:fillRef>
-          <a:effectRef idx="3">
-            <a:schemeClr val="accent5"/>
-          </a:effectRef>
-          <a:fontRef idx="minor">
-            <a:schemeClr val="lt1"/>
-          </a:fontRef>
-        </p:style>
-        <p:txBody>
-          <a:bodyPr rtlCol="0" anchor="ctr"/>
-          <a:lstStyle/>
-          <a:p>
-            <a:pPr algn="ctr"/>
-            <a:r>
-              <a:rPr lang="fr-FR" sz="1400" dirty="0"/>
-              <a:t>Délai en seconde entre 2 générations</a:t>
-            </a:r>
-          </a:p>
-        </p:txBody>
-      </p:sp>
-      <p:sp>
-        <p:nvSpPr>
-          <p:cNvPr id="20" name="Rectangle 19">
-            <a:extLst>
-              <a:ext uri="{FF2B5EF4-FFF2-40B4-BE49-F238E27FC236}">
-                <a16:creationId xmlns:a16="http://schemas.microsoft.com/office/drawing/2014/main" id="{0061C9EA-91E8-100F-45B3-6EF6020CF3A5}"/>
-              </a:ext>
-            </a:extLst>
-          </p:cNvPr>
-          <p:cNvSpPr/>
-          <p:nvPr/>
-        </p:nvSpPr>
-        <p:spPr>
-          <a:xfrm>
-            <a:off x="5911236" y="2950547"/>
+            <a:off x="6020773" y="2678960"/>
             <a:ext cx="984864" cy="235042"/>
           </a:xfrm>
           <a:prstGeom prst="rect">
@@ -25108,7 +25488,7 @@
           <a:noFill/>
           <a:ln w="28575">
             <a:solidFill>
-              <a:srgbClr val="2349E3"/>
+              <a:srgbClr val="FFC000"/>
             </a:solidFill>
           </a:ln>
         </p:spPr>
@@ -25158,25 +25538,25 @@
             <a:avLst>
               <a:gd name="adj1" fmla="val 18750"/>
               <a:gd name="adj2" fmla="val -8333"/>
-              <a:gd name="adj3" fmla="val 66934"/>
-              <a:gd name="adj4" fmla="val -41913"/>
+              <a:gd name="adj3" fmla="val 30757"/>
+              <a:gd name="adj4" fmla="val -37910"/>
             </a:avLst>
           </a:prstGeom>
           <a:ln>
             <a:solidFill>
-              <a:schemeClr val="accent1"/>
+              <a:schemeClr val="accent4"/>
             </a:solidFill>
           </a:ln>
         </p:spPr>
         <p:style>
           <a:lnRef idx="0">
-            <a:schemeClr val="accent5"/>
+            <a:schemeClr val="accent4"/>
           </a:lnRef>
           <a:fillRef idx="3">
-            <a:schemeClr val="accent5"/>
+            <a:schemeClr val="accent4"/>
           </a:fillRef>
           <a:effectRef idx="3">
-            <a:schemeClr val="accent5"/>
+            <a:schemeClr val="accent4"/>
           </a:effectRef>
           <a:fontRef idx="minor">
             <a:schemeClr val="lt1"/>
@@ -25208,7 +25588,7 @@
         </p:nvSpPr>
         <p:spPr>
           <a:xfrm>
-            <a:off x="5911236" y="3311479"/>
+            <a:off x="6020773" y="3052706"/>
             <a:ext cx="984864" cy="235042"/>
           </a:xfrm>
           <a:prstGeom prst="rect">
@@ -25217,7 +25597,7 @@
           <a:noFill/>
           <a:ln w="28575">
             <a:solidFill>
-              <a:srgbClr val="2349E3"/>
+              <a:srgbClr val="FFC000"/>
             </a:solidFill>
           </a:ln>
         </p:spPr>
@@ -25260,7 +25640,7 @@
         </p:nvSpPr>
         <p:spPr>
           <a:xfrm>
-            <a:off x="8143436" y="4657093"/>
+            <a:off x="8143436" y="4895557"/>
             <a:ext cx="2974144" cy="483119"/>
           </a:xfrm>
           <a:prstGeom prst="accentBorderCallout1">
@@ -25273,19 +25653,19 @@
           </a:prstGeom>
           <a:ln>
             <a:solidFill>
-              <a:schemeClr val="accent1"/>
+              <a:schemeClr val="accent4"/>
             </a:solidFill>
           </a:ln>
         </p:spPr>
         <p:style>
           <a:lnRef idx="0">
-            <a:schemeClr val="accent5"/>
+            <a:schemeClr val="accent4"/>
           </a:lnRef>
           <a:fillRef idx="3">
-            <a:schemeClr val="accent5"/>
+            <a:schemeClr val="accent4"/>
           </a:fillRef>
           <a:effectRef idx="3">
-            <a:schemeClr val="accent5"/>
+            <a:schemeClr val="accent4"/>
           </a:effectRef>
           <a:fontRef idx="minor">
             <a:schemeClr val="lt1"/>
@@ -25317,8 +25697,8 @@
         </p:nvSpPr>
         <p:spPr>
           <a:xfrm>
-            <a:off x="6206511" y="4322312"/>
-            <a:ext cx="899139" cy="283026"/>
+            <a:off x="6063635" y="3372135"/>
+            <a:ext cx="1137265" cy="1123665"/>
           </a:xfrm>
           <a:prstGeom prst="rect">
             <a:avLst/>
@@ -25352,6 +25732,157 @@
           <a:p>
             <a:pPr algn="ctr"/>
             <a:endParaRPr lang="fr-FR"/>
+          </a:p>
+        </p:txBody>
+      </p:sp>
+      <p:sp>
+        <p:nvSpPr>
+          <p:cNvPr id="13" name="Rectangle 12">
+            <a:extLst>
+              <a:ext uri="{FF2B5EF4-FFF2-40B4-BE49-F238E27FC236}">
+                <a16:creationId xmlns:a16="http://schemas.microsoft.com/office/drawing/2014/main" id="{95017283-CD23-6073-13F5-3183B7E8A9FE}"/>
+              </a:ext>
+            </a:extLst>
+          </p:cNvPr>
+          <p:cNvSpPr/>
+          <p:nvPr/>
+        </p:nvSpPr>
+        <p:spPr>
+          <a:xfrm>
+            <a:off x="5667375" y="4117689"/>
+            <a:ext cx="232244" cy="235042"/>
+          </a:xfrm>
+          <a:prstGeom prst="rect">
+            <a:avLst/>
+          </a:prstGeom>
+          <a:noFill/>
+          <a:ln w="28575">
+            <a:solidFill>
+              <a:srgbClr val="FFC000"/>
+            </a:solidFill>
+          </a:ln>
+        </p:spPr>
+        <p:style>
+          <a:lnRef idx="2">
+            <a:schemeClr val="accent1">
+              <a:shade val="15000"/>
+            </a:schemeClr>
+          </a:lnRef>
+          <a:fillRef idx="1">
+            <a:schemeClr val="accent1"/>
+          </a:fillRef>
+          <a:effectRef idx="0">
+            <a:schemeClr val="accent1"/>
+          </a:effectRef>
+          <a:fontRef idx="minor">
+            <a:schemeClr val="lt1"/>
+          </a:fontRef>
+        </p:style>
+        <p:txBody>
+          <a:bodyPr rtlCol="0" anchor="ctr"/>
+          <a:lstStyle/>
+          <a:p>
+            <a:pPr algn="ctr"/>
+            <a:endParaRPr lang="fr-FR"/>
+          </a:p>
+        </p:txBody>
+      </p:sp>
+      <p:sp>
+        <p:nvSpPr>
+          <p:cNvPr id="14" name="Légende : encadrée à une bordure 13">
+            <a:extLst>
+              <a:ext uri="{FF2B5EF4-FFF2-40B4-BE49-F238E27FC236}">
+                <a16:creationId xmlns:a16="http://schemas.microsoft.com/office/drawing/2014/main" id="{D35BE13C-247E-B746-8D5B-2BD4553393E3}"/>
+              </a:ext>
+            </a:extLst>
+          </p:cNvPr>
+          <p:cNvSpPr/>
+          <p:nvPr/>
+        </p:nvSpPr>
+        <p:spPr>
+          <a:xfrm flipH="1">
+            <a:off x="305069" y="3286236"/>
+            <a:ext cx="3181935" cy="528401"/>
+          </a:xfrm>
+          <a:prstGeom prst="accentBorderCallout1">
+            <a:avLst>
+              <a:gd name="adj1" fmla="val 18750"/>
+              <a:gd name="adj2" fmla="val -8333"/>
+              <a:gd name="adj3" fmla="val 150842"/>
+              <a:gd name="adj4" fmla="val -71210"/>
+            </a:avLst>
+          </a:prstGeom>
+          <a:ln>
+            <a:solidFill>
+              <a:schemeClr val="accent4"/>
+            </a:solidFill>
+          </a:ln>
+        </p:spPr>
+        <p:style>
+          <a:lnRef idx="0">
+            <a:schemeClr val="accent4"/>
+          </a:lnRef>
+          <a:fillRef idx="3">
+            <a:schemeClr val="accent4"/>
+          </a:fillRef>
+          <a:effectRef idx="3">
+            <a:schemeClr val="accent4"/>
+          </a:effectRef>
+          <a:fontRef idx="minor">
+            <a:schemeClr val="lt1"/>
+          </a:fontRef>
+        </p:style>
+        <p:txBody>
+          <a:bodyPr rtlCol="0" anchor="ctr"/>
+          <a:lstStyle/>
+          <a:p>
+            <a:pPr algn="ctr"/>
+            <a:r>
+              <a:rPr lang="fr-FR" sz="1400" dirty="0"/>
+              <a:t>Ajoute un logo dans la liste</a:t>
+            </a:r>
+          </a:p>
+        </p:txBody>
+      </p:sp>
+      <p:sp>
+        <p:nvSpPr>
+          <p:cNvPr id="25" name="Espace réservé du texte 2">
+            <a:extLst>
+              <a:ext uri="{FF2B5EF4-FFF2-40B4-BE49-F238E27FC236}">
+                <a16:creationId xmlns:a16="http://schemas.microsoft.com/office/drawing/2014/main" id="{D564C843-8267-7C67-D6D5-FAF034B79965}"/>
+              </a:ext>
+            </a:extLst>
+          </p:cNvPr>
+          <p:cNvSpPr>
+            <a:spLocks noGrp="1"/>
+          </p:cNvSpPr>
+          <p:nvPr>
+            <p:ph type="body" idx="1"/>
+          </p:nvPr>
+        </p:nvSpPr>
+        <p:spPr>
+          <a:xfrm>
+            <a:off x="411192" y="6135963"/>
+            <a:ext cx="11369615" cy="336752"/>
+          </a:xfrm>
+        </p:spPr>
+        <p:txBody>
+          <a:bodyPr>
+            <a:normAutofit fontScale="85000" lnSpcReduction="10000"/>
+          </a:bodyPr>
+          <a:lstStyle/>
+          <a:p>
+            <a:pPr marL="101598" indent="0">
+              <a:buNone/>
+            </a:pPr>
+            <a:r>
+              <a:rPr lang="fr-FR" sz="1800" b="1" i="1" dirty="0"/>
+              <a:t>Note</a:t>
+            </a:r>
+            <a:r>
+              <a:rPr lang="fr-FR" sz="1800" i="1" dirty="0"/>
+              <a:t>: Pour ajouter un logo, ce dernier doit être au format png, avoir une taille maximum de 200x200 et contenir le mot « logo » dans son nom.</a:t>
+            </a:r>
           </a:p>
         </p:txBody>
       </p:sp>
@@ -34944,6 +35475,32 @@
                 <a:latin typeface="Barlow" panose="00000500000000000000" pitchFamily="2" charset="0"/>
               </a:rPr>
               <a:t>Correction de bugs divers</a:t>
+            </a:r>
+          </a:p>
+          <a:p>
+            <a:pPr lvl="1">
+              <a:spcBef>
+                <a:spcPts val="0"/>
+              </a:spcBef>
+            </a:pPr>
+            <a:r>
+              <a:rPr lang="fr-FR" sz="1200" dirty="0">
+                <a:latin typeface="Barlow" panose="00000500000000000000" pitchFamily="2" charset="0"/>
+              </a:rPr>
+              <a:t>Ajout de la possibilité d’ajouter un logo personnalisé</a:t>
+            </a:r>
+          </a:p>
+          <a:p>
+            <a:pPr lvl="1">
+              <a:spcBef>
+                <a:spcPts val="0"/>
+              </a:spcBef>
+            </a:pPr>
+            <a:r>
+              <a:rPr lang="fr-FR" sz="1200" dirty="0">
+                <a:latin typeface="Barlow" panose="00000500000000000000" pitchFamily="2" charset="0"/>
+              </a:rPr>
+              <a:t>Gestion des URLs longues</a:t>
             </a:r>
           </a:p>
           <a:p>
@@ -45559,15 +46116,6 @@
 </file>
 
 <file path=customXml/item1.xml><?xml version="1.0" encoding="utf-8"?>
-<?mso-contentType ?>
-<FormTemplates xmlns="http://schemas.microsoft.com/sharepoint/v3/contenttype/forms">
-  <Display>DocumentLibraryForm</Display>
-  <Edit>DocumentLibraryForm</Edit>
-  <New>DocumentLibraryForm</New>
-</FormTemplates>
-</file>
-
-<file path=customXml/item2.xml><?xml version="1.0" encoding="utf-8"?>
 <p:properties xmlns:p="http://schemas.microsoft.com/office/2006/metadata/properties" xmlns:xsi="http://www.w3.org/2001/XMLSchema-instance" xmlns:pc="http://schemas.microsoft.com/office/infopath/2007/PartnerControls">
   <documentManagement>
     <TaxCatchAll xmlns="5d7a3535-6ccc-4381-989f-ae061031b78e" xsi:nil="true"/>
@@ -45578,7 +46126,7 @@
 </p:properties>
 </file>
 
-<file path=customXml/item3.xml><?xml version="1.0" encoding="utf-8"?>
+<file path=customXml/item2.xml><?xml version="1.0" encoding="utf-8"?>
 <ct:contentTypeSchema xmlns:ct="http://schemas.microsoft.com/office/2006/metadata/contentType" xmlns:ma="http://schemas.microsoft.com/office/2006/metadata/properties/metaAttributes" ct:_="" ma:_="" ma:contentTypeName="Document" ma:contentTypeID="0x01010094D69007D53E474D873D1C4BCA1E8F18" ma:contentTypeVersion="15" ma:contentTypeDescription="Crée un document." ma:contentTypeScope="" ma:versionID="b94b5753296409f7397b66632584fdb0">
   <xsd:schema xmlns:xsd="http://www.w3.org/2001/XMLSchema" xmlns:xs="http://www.w3.org/2001/XMLSchema" xmlns:p="http://schemas.microsoft.com/office/2006/metadata/properties" xmlns:ns2="f9bf1094-3609-4046-a6fd-76c9c0caa714" xmlns:ns3="5d7a3535-6ccc-4381-989f-ae061031b78e" targetNamespace="http://schemas.microsoft.com/office/2006/metadata/properties" ma:root="true" ma:fieldsID="fee6db9217be9a70816f6107f4b0cedb" ns2:_="" ns3:_="">
     <xsd:import namespace="f9bf1094-3609-4046-a6fd-76c9c0caa714"/>
@@ -45807,15 +46355,16 @@
 </ct:contentTypeSchema>
 </file>
 
-<file path=customXml/itemProps1.xml><?xml version="1.0" encoding="utf-8"?>
-<ds:datastoreItem xmlns:ds="http://schemas.openxmlformats.org/officeDocument/2006/customXml" ds:itemID="{37867E26-7D2E-4C08-8937-A5EDA2DC982A}">
-  <ds:schemaRefs>
-    <ds:schemaRef ds:uri="http://schemas.microsoft.com/sharepoint/v3/contenttype/forms"/>
-  </ds:schemaRefs>
-</ds:datastoreItem>
+<file path=customXml/item3.xml><?xml version="1.0" encoding="utf-8"?>
+<?mso-contentType ?>
+<FormTemplates xmlns="http://schemas.microsoft.com/sharepoint/v3/contenttype/forms">
+  <Display>DocumentLibraryForm</Display>
+  <Edit>DocumentLibraryForm</Edit>
+  <New>DocumentLibraryForm</New>
+</FormTemplates>
 </file>
 
-<file path=customXml/itemProps2.xml><?xml version="1.0" encoding="utf-8"?>
+<file path=customXml/itemProps1.xml><?xml version="1.0" encoding="utf-8"?>
 <ds:datastoreItem xmlns:ds="http://schemas.openxmlformats.org/officeDocument/2006/customXml" ds:itemID="{A397F285-9F9C-4CEA-8DC8-CF9392934C5A}">
   <ds:schemaRefs>
     <ds:schemaRef ds:uri="http://purl.org/dc/terms/"/>
@@ -45832,7 +46381,7 @@
 </ds:datastoreItem>
 </file>
 
-<file path=customXml/itemProps3.xml><?xml version="1.0" encoding="utf-8"?>
+<file path=customXml/itemProps2.xml><?xml version="1.0" encoding="utf-8"?>
 <ds:datastoreItem xmlns:ds="http://schemas.openxmlformats.org/officeDocument/2006/customXml" ds:itemID="{A23C0DE2-5723-4EBE-BB67-CD0D7BAFEF27}">
   <ds:schemaRefs>
     <ds:schemaRef ds:uri="http://schemas.microsoft.com/office/2006/metadata/contentType"/>
@@ -45849,4 +46398,12 @@
     <ds:schemaRef ds:uri="http://schemas.microsoft.com/internal/obd"/>
   </ds:schemaRefs>
 </ds:datastoreItem>
+</file>
+
+<file path=customXml/itemProps3.xml><?xml version="1.0" encoding="utf-8"?>
+<ds:datastoreItem xmlns:ds="http://schemas.openxmlformats.org/officeDocument/2006/customXml" ds:itemID="{37867E26-7D2E-4C08-8937-A5EDA2DC982A}">
+  <ds:schemaRefs>
+    <ds:schemaRef ds:uri="http://schemas.microsoft.com/sharepoint/v3/contenttype/forms"/>
+  </ds:schemaRefs>
+</ds:datastoreItem>
 </file>
--- a/AppPublication/Documentation/PublicationSuiviCompetition - Manuel d'utilisation.pptx
+++ b/AppPublication/Documentation/PublicationSuiviCompetition - Manuel d'utilisation.pptx
@@ -269,7 +269,7 @@
           <a:p>
             <a:fld id="{2FC9C06B-3A03-409A-B425-472FC6ED632E}" type="datetimeFigureOut">
               <a:rPr lang="fr-FR" smtClean="0"/>
-              <a:t>17/12/2024</a:t>
+              <a:t>13/03/2025</a:t>
             </a:fld>
             <a:endParaRPr lang="fr-FR"/>
           </a:p>
@@ -347,7 +347,7 @@
           <a:p>
             <a:fld id="{4ADFDC2C-F50E-4BF3-9C13-9F892CB323EC}" type="slidenum">
               <a:rPr lang="fr-FR" smtClean="0"/>
-              <a:t>‹N°›</a:t>
+              <a:t>‹#›</a:t>
             </a:fld>
             <a:endParaRPr lang="fr-FR"/>
           </a:p>
@@ -446,7 +446,7 @@
           <a:p>
             <a:fld id="{1BF3F09E-A5E2-4FD2-AA48-324D4F0E8F41}" type="datetimeFigureOut">
               <a:rPr lang="fr"/>
-              <a:t>17/12/2024</a:t>
+              <a:t>13/03/2025</a:t>
             </a:fld>
             <a:endParaRPr lang="en-US"/>
           </a:p>
@@ -604,7 +604,7 @@
           <a:p>
             <a:fld id="{17CAC06C-F8C2-46C2-88FF-6CBC2099D08A}" type="slidenum">
               <a:rPr lang="fr"/>
-              <a:t>‹N°›</a:t>
+              <a:t>‹#›</a:t>
             </a:fld>
             <a:endParaRPr lang="en-US"/>
           </a:p>
@@ -895,7 +895,7 @@
             <a:fld id="{00000000-1234-1234-1234-123412341234}" type="slidenum">
               <a:rPr lang="fr-FR" smtClean="0"/>
               <a:pPr/>
-              <a:t>‹N°›</a:t>
+              <a:t>‹#›</a:t>
             </a:fld>
             <a:endParaRPr lang="fr-FR" dirty="0"/>
           </a:p>
@@ -3322,7 +3322,7 @@
             <a:fld id="{00000000-1234-1234-1234-123412341234}" type="slidenum">
               <a:rPr lang="fr-FR" smtClean="0"/>
               <a:pPr/>
-              <a:t>‹N°›</a:t>
+              <a:t>‹#›</a:t>
             </a:fld>
             <a:endParaRPr lang="fr-FR" dirty="0"/>
           </a:p>
@@ -3669,7 +3669,7 @@
             <a:fld id="{00000000-1234-1234-1234-123412341234}" type="slidenum">
               <a:rPr lang="fr-FR" smtClean="0"/>
               <a:pPr/>
-              <a:t>‹N°›</a:t>
+              <a:t>‹#›</a:t>
             </a:fld>
             <a:endParaRPr lang="fr-FR" dirty="0"/>
           </a:p>
@@ -3888,7 +3888,7 @@
             <a:fld id="{00000000-1234-1234-1234-123412341234}" type="slidenum">
               <a:rPr lang="fr-FR" smtClean="0"/>
               <a:pPr/>
-              <a:t>‹N°›</a:t>
+              <a:t>‹#›</a:t>
             </a:fld>
             <a:endParaRPr lang="fr-FR" dirty="0"/>
           </a:p>
@@ -4004,7 +4004,7 @@
             <a:fld id="{00000000-1234-1234-1234-123412341234}" type="slidenum">
               <a:rPr lang="fr-FR" smtClean="0"/>
               <a:pPr/>
-              <a:t>‹N°›</a:t>
+              <a:t>‹#›</a:t>
             </a:fld>
             <a:endParaRPr lang="fr-FR" dirty="0"/>
           </a:p>
@@ -7227,7 +7227,7 @@
             <a:fld id="{00000000-1234-1234-1234-123412341234}" type="slidenum">
               <a:rPr lang="fr-FR" smtClean="0"/>
               <a:pPr/>
-              <a:t>‹N°›</a:t>
+              <a:t>‹#›</a:t>
             </a:fld>
             <a:endParaRPr lang="fr-FR" dirty="0"/>
           </a:p>
@@ -7678,7 +7678,7 @@
             <a:fld id="{00000000-1234-1234-1234-123412341234}" type="slidenum">
               <a:rPr lang="fr-FR" smtClean="0"/>
               <a:pPr/>
-              <a:t>‹N°›</a:t>
+              <a:t>‹#›</a:t>
             </a:fld>
             <a:endParaRPr lang="fr-FR" dirty="0"/>
           </a:p>
@@ -8589,7 +8589,7 @@
             <a:fld id="{00000000-1234-1234-1234-123412341234}" type="slidenum">
               <a:rPr lang="fr-FR" smtClean="0"/>
               <a:pPr/>
-              <a:t>‹N°›</a:t>
+              <a:t>‹#›</a:t>
             </a:fld>
             <a:endParaRPr lang="fr-FR" dirty="0"/>
           </a:p>
@@ -9538,7 +9538,7 @@
             <a:fld id="{00000000-1234-1234-1234-123412341234}" type="slidenum">
               <a:rPr lang="fr-FR" smtClean="0"/>
               <a:pPr/>
-              <a:t>‹N°›</a:t>
+              <a:t>‹#›</a:t>
             </a:fld>
             <a:endParaRPr lang="fr-FR" dirty="0"/>
           </a:p>
@@ -9939,7 +9939,7 @@
             <a:fld id="{00000000-1234-1234-1234-123412341234}" type="slidenum">
               <a:rPr lang="fr-FR" smtClean="0"/>
               <a:pPr/>
-              <a:t>‹N°›</a:t>
+              <a:t>‹#›</a:t>
             </a:fld>
             <a:endParaRPr lang="fr-FR" dirty="0"/>
           </a:p>
@@ -11247,7 +11247,7 @@
             <a:fld id="{00000000-1234-1234-1234-123412341234}" type="slidenum">
               <a:rPr lang="fr-FR" smtClean="0"/>
               <a:pPr/>
-              <a:t>‹N°›</a:t>
+              <a:t>‹#›</a:t>
             </a:fld>
             <a:endParaRPr lang="fr-FR" dirty="0"/>
           </a:p>
@@ -12096,7 +12096,7 @@
             <a:fld id="{00000000-1234-1234-1234-123412341234}" type="slidenum">
               <a:rPr lang="fr-FR" smtClean="0"/>
               <a:pPr/>
-              <a:t>‹N°›</a:t>
+              <a:t>‹#›</a:t>
             </a:fld>
             <a:endParaRPr lang="fr-FR" dirty="0"/>
           </a:p>
@@ -13027,7 +13027,7 @@
             <a:fld id="{00000000-1234-1234-1234-123412341234}" type="slidenum">
               <a:rPr lang="fr-FR" smtClean="0"/>
               <a:pPr/>
-              <a:t>‹N°›</a:t>
+              <a:t>‹#›</a:t>
             </a:fld>
             <a:endParaRPr lang="fr-FR" dirty="0"/>
           </a:p>
@@ -14163,7 +14163,7 @@
             <a:fld id="{00000000-1234-1234-1234-123412341234}" type="slidenum">
               <a:rPr lang="fr-FR" smtClean="0"/>
               <a:pPr/>
-              <a:t>‹N°›</a:t>
+              <a:t>‹#›</a:t>
             </a:fld>
             <a:endParaRPr lang="fr-FR" dirty="0"/>
           </a:p>
@@ -15607,7 +15607,7 @@
             <a:fld id="{00000000-1234-1234-1234-123412341234}" type="slidenum">
               <a:rPr lang="fr-FR" smtClean="0"/>
               <a:pPr/>
-              <a:t>‹N°›</a:t>
+              <a:t>‹#›</a:t>
             </a:fld>
             <a:endParaRPr lang="fr-FR" dirty="0"/>
           </a:p>
@@ -15824,7 +15824,7 @@
             <a:fld id="{00000000-1234-1234-1234-123412341234}" type="slidenum">
               <a:rPr lang="fr-FR" smtClean="0"/>
               <a:pPr/>
-              <a:t>‹N°›</a:t>
+              <a:t>‹#›</a:t>
             </a:fld>
             <a:endParaRPr lang="fr-FR" dirty="0"/>
           </a:p>
@@ -17570,7 +17570,7 @@
                 </a:solidFill>
                 <a:latin typeface="Montserrat" panose="00000800000000000000" pitchFamily="2" charset="0"/>
               </a:rPr>
-              <a:t>V1.3.0.0 – 01/12/2024 </a:t>
+              <a:t>V1.3.0.1 – 03/2025 </a:t>
             </a:r>
           </a:p>
         </p:txBody>
@@ -25862,8 +25862,8 @@
         </p:nvSpPr>
         <p:spPr>
           <a:xfrm>
-            <a:off x="411192" y="6135963"/>
-            <a:ext cx="11369615" cy="336752"/>
+            <a:off x="411192" y="5689825"/>
+            <a:ext cx="11369615" cy="782889"/>
           </a:xfrm>
         </p:spPr>
         <p:txBody>
@@ -25877,11 +25877,39 @@
             </a:pPr>
             <a:r>
               <a:rPr lang="fr-FR" sz="1800" b="1" i="1" dirty="0"/>
-              <a:t>Note</a:t>
+              <a:t>Notes</a:t>
             </a:r>
             <a:r>
               <a:rPr lang="fr-FR" sz="1800" i="1" dirty="0"/>
-              <a:t>: Pour ajouter un logo, ce dernier doit être au format png, avoir une taille maximum de 200x200 et contenir le mot « logo » dans son nom.</a:t>
+              <a:t>:</a:t>
+            </a:r>
+          </a:p>
+          <a:p>
+            <a:r>
+              <a:rPr lang="fr-FR" sz="1800" i="1" dirty="0"/>
+              <a:t>Pour ajouter un logo, ce dernier doit être au format png, avoir une taille maximum de 200x200 et contenir le mot « logo » dans son nom.</a:t>
+            </a:r>
+          </a:p>
+          <a:p>
+            <a:r>
+              <a:rPr lang="fr-FR" sz="1800" i="1" dirty="0"/>
+              <a:t>Le répertoire de travail ne doit pas être un répertoire synchronisé type OneDrive, </a:t>
+            </a:r>
+            <a:r>
+              <a:rPr lang="fr-FR" sz="1800" i="1" dirty="0" err="1"/>
+              <a:t>pCloud</a:t>
+            </a:r>
+            <a:r>
+              <a:rPr lang="fr-FR" sz="1800" i="1" dirty="0"/>
+              <a:t>, </a:t>
+            </a:r>
+            <a:r>
+              <a:rPr lang="fr-FR" sz="1800" i="1" dirty="0" err="1"/>
+              <a:t>DropBox</a:t>
+            </a:r>
+            <a:r>
+              <a:rPr lang="fr-FR" sz="1800" i="1" dirty="0"/>
+              <a:t>, etc.</a:t>
             </a:r>
           </a:p>
         </p:txBody>
@@ -33824,14 +33852,14 @@
           <p:nvPr>
             <p:extLst>
               <p:ext uri="{D42A27DB-BD31-4B8C-83A1-F6EECF244321}">
-                <p14:modId xmlns:p14="http://schemas.microsoft.com/office/powerpoint/2010/main" val="1698129580"/>
+                <p14:modId xmlns:p14="http://schemas.microsoft.com/office/powerpoint/2010/main" val="886254712"/>
               </p:ext>
             </p:extLst>
           </p:nvPr>
         </p:nvGraphicFramePr>
         <p:xfrm>
-          <a:off x="1282097" y="1914605"/>
-          <a:ext cx="9140816" cy="3309637"/>
+          <a:off x="762665" y="1861946"/>
+          <a:ext cx="9603970" cy="3731047"/>
         </p:xfrm>
         <a:graphic>
           <a:graphicData uri="http://schemas.openxmlformats.org/drawingml/2006/table">
@@ -33840,80 +33868,87 @@
                 <a:tableStyleId>{7DF18680-E054-41AD-8BC1-D1AEF772440D}</a:tableStyleId>
               </a:tblPr>
               <a:tblGrid>
-                <a:gridCol w="515345">
+                <a:gridCol w="491612">
                   <a:extLst>
                     <a:ext uri="{9D8B030D-6E8A-4147-A177-3AD203B41FA5}">
                       <a16:colId xmlns:a16="http://schemas.microsoft.com/office/drawing/2014/main" val="3736857135"/>
                     </a:ext>
                   </a:extLst>
                 </a:gridCol>
-                <a:gridCol w="849471">
+                <a:gridCol w="870268">
                   <a:extLst>
                     <a:ext uri="{9D8B030D-6E8A-4147-A177-3AD203B41FA5}">
                       <a16:colId xmlns:a16="http://schemas.microsoft.com/office/drawing/2014/main" val="3696878891"/>
                     </a:ext>
                   </a:extLst>
                 </a:gridCol>
-                <a:gridCol w="864000">
+                <a:gridCol w="824209">
                   <a:extLst>
                     <a:ext uri="{9D8B030D-6E8A-4147-A177-3AD203B41FA5}">
                       <a16:colId xmlns:a16="http://schemas.microsoft.com/office/drawing/2014/main" val="2257898591"/>
                     </a:ext>
                   </a:extLst>
                 </a:gridCol>
-                <a:gridCol w="864000">
+                <a:gridCol w="824209">
                   <a:extLst>
                     <a:ext uri="{9D8B030D-6E8A-4147-A177-3AD203B41FA5}">
                       <a16:colId xmlns:a16="http://schemas.microsoft.com/office/drawing/2014/main" val="2384296798"/>
                     </a:ext>
                   </a:extLst>
                 </a:gridCol>
-                <a:gridCol w="864000">
+                <a:gridCol w="824209">
                   <a:extLst>
                     <a:ext uri="{9D8B030D-6E8A-4147-A177-3AD203B41FA5}">
                       <a16:colId xmlns:a16="http://schemas.microsoft.com/office/drawing/2014/main" val="618733032"/>
                     </a:ext>
                   </a:extLst>
                 </a:gridCol>
-                <a:gridCol w="864000">
+                <a:gridCol w="824209">
                   <a:extLst>
                     <a:ext uri="{9D8B030D-6E8A-4147-A177-3AD203B41FA5}">
                       <a16:colId xmlns:a16="http://schemas.microsoft.com/office/drawing/2014/main" val="3964921429"/>
                     </a:ext>
                   </a:extLst>
                 </a:gridCol>
-                <a:gridCol w="864000">
+                <a:gridCol w="824209">
                   <a:extLst>
                     <a:ext uri="{9D8B030D-6E8A-4147-A177-3AD203B41FA5}">
                       <a16:colId xmlns:a16="http://schemas.microsoft.com/office/drawing/2014/main" val="2528599786"/>
                     </a:ext>
                   </a:extLst>
                 </a:gridCol>
-                <a:gridCol w="864000">
+                <a:gridCol w="824209">
                   <a:extLst>
                     <a:ext uri="{9D8B030D-6E8A-4147-A177-3AD203B41FA5}">
                       <a16:colId xmlns:a16="http://schemas.microsoft.com/office/drawing/2014/main" val="2631112101"/>
                     </a:ext>
                   </a:extLst>
                 </a:gridCol>
-                <a:gridCol w="864000">
+                <a:gridCol w="824209">
                   <a:extLst>
                     <a:ext uri="{9D8B030D-6E8A-4147-A177-3AD203B41FA5}">
                       <a16:colId xmlns:a16="http://schemas.microsoft.com/office/drawing/2014/main" val="1640724778"/>
                     </a:ext>
                   </a:extLst>
                 </a:gridCol>
-                <a:gridCol w="864000">
+                <a:gridCol w="824209">
                   <a:extLst>
                     <a:ext uri="{9D8B030D-6E8A-4147-A177-3AD203B41FA5}">
                       <a16:colId xmlns:a16="http://schemas.microsoft.com/office/drawing/2014/main" val="2824390373"/>
                     </a:ext>
                   </a:extLst>
                 </a:gridCol>
-                <a:gridCol w="864000">
+                <a:gridCol w="824209">
                   <a:extLst>
                     <a:ext uri="{9D8B030D-6E8A-4147-A177-3AD203B41FA5}">
                       <a16:colId xmlns:a16="http://schemas.microsoft.com/office/drawing/2014/main" val="3229000006"/>
+                    </a:ext>
+                  </a:extLst>
+                </a:gridCol>
+                <a:gridCol w="824209">
+                  <a:extLst>
+                    <a:ext uri="{9D8B030D-6E8A-4147-A177-3AD203B41FA5}">
+                      <a16:colId xmlns:a16="http://schemas.microsoft.com/office/drawing/2014/main" val="788621322"/>
                     </a:ext>
                   </a:extLst>
                 </a:gridCol>
@@ -33939,7 +33974,7 @@
                   </a:txBody>
                   <a:tcPr anchor="ctr"/>
                 </a:tc>
-                <a:tc gridSpan="9">
+                <a:tc gridSpan="10">
                   <a:txBody>
                     <a:bodyPr/>
                     <a:lstStyle/>
@@ -34025,6 +34060,25 @@
                     </a:p>
                   </a:txBody>
                   <a:tcPr/>
+                </a:tc>
+                <a:tc hMerge="1">
+                  <a:txBody>
+                    <a:bodyPr/>
+                    <a:lstStyle/>
+                    <a:p>
+                      <a:pPr algn="ctr"/>
+                      <a:endParaRPr lang="fr-FR" dirty="0">
+                        <a:solidFill>
+                          <a:schemeClr val="bg1"/>
+                        </a:solidFill>
+                      </a:endParaRPr>
+                    </a:p>
+                  </a:txBody>
+                  <a:tcPr anchor="ctr">
+                    <a:solidFill>
+                      <a:schemeClr val="accent1"/>
+                    </a:solidFill>
+                  </a:tcPr>
                 </a:tc>
                 <a:tc hMerge="1">
                   <a:txBody>
@@ -34280,6 +34334,27 @@
                     </a:solidFill>
                   </a:tcPr>
                 </a:tc>
+                <a:tc>
+                  <a:txBody>
+                    <a:bodyPr/>
+                    <a:lstStyle/>
+                    <a:p>
+                      <a:r>
+                        <a:rPr lang="fr-FR" dirty="0">
+                          <a:solidFill>
+                            <a:schemeClr val="bg1"/>
+                          </a:solidFill>
+                        </a:rPr>
+                        <a:t>1.3.0.1</a:t>
+                      </a:r>
+                    </a:p>
+                  </a:txBody>
+                  <a:tcPr anchor="ctr">
+                    <a:solidFill>
+                      <a:schemeClr val="accent1"/>
+                    </a:solidFill>
+                  </a:tcPr>
+                </a:tc>
                 <a:extLst>
                   <a:ext uri="{0D108BD9-81ED-4DB2-BD59-A6C34878D82A}">
                     <a16:rowId xmlns:a16="http://schemas.microsoft.com/office/drawing/2014/main" val="407517425"/>
@@ -34287,7 +34362,7 @@
                 </a:extLst>
               </a:tr>
               <a:tr h="421410">
-                <a:tc rowSpan="5">
+                <a:tc rowSpan="6">
                   <a:txBody>
                     <a:bodyPr/>
                     <a:lstStyle/>
@@ -34472,6 +34547,20 @@
                     </a:solidFill>
                   </a:tcPr>
                 </a:tc>
+                <a:tc>
+                  <a:txBody>
+                    <a:bodyPr/>
+                    <a:lstStyle/>
+                    <a:p>
+                      <a:endParaRPr lang="fr-FR" dirty="0"/>
+                    </a:p>
+                  </a:txBody>
+                  <a:tcPr anchor="ctr">
+                    <a:solidFill>
+                      <a:srgbClr val="FFC000"/>
+                    </a:solidFill>
+                  </a:tcPr>
+                </a:tc>
                 <a:extLst>
                   <a:ext uri="{0D108BD9-81ED-4DB2-BD59-A6C34878D82A}">
                     <a16:rowId xmlns:a16="http://schemas.microsoft.com/office/drawing/2014/main" val="1939122409"/>
@@ -34591,6 +34680,20 @@
                   <a:tcPr anchor="ctr">
                     <a:solidFill>
                       <a:srgbClr val="FFC000"/>
+                    </a:solidFill>
+                  </a:tcPr>
+                </a:tc>
+                <a:tc>
+                  <a:txBody>
+                    <a:bodyPr/>
+                    <a:lstStyle/>
+                    <a:p>
+                      <a:endParaRPr lang="fr-FR" dirty="0"/>
+                    </a:p>
+                  </a:txBody>
+                  <a:tcPr anchor="ctr">
+                    <a:solidFill>
+                      <a:schemeClr val="accent6"/>
                     </a:solidFill>
                   </a:tcPr>
                 </a:tc>
@@ -34817,6 +34920,20 @@
                     </a:solidFill>
                   </a:tcPr>
                 </a:tc>
+                <a:tc>
+                  <a:txBody>
+                    <a:bodyPr/>
+                    <a:lstStyle/>
+                    <a:p>
+                      <a:endParaRPr lang="fr-FR" dirty="0"/>
+                    </a:p>
+                  </a:txBody>
+                  <a:tcPr anchor="ctr">
+                    <a:solidFill>
+                      <a:schemeClr val="accent6"/>
+                    </a:solidFill>
+                  </a:tcPr>
+                </a:tc>
                 <a:extLst>
                   <a:ext uri="{0D108BD9-81ED-4DB2-BD59-A6C34878D82A}">
                     <a16:rowId xmlns:a16="http://schemas.microsoft.com/office/drawing/2014/main" val="2246006590"/>
@@ -34953,6 +35070,20 @@
                   <a:tcPr anchor="ctr">
                     <a:solidFill>
                       <a:srgbClr val="FFC000"/>
+                    </a:solidFill>
+                  </a:tcPr>
+                </a:tc>
+                <a:tc>
+                  <a:txBody>
+                    <a:bodyPr/>
+                    <a:lstStyle/>
+                    <a:p>
+                      <a:endParaRPr lang="fr-FR" dirty="0"/>
+                    </a:p>
+                  </a:txBody>
+                  <a:tcPr anchor="ctr">
+                    <a:solidFill>
+                      <a:schemeClr val="accent6"/>
                     </a:solidFill>
                   </a:tcPr>
                 </a:tc>
@@ -35179,9 +35310,243 @@
                     </a:solidFill>
                   </a:tcPr>
                 </a:tc>
+                <a:tc>
+                  <a:txBody>
+                    <a:bodyPr/>
+                    <a:lstStyle/>
+                    <a:p>
+                      <a:endParaRPr lang="fr-FR" dirty="0"/>
+                    </a:p>
+                  </a:txBody>
+                  <a:tcPr anchor="ctr">
+                    <a:solidFill>
+                      <a:schemeClr val="accent6"/>
+                    </a:solidFill>
+                  </a:tcPr>
+                </a:tc>
                 <a:extLst>
                   <a:ext uri="{0D108BD9-81ED-4DB2-BD59-A6C34878D82A}">
                     <a16:rowId xmlns:a16="http://schemas.microsoft.com/office/drawing/2014/main" val="1191909874"/>
+                  </a:ext>
+                </a:extLst>
+              </a:tr>
+              <a:tr h="421410">
+                <a:tc vMerge="1">
+                  <a:txBody>
+                    <a:bodyPr/>
+                    <a:lstStyle/>
+                    <a:p>
+                      <a:pPr marL="0" marR="0" lvl="0" indent="0" algn="ctr" defTabSz="914400" rtl="0" eaLnBrk="1" fontAlgn="auto" latinLnBrk="0" hangingPunct="1">
+                        <a:lnSpc>
+                          <a:spcPct val="100000"/>
+                        </a:lnSpc>
+                        <a:spcBef>
+                          <a:spcPts val="0"/>
+                        </a:spcBef>
+                        <a:spcAft>
+                          <a:spcPts val="0"/>
+                        </a:spcAft>
+                        <a:buClrTx/>
+                        <a:buSzTx/>
+                        <a:buFontTx/>
+                        <a:buNone/>
+                        <a:tabLst/>
+                        <a:defRPr/>
+                      </a:pPr>
+                      <a:endParaRPr lang="fr-FR" dirty="0">
+                        <a:solidFill>
+                          <a:schemeClr val="bg1"/>
+                        </a:solidFill>
+                      </a:endParaRPr>
+                    </a:p>
+                  </a:txBody>
+                  <a:tcPr vert="vert270" anchor="ctr">
+                    <a:solidFill>
+                      <a:schemeClr val="accent1"/>
+                    </a:solidFill>
+                  </a:tcPr>
+                </a:tc>
+                <a:tc>
+                  <a:txBody>
+                    <a:bodyPr/>
+                    <a:lstStyle/>
+                    <a:p>
+                      <a:pPr marL="0" marR="0" lvl="0" indent="0" algn="l" defTabSz="914400" rtl="0" eaLnBrk="1" fontAlgn="auto" latinLnBrk="0" hangingPunct="1">
+                        <a:lnSpc>
+                          <a:spcPct val="100000"/>
+                        </a:lnSpc>
+                        <a:spcBef>
+                          <a:spcPts val="0"/>
+                        </a:spcBef>
+                        <a:spcAft>
+                          <a:spcPts val="0"/>
+                        </a:spcAft>
+                        <a:buClrTx/>
+                        <a:buSzTx/>
+                        <a:buFontTx/>
+                        <a:buNone/>
+                        <a:tabLst/>
+                        <a:defRPr/>
+                      </a:pPr>
+                      <a:r>
+                        <a:rPr lang="fr-FR" dirty="0">
+                          <a:solidFill>
+                            <a:schemeClr val="bg1"/>
+                          </a:solidFill>
+                        </a:rPr>
+                        <a:t>1.2.6.6</a:t>
+                      </a:r>
+                    </a:p>
+                  </a:txBody>
+                  <a:tcPr anchor="ctr">
+                    <a:solidFill>
+                      <a:schemeClr val="accent1"/>
+                    </a:solidFill>
+                  </a:tcPr>
+                </a:tc>
+                <a:tc>
+                  <a:txBody>
+                    <a:bodyPr/>
+                    <a:lstStyle/>
+                    <a:p>
+                      <a:endParaRPr lang="fr-FR" dirty="0"/>
+                    </a:p>
+                  </a:txBody>
+                  <a:tcPr anchor="ctr">
+                    <a:solidFill>
+                      <a:srgbClr val="FFC000"/>
+                    </a:solidFill>
+                  </a:tcPr>
+                </a:tc>
+                <a:tc>
+                  <a:txBody>
+                    <a:bodyPr/>
+                    <a:lstStyle/>
+                    <a:p>
+                      <a:endParaRPr lang="fr-FR" dirty="0"/>
+                    </a:p>
+                  </a:txBody>
+                  <a:tcPr anchor="ctr">
+                    <a:solidFill>
+                      <a:srgbClr val="FFC000"/>
+                    </a:solidFill>
+                  </a:tcPr>
+                </a:tc>
+                <a:tc>
+                  <a:txBody>
+                    <a:bodyPr/>
+                    <a:lstStyle/>
+                    <a:p>
+                      <a:endParaRPr lang="fr-FR" dirty="0"/>
+                    </a:p>
+                  </a:txBody>
+                  <a:tcPr anchor="ctr">
+                    <a:solidFill>
+                      <a:srgbClr val="FFC000"/>
+                    </a:solidFill>
+                  </a:tcPr>
+                </a:tc>
+                <a:tc>
+                  <a:txBody>
+                    <a:bodyPr/>
+                    <a:lstStyle/>
+                    <a:p>
+                      <a:endParaRPr lang="fr-FR" dirty="0"/>
+                    </a:p>
+                  </a:txBody>
+                  <a:tcPr anchor="ctr">
+                    <a:solidFill>
+                      <a:srgbClr val="FFC000"/>
+                    </a:solidFill>
+                  </a:tcPr>
+                </a:tc>
+                <a:tc>
+                  <a:txBody>
+                    <a:bodyPr/>
+                    <a:lstStyle/>
+                    <a:p>
+                      <a:endParaRPr lang="fr-FR" dirty="0"/>
+                    </a:p>
+                  </a:txBody>
+                  <a:tcPr anchor="ctr">
+                    <a:solidFill>
+                      <a:srgbClr val="FFC000"/>
+                    </a:solidFill>
+                  </a:tcPr>
+                </a:tc>
+                <a:tc>
+                  <a:txBody>
+                    <a:bodyPr/>
+                    <a:lstStyle/>
+                    <a:p>
+                      <a:endParaRPr lang="fr-FR" dirty="0"/>
+                    </a:p>
+                  </a:txBody>
+                  <a:tcPr anchor="ctr">
+                    <a:solidFill>
+                      <a:srgbClr val="FFC000"/>
+                    </a:solidFill>
+                  </a:tcPr>
+                </a:tc>
+                <a:tc>
+                  <a:txBody>
+                    <a:bodyPr/>
+                    <a:lstStyle/>
+                    <a:p>
+                      <a:endParaRPr lang="fr-FR" dirty="0"/>
+                    </a:p>
+                  </a:txBody>
+                  <a:tcPr anchor="ctr">
+                    <a:solidFill>
+                      <a:srgbClr val="FFC000"/>
+                    </a:solidFill>
+                  </a:tcPr>
+                </a:tc>
+                <a:tc>
+                  <a:txBody>
+                    <a:bodyPr/>
+                    <a:lstStyle/>
+                    <a:p>
+                      <a:endParaRPr lang="fr-FR" dirty="0"/>
+                    </a:p>
+                  </a:txBody>
+                  <a:tcPr anchor="ctr">
+                    <a:solidFill>
+                      <a:srgbClr val="FFC000"/>
+                    </a:solidFill>
+                  </a:tcPr>
+                </a:tc>
+                <a:tc>
+                  <a:txBody>
+                    <a:bodyPr/>
+                    <a:lstStyle/>
+                    <a:p>
+                      <a:endParaRPr lang="fr-FR" dirty="0"/>
+                    </a:p>
+                  </a:txBody>
+                  <a:tcPr anchor="ctr">
+                    <a:solidFill>
+                      <a:schemeClr val="accent6"/>
+                    </a:solidFill>
+                  </a:tcPr>
+                </a:tc>
+                <a:tc>
+                  <a:txBody>
+                    <a:bodyPr/>
+                    <a:lstStyle/>
+                    <a:p>
+                      <a:endParaRPr lang="fr-FR" dirty="0"/>
+                    </a:p>
+                  </a:txBody>
+                  <a:tcPr anchor="ctr">
+                    <a:solidFill>
+                      <a:schemeClr val="accent6"/>
+                    </a:solidFill>
+                  </a:tcPr>
+                </a:tc>
+                <a:extLst>
+                  <a:ext uri="{0D108BD9-81ED-4DB2-BD59-A6C34878D82A}">
+                    <a16:rowId xmlns:a16="http://schemas.microsoft.com/office/drawing/2014/main" val="3979160886"/>
                   </a:ext>
                 </a:extLst>
               </a:tr>
@@ -35413,7 +35778,63 @@
               <a:rPr lang="fr-FR" sz="1200" b="1" dirty="0">
                 <a:latin typeface="Barlow" panose="00000500000000000000" pitchFamily="2" charset="0"/>
               </a:rPr>
-              <a:t>V1.3.0.0 – 01/12/2024</a:t>
+              <a:t>v1.3.0.3 – 03</a:t>
+            </a:r>
+          </a:p>
+          <a:p>
+            <a:pPr lvl="1">
+              <a:spcBef>
+                <a:spcPts val="0"/>
+              </a:spcBef>
+            </a:pPr>
+            <a:r>
+              <a:rPr lang="fr-FR" sz="1200" dirty="0">
+                <a:latin typeface="Barlow" panose="00000500000000000000" pitchFamily="2" charset="0"/>
+              </a:rPr>
+              <a:t>Correction des problèmes de synchronisations sur </a:t>
+            </a:r>
+            <a:r>
+              <a:rPr lang="fr-FR" sz="1200" dirty="0" err="1">
+                <a:latin typeface="Barlow" panose="00000500000000000000" pitchFamily="2" charset="0"/>
+              </a:rPr>
+              <a:t>FFJudo</a:t>
+            </a:r>
+            <a:endParaRPr lang="fr-FR" sz="1200" dirty="0">
+              <a:latin typeface="Barlow" panose="00000500000000000000" pitchFamily="2" charset="0"/>
+            </a:endParaRPr>
+          </a:p>
+          <a:p>
+            <a:pPr lvl="1">
+              <a:spcBef>
+                <a:spcPts val="0"/>
+              </a:spcBef>
+            </a:pPr>
+            <a:r>
+              <a:rPr lang="fr-FR" sz="1200" dirty="0">
+                <a:latin typeface="Barlow" panose="00000500000000000000" pitchFamily="2" charset="0"/>
+              </a:rPr>
+              <a:t>Correction de problèmes mineurs d’affichage</a:t>
+            </a:r>
+          </a:p>
+          <a:p>
+            <a:pPr lvl="1">
+              <a:spcBef>
+                <a:spcPts val="0"/>
+              </a:spcBef>
+            </a:pPr>
+            <a:r>
+              <a:rPr lang="fr-FR" sz="1200" dirty="0">
+                <a:latin typeface="Barlow" panose="00000500000000000000" pitchFamily="2" charset="0"/>
+              </a:rPr>
+              <a:t>Modification de répertoire de travail par défaut</a:t>
+            </a:r>
+          </a:p>
+          <a:p>
+            <a:r>
+              <a:rPr lang="fr-FR" sz="1200" b="1" dirty="0">
+                <a:latin typeface="Barlow" panose="00000500000000000000" pitchFamily="2" charset="0"/>
+              </a:rPr>
+              <a:t>v1.3.0.0 – 01/12/2024</a:t>
             </a:r>
           </a:p>
           <a:p>
@@ -35501,6 +35922,19 @@
                 <a:latin typeface="Barlow" panose="00000500000000000000" pitchFamily="2" charset="0"/>
               </a:rPr>
               <a:t>Gestion des URLs longues</a:t>
+            </a:r>
+          </a:p>
+          <a:p>
+            <a:pPr lvl="1">
+              <a:spcBef>
+                <a:spcPts val="0"/>
+              </a:spcBef>
+            </a:pPr>
+            <a:r>
+              <a:rPr lang="fr-FR" sz="1200" dirty="0">
+                <a:latin typeface="Barlow" panose="00000500000000000000" pitchFamily="2" charset="0"/>
+              </a:rPr>
+              <a:t>Prise en compte des Yukos</a:t>
             </a:r>
           </a:p>
           <a:p>
@@ -46116,17 +46550,6 @@
 </file>
 
 <file path=customXml/item1.xml><?xml version="1.0" encoding="utf-8"?>
-<p:properties xmlns:p="http://schemas.microsoft.com/office/2006/metadata/properties" xmlns:xsi="http://www.w3.org/2001/XMLSchema-instance" xmlns:pc="http://schemas.microsoft.com/office/infopath/2007/PartnerControls">
-  <documentManagement>
-    <TaxCatchAll xmlns="5d7a3535-6ccc-4381-989f-ae061031b78e" xsi:nil="true"/>
-    <lcf76f155ced4ddcb4097134ff3c332f xmlns="f9bf1094-3609-4046-a6fd-76c9c0caa714">
-      <Terms xmlns="http://schemas.microsoft.com/office/infopath/2007/PartnerControls"/>
-    </lcf76f155ced4ddcb4097134ff3c332f>
-  </documentManagement>
-</p:properties>
-</file>
-
-<file path=customXml/item2.xml><?xml version="1.0" encoding="utf-8"?>
 <ct:contentTypeSchema xmlns:ct="http://schemas.microsoft.com/office/2006/metadata/contentType" xmlns:ma="http://schemas.microsoft.com/office/2006/metadata/properties/metaAttributes" ct:_="" ma:_="" ma:contentTypeName="Document" ma:contentTypeID="0x01010094D69007D53E474D873D1C4BCA1E8F18" ma:contentTypeVersion="15" ma:contentTypeDescription="Crée un document." ma:contentTypeScope="" ma:versionID="b94b5753296409f7397b66632584fdb0">
   <xsd:schema xmlns:xsd="http://www.w3.org/2001/XMLSchema" xmlns:xs="http://www.w3.org/2001/XMLSchema" xmlns:p="http://schemas.microsoft.com/office/2006/metadata/properties" xmlns:ns2="f9bf1094-3609-4046-a6fd-76c9c0caa714" xmlns:ns3="5d7a3535-6ccc-4381-989f-ae061031b78e" targetNamespace="http://schemas.microsoft.com/office/2006/metadata/properties" ma:root="true" ma:fieldsID="fee6db9217be9a70816f6107f4b0cedb" ns2:_="" ns3:_="">
     <xsd:import namespace="f9bf1094-3609-4046-a6fd-76c9c0caa714"/>
@@ -46355,7 +46778,7 @@
 </ct:contentTypeSchema>
 </file>
 
-<file path=customXml/item3.xml><?xml version="1.0" encoding="utf-8"?>
+<file path=customXml/item2.xml><?xml version="1.0" encoding="utf-8"?>
 <?mso-contentType ?>
 <FormTemplates xmlns="http://schemas.microsoft.com/sharepoint/v3/contenttype/forms">
   <Display>DocumentLibraryForm</Display>
@@ -46364,24 +46787,18 @@
 </FormTemplates>
 </file>
 
-<file path=customXml/itemProps1.xml><?xml version="1.0" encoding="utf-8"?>
-<ds:datastoreItem xmlns:ds="http://schemas.openxmlformats.org/officeDocument/2006/customXml" ds:itemID="{A397F285-9F9C-4CEA-8DC8-CF9392934C5A}">
-  <ds:schemaRefs>
-    <ds:schemaRef ds:uri="http://purl.org/dc/terms/"/>
-    <ds:schemaRef ds:uri="http://purl.org/dc/dcmitype/"/>
-    <ds:schemaRef ds:uri="http://www.w3.org/XML/1998/namespace"/>
-    <ds:schemaRef ds:uri="http://schemas.microsoft.com/office/2006/documentManagement/types"/>
-    <ds:schemaRef ds:uri="http://schemas.openxmlformats.org/package/2006/metadata/core-properties"/>
-    <ds:schemaRef ds:uri="http://schemas.microsoft.com/office/infopath/2007/PartnerControls"/>
-    <ds:schemaRef ds:uri="f9bf1094-3609-4046-a6fd-76c9c0caa714"/>
-    <ds:schemaRef ds:uri="http://schemas.microsoft.com/office/2006/metadata/properties"/>
-    <ds:schemaRef ds:uri="5d7a3535-6ccc-4381-989f-ae061031b78e"/>
-    <ds:schemaRef ds:uri="http://purl.org/dc/elements/1.1/"/>
-  </ds:schemaRefs>
-</ds:datastoreItem>
+<file path=customXml/item3.xml><?xml version="1.0" encoding="utf-8"?>
+<p:properties xmlns:p="http://schemas.microsoft.com/office/2006/metadata/properties" xmlns:xsi="http://www.w3.org/2001/XMLSchema-instance" xmlns:pc="http://schemas.microsoft.com/office/infopath/2007/PartnerControls">
+  <documentManagement>
+    <TaxCatchAll xmlns="5d7a3535-6ccc-4381-989f-ae061031b78e" xsi:nil="true"/>
+    <lcf76f155ced4ddcb4097134ff3c332f xmlns="f9bf1094-3609-4046-a6fd-76c9c0caa714">
+      <Terms xmlns="http://schemas.microsoft.com/office/infopath/2007/PartnerControls"/>
+    </lcf76f155ced4ddcb4097134ff3c332f>
+  </documentManagement>
+</p:properties>
 </file>
 
-<file path=customXml/itemProps2.xml><?xml version="1.0" encoding="utf-8"?>
+<file path=customXml/itemProps1.xml><?xml version="1.0" encoding="utf-8"?>
 <ds:datastoreItem xmlns:ds="http://schemas.openxmlformats.org/officeDocument/2006/customXml" ds:itemID="{A23C0DE2-5723-4EBE-BB67-CD0D7BAFEF27}">
   <ds:schemaRefs>
     <ds:schemaRef ds:uri="http://schemas.microsoft.com/office/2006/metadata/contentType"/>
@@ -46400,10 +46817,27 @@
 </ds:datastoreItem>
 </file>
 
-<file path=customXml/itemProps3.xml><?xml version="1.0" encoding="utf-8"?>
+<file path=customXml/itemProps2.xml><?xml version="1.0" encoding="utf-8"?>
 <ds:datastoreItem xmlns:ds="http://schemas.openxmlformats.org/officeDocument/2006/customXml" ds:itemID="{37867E26-7D2E-4C08-8937-A5EDA2DC982A}">
   <ds:schemaRefs>
     <ds:schemaRef ds:uri="http://schemas.microsoft.com/sharepoint/v3/contenttype/forms"/>
   </ds:schemaRefs>
 </ds:datastoreItem>
+</file>
+
+<file path=customXml/itemProps3.xml><?xml version="1.0" encoding="utf-8"?>
+<ds:datastoreItem xmlns:ds="http://schemas.openxmlformats.org/officeDocument/2006/customXml" ds:itemID="{A397F285-9F9C-4CEA-8DC8-CF9392934C5A}">
+  <ds:schemaRefs>
+    <ds:schemaRef ds:uri="http://purl.org/dc/terms/"/>
+    <ds:schemaRef ds:uri="http://purl.org/dc/dcmitype/"/>
+    <ds:schemaRef ds:uri="http://www.w3.org/XML/1998/namespace"/>
+    <ds:schemaRef ds:uri="http://schemas.microsoft.com/office/2006/documentManagement/types"/>
+    <ds:schemaRef ds:uri="http://schemas.openxmlformats.org/package/2006/metadata/core-properties"/>
+    <ds:schemaRef ds:uri="http://schemas.microsoft.com/office/infopath/2007/PartnerControls"/>
+    <ds:schemaRef ds:uri="f9bf1094-3609-4046-a6fd-76c9c0caa714"/>
+    <ds:schemaRef ds:uri="http://schemas.microsoft.com/office/2006/metadata/properties"/>
+    <ds:schemaRef ds:uri="5d7a3535-6ccc-4381-989f-ae061031b78e"/>
+    <ds:schemaRef ds:uri="http://purl.org/dc/elements/1.1/"/>
+  </ds:schemaRefs>
+</ds:datastoreItem>
 </file>
--- a/AppPublication/Documentation/PublicationSuiviCompetition - Manuel d'utilisation.pptx
+++ b/AppPublication/Documentation/PublicationSuiviCompetition - Manuel d'utilisation.pptx
@@ -269,7 +269,7 @@
           <a:p>
             <a:fld id="{2FC9C06B-3A03-409A-B425-472FC6ED632E}" type="datetimeFigureOut">
               <a:rPr lang="fr-FR" smtClean="0"/>
-              <a:t>13/03/2025</a:t>
+              <a:t>17/05/2025</a:t>
             </a:fld>
             <a:endParaRPr lang="fr-FR"/>
           </a:p>
@@ -347,7 +347,7 @@
           <a:p>
             <a:fld id="{4ADFDC2C-F50E-4BF3-9C13-9F892CB323EC}" type="slidenum">
               <a:rPr lang="fr-FR" smtClean="0"/>
-              <a:t>‹#›</a:t>
+              <a:t>‹N°›</a:t>
             </a:fld>
             <a:endParaRPr lang="fr-FR"/>
           </a:p>
@@ -446,7 +446,7 @@
           <a:p>
             <a:fld id="{1BF3F09E-A5E2-4FD2-AA48-324D4F0E8F41}" type="datetimeFigureOut">
               <a:rPr lang="fr"/>
-              <a:t>13/03/2025</a:t>
+              <a:t>17/05/2025</a:t>
             </a:fld>
             <a:endParaRPr lang="en-US"/>
           </a:p>
@@ -604,7 +604,7 @@
           <a:p>
             <a:fld id="{17CAC06C-F8C2-46C2-88FF-6CBC2099D08A}" type="slidenum">
               <a:rPr lang="fr"/>
-              <a:t>‹#›</a:t>
+              <a:t>‹N°›</a:t>
             </a:fld>
             <a:endParaRPr lang="en-US"/>
           </a:p>
@@ -895,7 +895,7 @@
             <a:fld id="{00000000-1234-1234-1234-123412341234}" type="slidenum">
               <a:rPr lang="fr-FR" smtClean="0"/>
               <a:pPr/>
-              <a:t>‹#›</a:t>
+              <a:t>‹N°›</a:t>
             </a:fld>
             <a:endParaRPr lang="fr-FR" dirty="0"/>
           </a:p>
@@ -3322,7 +3322,7 @@
             <a:fld id="{00000000-1234-1234-1234-123412341234}" type="slidenum">
               <a:rPr lang="fr-FR" smtClean="0"/>
               <a:pPr/>
-              <a:t>‹#›</a:t>
+              <a:t>‹N°›</a:t>
             </a:fld>
             <a:endParaRPr lang="fr-FR" dirty="0"/>
           </a:p>
@@ -3669,7 +3669,7 @@
             <a:fld id="{00000000-1234-1234-1234-123412341234}" type="slidenum">
               <a:rPr lang="fr-FR" smtClean="0"/>
               <a:pPr/>
-              <a:t>‹#›</a:t>
+              <a:t>‹N°›</a:t>
             </a:fld>
             <a:endParaRPr lang="fr-FR" dirty="0"/>
           </a:p>
@@ -3888,7 +3888,7 @@
             <a:fld id="{00000000-1234-1234-1234-123412341234}" type="slidenum">
               <a:rPr lang="fr-FR" smtClean="0"/>
               <a:pPr/>
-              <a:t>‹#›</a:t>
+              <a:t>‹N°›</a:t>
             </a:fld>
             <a:endParaRPr lang="fr-FR" dirty="0"/>
           </a:p>
@@ -4004,7 +4004,7 @@
             <a:fld id="{00000000-1234-1234-1234-123412341234}" type="slidenum">
               <a:rPr lang="fr-FR" smtClean="0"/>
               <a:pPr/>
-              <a:t>‹#›</a:t>
+              <a:t>‹N°›</a:t>
             </a:fld>
             <a:endParaRPr lang="fr-FR" dirty="0"/>
           </a:p>
@@ -7227,7 +7227,7 @@
             <a:fld id="{00000000-1234-1234-1234-123412341234}" type="slidenum">
               <a:rPr lang="fr-FR" smtClean="0"/>
               <a:pPr/>
-              <a:t>‹#›</a:t>
+              <a:t>‹N°›</a:t>
             </a:fld>
             <a:endParaRPr lang="fr-FR" dirty="0"/>
           </a:p>
@@ -7678,7 +7678,7 @@
             <a:fld id="{00000000-1234-1234-1234-123412341234}" type="slidenum">
               <a:rPr lang="fr-FR" smtClean="0"/>
               <a:pPr/>
-              <a:t>‹#›</a:t>
+              <a:t>‹N°›</a:t>
             </a:fld>
             <a:endParaRPr lang="fr-FR" dirty="0"/>
           </a:p>
@@ -8589,7 +8589,7 @@
             <a:fld id="{00000000-1234-1234-1234-123412341234}" type="slidenum">
               <a:rPr lang="fr-FR" smtClean="0"/>
               <a:pPr/>
-              <a:t>‹#›</a:t>
+              <a:t>‹N°›</a:t>
             </a:fld>
             <a:endParaRPr lang="fr-FR" dirty="0"/>
           </a:p>
@@ -9538,7 +9538,7 @@
             <a:fld id="{00000000-1234-1234-1234-123412341234}" type="slidenum">
               <a:rPr lang="fr-FR" smtClean="0"/>
               <a:pPr/>
-              <a:t>‹#›</a:t>
+              <a:t>‹N°›</a:t>
             </a:fld>
             <a:endParaRPr lang="fr-FR" dirty="0"/>
           </a:p>
@@ -9939,7 +9939,7 @@
             <a:fld id="{00000000-1234-1234-1234-123412341234}" type="slidenum">
               <a:rPr lang="fr-FR" smtClean="0"/>
               <a:pPr/>
-              <a:t>‹#›</a:t>
+              <a:t>‹N°›</a:t>
             </a:fld>
             <a:endParaRPr lang="fr-FR" dirty="0"/>
           </a:p>
@@ -11247,7 +11247,7 @@
             <a:fld id="{00000000-1234-1234-1234-123412341234}" type="slidenum">
               <a:rPr lang="fr-FR" smtClean="0"/>
               <a:pPr/>
-              <a:t>‹#›</a:t>
+              <a:t>‹N°›</a:t>
             </a:fld>
             <a:endParaRPr lang="fr-FR" dirty="0"/>
           </a:p>
@@ -12096,7 +12096,7 @@
             <a:fld id="{00000000-1234-1234-1234-123412341234}" type="slidenum">
               <a:rPr lang="fr-FR" smtClean="0"/>
               <a:pPr/>
-              <a:t>‹#›</a:t>
+              <a:t>‹N°›</a:t>
             </a:fld>
             <a:endParaRPr lang="fr-FR" dirty="0"/>
           </a:p>
@@ -13027,7 +13027,7 @@
             <a:fld id="{00000000-1234-1234-1234-123412341234}" type="slidenum">
               <a:rPr lang="fr-FR" smtClean="0"/>
               <a:pPr/>
-              <a:t>‹#›</a:t>
+              <a:t>‹N°›</a:t>
             </a:fld>
             <a:endParaRPr lang="fr-FR" dirty="0"/>
           </a:p>
@@ -14163,7 +14163,7 @@
             <a:fld id="{00000000-1234-1234-1234-123412341234}" type="slidenum">
               <a:rPr lang="fr-FR" smtClean="0"/>
               <a:pPr/>
-              <a:t>‹#›</a:t>
+              <a:t>‹N°›</a:t>
             </a:fld>
             <a:endParaRPr lang="fr-FR" dirty="0"/>
           </a:p>
@@ -15607,7 +15607,7 @@
             <a:fld id="{00000000-1234-1234-1234-123412341234}" type="slidenum">
               <a:rPr lang="fr-FR" smtClean="0"/>
               <a:pPr/>
-              <a:t>‹#›</a:t>
+              <a:t>‹N°›</a:t>
             </a:fld>
             <a:endParaRPr lang="fr-FR" dirty="0"/>
           </a:p>
@@ -15824,7 +15824,7 @@
             <a:fld id="{00000000-1234-1234-1234-123412341234}" type="slidenum">
               <a:rPr lang="fr-FR" smtClean="0"/>
               <a:pPr/>
-              <a:t>‹#›</a:t>
+              <a:t>‹N°›</a:t>
             </a:fld>
             <a:endParaRPr lang="fr-FR" dirty="0"/>
           </a:p>
@@ -17570,7 +17570,7 @@
                 </a:solidFill>
                 <a:latin typeface="Montserrat" panose="00000800000000000000" pitchFamily="2" charset="0"/>
               </a:rPr>
-              <a:t>V1.3.0.1 – 03/2025 </a:t>
+              <a:t>V1.3.1.0 – 05/2025 </a:t>
             </a:r>
           </a:p>
         </p:txBody>
@@ -33852,14 +33852,14 @@
           <p:nvPr>
             <p:extLst>
               <p:ext uri="{D42A27DB-BD31-4B8C-83A1-F6EECF244321}">
-                <p14:modId xmlns:p14="http://schemas.microsoft.com/office/powerpoint/2010/main" val="886254712"/>
+                <p14:modId xmlns:p14="http://schemas.microsoft.com/office/powerpoint/2010/main" val="776795178"/>
               </p:ext>
             </p:extLst>
           </p:nvPr>
         </p:nvGraphicFramePr>
         <p:xfrm>
-          <a:off x="762665" y="1861946"/>
-          <a:ext cx="9603970" cy="3731047"/>
+          <a:off x="1031598" y="1659834"/>
+          <a:ext cx="9603968" cy="4152457"/>
         </p:xfrm>
         <a:graphic>
           <a:graphicData uri="http://schemas.openxmlformats.org/drawingml/2006/table">
@@ -33868,87 +33868,94 @@
                 <a:tableStyleId>{7DF18680-E054-41AD-8BC1-D1AEF772440D}</a:tableStyleId>
               </a:tblPr>
               <a:tblGrid>
-                <a:gridCol w="491612">
+                <a:gridCol w="452757">
                   <a:extLst>
                     <a:ext uri="{9D8B030D-6E8A-4147-A177-3AD203B41FA5}">
                       <a16:colId xmlns:a16="http://schemas.microsoft.com/office/drawing/2014/main" val="3736857135"/>
                     </a:ext>
                   </a:extLst>
                 </a:gridCol>
-                <a:gridCol w="870268">
+                <a:gridCol w="801485">
                   <a:extLst>
                     <a:ext uri="{9D8B030D-6E8A-4147-A177-3AD203B41FA5}">
                       <a16:colId xmlns:a16="http://schemas.microsoft.com/office/drawing/2014/main" val="3696878891"/>
                     </a:ext>
                   </a:extLst>
                 </a:gridCol>
-                <a:gridCol w="824209">
+                <a:gridCol w="759066">
                   <a:extLst>
                     <a:ext uri="{9D8B030D-6E8A-4147-A177-3AD203B41FA5}">
                       <a16:colId xmlns:a16="http://schemas.microsoft.com/office/drawing/2014/main" val="2257898591"/>
                     </a:ext>
                   </a:extLst>
                 </a:gridCol>
-                <a:gridCol w="824209">
+                <a:gridCol w="759066">
                   <a:extLst>
                     <a:ext uri="{9D8B030D-6E8A-4147-A177-3AD203B41FA5}">
                       <a16:colId xmlns:a16="http://schemas.microsoft.com/office/drawing/2014/main" val="2384296798"/>
                     </a:ext>
                   </a:extLst>
                 </a:gridCol>
-                <a:gridCol w="824209">
+                <a:gridCol w="759066">
                   <a:extLst>
                     <a:ext uri="{9D8B030D-6E8A-4147-A177-3AD203B41FA5}">
                       <a16:colId xmlns:a16="http://schemas.microsoft.com/office/drawing/2014/main" val="618733032"/>
                     </a:ext>
                   </a:extLst>
                 </a:gridCol>
-                <a:gridCol w="824209">
+                <a:gridCol w="759066">
                   <a:extLst>
                     <a:ext uri="{9D8B030D-6E8A-4147-A177-3AD203B41FA5}">
                       <a16:colId xmlns:a16="http://schemas.microsoft.com/office/drawing/2014/main" val="3964921429"/>
                     </a:ext>
                   </a:extLst>
                 </a:gridCol>
-                <a:gridCol w="824209">
+                <a:gridCol w="759066">
                   <a:extLst>
                     <a:ext uri="{9D8B030D-6E8A-4147-A177-3AD203B41FA5}">
                       <a16:colId xmlns:a16="http://schemas.microsoft.com/office/drawing/2014/main" val="2528599786"/>
                     </a:ext>
                   </a:extLst>
                 </a:gridCol>
-                <a:gridCol w="824209">
+                <a:gridCol w="759066">
                   <a:extLst>
                     <a:ext uri="{9D8B030D-6E8A-4147-A177-3AD203B41FA5}">
                       <a16:colId xmlns:a16="http://schemas.microsoft.com/office/drawing/2014/main" val="2631112101"/>
                     </a:ext>
                   </a:extLst>
                 </a:gridCol>
-                <a:gridCol w="824209">
+                <a:gridCol w="759066">
                   <a:extLst>
                     <a:ext uri="{9D8B030D-6E8A-4147-A177-3AD203B41FA5}">
                       <a16:colId xmlns:a16="http://schemas.microsoft.com/office/drawing/2014/main" val="1640724778"/>
                     </a:ext>
                   </a:extLst>
                 </a:gridCol>
-                <a:gridCol w="824209">
+                <a:gridCol w="759066">
                   <a:extLst>
                     <a:ext uri="{9D8B030D-6E8A-4147-A177-3AD203B41FA5}">
                       <a16:colId xmlns:a16="http://schemas.microsoft.com/office/drawing/2014/main" val="2824390373"/>
                     </a:ext>
                   </a:extLst>
                 </a:gridCol>
-                <a:gridCol w="824209">
+                <a:gridCol w="759066">
                   <a:extLst>
                     <a:ext uri="{9D8B030D-6E8A-4147-A177-3AD203B41FA5}">
                       <a16:colId xmlns:a16="http://schemas.microsoft.com/office/drawing/2014/main" val="3229000006"/>
                     </a:ext>
                   </a:extLst>
                 </a:gridCol>
-                <a:gridCol w="824209">
+                <a:gridCol w="759066">
                   <a:extLst>
                     <a:ext uri="{9D8B030D-6E8A-4147-A177-3AD203B41FA5}">
                       <a16:colId xmlns:a16="http://schemas.microsoft.com/office/drawing/2014/main" val="788621322"/>
+                    </a:ext>
+                  </a:extLst>
+                </a:gridCol>
+                <a:gridCol w="759066">
+                  <a:extLst>
+                    <a:ext uri="{9D8B030D-6E8A-4147-A177-3AD203B41FA5}">
+                      <a16:colId xmlns:a16="http://schemas.microsoft.com/office/drawing/2014/main" val="1839021779"/>
                     </a:ext>
                   </a:extLst>
                 </a:gridCol>
@@ -33959,7 +33966,7 @@
                     <a:bodyPr/>
                     <a:lstStyle/>
                     <a:p>
-                      <a:endParaRPr lang="fr-FR" dirty="0"/>
+                      <a:endParaRPr lang="fr-FR" sz="1600" dirty="0"/>
                     </a:p>
                   </a:txBody>
                   <a:tcPr anchor="ctr"/>
@@ -33969,26 +33976,26 @@
                     <a:bodyPr/>
                     <a:lstStyle/>
                     <a:p>
-                      <a:endParaRPr lang="fr-FR" dirty="0"/>
+                      <a:endParaRPr lang="fr-FR" sz="1600" dirty="0"/>
                     </a:p>
                   </a:txBody>
                   <a:tcPr anchor="ctr"/>
                 </a:tc>
-                <a:tc gridSpan="10">
+                <a:tc gridSpan="11">
                   <a:txBody>
                     <a:bodyPr/>
                     <a:lstStyle/>
                     <a:p>
                       <a:pPr algn="ctr"/>
                       <a:r>
-                        <a:rPr lang="fr-FR" sz="1800" dirty="0" err="1">
+                        <a:rPr lang="fr-FR" sz="1600" dirty="0" err="1">
                           <a:solidFill>
                             <a:schemeClr val="bg1"/>
                           </a:solidFill>
                         </a:rPr>
                         <a:t>PublicationSuiviCompetition</a:t>
                       </a:r>
-                      <a:endParaRPr lang="fr-FR" dirty="0">
+                      <a:endParaRPr lang="fr-FR" sz="1600" dirty="0">
                         <a:solidFill>
                           <a:schemeClr val="bg1"/>
                         </a:solidFill>
@@ -34118,6 +34125,25 @@
                     </a:solidFill>
                   </a:tcPr>
                 </a:tc>
+                <a:tc hMerge="1">
+                  <a:txBody>
+                    <a:bodyPr/>
+                    <a:lstStyle/>
+                    <a:p>
+                      <a:pPr algn="ctr"/>
+                      <a:endParaRPr lang="fr-FR" dirty="0">
+                        <a:solidFill>
+                          <a:schemeClr val="bg1"/>
+                        </a:solidFill>
+                      </a:endParaRPr>
+                    </a:p>
+                  </a:txBody>
+                  <a:tcPr anchor="ctr">
+                    <a:solidFill>
+                      <a:schemeClr val="accent1"/>
+                    </a:solidFill>
+                  </a:tcPr>
+                </a:tc>
                 <a:extLst>
                   <a:ext uri="{0D108BD9-81ED-4DB2-BD59-A6C34878D82A}">
                     <a16:rowId xmlns:a16="http://schemas.microsoft.com/office/drawing/2014/main" val="1913834373"/>
@@ -34130,7 +34156,7 @@
                     <a:bodyPr/>
                     <a:lstStyle/>
                     <a:p>
-                      <a:endParaRPr lang="fr-FR" dirty="0"/>
+                      <a:endParaRPr lang="fr-FR" sz="1600" dirty="0"/>
                     </a:p>
                   </a:txBody>
                   <a:tcPr anchor="ctr"/>
@@ -34140,7 +34166,7 @@
                     <a:bodyPr/>
                     <a:lstStyle/>
                     <a:p>
-                      <a:endParaRPr lang="fr-FR" dirty="0"/>
+                      <a:endParaRPr lang="fr-FR" sz="1600" dirty="0"/>
                     </a:p>
                   </a:txBody>
                   <a:tcPr anchor="ctr"/>
@@ -34151,7 +34177,7 @@
                     <a:lstStyle/>
                     <a:p>
                       <a:r>
-                        <a:rPr lang="fr-FR" dirty="0">
+                        <a:rPr lang="fr-FR" sz="1600" dirty="0">
                           <a:solidFill>
                             <a:schemeClr val="bg1"/>
                           </a:solidFill>
@@ -34172,7 +34198,7 @@
                     <a:lstStyle/>
                     <a:p>
                       <a:r>
-                        <a:rPr lang="fr-FR" dirty="0">
+                        <a:rPr lang="fr-FR" sz="1600" dirty="0">
                           <a:solidFill>
                             <a:schemeClr val="bg1"/>
                           </a:solidFill>
@@ -34193,7 +34219,7 @@
                     <a:lstStyle/>
                     <a:p>
                       <a:r>
-                        <a:rPr lang="fr-FR" dirty="0">
+                        <a:rPr lang="fr-FR" sz="1600" dirty="0">
                           <a:solidFill>
                             <a:schemeClr val="bg1"/>
                           </a:solidFill>
@@ -34214,7 +34240,7 @@
                     <a:lstStyle/>
                     <a:p>
                       <a:r>
-                        <a:rPr lang="fr-FR" dirty="0">
+                        <a:rPr lang="fr-FR" sz="1600" dirty="0">
                           <a:solidFill>
                             <a:schemeClr val="bg1"/>
                           </a:solidFill>
@@ -34235,7 +34261,7 @@
                     <a:lstStyle/>
                     <a:p>
                       <a:r>
-                        <a:rPr lang="fr-FR" dirty="0">
+                        <a:rPr lang="fr-FR" sz="1600" dirty="0">
                           <a:solidFill>
                             <a:schemeClr val="bg1"/>
                           </a:solidFill>
@@ -34256,7 +34282,7 @@
                     <a:lstStyle/>
                     <a:p>
                       <a:r>
-                        <a:rPr lang="fr-FR" dirty="0">
+                        <a:rPr lang="fr-FR" sz="1600" dirty="0">
                           <a:solidFill>
                             <a:schemeClr val="bg1"/>
                           </a:solidFill>
@@ -34277,7 +34303,7 @@
                     <a:lstStyle/>
                     <a:p>
                       <a:r>
-                        <a:rPr lang="fr-FR" dirty="0">
+                        <a:rPr lang="fr-FR" sz="1600" dirty="0">
                           <a:solidFill>
                             <a:schemeClr val="bg1"/>
                           </a:solidFill>
@@ -34298,7 +34324,7 @@
                     <a:lstStyle/>
                     <a:p>
                       <a:r>
-                        <a:rPr lang="fr-FR" dirty="0">
+                        <a:rPr lang="fr-FR" sz="1600" dirty="0">
                           <a:solidFill>
                             <a:schemeClr val="bg1"/>
                           </a:solidFill>
@@ -34319,7 +34345,7 @@
                     <a:lstStyle/>
                     <a:p>
                       <a:r>
-                        <a:rPr lang="fr-FR" dirty="0">
+                        <a:rPr lang="fr-FR" sz="1600" dirty="0">
                           <a:solidFill>
                             <a:schemeClr val="bg1"/>
                           </a:solidFill>
@@ -34340,12 +34366,33 @@
                     <a:lstStyle/>
                     <a:p>
                       <a:r>
-                        <a:rPr lang="fr-FR" dirty="0">
+                        <a:rPr lang="fr-FR" sz="1600" dirty="0">
                           <a:solidFill>
                             <a:schemeClr val="bg1"/>
                           </a:solidFill>
                         </a:rPr>
                         <a:t>1.3.0.1</a:t>
+                      </a:r>
+                    </a:p>
+                  </a:txBody>
+                  <a:tcPr anchor="ctr">
+                    <a:solidFill>
+                      <a:schemeClr val="accent1"/>
+                    </a:solidFill>
+                  </a:tcPr>
+                </a:tc>
+                <a:tc>
+                  <a:txBody>
+                    <a:bodyPr/>
+                    <a:lstStyle/>
+                    <a:p>
+                      <a:r>
+                        <a:rPr lang="fr-FR" sz="1600" dirty="0">
+                          <a:solidFill>
+                            <a:schemeClr val="bg1"/>
+                          </a:solidFill>
+                        </a:rPr>
+                        <a:t>1.3.1.0</a:t>
                       </a:r>
                     </a:p>
                   </a:txBody>
@@ -34362,7 +34409,7 @@
                 </a:extLst>
               </a:tr>
               <a:tr h="421410">
-                <a:tc rowSpan="6">
+                <a:tc rowSpan="7">
                   <a:txBody>
                     <a:bodyPr/>
                     <a:lstStyle/>
@@ -34385,7 +34432,7 @@
                         <a:defRPr/>
                       </a:pPr>
                       <a:r>
-                        <a:rPr lang="fr-FR" dirty="0">
+                        <a:rPr lang="fr-FR" sz="1600" dirty="0">
                           <a:solidFill>
                             <a:schemeClr val="bg1"/>
                           </a:solidFill>
@@ -34406,7 +34453,7 @@
                     <a:lstStyle/>
                     <a:p>
                       <a:r>
-                        <a:rPr lang="fr-FR" dirty="0">
+                        <a:rPr lang="fr-FR" sz="1600" dirty="0">
                           <a:solidFill>
                             <a:schemeClr val="bg1"/>
                           </a:solidFill>
@@ -34426,7 +34473,7 @@
                     <a:bodyPr/>
                     <a:lstStyle/>
                     <a:p>
-                      <a:endParaRPr lang="fr-FR" dirty="0"/>
+                      <a:endParaRPr lang="fr-FR" sz="1600" dirty="0"/>
                     </a:p>
                   </a:txBody>
                   <a:tcPr anchor="ctr">
@@ -34440,7 +34487,7 @@
                     <a:bodyPr/>
                     <a:lstStyle/>
                     <a:p>
-                      <a:endParaRPr lang="fr-FR" dirty="0"/>
+                      <a:endParaRPr lang="fr-FR" sz="1600" dirty="0"/>
                     </a:p>
                   </a:txBody>
                   <a:tcPr anchor="ctr">
@@ -34454,7 +34501,7 @@
                     <a:bodyPr/>
                     <a:lstStyle/>
                     <a:p>
-                      <a:endParaRPr lang="fr-FR" dirty="0"/>
+                      <a:endParaRPr lang="fr-FR" sz="1600" dirty="0"/>
                     </a:p>
                   </a:txBody>
                   <a:tcPr anchor="ctr">
@@ -34468,7 +34515,7 @@
                     <a:bodyPr/>
                     <a:lstStyle/>
                     <a:p>
-                      <a:endParaRPr lang="fr-FR" dirty="0"/>
+                      <a:endParaRPr lang="fr-FR" sz="1600" dirty="0"/>
                     </a:p>
                   </a:txBody>
                   <a:tcPr anchor="ctr">
@@ -34482,7 +34529,7 @@
                     <a:bodyPr/>
                     <a:lstStyle/>
                     <a:p>
-                      <a:endParaRPr lang="fr-FR" dirty="0"/>
+                      <a:endParaRPr lang="fr-FR" sz="1600" dirty="0"/>
                     </a:p>
                   </a:txBody>
                   <a:tcPr anchor="ctr">
@@ -34496,7 +34543,7 @@
                     <a:bodyPr/>
                     <a:lstStyle/>
                     <a:p>
-                      <a:endParaRPr lang="fr-FR" dirty="0"/>
+                      <a:endParaRPr lang="fr-FR" sz="1600" dirty="0"/>
                     </a:p>
                   </a:txBody>
                   <a:tcPr anchor="ctr">
@@ -34510,7 +34557,7 @@
                     <a:bodyPr/>
                     <a:lstStyle/>
                     <a:p>
-                      <a:endParaRPr lang="fr-FR" dirty="0"/>
+                      <a:endParaRPr lang="fr-FR" sz="1600" dirty="0"/>
                     </a:p>
                   </a:txBody>
                   <a:tcPr anchor="ctr">
@@ -34524,7 +34571,7 @@
                     <a:bodyPr/>
                     <a:lstStyle/>
                     <a:p>
-                      <a:endParaRPr lang="fr-FR" dirty="0"/>
+                      <a:endParaRPr lang="fr-FR" sz="1600" dirty="0"/>
                     </a:p>
                   </a:txBody>
                   <a:tcPr anchor="ctr">
@@ -34538,7 +34585,7 @@
                     <a:bodyPr/>
                     <a:lstStyle/>
                     <a:p>
-                      <a:endParaRPr lang="fr-FR" dirty="0"/>
+                      <a:endParaRPr lang="fr-FR" sz="1600" dirty="0"/>
                     </a:p>
                   </a:txBody>
                   <a:tcPr anchor="ctr">
@@ -34552,7 +34599,21 @@
                     <a:bodyPr/>
                     <a:lstStyle/>
                     <a:p>
-                      <a:endParaRPr lang="fr-FR" dirty="0"/>
+                      <a:endParaRPr lang="fr-FR" sz="1600" dirty="0"/>
+                    </a:p>
+                  </a:txBody>
+                  <a:tcPr anchor="ctr">
+                    <a:solidFill>
+                      <a:srgbClr val="FFC000"/>
+                    </a:solidFill>
+                  </a:tcPr>
+                </a:tc>
+                <a:tc>
+                  <a:txBody>
+                    <a:bodyPr/>
+                    <a:lstStyle/>
+                    <a:p>
+                      <a:endParaRPr lang="fr-FR" sz="1600" dirty="0"/>
                     </a:p>
                   </a:txBody>
                   <a:tcPr anchor="ctr">
@@ -34584,7 +34645,7 @@
                     <a:lstStyle/>
                     <a:p>
                       <a:r>
-                        <a:rPr lang="fr-FR" dirty="0">
+                        <a:rPr lang="fr-FR" sz="1600" dirty="0">
                           <a:solidFill>
                             <a:schemeClr val="bg1"/>
                           </a:solidFill>
@@ -34604,7 +34665,7 @@
                     <a:bodyPr/>
                     <a:lstStyle/>
                     <a:p>
-                      <a:endParaRPr lang="fr-FR" dirty="0"/>
+                      <a:endParaRPr lang="fr-FR" sz="1600" dirty="0"/>
                     </a:p>
                   </a:txBody>
                   <a:tcPr anchor="ctr">
@@ -34618,7 +34679,7 @@
                     <a:bodyPr/>
                     <a:lstStyle/>
                     <a:p>
-                      <a:endParaRPr lang="fr-FR" dirty="0"/>
+                      <a:endParaRPr lang="fr-FR" sz="1600" dirty="0"/>
                     </a:p>
                   </a:txBody>
                   <a:tcPr anchor="ctr">
@@ -34632,7 +34693,7 @@
                     <a:bodyPr/>
                     <a:lstStyle/>
                     <a:p>
-                      <a:endParaRPr lang="fr-FR" dirty="0"/>
+                      <a:endParaRPr lang="fr-FR" sz="1600" dirty="0"/>
                     </a:p>
                   </a:txBody>
                   <a:tcPr anchor="ctr">
@@ -34646,7 +34707,7 @@
                     <a:bodyPr/>
                     <a:lstStyle/>
                     <a:p>
-                      <a:endParaRPr lang="fr-FR" dirty="0"/>
+                      <a:endParaRPr lang="fr-FR" sz="1600" dirty="0"/>
                     </a:p>
                   </a:txBody>
                   <a:tcPr anchor="ctr">
@@ -34660,7 +34721,7 @@
                     <a:bodyPr/>
                     <a:lstStyle/>
                     <a:p>
-                      <a:endParaRPr lang="fr-FR" dirty="0"/>
+                      <a:endParaRPr lang="fr-FR" sz="1600" dirty="0"/>
                     </a:p>
                   </a:txBody>
                   <a:tcPr anchor="ctr">
@@ -34674,7 +34735,7 @@
                     <a:bodyPr/>
                     <a:lstStyle/>
                     <a:p>
-                      <a:endParaRPr lang="fr-FR" dirty="0"/>
+                      <a:endParaRPr lang="fr-FR" sz="1600" dirty="0"/>
                     </a:p>
                   </a:txBody>
                   <a:tcPr anchor="ctr">
@@ -34688,7 +34749,7 @@
                     <a:bodyPr/>
                     <a:lstStyle/>
                     <a:p>
-                      <a:endParaRPr lang="fr-FR" dirty="0"/>
+                      <a:endParaRPr lang="fr-FR" sz="1600" dirty="0"/>
                     </a:p>
                   </a:txBody>
                   <a:tcPr anchor="ctr">
@@ -34702,7 +34763,7 @@
                     <a:bodyPr/>
                     <a:lstStyle/>
                     <a:p>
-                      <a:endParaRPr lang="fr-FR" dirty="0"/>
+                      <a:endParaRPr lang="fr-FR" sz="1600" dirty="0"/>
                     </a:p>
                   </a:txBody>
                   <a:tcPr anchor="ctr">
@@ -34716,7 +34777,7 @@
                     <a:bodyPr/>
                     <a:lstStyle/>
                     <a:p>
-                      <a:endParaRPr lang="fr-FR" dirty="0"/>
+                      <a:endParaRPr lang="fr-FR" sz="1600" dirty="0"/>
                     </a:p>
                   </a:txBody>
                   <a:tcPr anchor="ctr">
@@ -34730,7 +34791,21 @@
                     <a:bodyPr/>
                     <a:lstStyle/>
                     <a:p>
-                      <a:endParaRPr lang="fr-FR" dirty="0"/>
+                      <a:endParaRPr lang="fr-FR" sz="1600" dirty="0"/>
+                    </a:p>
+                  </a:txBody>
+                  <a:tcPr anchor="ctr">
+                    <a:solidFill>
+                      <a:schemeClr val="accent6"/>
+                    </a:solidFill>
+                  </a:tcPr>
+                </a:tc>
+                <a:tc>
+                  <a:txBody>
+                    <a:bodyPr/>
+                    <a:lstStyle/>
+                    <a:p>
+                      <a:endParaRPr lang="fr-FR" sz="1600" dirty="0"/>
                     </a:p>
                   </a:txBody>
                   <a:tcPr anchor="ctr">
@@ -34779,7 +34854,7 @@
                         <a:defRPr/>
                       </a:pPr>
                       <a:r>
-                        <a:rPr lang="fr-FR" dirty="0">
+                        <a:rPr lang="fr-FR" sz="1600" dirty="0">
                           <a:solidFill>
                             <a:schemeClr val="bg1"/>
                           </a:solidFill>
@@ -34799,7 +34874,7 @@
                     <a:bodyPr/>
                     <a:lstStyle/>
                     <a:p>
-                      <a:endParaRPr lang="fr-FR"/>
+                      <a:endParaRPr lang="fr-FR" sz="1600"/>
                     </a:p>
                   </a:txBody>
                   <a:tcPr anchor="ctr">
@@ -34813,7 +34888,7 @@
                     <a:bodyPr/>
                     <a:lstStyle/>
                     <a:p>
-                      <a:endParaRPr lang="fr-FR"/>
+                      <a:endParaRPr lang="fr-FR" sz="1600"/>
                     </a:p>
                   </a:txBody>
                   <a:tcPr anchor="ctr">
@@ -34827,7 +34902,7 @@
                     <a:bodyPr/>
                     <a:lstStyle/>
                     <a:p>
-                      <a:endParaRPr lang="fr-FR" dirty="0"/>
+                      <a:endParaRPr lang="fr-FR" sz="1600" dirty="0"/>
                     </a:p>
                   </a:txBody>
                   <a:tcPr anchor="ctr">
@@ -34841,7 +34916,7 @@
                     <a:bodyPr/>
                     <a:lstStyle/>
                     <a:p>
-                      <a:endParaRPr lang="fr-FR"/>
+                      <a:endParaRPr lang="fr-FR" sz="1600"/>
                     </a:p>
                   </a:txBody>
                   <a:tcPr anchor="ctr">
@@ -34855,7 +34930,7 @@
                     <a:bodyPr/>
                     <a:lstStyle/>
                     <a:p>
-                      <a:endParaRPr lang="fr-FR" dirty="0"/>
+                      <a:endParaRPr lang="fr-FR" sz="1600" dirty="0"/>
                     </a:p>
                   </a:txBody>
                   <a:tcPr anchor="ctr">
@@ -34869,7 +34944,7 @@
                     <a:bodyPr/>
                     <a:lstStyle/>
                     <a:p>
-                      <a:endParaRPr lang="fr-FR"/>
+                      <a:endParaRPr lang="fr-FR" sz="1600" dirty="0"/>
                     </a:p>
                   </a:txBody>
                   <a:tcPr anchor="ctr">
@@ -34883,7 +34958,7 @@
                     <a:bodyPr/>
                     <a:lstStyle/>
                     <a:p>
-                      <a:endParaRPr lang="fr-FR" dirty="0"/>
+                      <a:endParaRPr lang="fr-FR" sz="1600" dirty="0"/>
                     </a:p>
                   </a:txBody>
                   <a:tcPr anchor="ctr">
@@ -34897,7 +34972,7 @@
                     <a:bodyPr/>
                     <a:lstStyle/>
                     <a:p>
-                      <a:endParaRPr lang="fr-FR" dirty="0"/>
+                      <a:endParaRPr lang="fr-FR" sz="1600" dirty="0"/>
                     </a:p>
                   </a:txBody>
                   <a:tcPr anchor="ctr">
@@ -34911,7 +34986,7 @@
                     <a:bodyPr/>
                     <a:lstStyle/>
                     <a:p>
-                      <a:endParaRPr lang="fr-FR" dirty="0"/>
+                      <a:endParaRPr lang="fr-FR" sz="1600" dirty="0"/>
                     </a:p>
                   </a:txBody>
                   <a:tcPr anchor="ctr">
@@ -34925,7 +35000,21 @@
                     <a:bodyPr/>
                     <a:lstStyle/>
                     <a:p>
-                      <a:endParaRPr lang="fr-FR" dirty="0"/>
+                      <a:endParaRPr lang="fr-FR" sz="1600" dirty="0"/>
+                    </a:p>
+                  </a:txBody>
+                  <a:tcPr anchor="ctr">
+                    <a:solidFill>
+                      <a:schemeClr val="accent6"/>
+                    </a:solidFill>
+                  </a:tcPr>
+                </a:tc>
+                <a:tc>
+                  <a:txBody>
+                    <a:bodyPr/>
+                    <a:lstStyle/>
+                    <a:p>
+                      <a:endParaRPr lang="fr-FR" sz="1600" dirty="0"/>
                     </a:p>
                   </a:txBody>
                   <a:tcPr anchor="ctr">
@@ -34974,7 +35063,7 @@
                         <a:defRPr/>
                       </a:pPr>
                       <a:r>
-                        <a:rPr lang="fr-FR" dirty="0">
+                        <a:rPr lang="fr-FR" sz="1600" dirty="0">
                           <a:solidFill>
                             <a:schemeClr val="bg1"/>
                           </a:solidFill>
@@ -34994,7 +35083,7 @@
                     <a:bodyPr/>
                     <a:lstStyle/>
                     <a:p>
-                      <a:endParaRPr lang="fr-FR"/>
+                      <a:endParaRPr lang="fr-FR" sz="1600"/>
                     </a:p>
                   </a:txBody>
                   <a:tcPr anchor="ctr">
@@ -35008,7 +35097,7 @@
                     <a:bodyPr/>
                     <a:lstStyle/>
                     <a:p>
-                      <a:endParaRPr lang="fr-FR"/>
+                      <a:endParaRPr lang="fr-FR" sz="1600"/>
                     </a:p>
                   </a:txBody>
                   <a:tcPr anchor="ctr">
@@ -35022,7 +35111,7 @@
                     <a:bodyPr/>
                     <a:lstStyle/>
                     <a:p>
-                      <a:endParaRPr lang="fr-FR"/>
+                      <a:endParaRPr lang="fr-FR" sz="1600"/>
                     </a:p>
                   </a:txBody>
                   <a:tcPr anchor="ctr">
@@ -35036,7 +35125,7 @@
                     <a:bodyPr/>
                     <a:lstStyle/>
                     <a:p>
-                      <a:endParaRPr lang="fr-FR"/>
+                      <a:endParaRPr lang="fr-FR" sz="1600"/>
                     </a:p>
                   </a:txBody>
                   <a:tcPr anchor="ctr">
@@ -35050,7 +35139,7 @@
                     <a:bodyPr/>
                     <a:lstStyle/>
                     <a:p>
-                      <a:endParaRPr lang="fr-FR" dirty="0"/>
+                      <a:endParaRPr lang="fr-FR" sz="1600" dirty="0"/>
                     </a:p>
                   </a:txBody>
                   <a:tcPr anchor="ctr">
@@ -35064,7 +35153,7 @@
                     <a:bodyPr/>
                     <a:lstStyle/>
                     <a:p>
-                      <a:endParaRPr lang="fr-FR"/>
+                      <a:endParaRPr lang="fr-FR" sz="1600"/>
                     </a:p>
                   </a:txBody>
                   <a:tcPr anchor="ctr">
@@ -35078,7 +35167,7 @@
                     <a:bodyPr/>
                     <a:lstStyle/>
                     <a:p>
-                      <a:endParaRPr lang="fr-FR" dirty="0"/>
+                      <a:endParaRPr lang="fr-FR" sz="1600" dirty="0"/>
                     </a:p>
                   </a:txBody>
                   <a:tcPr anchor="ctr">
@@ -35092,7 +35181,7 @@
                     <a:bodyPr/>
                     <a:lstStyle/>
                     <a:p>
-                      <a:endParaRPr lang="fr-FR" dirty="0"/>
+                      <a:endParaRPr lang="fr-FR" sz="1600" dirty="0"/>
                     </a:p>
                   </a:txBody>
                   <a:tcPr anchor="ctr">
@@ -35106,7 +35195,7 @@
                     <a:bodyPr/>
                     <a:lstStyle/>
                     <a:p>
-                      <a:endParaRPr lang="fr-FR" dirty="0"/>
+                      <a:endParaRPr lang="fr-FR" sz="1600" dirty="0"/>
                     </a:p>
                   </a:txBody>
                   <a:tcPr anchor="ctr">
@@ -35120,7 +35209,21 @@
                     <a:bodyPr/>
                     <a:lstStyle/>
                     <a:p>
-                      <a:endParaRPr lang="fr-FR" dirty="0"/>
+                      <a:endParaRPr lang="fr-FR" sz="1600" dirty="0"/>
+                    </a:p>
+                  </a:txBody>
+                  <a:tcPr anchor="ctr">
+                    <a:solidFill>
+                      <a:schemeClr val="accent6"/>
+                    </a:solidFill>
+                  </a:tcPr>
+                </a:tc>
+                <a:tc>
+                  <a:txBody>
+                    <a:bodyPr/>
+                    <a:lstStyle/>
+                    <a:p>
+                      <a:endParaRPr lang="fr-FR" sz="1600" dirty="0"/>
                     </a:p>
                   </a:txBody>
                   <a:tcPr anchor="ctr">
@@ -35169,7 +35272,7 @@
                         <a:defRPr/>
                       </a:pPr>
                       <a:r>
-                        <a:rPr lang="fr-FR" dirty="0">
+                        <a:rPr lang="fr-FR" sz="1600" dirty="0">
                           <a:solidFill>
                             <a:schemeClr val="bg1"/>
                           </a:solidFill>
@@ -35189,7 +35292,7 @@
                     <a:bodyPr/>
                     <a:lstStyle/>
                     <a:p>
-                      <a:endParaRPr lang="fr-FR" dirty="0"/>
+                      <a:endParaRPr lang="fr-FR" sz="1600" dirty="0"/>
                     </a:p>
                   </a:txBody>
                   <a:tcPr anchor="ctr">
@@ -35203,7 +35306,7 @@
                     <a:bodyPr/>
                     <a:lstStyle/>
                     <a:p>
-                      <a:endParaRPr lang="fr-FR" dirty="0"/>
+                      <a:endParaRPr lang="fr-FR" sz="1600" dirty="0"/>
                     </a:p>
                   </a:txBody>
                   <a:tcPr anchor="ctr">
@@ -35217,7 +35320,7 @@
                     <a:bodyPr/>
                     <a:lstStyle/>
                     <a:p>
-                      <a:endParaRPr lang="fr-FR" dirty="0"/>
+                      <a:endParaRPr lang="fr-FR" sz="1600" dirty="0"/>
                     </a:p>
                   </a:txBody>
                   <a:tcPr anchor="ctr">
@@ -35231,7 +35334,7 @@
                     <a:bodyPr/>
                     <a:lstStyle/>
                     <a:p>
-                      <a:endParaRPr lang="fr-FR" dirty="0"/>
+                      <a:endParaRPr lang="fr-FR" sz="1600" dirty="0"/>
                     </a:p>
                   </a:txBody>
                   <a:tcPr anchor="ctr">
@@ -35245,7 +35348,7 @@
                     <a:bodyPr/>
                     <a:lstStyle/>
                     <a:p>
-                      <a:endParaRPr lang="fr-FR" dirty="0"/>
+                      <a:endParaRPr lang="fr-FR" sz="1600" dirty="0"/>
                     </a:p>
                   </a:txBody>
                   <a:tcPr anchor="ctr">
@@ -35259,7 +35362,7 @@
                     <a:bodyPr/>
                     <a:lstStyle/>
                     <a:p>
-                      <a:endParaRPr lang="fr-FR" dirty="0"/>
+                      <a:endParaRPr lang="fr-FR" sz="1600" dirty="0"/>
                     </a:p>
                   </a:txBody>
                   <a:tcPr anchor="ctr">
@@ -35273,7 +35376,7 @@
                     <a:bodyPr/>
                     <a:lstStyle/>
                     <a:p>
-                      <a:endParaRPr lang="fr-FR" dirty="0"/>
+                      <a:endParaRPr lang="fr-FR" sz="1600" dirty="0"/>
                     </a:p>
                   </a:txBody>
                   <a:tcPr anchor="ctr">
@@ -35287,7 +35390,7 @@
                     <a:bodyPr/>
                     <a:lstStyle/>
                     <a:p>
-                      <a:endParaRPr lang="fr-FR" dirty="0"/>
+                      <a:endParaRPr lang="fr-FR" sz="1600" dirty="0"/>
                     </a:p>
                   </a:txBody>
                   <a:tcPr anchor="ctr">
@@ -35301,7 +35404,7 @@
                     <a:bodyPr/>
                     <a:lstStyle/>
                     <a:p>
-                      <a:endParaRPr lang="fr-FR" dirty="0"/>
+                      <a:endParaRPr lang="fr-FR" sz="1600" dirty="0"/>
                     </a:p>
                   </a:txBody>
                   <a:tcPr anchor="ctr">
@@ -35315,7 +35418,21 @@
                     <a:bodyPr/>
                     <a:lstStyle/>
                     <a:p>
-                      <a:endParaRPr lang="fr-FR" dirty="0"/>
+                      <a:endParaRPr lang="fr-FR" sz="1600" dirty="0"/>
+                    </a:p>
+                  </a:txBody>
+                  <a:tcPr anchor="ctr">
+                    <a:solidFill>
+                      <a:schemeClr val="accent6"/>
+                    </a:solidFill>
+                  </a:tcPr>
+                </a:tc>
+                <a:tc>
+                  <a:txBody>
+                    <a:bodyPr/>
+                    <a:lstStyle/>
+                    <a:p>
+                      <a:endParaRPr lang="fr-FR" sz="1600" dirty="0"/>
                     </a:p>
                   </a:txBody>
                   <a:tcPr anchor="ctr">
@@ -35389,7 +35506,7 @@
                         <a:defRPr/>
                       </a:pPr>
                       <a:r>
-                        <a:rPr lang="fr-FR" dirty="0">
+                        <a:rPr lang="fr-FR" sz="1600" dirty="0">
                           <a:solidFill>
                             <a:schemeClr val="bg1"/>
                           </a:solidFill>
@@ -35409,7 +35526,7 @@
                     <a:bodyPr/>
                     <a:lstStyle/>
                     <a:p>
-                      <a:endParaRPr lang="fr-FR" dirty="0"/>
+                      <a:endParaRPr lang="fr-FR" sz="1600" dirty="0"/>
                     </a:p>
                   </a:txBody>
                   <a:tcPr anchor="ctr">
@@ -35423,7 +35540,7 @@
                     <a:bodyPr/>
                     <a:lstStyle/>
                     <a:p>
-                      <a:endParaRPr lang="fr-FR" dirty="0"/>
+                      <a:endParaRPr lang="fr-FR" sz="1600" dirty="0"/>
                     </a:p>
                   </a:txBody>
                   <a:tcPr anchor="ctr">
@@ -35437,7 +35554,7 @@
                     <a:bodyPr/>
                     <a:lstStyle/>
                     <a:p>
-                      <a:endParaRPr lang="fr-FR" dirty="0"/>
+                      <a:endParaRPr lang="fr-FR" sz="1600" dirty="0"/>
                     </a:p>
                   </a:txBody>
                   <a:tcPr anchor="ctr">
@@ -35451,7 +35568,7 @@
                     <a:bodyPr/>
                     <a:lstStyle/>
                     <a:p>
-                      <a:endParaRPr lang="fr-FR" dirty="0"/>
+                      <a:endParaRPr lang="fr-FR" sz="1600" dirty="0"/>
                     </a:p>
                   </a:txBody>
                   <a:tcPr anchor="ctr">
@@ -35465,7 +35582,7 @@
                     <a:bodyPr/>
                     <a:lstStyle/>
                     <a:p>
-                      <a:endParaRPr lang="fr-FR" dirty="0"/>
+                      <a:endParaRPr lang="fr-FR" sz="1600" dirty="0"/>
                     </a:p>
                   </a:txBody>
                   <a:tcPr anchor="ctr">
@@ -35479,7 +35596,7 @@
                     <a:bodyPr/>
                     <a:lstStyle/>
                     <a:p>
-                      <a:endParaRPr lang="fr-FR" dirty="0"/>
+                      <a:endParaRPr lang="fr-FR" sz="1600" dirty="0"/>
                     </a:p>
                   </a:txBody>
                   <a:tcPr anchor="ctr">
@@ -35493,7 +35610,7 @@
                     <a:bodyPr/>
                     <a:lstStyle/>
                     <a:p>
-                      <a:endParaRPr lang="fr-FR" dirty="0"/>
+                      <a:endParaRPr lang="fr-FR" sz="1600" dirty="0"/>
                     </a:p>
                   </a:txBody>
                   <a:tcPr anchor="ctr">
@@ -35507,7 +35624,7 @@
                     <a:bodyPr/>
                     <a:lstStyle/>
                     <a:p>
-                      <a:endParaRPr lang="fr-FR" dirty="0"/>
+                      <a:endParaRPr lang="fr-FR" sz="1600" dirty="0"/>
                     </a:p>
                   </a:txBody>
                   <a:tcPr anchor="ctr">
@@ -35521,7 +35638,7 @@
                     <a:bodyPr/>
                     <a:lstStyle/>
                     <a:p>
-                      <a:endParaRPr lang="fr-FR" dirty="0"/>
+                      <a:endParaRPr lang="fr-FR" sz="1600" dirty="0"/>
                     </a:p>
                   </a:txBody>
                   <a:tcPr anchor="ctr">
@@ -35535,7 +35652,21 @@
                     <a:bodyPr/>
                     <a:lstStyle/>
                     <a:p>
-                      <a:endParaRPr lang="fr-FR" dirty="0"/>
+                      <a:endParaRPr lang="fr-FR" sz="1600" dirty="0"/>
+                    </a:p>
+                  </a:txBody>
+                  <a:tcPr anchor="ctr">
+                    <a:solidFill>
+                      <a:schemeClr val="accent6"/>
+                    </a:solidFill>
+                  </a:tcPr>
+                </a:tc>
+                <a:tc>
+                  <a:txBody>
+                    <a:bodyPr/>
+                    <a:lstStyle/>
+                    <a:p>
+                      <a:endParaRPr lang="fr-FR" sz="1600" dirty="0"/>
                     </a:p>
                   </a:txBody>
                   <a:tcPr anchor="ctr">
@@ -35550,6 +35681,240 @@
                   </a:ext>
                 </a:extLst>
               </a:tr>
+              <a:tr h="421410">
+                <a:tc vMerge="1">
+                  <a:txBody>
+                    <a:bodyPr/>
+                    <a:lstStyle/>
+                    <a:p>
+                      <a:pPr marL="0" marR="0" lvl="0" indent="0" algn="ctr" defTabSz="914400" rtl="0" eaLnBrk="1" fontAlgn="auto" latinLnBrk="0" hangingPunct="1">
+                        <a:lnSpc>
+                          <a:spcPct val="100000"/>
+                        </a:lnSpc>
+                        <a:spcBef>
+                          <a:spcPts val="0"/>
+                        </a:spcBef>
+                        <a:spcAft>
+                          <a:spcPts val="0"/>
+                        </a:spcAft>
+                        <a:buClrTx/>
+                        <a:buSzTx/>
+                        <a:buFontTx/>
+                        <a:buNone/>
+                        <a:tabLst/>
+                        <a:defRPr/>
+                      </a:pPr>
+                      <a:endParaRPr lang="fr-FR" dirty="0">
+                        <a:solidFill>
+                          <a:schemeClr val="bg1"/>
+                        </a:solidFill>
+                      </a:endParaRPr>
+                    </a:p>
+                  </a:txBody>
+                  <a:tcPr vert="vert270" anchor="ctr">
+                    <a:solidFill>
+                      <a:schemeClr val="accent1"/>
+                    </a:solidFill>
+                  </a:tcPr>
+                </a:tc>
+                <a:tc>
+                  <a:txBody>
+                    <a:bodyPr/>
+                    <a:lstStyle/>
+                    <a:p>
+                      <a:pPr marL="0" marR="0" lvl="0" indent="0" algn="l" defTabSz="914400" rtl="0" eaLnBrk="1" fontAlgn="auto" latinLnBrk="0" hangingPunct="1">
+                        <a:lnSpc>
+                          <a:spcPct val="100000"/>
+                        </a:lnSpc>
+                        <a:spcBef>
+                          <a:spcPts val="0"/>
+                        </a:spcBef>
+                        <a:spcAft>
+                          <a:spcPts val="0"/>
+                        </a:spcAft>
+                        <a:buClrTx/>
+                        <a:buSzTx/>
+                        <a:buFontTx/>
+                        <a:buNone/>
+                        <a:tabLst/>
+                        <a:defRPr/>
+                      </a:pPr>
+                      <a:r>
+                        <a:rPr lang="fr-FR" sz="1600" dirty="0">
+                          <a:solidFill>
+                            <a:schemeClr val="bg1"/>
+                          </a:solidFill>
+                        </a:rPr>
+                        <a:t>1.2.7.3</a:t>
+                      </a:r>
+                    </a:p>
+                  </a:txBody>
+                  <a:tcPr anchor="ctr">
+                    <a:solidFill>
+                      <a:schemeClr val="accent1"/>
+                    </a:solidFill>
+                  </a:tcPr>
+                </a:tc>
+                <a:tc>
+                  <a:txBody>
+                    <a:bodyPr/>
+                    <a:lstStyle/>
+                    <a:p>
+                      <a:endParaRPr lang="fr-FR" sz="1600" dirty="0"/>
+                    </a:p>
+                  </a:txBody>
+                  <a:tcPr anchor="ctr">
+                    <a:solidFill>
+                      <a:srgbClr val="FFC000"/>
+                    </a:solidFill>
+                  </a:tcPr>
+                </a:tc>
+                <a:tc>
+                  <a:txBody>
+                    <a:bodyPr/>
+                    <a:lstStyle/>
+                    <a:p>
+                      <a:endParaRPr lang="fr-FR" sz="1600" dirty="0"/>
+                    </a:p>
+                  </a:txBody>
+                  <a:tcPr anchor="ctr">
+                    <a:solidFill>
+                      <a:srgbClr val="FFC000"/>
+                    </a:solidFill>
+                  </a:tcPr>
+                </a:tc>
+                <a:tc>
+                  <a:txBody>
+                    <a:bodyPr/>
+                    <a:lstStyle/>
+                    <a:p>
+                      <a:endParaRPr lang="fr-FR" sz="1600" dirty="0"/>
+                    </a:p>
+                  </a:txBody>
+                  <a:tcPr anchor="ctr">
+                    <a:solidFill>
+                      <a:srgbClr val="FFC000"/>
+                    </a:solidFill>
+                  </a:tcPr>
+                </a:tc>
+                <a:tc>
+                  <a:txBody>
+                    <a:bodyPr/>
+                    <a:lstStyle/>
+                    <a:p>
+                      <a:endParaRPr lang="fr-FR" sz="1600" dirty="0"/>
+                    </a:p>
+                  </a:txBody>
+                  <a:tcPr anchor="ctr">
+                    <a:solidFill>
+                      <a:srgbClr val="FFC000"/>
+                    </a:solidFill>
+                  </a:tcPr>
+                </a:tc>
+                <a:tc>
+                  <a:txBody>
+                    <a:bodyPr/>
+                    <a:lstStyle/>
+                    <a:p>
+                      <a:endParaRPr lang="fr-FR" sz="1600" dirty="0"/>
+                    </a:p>
+                  </a:txBody>
+                  <a:tcPr anchor="ctr">
+                    <a:solidFill>
+                      <a:srgbClr val="FFC000"/>
+                    </a:solidFill>
+                  </a:tcPr>
+                </a:tc>
+                <a:tc>
+                  <a:txBody>
+                    <a:bodyPr/>
+                    <a:lstStyle/>
+                    <a:p>
+                      <a:endParaRPr lang="fr-FR" sz="1600" dirty="0"/>
+                    </a:p>
+                  </a:txBody>
+                  <a:tcPr anchor="ctr">
+                    <a:solidFill>
+                      <a:srgbClr val="FFC000"/>
+                    </a:solidFill>
+                  </a:tcPr>
+                </a:tc>
+                <a:tc>
+                  <a:txBody>
+                    <a:bodyPr/>
+                    <a:lstStyle/>
+                    <a:p>
+                      <a:endParaRPr lang="fr-FR" sz="1600" dirty="0"/>
+                    </a:p>
+                  </a:txBody>
+                  <a:tcPr anchor="ctr">
+                    <a:solidFill>
+                      <a:srgbClr val="FFC000"/>
+                    </a:solidFill>
+                  </a:tcPr>
+                </a:tc>
+                <a:tc>
+                  <a:txBody>
+                    <a:bodyPr/>
+                    <a:lstStyle/>
+                    <a:p>
+                      <a:endParaRPr lang="fr-FR" sz="1600" dirty="0"/>
+                    </a:p>
+                  </a:txBody>
+                  <a:tcPr anchor="ctr">
+                    <a:solidFill>
+                      <a:srgbClr val="FFC000"/>
+                    </a:solidFill>
+                  </a:tcPr>
+                </a:tc>
+                <a:tc>
+                  <a:txBody>
+                    <a:bodyPr/>
+                    <a:lstStyle/>
+                    <a:p>
+                      <a:endParaRPr lang="fr-FR" sz="1600" dirty="0"/>
+                    </a:p>
+                  </a:txBody>
+                  <a:tcPr anchor="ctr">
+                    <a:solidFill>
+                      <a:schemeClr val="accent4"/>
+                    </a:solidFill>
+                  </a:tcPr>
+                </a:tc>
+                <a:tc>
+                  <a:txBody>
+                    <a:bodyPr/>
+                    <a:lstStyle/>
+                    <a:p>
+                      <a:endParaRPr lang="fr-FR" sz="1600" dirty="0"/>
+                    </a:p>
+                  </a:txBody>
+                  <a:tcPr anchor="ctr">
+                    <a:solidFill>
+                      <a:schemeClr val="accent4"/>
+                    </a:solidFill>
+                  </a:tcPr>
+                </a:tc>
+                <a:tc>
+                  <a:txBody>
+                    <a:bodyPr/>
+                    <a:lstStyle/>
+                    <a:p>
+                      <a:endParaRPr lang="fr-FR" sz="1600" dirty="0"/>
+                    </a:p>
+                  </a:txBody>
+                  <a:tcPr anchor="ctr">
+                    <a:solidFill>
+                      <a:schemeClr val="accent6"/>
+                    </a:solidFill>
+                  </a:tcPr>
+                </a:tc>
+                <a:extLst>
+                  <a:ext uri="{0D108BD9-81ED-4DB2-BD59-A6C34878D82A}">
+                    <a16:rowId xmlns:a16="http://schemas.microsoft.com/office/drawing/2014/main" val="914924728"/>
+                  </a:ext>
+                </a:extLst>
+              </a:tr>
             </a:tbl>
           </a:graphicData>
         </a:graphic>
@@ -35569,7 +35934,7 @@
           <p:nvPr>
             <p:extLst>
               <p:ext uri="{D42A27DB-BD31-4B8C-83A1-F6EECF244321}">
-                <p14:modId xmlns:p14="http://schemas.microsoft.com/office/powerpoint/2010/main" val="3205101607"/>
+                <p14:modId xmlns:p14="http://schemas.microsoft.com/office/powerpoint/2010/main" val="2606970922"/>
               </p:ext>
             </p:extLst>
           </p:nvPr>
@@ -35635,7 +36000,7 @@
                     <a:lstStyle/>
                     <a:p>
                       <a:r>
-                        <a:rPr lang="fr-FR" sz="1400" i="1" dirty="0"/>
+                        <a:rPr lang="fr-FR" sz="1100" i="1" dirty="0"/>
                         <a:t>Compatible</a:t>
                       </a:r>
                     </a:p>
@@ -35652,7 +36017,7 @@
                     <a:lstStyle/>
                     <a:p>
                       <a:r>
-                        <a:rPr lang="fr-FR" sz="1400" i="1" dirty="0"/>
+                        <a:rPr lang="fr-FR" sz="1100" i="1" dirty="0"/>
                         <a:t>Utilisable mais certaines données peuvent ne pas s’afficher correctement</a:t>
                       </a:r>
                     </a:p>
@@ -35669,7 +36034,7 @@
                     <a:lstStyle/>
                     <a:p>
                       <a:r>
-                        <a:rPr lang="fr-FR" sz="1400" i="1" dirty="0"/>
+                        <a:rPr lang="fr-FR" sz="1100" i="1" dirty="0"/>
                         <a:t>Incompatible</a:t>
                       </a:r>
                     </a:p>
@@ -35766,8 +36131,8 @@
         </p:nvSpPr>
         <p:spPr>
           <a:xfrm>
-            <a:off x="339901" y="2090500"/>
-            <a:ext cx="5153779" cy="1785717"/>
+            <a:off x="339901" y="1719483"/>
+            <a:ext cx="5153779" cy="4664064"/>
           </a:xfrm>
         </p:spPr>
         <p:txBody>
@@ -35778,7 +36143,51 @@
               <a:rPr lang="fr-FR" sz="1200" b="1" dirty="0">
                 <a:latin typeface="Barlow" panose="00000500000000000000" pitchFamily="2" charset="0"/>
               </a:rPr>
-              <a:t>v1.3.0.3 – 03</a:t>
+              <a:t>V1.3.1.0 – 05/2025</a:t>
+            </a:r>
+          </a:p>
+          <a:p>
+            <a:pPr lvl="1">
+              <a:spcBef>
+                <a:spcPts val="0"/>
+              </a:spcBef>
+            </a:pPr>
+            <a:r>
+              <a:rPr lang="fr-FR" sz="1200" dirty="0">
+                <a:latin typeface="Barlow" panose="00000500000000000000" pitchFamily="2" charset="0"/>
+              </a:rPr>
+              <a:t>Prise en charge des équipes mixtes</a:t>
+            </a:r>
+          </a:p>
+          <a:p>
+            <a:pPr lvl="1">
+              <a:spcBef>
+                <a:spcPts val="0"/>
+              </a:spcBef>
+            </a:pPr>
+            <a:r>
+              <a:rPr lang="fr-FR" sz="1200" dirty="0">
+                <a:latin typeface="Barlow" panose="00000500000000000000" pitchFamily="2" charset="0"/>
+              </a:rPr>
+              <a:t>Correction d’anomalies</a:t>
+            </a:r>
+          </a:p>
+          <a:p>
+            <a:pPr lvl="1">
+              <a:spcBef>
+                <a:spcPts val="0"/>
+              </a:spcBef>
+            </a:pPr>
+            <a:endParaRPr lang="fr-FR" sz="1200" b="1" dirty="0">
+              <a:latin typeface="Barlow" panose="00000500000000000000" pitchFamily="2" charset="0"/>
+            </a:endParaRPr>
+          </a:p>
+          <a:p>
+            <a:r>
+              <a:rPr lang="fr-FR" sz="1200" b="1" dirty="0">
+                <a:latin typeface="Barlow" panose="00000500000000000000" pitchFamily="2" charset="0"/>
+              </a:rPr>
+              <a:t>v1.3.0.3 – 03/2025</a:t>
             </a:r>
           </a:p>
           <a:p>
@@ -35828,6 +36237,16 @@
               </a:rPr>
               <a:t>Modification de répertoire de travail par défaut</a:t>
             </a:r>
+          </a:p>
+          <a:p>
+            <a:pPr lvl="1">
+              <a:spcBef>
+                <a:spcPts val="0"/>
+              </a:spcBef>
+            </a:pPr>
+            <a:endParaRPr lang="fr-FR" sz="1200" dirty="0">
+              <a:latin typeface="Barlow" panose="00000500000000000000" pitchFamily="2" charset="0"/>
+            </a:endParaRPr>
           </a:p>
           <a:p>
             <a:r>
@@ -35997,61 +36416,6 @@
               <a:latin typeface="Barlow" panose="00000500000000000000" pitchFamily="2" charset="0"/>
             </a:endParaRPr>
           </a:p>
-          <a:p>
-            <a:r>
-              <a:rPr lang="fr-FR" sz="1200" b="1" dirty="0">
-                <a:latin typeface="Barlow" panose="00000500000000000000" pitchFamily="2" charset="0"/>
-              </a:rPr>
-              <a:t>1.2.0.0 – 06/02/2024</a:t>
-            </a:r>
-          </a:p>
-          <a:p>
-            <a:pPr lvl="1">
-              <a:spcBef>
-                <a:spcPts val="0"/>
-              </a:spcBef>
-            </a:pPr>
-            <a:r>
-              <a:rPr lang="fr-FR" sz="1200" dirty="0">
-                <a:latin typeface="Barlow" panose="00000500000000000000" pitchFamily="2" charset="0"/>
-              </a:rPr>
-              <a:t>Ajout de la gestion de la chambre d'appel</a:t>
-            </a:r>
-          </a:p>
-          <a:p>
-            <a:pPr lvl="1">
-              <a:spcBef>
-                <a:spcPts val="0"/>
-              </a:spcBef>
-            </a:pPr>
-            <a:r>
-              <a:rPr lang="fr-FR" sz="1200" dirty="0">
-                <a:latin typeface="Barlow" panose="00000500000000000000" pitchFamily="2" charset="0"/>
-              </a:rPr>
-              <a:t>Correction graphique</a:t>
-            </a:r>
-          </a:p>
-          <a:p>
-            <a:pPr lvl="1">
-              <a:spcBef>
-                <a:spcPts val="0"/>
-              </a:spcBef>
-            </a:pPr>
-            <a:r>
-              <a:rPr lang="fr-FR" sz="1200" dirty="0">
-                <a:latin typeface="Barlow" panose="00000500000000000000" pitchFamily="2" charset="0"/>
-              </a:rPr>
-              <a:t>Amélioration de l'affichage des pages</a:t>
-            </a:r>
-          </a:p>
-          <a:p>
-            <a:pPr marL="101598" indent="0">
-              <a:buNone/>
-            </a:pPr>
-            <a:endParaRPr lang="fr-FR" sz="1200" b="1" dirty="0">
-              <a:latin typeface="Barlow" panose="00000500000000000000" pitchFamily="2" charset="0"/>
-            </a:endParaRPr>
-          </a:p>
         </p:txBody>
       </p:sp>
       <p:sp>
@@ -36098,8 +36462,8 @@
         </p:nvSpPr>
         <p:spPr>
           <a:xfrm>
-            <a:off x="5833582" y="2090500"/>
-            <a:ext cx="6277729" cy="3787178"/>
+            <a:off x="5833582" y="1508722"/>
+            <a:ext cx="6277729" cy="4368956"/>
           </a:xfrm>
           <a:prstGeom prst="rect">
             <a:avLst/>
@@ -36319,6 +36683,66 @@
               </a:defRPr>
             </a:lvl9pPr>
           </a:lstStyle>
+          <a:p>
+            <a:pPr marL="101598" indent="0">
+              <a:buNone/>
+            </a:pPr>
+            <a:endParaRPr lang="fr-FR" sz="1200" b="1" dirty="0">
+              <a:latin typeface="Barlow" panose="00000500000000000000" pitchFamily="2" charset="0"/>
+            </a:endParaRPr>
+          </a:p>
+          <a:p>
+            <a:r>
+              <a:rPr lang="fr-FR" sz="1200" b="1" dirty="0">
+                <a:latin typeface="Barlow" panose="00000500000000000000" pitchFamily="2" charset="0"/>
+              </a:rPr>
+              <a:t>1.2.0.0 – 06/02/2024</a:t>
+            </a:r>
+          </a:p>
+          <a:p>
+            <a:pPr lvl="1">
+              <a:spcBef>
+                <a:spcPts val="0"/>
+              </a:spcBef>
+            </a:pPr>
+            <a:r>
+              <a:rPr lang="fr-FR" sz="1200" dirty="0">
+                <a:latin typeface="Barlow" panose="00000500000000000000" pitchFamily="2" charset="0"/>
+              </a:rPr>
+              <a:t>Ajout de la gestion de la chambre d'appel</a:t>
+            </a:r>
+          </a:p>
+          <a:p>
+            <a:pPr lvl="1">
+              <a:spcBef>
+                <a:spcPts val="0"/>
+              </a:spcBef>
+            </a:pPr>
+            <a:r>
+              <a:rPr lang="fr-FR" sz="1200" dirty="0">
+                <a:latin typeface="Barlow" panose="00000500000000000000" pitchFamily="2" charset="0"/>
+              </a:rPr>
+              <a:t>Correction graphique</a:t>
+            </a:r>
+          </a:p>
+          <a:p>
+            <a:pPr lvl="1">
+              <a:spcBef>
+                <a:spcPts val="0"/>
+              </a:spcBef>
+            </a:pPr>
+            <a:r>
+              <a:rPr lang="fr-FR" sz="1200" dirty="0">
+                <a:latin typeface="Barlow" panose="00000500000000000000" pitchFamily="2" charset="0"/>
+              </a:rPr>
+              <a:t>Amélioration de l'affichage des pages</a:t>
+            </a:r>
+          </a:p>
+          <a:p>
+            <a:endParaRPr lang="fr-FR" sz="1200" b="1" dirty="0">
+              <a:latin typeface="Barlow" panose="00000500000000000000" pitchFamily="2" charset="0"/>
+            </a:endParaRPr>
+          </a:p>
           <a:p>
             <a:r>
               <a:rPr lang="fr-FR" sz="1200" b="1" dirty="0">
@@ -46550,6 +46974,17 @@
 </file>
 
 <file path=customXml/item1.xml><?xml version="1.0" encoding="utf-8"?>
+<p:properties xmlns:p="http://schemas.microsoft.com/office/2006/metadata/properties" xmlns:xsi="http://www.w3.org/2001/XMLSchema-instance" xmlns:pc="http://schemas.microsoft.com/office/infopath/2007/PartnerControls">
+  <documentManagement>
+    <TaxCatchAll xmlns="5d7a3535-6ccc-4381-989f-ae061031b78e" xsi:nil="true"/>
+    <lcf76f155ced4ddcb4097134ff3c332f xmlns="f9bf1094-3609-4046-a6fd-76c9c0caa714">
+      <Terms xmlns="http://schemas.microsoft.com/office/infopath/2007/PartnerControls"/>
+    </lcf76f155ced4ddcb4097134ff3c332f>
+  </documentManagement>
+</p:properties>
+</file>
+
+<file path=customXml/item2.xml><?xml version="1.0" encoding="utf-8"?>
 <ct:contentTypeSchema xmlns:ct="http://schemas.microsoft.com/office/2006/metadata/contentType" xmlns:ma="http://schemas.microsoft.com/office/2006/metadata/properties/metaAttributes" ct:_="" ma:_="" ma:contentTypeName="Document" ma:contentTypeID="0x01010094D69007D53E474D873D1C4BCA1E8F18" ma:contentTypeVersion="15" ma:contentTypeDescription="Crée un document." ma:contentTypeScope="" ma:versionID="b94b5753296409f7397b66632584fdb0">
   <xsd:schema xmlns:xsd="http://www.w3.org/2001/XMLSchema" xmlns:xs="http://www.w3.org/2001/XMLSchema" xmlns:p="http://schemas.microsoft.com/office/2006/metadata/properties" xmlns:ns2="f9bf1094-3609-4046-a6fd-76c9c0caa714" xmlns:ns3="5d7a3535-6ccc-4381-989f-ae061031b78e" targetNamespace="http://schemas.microsoft.com/office/2006/metadata/properties" ma:root="true" ma:fieldsID="fee6db9217be9a70816f6107f4b0cedb" ns2:_="" ns3:_="">
     <xsd:import namespace="f9bf1094-3609-4046-a6fd-76c9c0caa714"/>
@@ -46778,7 +47213,7 @@
 </ct:contentTypeSchema>
 </file>
 
-<file path=customXml/item2.xml><?xml version="1.0" encoding="utf-8"?>
+<file path=customXml/item3.xml><?xml version="1.0" encoding="utf-8"?>
 <?mso-contentType ?>
 <FormTemplates xmlns="http://schemas.microsoft.com/sharepoint/v3/contenttype/forms">
   <Display>DocumentLibraryForm</Display>
@@ -46787,18 +47222,24 @@
 </FormTemplates>
 </file>
 
-<file path=customXml/item3.xml><?xml version="1.0" encoding="utf-8"?>
-<p:properties xmlns:p="http://schemas.microsoft.com/office/2006/metadata/properties" xmlns:xsi="http://www.w3.org/2001/XMLSchema-instance" xmlns:pc="http://schemas.microsoft.com/office/infopath/2007/PartnerControls">
-  <documentManagement>
-    <TaxCatchAll xmlns="5d7a3535-6ccc-4381-989f-ae061031b78e" xsi:nil="true"/>
-    <lcf76f155ced4ddcb4097134ff3c332f xmlns="f9bf1094-3609-4046-a6fd-76c9c0caa714">
-      <Terms xmlns="http://schemas.microsoft.com/office/infopath/2007/PartnerControls"/>
-    </lcf76f155ced4ddcb4097134ff3c332f>
-  </documentManagement>
-</p:properties>
+<file path=customXml/itemProps1.xml><?xml version="1.0" encoding="utf-8"?>
+<ds:datastoreItem xmlns:ds="http://schemas.openxmlformats.org/officeDocument/2006/customXml" ds:itemID="{A397F285-9F9C-4CEA-8DC8-CF9392934C5A}">
+  <ds:schemaRefs>
+    <ds:schemaRef ds:uri="http://purl.org/dc/terms/"/>
+    <ds:schemaRef ds:uri="http://purl.org/dc/dcmitype/"/>
+    <ds:schemaRef ds:uri="http://www.w3.org/XML/1998/namespace"/>
+    <ds:schemaRef ds:uri="http://schemas.microsoft.com/office/2006/documentManagement/types"/>
+    <ds:schemaRef ds:uri="http://schemas.openxmlformats.org/package/2006/metadata/core-properties"/>
+    <ds:schemaRef ds:uri="http://schemas.microsoft.com/office/infopath/2007/PartnerControls"/>
+    <ds:schemaRef ds:uri="f9bf1094-3609-4046-a6fd-76c9c0caa714"/>
+    <ds:schemaRef ds:uri="http://schemas.microsoft.com/office/2006/metadata/properties"/>
+    <ds:schemaRef ds:uri="5d7a3535-6ccc-4381-989f-ae061031b78e"/>
+    <ds:schemaRef ds:uri="http://purl.org/dc/elements/1.1/"/>
+  </ds:schemaRefs>
+</ds:datastoreItem>
 </file>
 
-<file path=customXml/itemProps1.xml><?xml version="1.0" encoding="utf-8"?>
+<file path=customXml/itemProps2.xml><?xml version="1.0" encoding="utf-8"?>
 <ds:datastoreItem xmlns:ds="http://schemas.openxmlformats.org/officeDocument/2006/customXml" ds:itemID="{A23C0DE2-5723-4EBE-BB67-CD0D7BAFEF27}">
   <ds:schemaRefs>
     <ds:schemaRef ds:uri="http://schemas.microsoft.com/office/2006/metadata/contentType"/>
@@ -46817,27 +47258,10 @@
 </ds:datastoreItem>
 </file>
 
-<file path=customXml/itemProps2.xml><?xml version="1.0" encoding="utf-8"?>
+<file path=customXml/itemProps3.xml><?xml version="1.0" encoding="utf-8"?>
 <ds:datastoreItem xmlns:ds="http://schemas.openxmlformats.org/officeDocument/2006/customXml" ds:itemID="{37867E26-7D2E-4C08-8937-A5EDA2DC982A}">
   <ds:schemaRefs>
     <ds:schemaRef ds:uri="http://schemas.microsoft.com/sharepoint/v3/contenttype/forms"/>
   </ds:schemaRefs>
 </ds:datastoreItem>
-</file>
-
-<file path=customXml/itemProps3.xml><?xml version="1.0" encoding="utf-8"?>
-<ds:datastoreItem xmlns:ds="http://schemas.openxmlformats.org/officeDocument/2006/customXml" ds:itemID="{A397F285-9F9C-4CEA-8DC8-CF9392934C5A}">
-  <ds:schemaRefs>
-    <ds:schemaRef ds:uri="http://purl.org/dc/terms/"/>
-    <ds:schemaRef ds:uri="http://purl.org/dc/dcmitype/"/>
-    <ds:schemaRef ds:uri="http://www.w3.org/XML/1998/namespace"/>
-    <ds:schemaRef ds:uri="http://schemas.microsoft.com/office/2006/documentManagement/types"/>
-    <ds:schemaRef ds:uri="http://schemas.openxmlformats.org/package/2006/metadata/core-properties"/>
-    <ds:schemaRef ds:uri="http://schemas.microsoft.com/office/infopath/2007/PartnerControls"/>
-    <ds:schemaRef ds:uri="f9bf1094-3609-4046-a6fd-76c9c0caa714"/>
-    <ds:schemaRef ds:uri="http://schemas.microsoft.com/office/2006/metadata/properties"/>
-    <ds:schemaRef ds:uri="5d7a3535-6ccc-4381-989f-ae061031b78e"/>
-    <ds:schemaRef ds:uri="http://purl.org/dc/elements/1.1/"/>
-  </ds:schemaRefs>
-</ds:datastoreItem>
 </file>
--- a/AppPublication/Documentation/PublicationSuiviCompetition - Manuel d'utilisation.pptx
+++ b/AppPublication/Documentation/PublicationSuiviCompetition - Manuel d'utilisation.pptx
@@ -8,10 +8,10 @@
     <p:sldMasterId id="2147483809" r:id="rId7"/>
   </p:sldMasterIdLst>
   <p:notesMasterIdLst>
-    <p:notesMasterId r:id="rId49"/>
+    <p:notesMasterId r:id="rId51"/>
   </p:notesMasterIdLst>
   <p:handoutMasterIdLst>
-    <p:handoutMasterId r:id="rId50"/>
+    <p:handoutMasterId r:id="rId52"/>
   </p:handoutMasterIdLst>
   <p:sldIdLst>
     <p:sldId id="293" r:id="rId8"/>
@@ -40,21 +40,23 @@
     <p:sldId id="341" r:id="rId31"/>
     <p:sldId id="323" r:id="rId32"/>
     <p:sldId id="340" r:id="rId33"/>
-    <p:sldId id="311" r:id="rId34"/>
-    <p:sldId id="312" r:id="rId35"/>
-    <p:sldId id="334" r:id="rId36"/>
-    <p:sldId id="335" r:id="rId37"/>
-    <p:sldId id="303" r:id="rId38"/>
-    <p:sldId id="304" r:id="rId39"/>
-    <p:sldId id="306" r:id="rId40"/>
-    <p:sldId id="326" r:id="rId41"/>
-    <p:sldId id="329" r:id="rId42"/>
-    <p:sldId id="327" r:id="rId43"/>
-    <p:sldId id="328" r:id="rId44"/>
-    <p:sldId id="330" r:id="rId45"/>
-    <p:sldId id="331" r:id="rId46"/>
-    <p:sldId id="332" r:id="rId47"/>
-    <p:sldId id="297" r:id="rId48"/>
+    <p:sldId id="342" r:id="rId34"/>
+    <p:sldId id="311" r:id="rId35"/>
+    <p:sldId id="312" r:id="rId36"/>
+    <p:sldId id="334" r:id="rId37"/>
+    <p:sldId id="335" r:id="rId38"/>
+    <p:sldId id="303" r:id="rId39"/>
+    <p:sldId id="304" r:id="rId40"/>
+    <p:sldId id="306" r:id="rId41"/>
+    <p:sldId id="326" r:id="rId42"/>
+    <p:sldId id="329" r:id="rId43"/>
+    <p:sldId id="327" r:id="rId44"/>
+    <p:sldId id="328" r:id="rId45"/>
+    <p:sldId id="330" r:id="rId46"/>
+    <p:sldId id="331" r:id="rId47"/>
+    <p:sldId id="332" r:id="rId48"/>
+    <p:sldId id="343" r:id="rId49"/>
+    <p:sldId id="297" r:id="rId50"/>
   </p:sldIdLst>
   <p:sldSz cx="12192000" cy="6858000"/>
   <p:notesSz cx="6858000" cy="9144000"/>
@@ -269,7 +271,7 @@
           <a:p>
             <a:fld id="{2FC9C06B-3A03-409A-B425-472FC6ED632E}" type="datetimeFigureOut">
               <a:rPr lang="fr-FR" smtClean="0"/>
-              <a:t>17/05/2025</a:t>
+              <a:t>07/09/2025</a:t>
             </a:fld>
             <a:endParaRPr lang="fr-FR"/>
           </a:p>
@@ -446,7 +448,7 @@
           <a:p>
             <a:fld id="{1BF3F09E-A5E2-4FD2-AA48-324D4F0E8F41}" type="datetimeFigureOut">
               <a:rPr lang="fr"/>
-              <a:t>17/05/2025</a:t>
+              <a:t>07/09/2025</a:t>
             </a:fld>
             <a:endParaRPr lang="en-US"/>
           </a:p>
@@ -15910,7 +15912,7 @@
                 </a:solidFill>
                 <a:latin typeface="Montserrat" panose="00000800000000000000" pitchFamily="2" charset="0"/>
               </a:rPr>
-              <a:t>v1.3.0.0 – 01/12/2024 </a:t>
+              <a:t>v1.4.0.0 – 10/09/2025 </a:t>
             </a:r>
           </a:p>
         </p:txBody>
@@ -17570,7 +17572,7 @@
                 </a:solidFill>
                 <a:latin typeface="Montserrat" panose="00000800000000000000" pitchFamily="2" charset="0"/>
               </a:rPr>
-              <a:t>V1.3.1.0 – 05/2025 </a:t>
+              <a:t>V1.4.0.0 – 09/2025 </a:t>
             </a:r>
           </a:p>
         </p:txBody>
@@ -23658,10 +23660,10 @@
       </p:grpSpPr>
       <p:pic>
         <p:nvPicPr>
-          <p:cNvPr id="17" name="Image 16">
-            <a:extLst>
-              <a:ext uri="{FF2B5EF4-FFF2-40B4-BE49-F238E27FC236}">
-                <a16:creationId xmlns:a16="http://schemas.microsoft.com/office/drawing/2014/main" id="{27DD014A-692F-B398-DD35-CD366E991A3A}"/>
+          <p:cNvPr id="5" name="Image 4">
+            <a:extLst>
+              <a:ext uri="{FF2B5EF4-FFF2-40B4-BE49-F238E27FC236}">
+                <a16:creationId xmlns:a16="http://schemas.microsoft.com/office/drawing/2014/main" id="{2136A9A6-A715-5919-E506-0BC35D580B39}"/>
               </a:ext>
             </a:extLst>
           </p:cNvPr>
@@ -23678,8 +23680,8 @@
         </p:blipFill>
         <p:spPr>
           <a:xfrm>
-            <a:off x="3557997" y="1885601"/>
-            <a:ext cx="7773485" cy="4086795"/>
+            <a:off x="4765693" y="1486994"/>
+            <a:ext cx="7013102" cy="4463674"/>
           </a:xfrm>
           <a:prstGeom prst="rect">
             <a:avLst/>
@@ -23756,8 +23758,8 @@
         </p:nvSpPr>
         <p:spPr>
           <a:xfrm>
-            <a:off x="3727005" y="2307014"/>
-            <a:ext cx="3933055" cy="3179386"/>
+            <a:off x="4848043" y="2277379"/>
+            <a:ext cx="3303917" cy="3105508"/>
           </a:xfrm>
           <a:prstGeom prst="rect">
             <a:avLst/>
@@ -23808,8 +23810,8 @@
         </p:nvSpPr>
         <p:spPr>
           <a:xfrm>
-            <a:off x="7744905" y="2307013"/>
-            <a:ext cx="3470491" cy="3179385"/>
+            <a:off x="8308304" y="2272514"/>
+            <a:ext cx="3316461" cy="3105508"/>
           </a:xfrm>
           <a:prstGeom prst="rect">
             <a:avLst/>
@@ -23915,7 +23917,7 @@
         </p:nvSpPr>
         <p:spPr>
           <a:xfrm>
-            <a:off x="9298272" y="3678517"/>
+            <a:off x="10031515" y="3575005"/>
             <a:ext cx="505267" cy="523220"/>
           </a:xfrm>
           <a:prstGeom prst="rect">
@@ -23960,7 +23962,7 @@
         </p:nvSpPr>
         <p:spPr>
           <a:xfrm>
-            <a:off x="5372068" y="3592918"/>
+            <a:off x="6105311" y="3489406"/>
             <a:ext cx="505267" cy="523220"/>
           </a:xfrm>
           <a:prstGeom prst="rect">
@@ -24009,8 +24011,8 @@
         </p:nvSpPr>
         <p:spPr>
           <a:xfrm>
-            <a:off x="411192" y="6135963"/>
-            <a:ext cx="11369615" cy="336752"/>
+            <a:off x="148774" y="5950668"/>
+            <a:ext cx="11928207" cy="336752"/>
           </a:xfrm>
         </p:spPr>
         <p:txBody>
@@ -24022,67 +24024,67 @@
             </a:pPr>
             <a:r>
               <a:rPr lang="fr-FR" sz="1800" b="1" i="1" dirty="0"/>
-              <a:t>Note</a:t>
+              <a:t>Notes</a:t>
             </a:r>
             <a:r>
               <a:rPr lang="fr-FR" sz="1800" i="1" dirty="0"/>
-              <a:t>: Cet écran n’est accessible que si la génération est arrêtée.</a:t>
-            </a:r>
-          </a:p>
-        </p:txBody>
-      </p:sp>
-      <p:sp>
-        <p:nvSpPr>
-          <p:cNvPr id="7" name="Rectangle 6">
-            <a:extLst>
-              <a:ext uri="{FF2B5EF4-FFF2-40B4-BE49-F238E27FC236}">
-                <a16:creationId xmlns:a16="http://schemas.microsoft.com/office/drawing/2014/main" id="{08E3E894-E2E1-764A-1C38-F1E84EE162F2}"/>
-              </a:ext>
-            </a:extLst>
-          </p:cNvPr>
-          <p:cNvSpPr/>
+              <a:t>: 	- Cet écran n’est accessible que si la génération est arrêtée.</a:t>
+            </a:r>
+          </a:p>
+          <a:p>
+            <a:pPr marL="101598" indent="0">
+              <a:buNone/>
+            </a:pPr>
+            <a:r>
+              <a:rPr lang="fr-FR" sz="1800" i="1" dirty="0"/>
+              <a:t>	- En passant la souris sur l’icone      , un popup s’affiche pour donner des informations sur le paramètre concerné.</a:t>
+            </a:r>
+          </a:p>
+        </p:txBody>
+      </p:sp>
+      <p:pic>
+        <p:nvPicPr>
+          <p:cNvPr id="6" name="Image 5">
+            <a:extLst>
+              <a:ext uri="{FF2B5EF4-FFF2-40B4-BE49-F238E27FC236}">
+                <a16:creationId xmlns:a16="http://schemas.microsoft.com/office/drawing/2014/main" id="{97570CD1-1869-A38B-36B8-13414B1EC916}"/>
+              </a:ext>
+            </a:extLst>
+          </p:cNvPr>
+          <p:cNvPicPr>
+            <a:picLocks noChangeAspect="1"/>
+          </p:cNvPicPr>
           <p:nvPr/>
-        </p:nvSpPr>
+        </p:nvPicPr>
+        <p:blipFill>
+          <a:blip r:embed="rId3">
+            <a:extLst>
+              <a:ext uri="{BEBA8EAE-BF5A-486C-A8C5-ECC9F3942E4B}">
+                <a14:imgProps xmlns:a14="http://schemas.microsoft.com/office/drawing/2010/main">
+                  <a14:imgLayer r:embed="rId4">
+                    <a14:imgEffect>
+                      <a14:backgroundRemoval t="24802" b="28173" l="28930" r="32190"/>
+                    </a14:imgEffect>
+                  </a14:imgLayer>
+                </a14:imgProps>
+              </a:ext>
+            </a:extLst>
+          </a:blip>
+          <a:srcRect l="28522" t="24381" r="67402" b="71406"/>
+          <a:stretch>
+            <a:fillRect/>
+          </a:stretch>
+        </p:blipFill>
         <p:spPr>
           <a:xfrm>
-            <a:off x="5927715" y="1916081"/>
-            <a:ext cx="3464690" cy="204362"/>
+            <a:off x="4153003" y="6304339"/>
+            <a:ext cx="382220" cy="251403"/>
           </a:xfrm>
           <a:prstGeom prst="rect">
             <a:avLst/>
           </a:prstGeom>
-          <a:solidFill>
-            <a:srgbClr val="ECF6F9"/>
-          </a:solidFill>
-          <a:ln>
-            <a:noFill/>
-          </a:ln>
-        </p:spPr>
-        <p:style>
-          <a:lnRef idx="2">
-            <a:schemeClr val="accent1">
-              <a:shade val="15000"/>
-            </a:schemeClr>
-          </a:lnRef>
-          <a:fillRef idx="1">
-            <a:schemeClr val="accent1"/>
-          </a:fillRef>
-          <a:effectRef idx="0">
-            <a:schemeClr val="accent1"/>
-          </a:effectRef>
-          <a:fontRef idx="minor">
-            <a:schemeClr val="lt1"/>
-          </a:fontRef>
-        </p:style>
-        <p:txBody>
-          <a:bodyPr rtlCol="0" anchor="ctr"/>
-          <a:lstStyle/>
-          <a:p>
-            <a:pPr algn="ctr"/>
-            <a:endParaRPr lang="fr-FR"/>
-          </a:p>
-        </p:txBody>
-      </p:sp>
+        </p:spPr>
+      </p:pic>
     </p:spTree>
     <p:extLst>
       <p:ext uri="{BB962C8B-B14F-4D97-AF65-F5344CB8AC3E}">
@@ -24113,6 +24115,37 @@
           <a:chExt cx="0" cy="0"/>
         </a:xfrm>
       </p:grpSpPr>
+      <p:pic>
+        <p:nvPicPr>
+          <p:cNvPr id="3" name="Image 2">
+            <a:extLst>
+              <a:ext uri="{FF2B5EF4-FFF2-40B4-BE49-F238E27FC236}">
+                <a16:creationId xmlns:a16="http://schemas.microsoft.com/office/drawing/2014/main" id="{17B2F45C-3A26-A22E-7F6C-A6824C67F750}"/>
+              </a:ext>
+            </a:extLst>
+          </p:cNvPr>
+          <p:cNvPicPr>
+            <a:picLocks noChangeAspect="1"/>
+          </p:cNvPicPr>
+          <p:nvPr/>
+        </p:nvPicPr>
+        <p:blipFill>
+          <a:blip r:embed="rId2"/>
+          <a:srcRect t="7464" r="50962" b="10401"/>
+          <a:stretch>
+            <a:fillRect/>
+          </a:stretch>
+        </p:blipFill>
+        <p:spPr>
+          <a:xfrm>
+            <a:off x="4174832" y="2083444"/>
+            <a:ext cx="3439110" cy="3666227"/>
+          </a:xfrm>
+          <a:prstGeom prst="rect">
+            <a:avLst/>
+          </a:prstGeom>
+        </p:spPr>
+      </p:pic>
       <p:sp>
         <p:nvSpPr>
           <p:cNvPr id="2" name="Titre 1">
@@ -24169,35 +24202,6 @@
           </a:p>
         </p:txBody>
       </p:sp>
-      <p:pic>
-        <p:nvPicPr>
-          <p:cNvPr id="5" name="Image 4">
-            <a:extLst>
-              <a:ext uri="{FF2B5EF4-FFF2-40B4-BE49-F238E27FC236}">
-                <a16:creationId xmlns:a16="http://schemas.microsoft.com/office/drawing/2014/main" id="{84CC962D-3DBE-400A-60DA-11F73D3CE8A8}"/>
-              </a:ext>
-            </a:extLst>
-          </p:cNvPr>
-          <p:cNvPicPr>
-            <a:picLocks noChangeAspect="1"/>
-          </p:cNvPicPr>
-          <p:nvPr/>
-        </p:nvPicPr>
-        <p:blipFill rotWithShape="1">
-          <a:blip r:embed="rId2"/>
-          <a:srcRect l="2049" t="9116" r="47338" b="13785"/>
-          <a:stretch/>
-        </p:blipFill>
-        <p:spPr>
-          <a:xfrm>
-            <a:off x="4000500" y="2352675"/>
-            <a:ext cx="3933825" cy="2886075"/>
-          </a:xfrm>
-          <a:prstGeom prst="rect">
-            <a:avLst/>
-          </a:prstGeom>
-        </p:spPr>
-      </p:pic>
       <p:sp>
         <p:nvSpPr>
           <p:cNvPr id="7" name="Légende : encadrée à une bordure 6">
@@ -24212,15 +24216,15 @@
         </p:nvSpPr>
         <p:spPr>
           <a:xfrm flipH="1">
-            <a:off x="142547" y="2146346"/>
+            <a:off x="142547" y="1564228"/>
             <a:ext cx="3181935" cy="528401"/>
           </a:xfrm>
           <a:prstGeom prst="accentBorderCallout1">
             <a:avLst>
               <a:gd name="adj1" fmla="val 18750"/>
               <a:gd name="adj2" fmla="val -8333"/>
-              <a:gd name="adj3" fmla="val 160638"/>
-              <a:gd name="adj4" fmla="val -22953"/>
+              <a:gd name="adj3" fmla="val 198187"/>
+              <a:gd name="adj4" fmla="val -30544"/>
             </a:avLst>
           </a:prstGeom>
           <a:ln>
@@ -24269,8 +24273,8 @@
         </p:nvSpPr>
         <p:spPr>
           <a:xfrm>
-            <a:off x="4086224" y="2889158"/>
-            <a:ext cx="2238375" cy="235042"/>
+            <a:off x="4283281" y="2536871"/>
+            <a:ext cx="2041318" cy="235042"/>
           </a:xfrm>
           <a:prstGeom prst="rect">
             <a:avLst/>
@@ -24278,7 +24282,7 @@
           <a:noFill/>
           <a:ln w="28575">
             <a:solidFill>
-              <a:srgbClr val="2349E3"/>
+              <a:srgbClr val="FFC000"/>
             </a:solidFill>
           </a:ln>
         </p:spPr>
@@ -24321,15 +24325,15 @@
         </p:nvSpPr>
         <p:spPr>
           <a:xfrm>
-            <a:off x="8515093" y="2352675"/>
+            <a:off x="8515093" y="1564228"/>
             <a:ext cx="3439110" cy="775123"/>
           </a:xfrm>
           <a:prstGeom prst="accentBorderCallout1">
             <a:avLst>
               <a:gd name="adj1" fmla="val 18750"/>
               <a:gd name="adj2" fmla="val -8333"/>
-              <a:gd name="adj3" fmla="val 108615"/>
-              <a:gd name="adj4" fmla="val -22187"/>
+              <a:gd name="adj3" fmla="val 175390"/>
+              <a:gd name="adj4" fmla="val -34980"/>
             </a:avLst>
           </a:prstGeom>
           <a:ln>
@@ -24378,15 +24382,15 @@
         </p:nvSpPr>
         <p:spPr>
           <a:xfrm>
-            <a:off x="8524874" y="3584189"/>
+            <a:off x="8515093" y="2666159"/>
             <a:ext cx="3439110" cy="775123"/>
           </a:xfrm>
           <a:prstGeom prst="accentBorderCallout1">
             <a:avLst>
               <a:gd name="adj1" fmla="val 18750"/>
               <a:gd name="adj2" fmla="val -8333"/>
-              <a:gd name="adj3" fmla="val 43077"/>
-              <a:gd name="adj4" fmla="val -22464"/>
+              <a:gd name="adj3" fmla="val 108127"/>
+              <a:gd name="adj4" fmla="val -34888"/>
             </a:avLst>
           </a:prstGeom>
           <a:ln>
@@ -24435,15 +24439,15 @@
         </p:nvSpPr>
         <p:spPr>
           <a:xfrm>
-            <a:off x="8515093" y="5009598"/>
+            <a:off x="8515093" y="3768090"/>
             <a:ext cx="3439110" cy="985760"/>
           </a:xfrm>
           <a:prstGeom prst="accentBorderCallout1">
             <a:avLst>
               <a:gd name="adj1" fmla="val 18750"/>
               <a:gd name="adj2" fmla="val -8333"/>
-              <a:gd name="adj3" fmla="val -18365"/>
-              <a:gd name="adj4" fmla="val -23295"/>
+              <a:gd name="adj3" fmla="val 96813"/>
+              <a:gd name="adj4" fmla="val -35038"/>
             </a:avLst>
           </a:prstGeom>
           <a:ln>
@@ -24492,8 +24496,8 @@
         </p:nvSpPr>
         <p:spPr>
           <a:xfrm>
-            <a:off x="4086224" y="4203608"/>
-            <a:ext cx="2238375" cy="235042"/>
+            <a:off x="4284837" y="3764039"/>
+            <a:ext cx="1811164" cy="235042"/>
           </a:xfrm>
           <a:prstGeom prst="rect">
             <a:avLst/>
@@ -24501,7 +24505,7 @@
           <a:noFill/>
           <a:ln w="28575">
             <a:solidFill>
-              <a:srgbClr val="2349E3"/>
+              <a:srgbClr val="FFC000"/>
             </a:solidFill>
           </a:ln>
         </p:spPr>
@@ -24544,8 +24548,8 @@
         </p:nvSpPr>
         <p:spPr>
           <a:xfrm>
-            <a:off x="4086223" y="4476612"/>
-            <a:ext cx="2238375" cy="235042"/>
+            <a:off x="4287832" y="4036534"/>
+            <a:ext cx="2185993" cy="170341"/>
           </a:xfrm>
           <a:prstGeom prst="rect">
             <a:avLst/>
@@ -24553,7 +24557,7 @@
           <a:noFill/>
           <a:ln w="28575">
             <a:solidFill>
-              <a:srgbClr val="2349E3"/>
+              <a:srgbClr val="FFC000"/>
             </a:solidFill>
           </a:ln>
         </p:spPr>
@@ -24596,8 +24600,8 @@
         </p:nvSpPr>
         <p:spPr>
           <a:xfrm>
-            <a:off x="4591049" y="3733801"/>
-            <a:ext cx="3124201" cy="431844"/>
+            <a:off x="4540396" y="3309320"/>
+            <a:ext cx="2777980" cy="431844"/>
           </a:xfrm>
           <a:prstGeom prst="rect">
             <a:avLst/>
@@ -24605,7 +24609,7 @@
           <a:noFill/>
           <a:ln w="28575">
             <a:solidFill>
-              <a:srgbClr val="2349E3"/>
+              <a:srgbClr val="FFC000"/>
             </a:solidFill>
           </a:ln>
         </p:spPr>
@@ -24648,7 +24652,7 @@
         </p:nvSpPr>
         <p:spPr>
           <a:xfrm>
-            <a:off x="6921500" y="3174839"/>
+            <a:off x="6524625" y="2793549"/>
             <a:ext cx="793750" cy="235042"/>
           </a:xfrm>
           <a:prstGeom prst="rect">
@@ -24657,7 +24661,7 @@
           <a:noFill/>
           <a:ln w="28575">
             <a:solidFill>
-              <a:srgbClr val="2349E3"/>
+              <a:srgbClr val="FFC000"/>
             </a:solidFill>
           </a:ln>
         </p:spPr>
@@ -24700,7 +24704,7 @@
         </p:nvSpPr>
         <p:spPr>
           <a:xfrm>
-            <a:off x="6921500" y="4774556"/>
+            <a:off x="6581226" y="4206875"/>
             <a:ext cx="793750" cy="235042"/>
           </a:xfrm>
           <a:prstGeom prst="rect">
@@ -24709,7 +24713,7 @@
           <a:noFill/>
           <a:ln w="28575">
             <a:solidFill>
-              <a:srgbClr val="2349E3"/>
+              <a:srgbClr val="FFC000"/>
             </a:solidFill>
           </a:ln>
         </p:spPr>
@@ -24752,8 +24756,8 @@
         </p:nvSpPr>
         <p:spPr>
           <a:xfrm>
-            <a:off x="4476750" y="4761764"/>
-            <a:ext cx="2165349" cy="235042"/>
+            <a:off x="4528101" y="4210133"/>
+            <a:ext cx="1948900" cy="178987"/>
           </a:xfrm>
           <a:prstGeom prst="rect">
             <a:avLst/>
@@ -24761,7 +24765,7 @@
           <a:noFill/>
           <a:ln w="28575">
             <a:solidFill>
-              <a:srgbClr val="2349E3"/>
+              <a:srgbClr val="FFC000"/>
             </a:solidFill>
           </a:ln>
         </p:spPr>
@@ -24804,15 +24808,15 @@
         </p:nvSpPr>
         <p:spPr>
           <a:xfrm flipH="1">
-            <a:off x="142547" y="3267311"/>
+            <a:off x="142541" y="2213873"/>
             <a:ext cx="3181935" cy="528401"/>
           </a:xfrm>
           <a:prstGeom prst="accentBorderCallout1">
             <a:avLst>
               <a:gd name="adj1" fmla="val 18750"/>
               <a:gd name="adj2" fmla="val -8333"/>
-              <a:gd name="adj3" fmla="val 188391"/>
-              <a:gd name="adj4" fmla="val -24038"/>
+              <a:gd name="adj3" fmla="val 294507"/>
+              <a:gd name="adj4" fmla="val -29731"/>
             </a:avLst>
           </a:prstGeom>
           <a:ln>
@@ -24861,15 +24865,15 @@
         </p:nvSpPr>
         <p:spPr>
           <a:xfrm flipH="1">
-            <a:off x="121407" y="4321129"/>
+            <a:off x="142541" y="2863518"/>
             <a:ext cx="3181935" cy="528401"/>
           </a:xfrm>
           <a:prstGeom prst="accentBorderCallout1">
             <a:avLst>
               <a:gd name="adj1" fmla="val 18750"/>
               <a:gd name="adj2" fmla="val -8333"/>
-              <a:gd name="adj3" fmla="val 65950"/>
-              <a:gd name="adj4" fmla="val -24309"/>
+              <a:gd name="adj3" fmla="val 226021"/>
+              <a:gd name="adj4" fmla="val -29578"/>
             </a:avLst>
           </a:prstGeom>
           <a:ln>
@@ -24918,15 +24922,15 @@
         </p:nvSpPr>
         <p:spPr>
           <a:xfrm flipH="1">
-            <a:off x="91746" y="5397159"/>
-            <a:ext cx="3181935" cy="775123"/>
+            <a:off x="142537" y="3513163"/>
+            <a:ext cx="3181935" cy="528401"/>
           </a:xfrm>
           <a:prstGeom prst="accentBorderCallout1">
             <a:avLst>
               <a:gd name="adj1" fmla="val 18750"/>
               <a:gd name="adj2" fmla="val -8333"/>
-              <a:gd name="adj3" fmla="val -49944"/>
-              <a:gd name="adj4" fmla="val -38406"/>
+              <a:gd name="adj3" fmla="val 157629"/>
+              <a:gd name="adj4" fmla="val -37209"/>
             </a:avLst>
           </a:prstGeom>
           <a:ln>
@@ -24956,8 +24960,756 @@
             <a:pPr algn="ctr"/>
             <a:r>
               <a:rPr lang="fr-FR" sz="1400" dirty="0"/>
-              <a:t>Active la sélection de l’affichage des poules en colonnes selon la taille de la poule</a:t>
-            </a:r>
+              <a:t>Active la sélection de l’affichage des poules en colonnes selon leur taille</a:t>
+            </a:r>
+          </a:p>
+        </p:txBody>
+      </p:sp>
+      <p:sp>
+        <p:nvSpPr>
+          <p:cNvPr id="6" name="Légende : encadrée à une bordure 5">
+            <a:extLst>
+              <a:ext uri="{FF2B5EF4-FFF2-40B4-BE49-F238E27FC236}">
+                <a16:creationId xmlns:a16="http://schemas.microsoft.com/office/drawing/2014/main" id="{CF4E40CB-CAC6-A3B2-6014-660B60B5DF33}"/>
+              </a:ext>
+            </a:extLst>
+          </p:cNvPr>
+          <p:cNvSpPr/>
+          <p:nvPr/>
+        </p:nvSpPr>
+        <p:spPr>
+          <a:xfrm flipH="1">
+            <a:off x="142539" y="4162808"/>
+            <a:ext cx="3181935" cy="296848"/>
+          </a:xfrm>
+          <a:prstGeom prst="accentBorderCallout1">
+            <a:avLst>
+              <a:gd name="adj1" fmla="val 18750"/>
+              <a:gd name="adj2" fmla="val -8333"/>
+              <a:gd name="adj3" fmla="val 125939"/>
+              <a:gd name="adj4" fmla="val -29817"/>
+            </a:avLst>
+          </a:prstGeom>
+          <a:ln>
+            <a:solidFill>
+              <a:schemeClr val="accent4"/>
+            </a:solidFill>
+          </a:ln>
+        </p:spPr>
+        <p:style>
+          <a:lnRef idx="0">
+            <a:schemeClr val="accent4"/>
+          </a:lnRef>
+          <a:fillRef idx="3">
+            <a:schemeClr val="accent4"/>
+          </a:fillRef>
+          <a:effectRef idx="3">
+            <a:schemeClr val="accent4"/>
+          </a:effectRef>
+          <a:fontRef idx="minor">
+            <a:schemeClr val="lt1"/>
+          </a:fontRef>
+        </p:style>
+        <p:txBody>
+          <a:bodyPr rtlCol="0" anchor="ctr"/>
+          <a:lstStyle/>
+          <a:p>
+            <a:pPr algn="ctr"/>
+            <a:r>
+              <a:rPr lang="fr-FR" sz="1400" dirty="0"/>
+              <a:t>Active l’affichage des judokas engagés</a:t>
+            </a:r>
+          </a:p>
+        </p:txBody>
+      </p:sp>
+      <p:sp>
+        <p:nvSpPr>
+          <p:cNvPr id="9" name="Légende : encadrée à une bordure 8">
+            <a:extLst>
+              <a:ext uri="{FF2B5EF4-FFF2-40B4-BE49-F238E27FC236}">
+                <a16:creationId xmlns:a16="http://schemas.microsoft.com/office/drawing/2014/main" id="{7CDD545B-12AA-1CAB-E75A-FF198BDA8BE0}"/>
+              </a:ext>
+            </a:extLst>
+          </p:cNvPr>
+          <p:cNvSpPr/>
+          <p:nvPr/>
+        </p:nvSpPr>
+        <p:spPr>
+          <a:xfrm flipH="1">
+            <a:off x="142538" y="4580900"/>
+            <a:ext cx="3181935" cy="525890"/>
+          </a:xfrm>
+          <a:prstGeom prst="accentBorderCallout1">
+            <a:avLst>
+              <a:gd name="adj1" fmla="val 18750"/>
+              <a:gd name="adj2" fmla="val -8333"/>
+              <a:gd name="adj3" fmla="val 35131"/>
+              <a:gd name="adj4" fmla="val -51849"/>
+            </a:avLst>
+          </a:prstGeom>
+          <a:ln>
+            <a:solidFill>
+              <a:schemeClr val="accent4"/>
+            </a:solidFill>
+          </a:ln>
+        </p:spPr>
+        <p:style>
+          <a:lnRef idx="0">
+            <a:schemeClr val="accent4"/>
+          </a:lnRef>
+          <a:fillRef idx="3">
+            <a:schemeClr val="accent4"/>
+          </a:fillRef>
+          <a:effectRef idx="3">
+            <a:schemeClr val="accent4"/>
+          </a:effectRef>
+          <a:fontRef idx="minor">
+            <a:schemeClr val="lt1"/>
+          </a:fontRef>
+        </p:style>
+        <p:txBody>
+          <a:bodyPr rtlCol="0" anchor="ctr"/>
+          <a:lstStyle/>
+          <a:p>
+            <a:pPr algn="ctr"/>
+            <a:r>
+              <a:rPr lang="fr-FR" sz="1400" dirty="0"/>
+              <a:t>Affiche tous les judokas engagés, présents &amp; absents</a:t>
+            </a:r>
+          </a:p>
+        </p:txBody>
+      </p:sp>
+      <p:sp>
+        <p:nvSpPr>
+          <p:cNvPr id="10" name="Légende : encadrée à une bordure 9">
+            <a:extLst>
+              <a:ext uri="{FF2B5EF4-FFF2-40B4-BE49-F238E27FC236}">
+                <a16:creationId xmlns:a16="http://schemas.microsoft.com/office/drawing/2014/main" id="{54F2B6B4-698A-AC48-7A6C-A64C3048C725}"/>
+              </a:ext>
+            </a:extLst>
+          </p:cNvPr>
+          <p:cNvSpPr/>
+          <p:nvPr/>
+        </p:nvSpPr>
+        <p:spPr>
+          <a:xfrm flipH="1">
+            <a:off x="142537" y="5228034"/>
+            <a:ext cx="3181935" cy="528400"/>
+          </a:xfrm>
+          <a:prstGeom prst="accentBorderCallout1">
+            <a:avLst>
+              <a:gd name="adj1" fmla="val 18750"/>
+              <a:gd name="adj2" fmla="val -8333"/>
+              <a:gd name="adj3" fmla="val -49423"/>
+              <a:gd name="adj4" fmla="val -54244"/>
+            </a:avLst>
+          </a:prstGeom>
+          <a:ln>
+            <a:solidFill>
+              <a:schemeClr val="accent4"/>
+            </a:solidFill>
+          </a:ln>
+        </p:spPr>
+        <p:style>
+          <a:lnRef idx="0">
+            <a:schemeClr val="accent4"/>
+          </a:lnRef>
+          <a:fillRef idx="3">
+            <a:schemeClr val="accent4"/>
+          </a:fillRef>
+          <a:effectRef idx="3">
+            <a:schemeClr val="accent4"/>
+          </a:effectRef>
+          <a:fontRef idx="minor">
+            <a:schemeClr val="lt1"/>
+          </a:fontRef>
+        </p:style>
+        <p:txBody>
+          <a:bodyPr rtlCol="0" anchor="ctr"/>
+          <a:lstStyle/>
+          <a:p>
+            <a:pPr algn="ctr"/>
+            <a:r>
+              <a:rPr lang="fr-FR" sz="1400" dirty="0"/>
+              <a:t>Affiche les scores dans l’ordre Gagnant/Perdant </a:t>
+            </a:r>
+            <a:r>
+              <a:rPr lang="fr-FR" sz="1100" dirty="0"/>
+              <a:t>(sinon 1</a:t>
+            </a:r>
+            <a:r>
+              <a:rPr lang="fr-FR" sz="1100" baseline="30000" dirty="0"/>
+              <a:t>er</a:t>
+            </a:r>
+            <a:r>
+              <a:rPr lang="fr-FR" sz="1100" dirty="0"/>
+              <a:t> judoka/2</a:t>
+            </a:r>
+            <a:r>
+              <a:rPr lang="fr-FR" sz="1100" baseline="30000" dirty="0"/>
+              <a:t>nd</a:t>
+            </a:r>
+            <a:r>
+              <a:rPr lang="fr-FR" sz="1100" dirty="0"/>
+              <a:t> judoka)</a:t>
+            </a:r>
+            <a:endParaRPr lang="fr-FR" sz="1200" dirty="0"/>
+          </a:p>
+        </p:txBody>
+      </p:sp>
+      <p:sp>
+        <p:nvSpPr>
+          <p:cNvPr id="11" name="Rectangle 10">
+            <a:extLst>
+              <a:ext uri="{FF2B5EF4-FFF2-40B4-BE49-F238E27FC236}">
+                <a16:creationId xmlns:a16="http://schemas.microsoft.com/office/drawing/2014/main" id="{CDF31294-C198-8CE2-AB12-43488694254B}"/>
+              </a:ext>
+            </a:extLst>
+          </p:cNvPr>
+          <p:cNvSpPr/>
+          <p:nvPr/>
+        </p:nvSpPr>
+        <p:spPr>
+          <a:xfrm>
+            <a:off x="4283281" y="4437471"/>
+            <a:ext cx="1690799" cy="178987"/>
+          </a:xfrm>
+          <a:prstGeom prst="rect">
+            <a:avLst/>
+          </a:prstGeom>
+          <a:noFill/>
+          <a:ln w="28575">
+            <a:solidFill>
+              <a:srgbClr val="FFC000"/>
+            </a:solidFill>
+          </a:ln>
+        </p:spPr>
+        <p:style>
+          <a:lnRef idx="2">
+            <a:schemeClr val="accent1">
+              <a:shade val="15000"/>
+            </a:schemeClr>
+          </a:lnRef>
+          <a:fillRef idx="1">
+            <a:schemeClr val="accent1"/>
+          </a:fillRef>
+          <a:effectRef idx="0">
+            <a:schemeClr val="accent1"/>
+          </a:effectRef>
+          <a:fontRef idx="minor">
+            <a:schemeClr val="lt1"/>
+          </a:fontRef>
+        </p:style>
+        <p:txBody>
+          <a:bodyPr rtlCol="0" anchor="ctr"/>
+          <a:lstStyle/>
+          <a:p>
+            <a:pPr algn="ctr"/>
+            <a:endParaRPr lang="fr-FR"/>
+          </a:p>
+        </p:txBody>
+      </p:sp>
+      <p:sp>
+        <p:nvSpPr>
+          <p:cNvPr id="12" name="Rectangle 11">
+            <a:extLst>
+              <a:ext uri="{FF2B5EF4-FFF2-40B4-BE49-F238E27FC236}">
+                <a16:creationId xmlns:a16="http://schemas.microsoft.com/office/drawing/2014/main" id="{8D102315-4DB2-9545-B8B1-9CE2979203D3}"/>
+              </a:ext>
+            </a:extLst>
+          </p:cNvPr>
+          <p:cNvSpPr/>
+          <p:nvPr/>
+        </p:nvSpPr>
+        <p:spPr>
+          <a:xfrm>
+            <a:off x="4988183" y="4648523"/>
+            <a:ext cx="985898" cy="178987"/>
+          </a:xfrm>
+          <a:prstGeom prst="rect">
+            <a:avLst/>
+          </a:prstGeom>
+          <a:noFill/>
+          <a:ln w="28575">
+            <a:solidFill>
+              <a:srgbClr val="FFC000"/>
+            </a:solidFill>
+          </a:ln>
+        </p:spPr>
+        <p:style>
+          <a:lnRef idx="2">
+            <a:schemeClr val="accent1">
+              <a:shade val="15000"/>
+            </a:schemeClr>
+          </a:lnRef>
+          <a:fillRef idx="1">
+            <a:schemeClr val="accent1"/>
+          </a:fillRef>
+          <a:effectRef idx="0">
+            <a:schemeClr val="accent1"/>
+          </a:effectRef>
+          <a:fontRef idx="minor">
+            <a:schemeClr val="lt1"/>
+          </a:fontRef>
+        </p:style>
+        <p:txBody>
+          <a:bodyPr rtlCol="0" anchor="ctr"/>
+          <a:lstStyle/>
+          <a:p>
+            <a:pPr algn="ctr"/>
+            <a:endParaRPr lang="fr-FR"/>
+          </a:p>
+        </p:txBody>
+      </p:sp>
+      <p:sp>
+        <p:nvSpPr>
+          <p:cNvPr id="13" name="Rectangle 12">
+            <a:extLst>
+              <a:ext uri="{FF2B5EF4-FFF2-40B4-BE49-F238E27FC236}">
+                <a16:creationId xmlns:a16="http://schemas.microsoft.com/office/drawing/2014/main" id="{09C43EF2-E7EF-E1A4-0E92-AB1F76A9C1C5}"/>
+              </a:ext>
+            </a:extLst>
+          </p:cNvPr>
+          <p:cNvSpPr/>
+          <p:nvPr/>
+        </p:nvSpPr>
+        <p:spPr>
+          <a:xfrm>
+            <a:off x="5091524" y="4847054"/>
+            <a:ext cx="985898" cy="178987"/>
+          </a:xfrm>
+          <a:prstGeom prst="rect">
+            <a:avLst/>
+          </a:prstGeom>
+          <a:noFill/>
+          <a:ln w="28575">
+            <a:solidFill>
+              <a:srgbClr val="FFC000"/>
+            </a:solidFill>
+          </a:ln>
+        </p:spPr>
+        <p:style>
+          <a:lnRef idx="2">
+            <a:schemeClr val="accent1">
+              <a:shade val="15000"/>
+            </a:schemeClr>
+          </a:lnRef>
+          <a:fillRef idx="1">
+            <a:schemeClr val="accent1"/>
+          </a:fillRef>
+          <a:effectRef idx="0">
+            <a:schemeClr val="accent1"/>
+          </a:effectRef>
+          <a:fontRef idx="minor">
+            <a:schemeClr val="lt1"/>
+          </a:fontRef>
+        </p:style>
+        <p:txBody>
+          <a:bodyPr rtlCol="0" anchor="ctr"/>
+          <a:lstStyle/>
+          <a:p>
+            <a:pPr algn="ctr"/>
+            <a:endParaRPr lang="fr-FR"/>
+          </a:p>
+        </p:txBody>
+      </p:sp>
+      <p:sp>
+        <p:nvSpPr>
+          <p:cNvPr id="14" name="Rectangle 13">
+            <a:extLst>
+              <a:ext uri="{FF2B5EF4-FFF2-40B4-BE49-F238E27FC236}">
+                <a16:creationId xmlns:a16="http://schemas.microsoft.com/office/drawing/2014/main" id="{ADF68823-F157-E840-FA36-1790FBE671F5}"/>
+              </a:ext>
+            </a:extLst>
+          </p:cNvPr>
+          <p:cNvSpPr/>
+          <p:nvPr/>
+        </p:nvSpPr>
+        <p:spPr>
+          <a:xfrm>
+            <a:off x="6031675" y="4630124"/>
+            <a:ext cx="1286699" cy="197386"/>
+          </a:xfrm>
+          <a:prstGeom prst="rect">
+            <a:avLst/>
+          </a:prstGeom>
+          <a:noFill/>
+          <a:ln w="28575">
+            <a:solidFill>
+              <a:srgbClr val="FFC000"/>
+            </a:solidFill>
+          </a:ln>
+        </p:spPr>
+        <p:style>
+          <a:lnRef idx="2">
+            <a:schemeClr val="accent1">
+              <a:shade val="15000"/>
+            </a:schemeClr>
+          </a:lnRef>
+          <a:fillRef idx="1">
+            <a:schemeClr val="accent1"/>
+          </a:fillRef>
+          <a:effectRef idx="0">
+            <a:schemeClr val="accent1"/>
+          </a:effectRef>
+          <a:fontRef idx="minor">
+            <a:schemeClr val="lt1"/>
+          </a:fontRef>
+        </p:style>
+        <p:txBody>
+          <a:bodyPr rtlCol="0" anchor="ctr"/>
+          <a:lstStyle/>
+          <a:p>
+            <a:pPr algn="ctr"/>
+            <a:endParaRPr lang="fr-FR"/>
+          </a:p>
+        </p:txBody>
+      </p:sp>
+      <p:sp>
+        <p:nvSpPr>
+          <p:cNvPr id="15" name="Rectangle 14">
+            <a:extLst>
+              <a:ext uri="{FF2B5EF4-FFF2-40B4-BE49-F238E27FC236}">
+                <a16:creationId xmlns:a16="http://schemas.microsoft.com/office/drawing/2014/main" id="{51CA9EDA-565C-2083-03D4-7B4BB7ED0D7E}"/>
+              </a:ext>
+            </a:extLst>
+          </p:cNvPr>
+          <p:cNvSpPr/>
+          <p:nvPr/>
+        </p:nvSpPr>
+        <p:spPr>
+          <a:xfrm>
+            <a:off x="6114580" y="4840325"/>
+            <a:ext cx="1286699" cy="197386"/>
+          </a:xfrm>
+          <a:prstGeom prst="rect">
+            <a:avLst/>
+          </a:prstGeom>
+          <a:noFill/>
+          <a:ln w="28575">
+            <a:solidFill>
+              <a:srgbClr val="FFC000"/>
+            </a:solidFill>
+          </a:ln>
+        </p:spPr>
+        <p:style>
+          <a:lnRef idx="2">
+            <a:schemeClr val="accent1">
+              <a:shade val="15000"/>
+            </a:schemeClr>
+          </a:lnRef>
+          <a:fillRef idx="1">
+            <a:schemeClr val="accent1"/>
+          </a:fillRef>
+          <a:effectRef idx="0">
+            <a:schemeClr val="accent1"/>
+          </a:effectRef>
+          <a:fontRef idx="minor">
+            <a:schemeClr val="lt1"/>
+          </a:fontRef>
+        </p:style>
+        <p:txBody>
+          <a:bodyPr rtlCol="0" anchor="ctr"/>
+          <a:lstStyle/>
+          <a:p>
+            <a:pPr algn="ctr"/>
+            <a:endParaRPr lang="fr-FR"/>
+          </a:p>
+        </p:txBody>
+      </p:sp>
+      <p:sp>
+        <p:nvSpPr>
+          <p:cNvPr id="16" name="Légende : encadrée à une bordure 15">
+            <a:extLst>
+              <a:ext uri="{FF2B5EF4-FFF2-40B4-BE49-F238E27FC236}">
+                <a16:creationId xmlns:a16="http://schemas.microsoft.com/office/drawing/2014/main" id="{4B91A6D7-AE7C-F54D-490C-741FA9B1E570}"/>
+              </a:ext>
+            </a:extLst>
+          </p:cNvPr>
+          <p:cNvSpPr/>
+          <p:nvPr/>
+        </p:nvSpPr>
+        <p:spPr>
+          <a:xfrm>
+            <a:off x="8515093" y="5080658"/>
+            <a:ext cx="3439110" cy="499307"/>
+          </a:xfrm>
+          <a:prstGeom prst="accentBorderCallout1">
+            <a:avLst>
+              <a:gd name="adj1" fmla="val 18750"/>
+              <a:gd name="adj2" fmla="val -8333"/>
+              <a:gd name="adj3" fmla="val -17092"/>
+              <a:gd name="adj4" fmla="val -32601"/>
+            </a:avLst>
+          </a:prstGeom>
+          <a:ln>
+            <a:solidFill>
+              <a:schemeClr val="accent4"/>
+            </a:solidFill>
+          </a:ln>
+        </p:spPr>
+        <p:style>
+          <a:lnRef idx="0">
+            <a:schemeClr val="accent4"/>
+          </a:lnRef>
+          <a:fillRef idx="3">
+            <a:schemeClr val="accent4"/>
+          </a:fillRef>
+          <a:effectRef idx="3">
+            <a:schemeClr val="accent4"/>
+          </a:effectRef>
+          <a:fontRef idx="minor">
+            <a:schemeClr val="lt1"/>
+          </a:fontRef>
+        </p:style>
+        <p:txBody>
+          <a:bodyPr rtlCol="0" anchor="ctr"/>
+          <a:lstStyle/>
+          <a:p>
+            <a:pPr algn="ctr"/>
+            <a:r>
+              <a:rPr lang="fr-FR" sz="1400" dirty="0"/>
+              <a:t>Affiche tous les combats des judokas engagés (terminés &amp; à venir)</a:t>
+            </a:r>
+          </a:p>
+        </p:txBody>
+      </p:sp>
+      <p:sp>
+        <p:nvSpPr>
+          <p:cNvPr id="29" name="Légende : encadrée à une bordure 28">
+            <a:extLst>
+              <a:ext uri="{FF2B5EF4-FFF2-40B4-BE49-F238E27FC236}">
+                <a16:creationId xmlns:a16="http://schemas.microsoft.com/office/drawing/2014/main" id="{135D9130-B207-077A-1B7A-977EB10AE25A}"/>
+              </a:ext>
+            </a:extLst>
+          </p:cNvPr>
+          <p:cNvSpPr/>
+          <p:nvPr/>
+        </p:nvSpPr>
+        <p:spPr>
+          <a:xfrm>
+            <a:off x="8515093" y="5906771"/>
+            <a:ext cx="3439110" cy="499307"/>
+          </a:xfrm>
+          <a:prstGeom prst="accentBorderCallout1">
+            <a:avLst>
+              <a:gd name="adj1" fmla="val 18750"/>
+              <a:gd name="adj2" fmla="val -8333"/>
+              <a:gd name="adj3" fmla="val -55245"/>
+              <a:gd name="adj4" fmla="val -40134"/>
+            </a:avLst>
+          </a:prstGeom>
+          <a:ln>
+            <a:solidFill>
+              <a:schemeClr val="accent4"/>
+            </a:solidFill>
+          </a:ln>
+        </p:spPr>
+        <p:style>
+          <a:lnRef idx="0">
+            <a:schemeClr val="accent4"/>
+          </a:lnRef>
+          <a:fillRef idx="3">
+            <a:schemeClr val="accent4"/>
+          </a:fillRef>
+          <a:effectRef idx="3">
+            <a:schemeClr val="accent4"/>
+          </a:effectRef>
+          <a:fontRef idx="minor">
+            <a:schemeClr val="lt1"/>
+          </a:fontRef>
+        </p:style>
+        <p:txBody>
+          <a:bodyPr rtlCol="0" anchor="ctr"/>
+          <a:lstStyle/>
+          <a:p>
+            <a:pPr algn="ctr"/>
+            <a:r>
+              <a:rPr lang="fr-FR" sz="1400" dirty="0"/>
+              <a:t>Intitulé à afficher à la place du nom de la 1</a:t>
+            </a:r>
+            <a:r>
+              <a:rPr lang="fr-FR" sz="1400" baseline="30000" dirty="0"/>
+              <a:t>ère</a:t>
+            </a:r>
+            <a:r>
+              <a:rPr lang="fr-FR" sz="1400" dirty="0"/>
+              <a:t> compétition en cas de multi-compétition</a:t>
+            </a:r>
+          </a:p>
+        </p:txBody>
+      </p:sp>
+      <p:sp>
+        <p:nvSpPr>
+          <p:cNvPr id="30" name="Légende : encadrée à une bordure 29">
+            <a:extLst>
+              <a:ext uri="{FF2B5EF4-FFF2-40B4-BE49-F238E27FC236}">
+                <a16:creationId xmlns:a16="http://schemas.microsoft.com/office/drawing/2014/main" id="{35346889-8539-0EEF-4F3B-2932F29FD655}"/>
+              </a:ext>
+            </a:extLst>
+          </p:cNvPr>
+          <p:cNvSpPr/>
+          <p:nvPr/>
+        </p:nvSpPr>
+        <p:spPr>
+          <a:xfrm flipH="1">
+            <a:off x="142537" y="5877678"/>
+            <a:ext cx="3181935" cy="528400"/>
+          </a:xfrm>
+          <a:prstGeom prst="accentBorderCallout1">
+            <a:avLst>
+              <a:gd name="adj1" fmla="val 18750"/>
+              <a:gd name="adj2" fmla="val -8333"/>
+              <a:gd name="adj3" fmla="val -117201"/>
+              <a:gd name="adj4" fmla="val -29338"/>
+            </a:avLst>
+          </a:prstGeom>
+          <a:ln>
+            <a:solidFill>
+              <a:schemeClr val="accent4"/>
+            </a:solidFill>
+          </a:ln>
+        </p:spPr>
+        <p:style>
+          <a:lnRef idx="0">
+            <a:schemeClr val="accent4"/>
+          </a:lnRef>
+          <a:fillRef idx="3">
+            <a:schemeClr val="accent4"/>
+          </a:fillRef>
+          <a:effectRef idx="3">
+            <a:schemeClr val="accent4"/>
+          </a:effectRef>
+          <a:fontRef idx="minor">
+            <a:schemeClr val="lt1"/>
+          </a:fontRef>
+        </p:style>
+        <p:txBody>
+          <a:bodyPr rtlCol="0" anchor="ctr"/>
+          <a:lstStyle/>
+          <a:p>
+            <a:pPr algn="ctr"/>
+            <a:r>
+              <a:rPr lang="fr-FR" sz="1400" dirty="0"/>
+              <a:t>En multi-compétition, utilise un titre spécifique </a:t>
+            </a:r>
+            <a:r>
+              <a:rPr lang="fr-FR" sz="1050" dirty="0"/>
+              <a:t>(sinon nom de la 1</a:t>
+            </a:r>
+            <a:r>
+              <a:rPr lang="fr-FR" sz="1050" baseline="30000" dirty="0"/>
+              <a:t>ère</a:t>
+            </a:r>
+            <a:r>
+              <a:rPr lang="fr-FR" sz="1050" dirty="0"/>
+              <a:t> compétition)</a:t>
+            </a:r>
+            <a:endParaRPr lang="fr-FR" sz="1200" dirty="0"/>
+          </a:p>
+        </p:txBody>
+      </p:sp>
+      <p:sp>
+        <p:nvSpPr>
+          <p:cNvPr id="31" name="Rectangle 30">
+            <a:extLst>
+              <a:ext uri="{FF2B5EF4-FFF2-40B4-BE49-F238E27FC236}">
+                <a16:creationId xmlns:a16="http://schemas.microsoft.com/office/drawing/2014/main" id="{AF45D409-A4E4-B8AA-7BC8-545141C10488}"/>
+              </a:ext>
+            </a:extLst>
+          </p:cNvPr>
+          <p:cNvSpPr/>
+          <p:nvPr/>
+        </p:nvSpPr>
+        <p:spPr>
+          <a:xfrm>
+            <a:off x="4283280" y="5131777"/>
+            <a:ext cx="1942259" cy="197386"/>
+          </a:xfrm>
+          <a:prstGeom prst="rect">
+            <a:avLst/>
+          </a:prstGeom>
+          <a:noFill/>
+          <a:ln w="28575">
+            <a:solidFill>
+              <a:srgbClr val="FFC000"/>
+            </a:solidFill>
+          </a:ln>
+        </p:spPr>
+        <p:style>
+          <a:lnRef idx="2">
+            <a:schemeClr val="accent1">
+              <a:shade val="15000"/>
+            </a:schemeClr>
+          </a:lnRef>
+          <a:fillRef idx="1">
+            <a:schemeClr val="accent1"/>
+          </a:fillRef>
+          <a:effectRef idx="0">
+            <a:schemeClr val="accent1"/>
+          </a:effectRef>
+          <a:fontRef idx="minor">
+            <a:schemeClr val="lt1"/>
+          </a:fontRef>
+        </p:style>
+        <p:txBody>
+          <a:bodyPr rtlCol="0" anchor="ctr"/>
+          <a:lstStyle/>
+          <a:p>
+            <a:pPr algn="ctr"/>
+            <a:endParaRPr lang="fr-FR"/>
+          </a:p>
+        </p:txBody>
+      </p:sp>
+      <p:sp>
+        <p:nvSpPr>
+          <p:cNvPr id="33" name="Rectangle 32">
+            <a:extLst>
+              <a:ext uri="{FF2B5EF4-FFF2-40B4-BE49-F238E27FC236}">
+                <a16:creationId xmlns:a16="http://schemas.microsoft.com/office/drawing/2014/main" id="{E8B4E578-619C-1377-C9AF-305416A90341}"/>
+              </a:ext>
+            </a:extLst>
+          </p:cNvPr>
+          <p:cNvSpPr/>
+          <p:nvPr/>
+        </p:nvSpPr>
+        <p:spPr>
+          <a:xfrm>
+            <a:off x="4571253" y="5402232"/>
+            <a:ext cx="2629647" cy="197386"/>
+          </a:xfrm>
+          <a:prstGeom prst="rect">
+            <a:avLst/>
+          </a:prstGeom>
+          <a:noFill/>
+          <a:ln w="28575">
+            <a:solidFill>
+              <a:srgbClr val="FFC000"/>
+            </a:solidFill>
+          </a:ln>
+        </p:spPr>
+        <p:style>
+          <a:lnRef idx="2">
+            <a:schemeClr val="accent1">
+              <a:shade val="15000"/>
+            </a:schemeClr>
+          </a:lnRef>
+          <a:fillRef idx="1">
+            <a:schemeClr val="accent1"/>
+          </a:fillRef>
+          <a:effectRef idx="0">
+            <a:schemeClr val="accent1"/>
+          </a:effectRef>
+          <a:fontRef idx="minor">
+            <a:schemeClr val="lt1"/>
+          </a:fontRef>
+        </p:style>
+        <p:txBody>
+          <a:bodyPr rtlCol="0" anchor="ctr"/>
+          <a:lstStyle/>
+          <a:p>
+            <a:pPr algn="ctr"/>
+            <a:endParaRPr lang="fr-FR"/>
           </a:p>
         </p:txBody>
       </p:sp>
@@ -24993,10 +25745,10 @@
       </p:grpSpPr>
       <p:pic>
         <p:nvPicPr>
-          <p:cNvPr id="12" name="Image 11">
-            <a:extLst>
-              <a:ext uri="{FF2B5EF4-FFF2-40B4-BE49-F238E27FC236}">
-                <a16:creationId xmlns:a16="http://schemas.microsoft.com/office/drawing/2014/main" id="{A04F54A9-DC11-4E5C-D6CC-5E6B335A409D}"/>
+          <p:cNvPr id="6" name="Image 5">
+            <a:extLst>
+              <a:ext uri="{FF2B5EF4-FFF2-40B4-BE49-F238E27FC236}">
+                <a16:creationId xmlns:a16="http://schemas.microsoft.com/office/drawing/2014/main" id="{E311564A-38E8-B9FC-A183-CBED7A9D1CA6}"/>
               </a:ext>
             </a:extLst>
           </p:cNvPr>
@@ -25007,13 +25759,15 @@
         </p:nvPicPr>
         <p:blipFill>
           <a:blip r:embed="rId2"/>
-          <a:srcRect l="53137" t="8170" r="2164" b="10572"/>
-          <a:stretch/>
+          <a:srcRect l="50462" t="6981" r="1052" b="10052"/>
+          <a:stretch>
+            <a:fillRect/>
+          </a:stretch>
         </p:blipFill>
         <p:spPr>
           <a:xfrm>
-            <a:off x="4200872" y="2049070"/>
-            <a:ext cx="3474720" cy="3320866"/>
+            <a:off x="4174153" y="1770246"/>
+            <a:ext cx="3400384" cy="3703359"/>
           </a:xfrm>
           <a:prstGeom prst="rect">
             <a:avLst/>
@@ -25095,15 +25849,15 @@
         </p:nvSpPr>
         <p:spPr>
           <a:xfrm flipH="1">
-            <a:off x="305069" y="4200798"/>
+            <a:off x="305067" y="3429000"/>
             <a:ext cx="3181935" cy="528401"/>
           </a:xfrm>
           <a:prstGeom prst="accentBorderCallout1">
             <a:avLst>
               <a:gd name="adj1" fmla="val 18750"/>
               <a:gd name="adj2" fmla="val -8333"/>
-              <a:gd name="adj3" fmla="val 31667"/>
-              <a:gd name="adj4" fmla="val -26206"/>
+              <a:gd name="adj3" fmla="val 73488"/>
+              <a:gd name="adj4" fmla="val -24051"/>
             </a:avLst>
           </a:prstGeom>
           <a:ln>
@@ -25152,8 +25906,8 @@
         </p:nvSpPr>
         <p:spPr>
           <a:xfrm>
-            <a:off x="4328916" y="4117689"/>
-            <a:ext cx="1299240" cy="235042"/>
+            <a:off x="4292312" y="3736542"/>
+            <a:ext cx="1159562" cy="235042"/>
           </a:xfrm>
           <a:prstGeom prst="rect">
             <a:avLst/>
@@ -25204,7 +25958,7 @@
         </p:nvSpPr>
         <p:spPr>
           <a:xfrm>
-            <a:off x="6172199" y="4582430"/>
+            <a:off x="4292312" y="4628567"/>
             <a:ext cx="907473" cy="313128"/>
           </a:xfrm>
           <a:prstGeom prst="rect">
@@ -25263,8 +26017,8 @@
             <a:avLst>
               <a:gd name="adj1" fmla="val 18750"/>
               <a:gd name="adj2" fmla="val -8333"/>
-              <a:gd name="adj3" fmla="val -23117"/>
-              <a:gd name="adj4" fmla="val -29470"/>
+              <a:gd name="adj3" fmla="val -141229"/>
+              <a:gd name="adj4" fmla="val -31194"/>
             </a:avLst>
           </a:prstGeom>
           <a:ln>
@@ -25313,7 +26067,7 @@
         </p:nvSpPr>
         <p:spPr>
           <a:xfrm>
-            <a:off x="4292312" y="4933950"/>
+            <a:off x="4245659" y="4379729"/>
             <a:ext cx="3257372" cy="189182"/>
           </a:xfrm>
           <a:prstGeom prst="rect">
@@ -25365,15 +26119,15 @@
         </p:nvSpPr>
         <p:spPr>
           <a:xfrm flipH="1">
-            <a:off x="323699" y="5040349"/>
+            <a:off x="305067" y="4383248"/>
             <a:ext cx="3181937" cy="283867"/>
           </a:xfrm>
           <a:prstGeom prst="accentBorderCallout1">
             <a:avLst>
               <a:gd name="adj1" fmla="val 18750"/>
               <a:gd name="adj2" fmla="val -8333"/>
-              <a:gd name="adj3" fmla="val -74626"/>
-              <a:gd name="adj4" fmla="val -21580"/>
+              <a:gd name="adj3" fmla="val 24695"/>
+              <a:gd name="adj4" fmla="val -23496"/>
             </a:avLst>
           </a:prstGeom>
           <a:ln>
@@ -25429,8 +26183,8 @@
             <a:avLst>
               <a:gd name="adj1" fmla="val 18750"/>
               <a:gd name="adj2" fmla="val -8333"/>
-              <a:gd name="adj3" fmla="val 144407"/>
-              <a:gd name="adj4" fmla="val -37493"/>
+              <a:gd name="adj3" fmla="val 26364"/>
+              <a:gd name="adj4" fmla="val -38518"/>
             </a:avLst>
           </a:prstGeom>
           <a:ln>
@@ -25479,7 +26233,7 @@
         </p:nvSpPr>
         <p:spPr>
           <a:xfrm>
-            <a:off x="6020773" y="2678960"/>
+            <a:off x="6020773" y="2313992"/>
             <a:ext cx="984864" cy="235042"/>
           </a:xfrm>
           <a:prstGeom prst="rect">
@@ -25538,8 +26292,8 @@
             <a:avLst>
               <a:gd name="adj1" fmla="val 18750"/>
               <a:gd name="adj2" fmla="val -8333"/>
-              <a:gd name="adj3" fmla="val 30757"/>
-              <a:gd name="adj4" fmla="val -37910"/>
+              <a:gd name="adj3" fmla="val -25992"/>
+              <a:gd name="adj4" fmla="val -38166"/>
             </a:avLst>
           </a:prstGeom>
           <a:ln>
@@ -25588,7 +26342,7 @@
         </p:nvSpPr>
         <p:spPr>
           <a:xfrm>
-            <a:off x="6020773" y="3052706"/>
+            <a:off x="6020773" y="2679601"/>
             <a:ext cx="984864" cy="235042"/>
           </a:xfrm>
           <a:prstGeom prst="rect">
@@ -25639,16 +26393,16 @@
           <p:nvPr/>
         </p:nvSpPr>
         <p:spPr>
-          <a:xfrm>
-            <a:off x="8143436" y="4895557"/>
-            <a:ext cx="2974144" cy="483119"/>
+          <a:xfrm flipH="1">
+            <a:off x="305067" y="4900632"/>
+            <a:ext cx="3181935" cy="483119"/>
           </a:xfrm>
           <a:prstGeom prst="accentBorderCallout1">
             <a:avLst>
               <a:gd name="adj1" fmla="val 18750"/>
               <a:gd name="adj2" fmla="val -8333"/>
-              <a:gd name="adj3" fmla="val -48523"/>
-              <a:gd name="adj4" fmla="val -34931"/>
+              <a:gd name="adj3" fmla="val -2783"/>
+              <a:gd name="adj4" fmla="val -25112"/>
             </a:avLst>
           </a:prstGeom>
           <a:ln>
@@ -25697,7 +26451,7 @@
         </p:nvSpPr>
         <p:spPr>
           <a:xfrm>
-            <a:off x="6063635" y="3372135"/>
+            <a:off x="5982673" y="2983123"/>
             <a:ext cx="1137265" cy="1123665"/>
           </a:xfrm>
           <a:prstGeom prst="rect">
@@ -25749,7 +26503,7 @@
         </p:nvSpPr>
         <p:spPr>
           <a:xfrm>
-            <a:off x="5667375" y="4117689"/>
+            <a:off x="5488152" y="3727073"/>
             <a:ext cx="232244" cy="235042"/>
           </a:xfrm>
           <a:prstGeom prst="rect">
@@ -25801,15 +26555,15 @@
         </p:nvSpPr>
         <p:spPr>
           <a:xfrm flipH="1">
-            <a:off x="305069" y="3286236"/>
+            <a:off x="305068" y="2488948"/>
             <a:ext cx="3181935" cy="528401"/>
           </a:xfrm>
           <a:prstGeom prst="accentBorderCallout1">
             <a:avLst>
               <a:gd name="adj1" fmla="val 18750"/>
               <a:gd name="adj2" fmla="val -8333"/>
-              <a:gd name="adj3" fmla="val 150842"/>
-              <a:gd name="adj4" fmla="val -71210"/>
+              <a:gd name="adj3" fmla="val 235925"/>
+              <a:gd name="adj4" fmla="val -66421"/>
             </a:avLst>
           </a:prstGeom>
           <a:ln>
@@ -25911,6 +26665,123 @@
               <a:rPr lang="fr-FR" sz="1800" i="1" dirty="0"/>
               <a:t>, etc.</a:t>
             </a:r>
+          </a:p>
+        </p:txBody>
+      </p:sp>
+      <p:sp>
+        <p:nvSpPr>
+          <p:cNvPr id="9" name="Légende : encadrée à une bordure 8">
+            <a:extLst>
+              <a:ext uri="{FF2B5EF4-FFF2-40B4-BE49-F238E27FC236}">
+                <a16:creationId xmlns:a16="http://schemas.microsoft.com/office/drawing/2014/main" id="{1310838A-310D-16B8-8DDF-AB323F7F6B5A}"/>
+              </a:ext>
+            </a:extLst>
+          </p:cNvPr>
+          <p:cNvSpPr/>
+          <p:nvPr/>
+        </p:nvSpPr>
+        <p:spPr>
+          <a:xfrm>
+            <a:off x="8143436" y="4577267"/>
+            <a:ext cx="2974144" cy="657673"/>
+          </a:xfrm>
+          <a:prstGeom prst="accentBorderCallout1">
+            <a:avLst>
+              <a:gd name="adj1" fmla="val 18750"/>
+              <a:gd name="adj2" fmla="val -8333"/>
+              <a:gd name="adj3" fmla="val 45251"/>
+              <a:gd name="adj4" fmla="val -22633"/>
+            </a:avLst>
+          </a:prstGeom>
+          <a:ln>
+            <a:solidFill>
+              <a:schemeClr val="accent4"/>
+            </a:solidFill>
+          </a:ln>
+        </p:spPr>
+        <p:style>
+          <a:lnRef idx="0">
+            <a:schemeClr val="accent4"/>
+          </a:lnRef>
+          <a:fillRef idx="3">
+            <a:schemeClr val="accent4"/>
+          </a:fillRef>
+          <a:effectRef idx="3">
+            <a:schemeClr val="accent4"/>
+          </a:effectRef>
+          <a:fontRef idx="minor">
+            <a:schemeClr val="lt1"/>
+          </a:fontRef>
+        </p:style>
+        <p:txBody>
+          <a:bodyPr rtlCol="0" anchor="ctr"/>
+          <a:lstStyle/>
+          <a:p>
+            <a:pPr algn="ctr"/>
+            <a:r>
+              <a:rPr lang="fr-FR" sz="1400" dirty="0"/>
+              <a:t>Force le répertoire de travail à être effacé au démarrage de la 1</a:t>
+            </a:r>
+            <a:r>
+              <a:rPr lang="fr-FR" sz="1400" baseline="30000" dirty="0"/>
+              <a:t>ère</a:t>
+            </a:r>
+            <a:r>
+              <a:rPr lang="fr-FR" sz="1400" dirty="0"/>
+              <a:t> génération</a:t>
+            </a:r>
+          </a:p>
+        </p:txBody>
+      </p:sp>
+      <p:sp>
+        <p:nvSpPr>
+          <p:cNvPr id="11" name="Rectangle 10">
+            <a:extLst>
+              <a:ext uri="{FF2B5EF4-FFF2-40B4-BE49-F238E27FC236}">
+                <a16:creationId xmlns:a16="http://schemas.microsoft.com/office/drawing/2014/main" id="{CDD969C9-C5AD-3E33-5D81-3B62D97C8254}"/>
+              </a:ext>
+            </a:extLst>
+          </p:cNvPr>
+          <p:cNvSpPr/>
+          <p:nvPr/>
+        </p:nvSpPr>
+        <p:spPr>
+          <a:xfrm>
+            <a:off x="5808574" y="4620868"/>
+            <a:ext cx="1694457" cy="220984"/>
+          </a:xfrm>
+          <a:prstGeom prst="rect">
+            <a:avLst/>
+          </a:prstGeom>
+          <a:noFill/>
+          <a:ln w="28575">
+            <a:solidFill>
+              <a:srgbClr val="FFC000"/>
+            </a:solidFill>
+          </a:ln>
+        </p:spPr>
+        <p:style>
+          <a:lnRef idx="2">
+            <a:schemeClr val="accent1">
+              <a:shade val="15000"/>
+            </a:schemeClr>
+          </a:lnRef>
+          <a:fillRef idx="1">
+            <a:schemeClr val="accent1"/>
+          </a:fillRef>
+          <a:effectRef idx="0">
+            <a:schemeClr val="accent1"/>
+          </a:effectRef>
+          <a:fontRef idx="minor">
+            <a:schemeClr val="lt1"/>
+          </a:fontRef>
+        </p:style>
+        <p:txBody>
+          <a:bodyPr rtlCol="0" anchor="ctr"/>
+          <a:lstStyle/>
+          <a:p>
+            <a:pPr algn="ctr"/>
+            <a:endParaRPr lang="fr-FR"/>
           </a:p>
         </p:txBody>
       </p:sp>
@@ -32289,6 +33160,200 @@
   <p:cSld>
     <p:spTree>
       <p:nvGrpSpPr>
+        <p:cNvPr id="1" name="">
+          <a:extLst>
+            <a:ext uri="{FF2B5EF4-FFF2-40B4-BE49-F238E27FC236}">
+              <a16:creationId xmlns:a16="http://schemas.microsoft.com/office/drawing/2014/main" id="{244A9A61-54E7-1292-2331-CEEADAAA48A3}"/>
+            </a:ext>
+          </a:extLst>
+        </p:cNvPr>
+        <p:cNvGrpSpPr/>
+        <p:nvPr/>
+      </p:nvGrpSpPr>
+      <p:grpSpPr>
+        <a:xfrm>
+          <a:off x="0" y="0"/>
+          <a:ext cx="0" cy="0"/>
+          <a:chOff x="0" y="0"/>
+          <a:chExt cx="0" cy="0"/>
+        </a:xfrm>
+      </p:grpSpPr>
+      <p:sp>
+        <p:nvSpPr>
+          <p:cNvPr id="2" name="Titre 1">
+            <a:extLst>
+              <a:ext uri="{FF2B5EF4-FFF2-40B4-BE49-F238E27FC236}">
+                <a16:creationId xmlns:a16="http://schemas.microsoft.com/office/drawing/2014/main" id="{7A5F4D0C-9D2D-C001-906A-D5E1E6B26AFE}"/>
+              </a:ext>
+            </a:extLst>
+          </p:cNvPr>
+          <p:cNvSpPr>
+            <a:spLocks noGrp="1"/>
+          </p:cNvSpPr>
+          <p:nvPr>
+            <p:ph type="title"/>
+          </p:nvPr>
+        </p:nvSpPr>
+        <p:spPr/>
+        <p:txBody>
+          <a:bodyPr/>
+          <a:lstStyle/>
+          <a:p>
+            <a:r>
+              <a:rPr lang="fr-FR" dirty="0"/>
+              <a:t> Aide à la</a:t>
+            </a:r>
+          </a:p>
+        </p:txBody>
+      </p:sp>
+      <p:sp>
+        <p:nvSpPr>
+          <p:cNvPr id="3" name="Espace réservé du texte 2">
+            <a:extLst>
+              <a:ext uri="{FF2B5EF4-FFF2-40B4-BE49-F238E27FC236}">
+                <a16:creationId xmlns:a16="http://schemas.microsoft.com/office/drawing/2014/main" id="{12635099-1FCE-24CA-34B4-E855900F3A0C}"/>
+              </a:ext>
+            </a:extLst>
+          </p:cNvPr>
+          <p:cNvSpPr>
+            <a:spLocks noGrp="1"/>
+          </p:cNvSpPr>
+          <p:nvPr>
+            <p:ph type="body" idx="1"/>
+          </p:nvPr>
+        </p:nvSpPr>
+        <p:spPr>
+          <a:xfrm>
+            <a:off x="304046" y="1629476"/>
+            <a:ext cx="11506953" cy="4908484"/>
+          </a:xfrm>
+        </p:spPr>
+        <p:txBody>
+          <a:bodyPr/>
+          <a:lstStyle/>
+          <a:p>
+            <a:pPr marL="101598" indent="0">
+              <a:buNone/>
+            </a:pPr>
+            <a:r>
+              <a:rPr lang="fr-FR" b="1" dirty="0"/>
+              <a:t>Délai de génération:</a:t>
+            </a:r>
+          </a:p>
+          <a:p>
+            <a:r>
+              <a:rPr lang="fr-FR" sz="1400" dirty="0"/>
+              <a:t>Ce temps correspond à l’intervalle d’attente entre 2 cycles de génération/diffusion. Un délai trop important entrainera des retards d’actualisation par rapport au déroulement de la compétition. Un délai trop long peut, notamment dans le cas d’une ligne FTP lente, provoquer un engorgement. Si le délai « Génération » + « Publication » est supérieur au délai configuré, l’application attendra dans tous les cas 5 secondes avant de relancer une nouvelle génération. Il est recommandé d’ajuster ce paramètre tel que: il soit supérieur au plus grand de génération/actualisation constaté (</a:t>
+            </a:r>
+            <a:r>
+              <a:rPr lang="fr-FR" sz="1400" i="1" dirty="0"/>
+              <a:t>cf.</a:t>
+            </a:r>
+            <a:r>
+              <a:rPr lang="fr-FR" sz="1400" dirty="0"/>
+              <a:t> page de statistiques), il ne soit pas trop important par rapport à la vitesse de déroulement de la compétition. Typiquement entre 30 sec. et 2 min. sont des valeurs habituelles.</a:t>
+            </a:r>
+          </a:p>
+          <a:p>
+            <a:pPr marL="101598" indent="0">
+              <a:buNone/>
+            </a:pPr>
+            <a:r>
+              <a:rPr lang="fr-FR" b="1" dirty="0"/>
+              <a:t>Délai d’actualisation client:</a:t>
+            </a:r>
+          </a:p>
+          <a:p>
+            <a:r>
+              <a:rPr lang="fr-FR" sz="1400" dirty="0"/>
+              <a:t>Ce temps correspondant au temps de rafraichissement automatique sur le PC/smartphone d’un utilisateur. Il est inutile de configurer une valeur plus faible que le délai de génération, cela ne ferait que forcer les navigateurs des utilisateurs à faire des actualisations sans pour autant que de nouvelles données aient été générées. Une valeur typique est de l’ordre de celle utilisée pour le délai de génération.</a:t>
+            </a:r>
+          </a:p>
+          <a:p>
+            <a:pPr marL="101598" indent="0">
+              <a:buNone/>
+            </a:pPr>
+            <a:r>
+              <a:rPr lang="fr-FR" b="1" dirty="0"/>
+              <a:t>Répertoire d’export:</a:t>
+            </a:r>
+          </a:p>
+          <a:p>
+            <a:r>
+              <a:rPr lang="fr-FR" sz="1400" dirty="0"/>
+              <a:t>Il n’est pas recommandé d’utiliser un répertoire « Cloud » (type OneDrive, </a:t>
+            </a:r>
+            <a:r>
+              <a:rPr lang="fr-FR" sz="1400" dirty="0" err="1"/>
+              <a:t>pCloud</a:t>
+            </a:r>
+            <a:r>
+              <a:rPr lang="fr-FR" sz="1400" dirty="0"/>
+              <a:t>, </a:t>
+            </a:r>
+            <a:r>
+              <a:rPr lang="fr-FR" sz="1400" dirty="0" err="1"/>
+              <a:t>DropBox</a:t>
+            </a:r>
+            <a:r>
+              <a:rPr lang="fr-FR" sz="1400" dirty="0"/>
+              <a:t>, etc.) en tant que répertoire d’export, des dysfonctionnements peuvent être constatés dans le cas contraire.</a:t>
+            </a:r>
+          </a:p>
+          <a:p>
+            <a:endParaRPr lang="fr-FR" sz="1400" dirty="0"/>
+          </a:p>
+          <a:p>
+            <a:endParaRPr lang="fr-FR" dirty="0"/>
+          </a:p>
+        </p:txBody>
+      </p:sp>
+      <p:sp>
+        <p:nvSpPr>
+          <p:cNvPr id="4" name="Espace réservé du texte 3">
+            <a:extLst>
+              <a:ext uri="{FF2B5EF4-FFF2-40B4-BE49-F238E27FC236}">
+                <a16:creationId xmlns:a16="http://schemas.microsoft.com/office/drawing/2014/main" id="{19BAFA66-66E4-D08A-8886-FE3577892964}"/>
+              </a:ext>
+            </a:extLst>
+          </p:cNvPr>
+          <p:cNvSpPr>
+            <a:spLocks noGrp="1"/>
+          </p:cNvSpPr>
+          <p:nvPr>
+            <p:ph type="body" sz="quarter" idx="15"/>
+          </p:nvPr>
+        </p:nvSpPr>
+        <p:spPr/>
+        <p:txBody>
+          <a:bodyPr/>
+          <a:lstStyle/>
+          <a:p>
+            <a:r>
+              <a:rPr lang="fr-FR" dirty="0"/>
+              <a:t>Mise en œuvre</a:t>
+            </a:r>
+          </a:p>
+        </p:txBody>
+      </p:sp>
+    </p:spTree>
+    <p:extLst>
+      <p:ext uri="{BB962C8B-B14F-4D97-AF65-F5344CB8AC3E}">
+        <p14:creationId xmlns:p14="http://schemas.microsoft.com/office/powerpoint/2010/main" val="12790990"/>
+      </p:ext>
+    </p:extLst>
+  </p:cSld>
+  <p:clrMapOvr>
+    <a:masterClrMapping/>
+  </p:clrMapOvr>
+</p:sld>
+</file>
+
+<file path=ppt/slides/slide28.xml><?xml version="1.0" encoding="utf-8"?>
+<p:sld xmlns:a="http://schemas.openxmlformats.org/drawingml/2006/main" xmlns:r="http://schemas.openxmlformats.org/officeDocument/2006/relationships" xmlns:p="http://schemas.openxmlformats.org/presentationml/2006/main">
+  <p:cSld>
+    <p:spTree>
+      <p:nvGrpSpPr>
         <p:cNvPr id="1" name=""/>
         <p:cNvGrpSpPr/>
         <p:nvPr/>
@@ -32400,7 +33465,7 @@
 </p:sld>
 </file>
 
-<file path=ppt/slides/slide28.xml><?xml version="1.0" encoding="utf-8"?>
+<file path=ppt/slides/slide29.xml><?xml version="1.0" encoding="utf-8"?>
 <p:sld xmlns:a="http://schemas.openxmlformats.org/drawingml/2006/main" xmlns:r="http://schemas.openxmlformats.org/officeDocument/2006/relationships" xmlns:p="http://schemas.openxmlformats.org/presentationml/2006/main">
   <p:cSld>
     <p:spTree>
@@ -32847,7 +33912,123 @@
 </p:sld>
 </file>
 
-<file path=ppt/slides/slide29.xml><?xml version="1.0" encoding="utf-8"?>
+<file path=ppt/slides/slide3.xml><?xml version="1.0" encoding="utf-8"?>
+<p:sld xmlns:a="http://schemas.openxmlformats.org/drawingml/2006/main" xmlns:r="http://schemas.openxmlformats.org/officeDocument/2006/relationships" xmlns:p="http://schemas.openxmlformats.org/presentationml/2006/main">
+  <p:cSld>
+    <p:spTree>
+      <p:nvGrpSpPr>
+        <p:cNvPr id="1" name=""/>
+        <p:cNvGrpSpPr/>
+        <p:nvPr/>
+      </p:nvGrpSpPr>
+      <p:grpSpPr>
+        <a:xfrm>
+          <a:off x="0" y="0"/>
+          <a:ext cx="0" cy="0"/>
+          <a:chOff x="0" y="0"/>
+          <a:chExt cx="0" cy="0"/>
+        </a:xfrm>
+      </p:grpSpPr>
+      <p:sp>
+        <p:nvSpPr>
+          <p:cNvPr id="4" name="Titre 3">
+            <a:extLst>
+              <a:ext uri="{FF2B5EF4-FFF2-40B4-BE49-F238E27FC236}">
+                <a16:creationId xmlns:a16="http://schemas.microsoft.com/office/drawing/2014/main" id="{5AB25890-5D2B-8A4F-90E1-E25E94E888E5}"/>
+              </a:ext>
+            </a:extLst>
+          </p:cNvPr>
+          <p:cNvSpPr>
+            <a:spLocks noGrp="1"/>
+          </p:cNvSpPr>
+          <p:nvPr>
+            <p:ph type="title"/>
+          </p:nvPr>
+        </p:nvSpPr>
+        <p:spPr>
+          <a:prstGeom prst="rect">
+            <a:avLst/>
+          </a:prstGeom>
+        </p:spPr>
+        <p:txBody>
+          <a:bodyPr/>
+          <a:lstStyle/>
+          <a:p>
+            <a:r>
+              <a:rPr lang="fr-FR" dirty="0"/>
+              <a:t>Description générale</a:t>
+            </a:r>
+          </a:p>
+        </p:txBody>
+      </p:sp>
+      <p:sp>
+        <p:nvSpPr>
+          <p:cNvPr id="5" name="Espace réservé du contenu 4">
+            <a:extLst>
+              <a:ext uri="{FF2B5EF4-FFF2-40B4-BE49-F238E27FC236}">
+                <a16:creationId xmlns:a16="http://schemas.microsoft.com/office/drawing/2014/main" id="{24F509AC-E712-3C45-AAC9-0BA6E5C35D4B}"/>
+              </a:ext>
+            </a:extLst>
+          </p:cNvPr>
+          <p:cNvSpPr>
+            <a:spLocks noGrp="1"/>
+          </p:cNvSpPr>
+          <p:nvPr>
+            <p:ph sz="half" idx="1"/>
+          </p:nvPr>
+        </p:nvSpPr>
+        <p:spPr>
+          <a:prstGeom prst="rect">
+            <a:avLst/>
+          </a:prstGeom>
+        </p:spPr>
+        <p:txBody>
+          <a:bodyPr/>
+          <a:lstStyle/>
+          <a:p>
+            <a:r>
+              <a:rPr lang="fr-FR" b="0" dirty="0"/>
+              <a:t>Description du logiciel et des ses fonctionnalités</a:t>
+            </a:r>
+          </a:p>
+        </p:txBody>
+      </p:sp>
+      <p:sp>
+        <p:nvSpPr>
+          <p:cNvPr id="2" name="Espace réservé du texte 1"/>
+          <p:cNvSpPr>
+            <a:spLocks noGrp="1"/>
+          </p:cNvSpPr>
+          <p:nvPr>
+            <p:ph type="body" sz="quarter" idx="10"/>
+          </p:nvPr>
+        </p:nvSpPr>
+        <p:spPr/>
+        <p:txBody>
+          <a:bodyPr/>
+          <a:lstStyle/>
+          <a:p>
+            <a:r>
+              <a:rPr lang="fr-FR" dirty="0"/>
+              <a:t>1</a:t>
+            </a:r>
+          </a:p>
+        </p:txBody>
+      </p:sp>
+    </p:spTree>
+    <p:extLst>
+      <p:ext uri="{BB962C8B-B14F-4D97-AF65-F5344CB8AC3E}">
+        <p14:creationId xmlns:p14="http://schemas.microsoft.com/office/powerpoint/2010/main" val="3615854999"/>
+      </p:ext>
+    </p:extLst>
+  </p:cSld>
+  <p:clrMapOvr>
+    <a:masterClrMapping/>
+  </p:clrMapOvr>
+</p:sld>
+</file>
+
+<file path=ppt/slides/slide30.xml><?xml version="1.0" encoding="utf-8"?>
 <p:sld xmlns:a="http://schemas.openxmlformats.org/drawingml/2006/main" xmlns:r="http://schemas.openxmlformats.org/officeDocument/2006/relationships" xmlns:p="http://schemas.openxmlformats.org/presentationml/2006/main">
   <p:cSld>
     <p:spTree>
@@ -33181,123 +34362,7 @@
 </p:sld>
 </file>
 
-<file path=ppt/slides/slide3.xml><?xml version="1.0" encoding="utf-8"?>
-<p:sld xmlns:a="http://schemas.openxmlformats.org/drawingml/2006/main" xmlns:r="http://schemas.openxmlformats.org/officeDocument/2006/relationships" xmlns:p="http://schemas.openxmlformats.org/presentationml/2006/main">
-  <p:cSld>
-    <p:spTree>
-      <p:nvGrpSpPr>
-        <p:cNvPr id="1" name=""/>
-        <p:cNvGrpSpPr/>
-        <p:nvPr/>
-      </p:nvGrpSpPr>
-      <p:grpSpPr>
-        <a:xfrm>
-          <a:off x="0" y="0"/>
-          <a:ext cx="0" cy="0"/>
-          <a:chOff x="0" y="0"/>
-          <a:chExt cx="0" cy="0"/>
-        </a:xfrm>
-      </p:grpSpPr>
-      <p:sp>
-        <p:nvSpPr>
-          <p:cNvPr id="4" name="Titre 3">
-            <a:extLst>
-              <a:ext uri="{FF2B5EF4-FFF2-40B4-BE49-F238E27FC236}">
-                <a16:creationId xmlns:a16="http://schemas.microsoft.com/office/drawing/2014/main" id="{5AB25890-5D2B-8A4F-90E1-E25E94E888E5}"/>
-              </a:ext>
-            </a:extLst>
-          </p:cNvPr>
-          <p:cNvSpPr>
-            <a:spLocks noGrp="1"/>
-          </p:cNvSpPr>
-          <p:nvPr>
-            <p:ph type="title"/>
-          </p:nvPr>
-        </p:nvSpPr>
-        <p:spPr>
-          <a:prstGeom prst="rect">
-            <a:avLst/>
-          </a:prstGeom>
-        </p:spPr>
-        <p:txBody>
-          <a:bodyPr/>
-          <a:lstStyle/>
-          <a:p>
-            <a:r>
-              <a:rPr lang="fr-FR" dirty="0"/>
-              <a:t>Description générale</a:t>
-            </a:r>
-          </a:p>
-        </p:txBody>
-      </p:sp>
-      <p:sp>
-        <p:nvSpPr>
-          <p:cNvPr id="5" name="Espace réservé du contenu 4">
-            <a:extLst>
-              <a:ext uri="{FF2B5EF4-FFF2-40B4-BE49-F238E27FC236}">
-                <a16:creationId xmlns:a16="http://schemas.microsoft.com/office/drawing/2014/main" id="{24F509AC-E712-3C45-AAC9-0BA6E5C35D4B}"/>
-              </a:ext>
-            </a:extLst>
-          </p:cNvPr>
-          <p:cNvSpPr>
-            <a:spLocks noGrp="1"/>
-          </p:cNvSpPr>
-          <p:nvPr>
-            <p:ph sz="half" idx="1"/>
-          </p:nvPr>
-        </p:nvSpPr>
-        <p:spPr>
-          <a:prstGeom prst="rect">
-            <a:avLst/>
-          </a:prstGeom>
-        </p:spPr>
-        <p:txBody>
-          <a:bodyPr/>
-          <a:lstStyle/>
-          <a:p>
-            <a:r>
-              <a:rPr lang="fr-FR" b="0" dirty="0"/>
-              <a:t>Description du logiciel et des ses fonctionnalités</a:t>
-            </a:r>
-          </a:p>
-        </p:txBody>
-      </p:sp>
-      <p:sp>
-        <p:nvSpPr>
-          <p:cNvPr id="2" name="Espace réservé du texte 1"/>
-          <p:cNvSpPr>
-            <a:spLocks noGrp="1"/>
-          </p:cNvSpPr>
-          <p:nvPr>
-            <p:ph type="body" sz="quarter" idx="10"/>
-          </p:nvPr>
-        </p:nvSpPr>
-        <p:spPr/>
-        <p:txBody>
-          <a:bodyPr/>
-          <a:lstStyle/>
-          <a:p>
-            <a:r>
-              <a:rPr lang="fr-FR" dirty="0"/>
-              <a:t>1</a:t>
-            </a:r>
-          </a:p>
-        </p:txBody>
-      </p:sp>
-    </p:spTree>
-    <p:extLst>
-      <p:ext uri="{BB962C8B-B14F-4D97-AF65-F5344CB8AC3E}">
-        <p14:creationId xmlns:p14="http://schemas.microsoft.com/office/powerpoint/2010/main" val="3615854999"/>
-      </p:ext>
-    </p:extLst>
-  </p:cSld>
-  <p:clrMapOvr>
-    <a:masterClrMapping/>
-  </p:clrMapOvr>
-</p:sld>
-</file>
-
-<file path=ppt/slides/slide30.xml><?xml version="1.0" encoding="utf-8"?>
+<file path=ppt/slides/slide31.xml><?xml version="1.0" encoding="utf-8"?>
 <p:sld xmlns:a="http://schemas.openxmlformats.org/drawingml/2006/main" xmlns:r="http://schemas.openxmlformats.org/officeDocument/2006/relationships" xmlns:p="http://schemas.openxmlformats.org/presentationml/2006/main">
   <p:cSld>
     <p:spTree>
@@ -33681,89 +34746,6 @@
 </p:sld>
 </file>
 
-<file path=ppt/slides/slide31.xml><?xml version="1.0" encoding="utf-8"?>
-<p:sld xmlns:a="http://schemas.openxmlformats.org/drawingml/2006/main" xmlns:r="http://schemas.openxmlformats.org/officeDocument/2006/relationships" xmlns:p="http://schemas.openxmlformats.org/presentationml/2006/main">
-  <p:cSld>
-    <p:spTree>
-      <p:nvGrpSpPr>
-        <p:cNvPr id="1" name=""/>
-        <p:cNvGrpSpPr/>
-        <p:nvPr/>
-      </p:nvGrpSpPr>
-      <p:grpSpPr>
-        <a:xfrm>
-          <a:off x="0" y="0"/>
-          <a:ext cx="0" cy="0"/>
-          <a:chOff x="0" y="0"/>
-          <a:chExt cx="0" cy="0"/>
-        </a:xfrm>
-      </p:grpSpPr>
-      <p:sp>
-        <p:nvSpPr>
-          <p:cNvPr id="8" name="Titre 7">
-            <a:extLst>
-              <a:ext uri="{FF2B5EF4-FFF2-40B4-BE49-F238E27FC236}">
-                <a16:creationId xmlns:a16="http://schemas.microsoft.com/office/drawing/2014/main" id="{0A28920A-A4B1-1B98-5CB7-04341E9FF976}"/>
-              </a:ext>
-            </a:extLst>
-          </p:cNvPr>
-          <p:cNvSpPr>
-            <a:spLocks noGrp="1"/>
-          </p:cNvSpPr>
-          <p:nvPr>
-            <p:ph type="title"/>
-          </p:nvPr>
-        </p:nvSpPr>
-        <p:spPr/>
-        <p:txBody>
-          <a:bodyPr/>
-          <a:lstStyle/>
-          <a:p>
-            <a:r>
-              <a:rPr lang="fr-FR" dirty="0"/>
-              <a:t>Annexe</a:t>
-            </a:r>
-          </a:p>
-        </p:txBody>
-      </p:sp>
-      <p:sp>
-        <p:nvSpPr>
-          <p:cNvPr id="9" name="Espace réservé du contenu 8">
-            <a:extLst>
-              <a:ext uri="{FF2B5EF4-FFF2-40B4-BE49-F238E27FC236}">
-                <a16:creationId xmlns:a16="http://schemas.microsoft.com/office/drawing/2014/main" id="{48CE4D4E-D1F7-3BE0-7833-9EB1BD2A30C8}"/>
-              </a:ext>
-            </a:extLst>
-          </p:cNvPr>
-          <p:cNvSpPr>
-            <a:spLocks noGrp="1"/>
-          </p:cNvSpPr>
-          <p:nvPr>
-            <p:ph sz="half" idx="1"/>
-          </p:nvPr>
-        </p:nvSpPr>
-        <p:spPr/>
-        <p:txBody>
-          <a:bodyPr/>
-          <a:lstStyle/>
-          <a:p>
-            <a:endParaRPr lang="fr-FR"/>
-          </a:p>
-        </p:txBody>
-      </p:sp>
-    </p:spTree>
-    <p:extLst>
-      <p:ext uri="{BB962C8B-B14F-4D97-AF65-F5344CB8AC3E}">
-        <p14:creationId xmlns:p14="http://schemas.microsoft.com/office/powerpoint/2010/main" val="4026041428"/>
-      </p:ext>
-    </p:extLst>
-  </p:cSld>
-  <p:clrMapOvr>
-    <a:masterClrMapping/>
-  </p:clrMapOvr>
-</p:sld>
-</file>
-
 <file path=ppt/slides/slide32.xml><?xml version="1.0" encoding="utf-8"?>
 <p:sld xmlns:a="http://schemas.openxmlformats.org/drawingml/2006/main" xmlns:r="http://schemas.openxmlformats.org/officeDocument/2006/relationships" xmlns:p="http://schemas.openxmlformats.org/presentationml/2006/main">
   <p:cSld>
@@ -33783,10 +34765,10 @@
       </p:grpSpPr>
       <p:sp>
         <p:nvSpPr>
-          <p:cNvPr id="5" name="Titre 4">
-            <a:extLst>
-              <a:ext uri="{FF2B5EF4-FFF2-40B4-BE49-F238E27FC236}">
-                <a16:creationId xmlns:a16="http://schemas.microsoft.com/office/drawing/2014/main" id="{A87CE6F6-4320-4BF1-A136-A65C0670D3C6}"/>
+          <p:cNvPr id="8" name="Titre 7">
+            <a:extLst>
+              <a:ext uri="{FF2B5EF4-FFF2-40B4-BE49-F238E27FC236}">
+                <a16:creationId xmlns:a16="http://schemas.microsoft.com/office/drawing/2014/main" id="{0A28920A-A4B1-1B98-5CB7-04341E9FF976}"/>
               </a:ext>
             </a:extLst>
           </p:cNvPr>
@@ -33804,6 +34786,89 @@
           <a:p>
             <a:r>
               <a:rPr lang="fr-FR" dirty="0"/>
+              <a:t>Annexe</a:t>
+            </a:r>
+          </a:p>
+        </p:txBody>
+      </p:sp>
+      <p:sp>
+        <p:nvSpPr>
+          <p:cNvPr id="9" name="Espace réservé du contenu 8">
+            <a:extLst>
+              <a:ext uri="{FF2B5EF4-FFF2-40B4-BE49-F238E27FC236}">
+                <a16:creationId xmlns:a16="http://schemas.microsoft.com/office/drawing/2014/main" id="{48CE4D4E-D1F7-3BE0-7833-9EB1BD2A30C8}"/>
+              </a:ext>
+            </a:extLst>
+          </p:cNvPr>
+          <p:cNvSpPr>
+            <a:spLocks noGrp="1"/>
+          </p:cNvSpPr>
+          <p:nvPr>
+            <p:ph sz="half" idx="1"/>
+          </p:nvPr>
+        </p:nvSpPr>
+        <p:spPr/>
+        <p:txBody>
+          <a:bodyPr/>
+          <a:lstStyle/>
+          <a:p>
+            <a:endParaRPr lang="fr-FR"/>
+          </a:p>
+        </p:txBody>
+      </p:sp>
+    </p:spTree>
+    <p:extLst>
+      <p:ext uri="{BB962C8B-B14F-4D97-AF65-F5344CB8AC3E}">
+        <p14:creationId xmlns:p14="http://schemas.microsoft.com/office/powerpoint/2010/main" val="4026041428"/>
+      </p:ext>
+    </p:extLst>
+  </p:cSld>
+  <p:clrMapOvr>
+    <a:masterClrMapping/>
+  </p:clrMapOvr>
+</p:sld>
+</file>
+
+<file path=ppt/slides/slide33.xml><?xml version="1.0" encoding="utf-8"?>
+<p:sld xmlns:a="http://schemas.openxmlformats.org/drawingml/2006/main" xmlns:r="http://schemas.openxmlformats.org/officeDocument/2006/relationships" xmlns:p="http://schemas.openxmlformats.org/presentationml/2006/main">
+  <p:cSld>
+    <p:spTree>
+      <p:nvGrpSpPr>
+        <p:cNvPr id="1" name=""/>
+        <p:cNvGrpSpPr/>
+        <p:nvPr/>
+      </p:nvGrpSpPr>
+      <p:grpSpPr>
+        <a:xfrm>
+          <a:off x="0" y="0"/>
+          <a:ext cx="0" cy="0"/>
+          <a:chOff x="0" y="0"/>
+          <a:chExt cx="0" cy="0"/>
+        </a:xfrm>
+      </p:grpSpPr>
+      <p:sp>
+        <p:nvSpPr>
+          <p:cNvPr id="5" name="Titre 4">
+            <a:extLst>
+              <a:ext uri="{FF2B5EF4-FFF2-40B4-BE49-F238E27FC236}">
+                <a16:creationId xmlns:a16="http://schemas.microsoft.com/office/drawing/2014/main" id="{A87CE6F6-4320-4BF1-A136-A65C0670D3C6}"/>
+              </a:ext>
+            </a:extLst>
+          </p:cNvPr>
+          <p:cNvSpPr>
+            <a:spLocks noGrp="1"/>
+          </p:cNvSpPr>
+          <p:nvPr>
+            <p:ph type="title"/>
+          </p:nvPr>
+        </p:nvSpPr>
+        <p:spPr/>
+        <p:txBody>
+          <a:bodyPr/>
+          <a:lstStyle/>
+          <a:p>
+            <a:r>
+              <a:rPr lang="fr-FR" dirty="0"/>
               <a:t>Matrice de compatibilité</a:t>
             </a:r>
           </a:p>
@@ -33852,14 +34917,14 @@
           <p:nvPr>
             <p:extLst>
               <p:ext uri="{D42A27DB-BD31-4B8C-83A1-F6EECF244321}">
-                <p14:modId xmlns:p14="http://schemas.microsoft.com/office/powerpoint/2010/main" val="776795178"/>
+                <p14:modId xmlns:p14="http://schemas.microsoft.com/office/powerpoint/2010/main" val="1672245147"/>
               </p:ext>
             </p:extLst>
           </p:nvPr>
         </p:nvGraphicFramePr>
         <p:xfrm>
-          <a:off x="1031598" y="1659834"/>
-          <a:ext cx="9603968" cy="4152457"/>
+          <a:off x="361038" y="1727064"/>
+          <a:ext cx="11079569" cy="4177086"/>
         </p:xfrm>
         <a:graphic>
           <a:graphicData uri="http://schemas.openxmlformats.org/drawingml/2006/table">
@@ -33868,91 +34933,98 @@
                 <a:tableStyleId>{7DF18680-E054-41AD-8BC1-D1AEF772440D}</a:tableStyleId>
               </a:tblPr>
               <a:tblGrid>
-                <a:gridCol w="452757">
+                <a:gridCol w="433022">
                   <a:extLst>
                     <a:ext uri="{9D8B030D-6E8A-4147-A177-3AD203B41FA5}">
                       <a16:colId xmlns:a16="http://schemas.microsoft.com/office/drawing/2014/main" val="3736857135"/>
                     </a:ext>
                   </a:extLst>
                 </a:gridCol>
-                <a:gridCol w="801485">
+                <a:gridCol w="819480">
                   <a:extLst>
                     <a:ext uri="{9D8B030D-6E8A-4147-A177-3AD203B41FA5}">
                       <a16:colId xmlns:a16="http://schemas.microsoft.com/office/drawing/2014/main" val="3696878891"/>
                     </a:ext>
                   </a:extLst>
                 </a:gridCol>
-                <a:gridCol w="759066">
+                <a:gridCol w="819480">
                   <a:extLst>
                     <a:ext uri="{9D8B030D-6E8A-4147-A177-3AD203B41FA5}">
                       <a16:colId xmlns:a16="http://schemas.microsoft.com/office/drawing/2014/main" val="2257898591"/>
                     </a:ext>
                   </a:extLst>
                 </a:gridCol>
-                <a:gridCol w="759066">
+                <a:gridCol w="819480">
                   <a:extLst>
                     <a:ext uri="{9D8B030D-6E8A-4147-A177-3AD203B41FA5}">
                       <a16:colId xmlns:a16="http://schemas.microsoft.com/office/drawing/2014/main" val="2384296798"/>
                     </a:ext>
                   </a:extLst>
                 </a:gridCol>
-                <a:gridCol w="759066">
+                <a:gridCol w="819480">
                   <a:extLst>
                     <a:ext uri="{9D8B030D-6E8A-4147-A177-3AD203B41FA5}">
                       <a16:colId xmlns:a16="http://schemas.microsoft.com/office/drawing/2014/main" val="618733032"/>
                     </a:ext>
                   </a:extLst>
                 </a:gridCol>
-                <a:gridCol w="759066">
+                <a:gridCol w="819480">
                   <a:extLst>
                     <a:ext uri="{9D8B030D-6E8A-4147-A177-3AD203B41FA5}">
                       <a16:colId xmlns:a16="http://schemas.microsoft.com/office/drawing/2014/main" val="3964921429"/>
                     </a:ext>
                   </a:extLst>
                 </a:gridCol>
-                <a:gridCol w="759066">
+                <a:gridCol w="819480">
                   <a:extLst>
                     <a:ext uri="{9D8B030D-6E8A-4147-A177-3AD203B41FA5}">
                       <a16:colId xmlns:a16="http://schemas.microsoft.com/office/drawing/2014/main" val="2528599786"/>
                     </a:ext>
                   </a:extLst>
                 </a:gridCol>
-                <a:gridCol w="759066">
+                <a:gridCol w="819480">
                   <a:extLst>
                     <a:ext uri="{9D8B030D-6E8A-4147-A177-3AD203B41FA5}">
                       <a16:colId xmlns:a16="http://schemas.microsoft.com/office/drawing/2014/main" val="2631112101"/>
                     </a:ext>
                   </a:extLst>
                 </a:gridCol>
-                <a:gridCol w="759066">
+                <a:gridCol w="819480">
                   <a:extLst>
                     <a:ext uri="{9D8B030D-6E8A-4147-A177-3AD203B41FA5}">
                       <a16:colId xmlns:a16="http://schemas.microsoft.com/office/drawing/2014/main" val="1640724778"/>
                     </a:ext>
                   </a:extLst>
                 </a:gridCol>
-                <a:gridCol w="759066">
+                <a:gridCol w="819480">
                   <a:extLst>
                     <a:ext uri="{9D8B030D-6E8A-4147-A177-3AD203B41FA5}">
                       <a16:colId xmlns:a16="http://schemas.microsoft.com/office/drawing/2014/main" val="2824390373"/>
                     </a:ext>
                   </a:extLst>
                 </a:gridCol>
-                <a:gridCol w="759066">
+                <a:gridCol w="819480">
                   <a:extLst>
                     <a:ext uri="{9D8B030D-6E8A-4147-A177-3AD203B41FA5}">
                       <a16:colId xmlns:a16="http://schemas.microsoft.com/office/drawing/2014/main" val="3229000006"/>
                     </a:ext>
                   </a:extLst>
                 </a:gridCol>
-                <a:gridCol w="759066">
+                <a:gridCol w="819480">
                   <a:extLst>
                     <a:ext uri="{9D8B030D-6E8A-4147-A177-3AD203B41FA5}">
                       <a16:colId xmlns:a16="http://schemas.microsoft.com/office/drawing/2014/main" val="788621322"/>
                     </a:ext>
                   </a:extLst>
                 </a:gridCol>
-                <a:gridCol w="759066">
+                <a:gridCol w="794068">
+                  <a:extLst>
+                    <a:ext uri="{9D8B030D-6E8A-4147-A177-3AD203B41FA5}">
+                      <a16:colId xmlns:a16="http://schemas.microsoft.com/office/drawing/2014/main" val="2162805490"/>
+                    </a:ext>
+                  </a:extLst>
+                </a:gridCol>
+                <a:gridCol w="838199">
                   <a:extLst>
                     <a:ext uri="{9D8B030D-6E8A-4147-A177-3AD203B41FA5}">
                       <a16:colId xmlns:a16="http://schemas.microsoft.com/office/drawing/2014/main" val="1839021779"/>
@@ -33960,7 +35032,7 @@
                   </a:extLst>
                 </a:gridCol>
               </a:tblGrid>
-              <a:tr h="727366">
+              <a:tr h="489006">
                 <a:tc>
                   <a:txBody>
                     <a:bodyPr/>
@@ -33981,7 +35053,7 @@
                   </a:txBody>
                   <a:tcPr anchor="ctr"/>
                 </a:tc>
-                <a:tc gridSpan="11">
+                <a:tc gridSpan="12">
                   <a:txBody>
                     <a:bodyPr/>
                     <a:lstStyle/>
@@ -34130,6 +35202,16 @@
                     <a:bodyPr/>
                     <a:lstStyle/>
                     <a:p>
+                      <a:endParaRPr lang="fr-FR"/>
+                    </a:p>
+                  </a:txBody>
+                  <a:tcPr/>
+                </a:tc>
+                <a:tc hMerge="1">
+                  <a:txBody>
+                    <a:bodyPr/>
+                    <a:lstStyle/>
+                    <a:p>
                       <a:pPr algn="ctr"/>
                       <a:endParaRPr lang="fr-FR" dirty="0">
                         <a:solidFill>
@@ -34150,7 +35232,7 @@
                   </a:ext>
                 </a:extLst>
               </a:tr>
-              <a:tr h="475221">
+              <a:tr h="231300">
                 <a:tc>
                   <a:txBody>
                     <a:bodyPr/>
@@ -34177,7 +35259,7 @@
                     <a:lstStyle/>
                     <a:p>
                       <a:r>
-                        <a:rPr lang="fr-FR" sz="1600" dirty="0">
+                        <a:rPr lang="fr-FR" sz="1200" b="1" dirty="0">
                           <a:solidFill>
                             <a:schemeClr val="bg1"/>
                           </a:solidFill>
@@ -34198,7 +35280,7 @@
                     <a:lstStyle/>
                     <a:p>
                       <a:r>
-                        <a:rPr lang="fr-FR" sz="1600" dirty="0">
+                        <a:rPr lang="fr-FR" sz="1200" b="1" dirty="0">
                           <a:solidFill>
                             <a:schemeClr val="bg1"/>
                           </a:solidFill>
@@ -34219,7 +35301,7 @@
                     <a:lstStyle/>
                     <a:p>
                       <a:r>
-                        <a:rPr lang="fr-FR" sz="1600" dirty="0">
+                        <a:rPr lang="fr-FR" sz="1200" b="1" dirty="0">
                           <a:solidFill>
                             <a:schemeClr val="bg1"/>
                           </a:solidFill>
@@ -34240,7 +35322,7 @@
                     <a:lstStyle/>
                     <a:p>
                       <a:r>
-                        <a:rPr lang="fr-FR" sz="1600" dirty="0">
+                        <a:rPr lang="fr-FR" sz="1200" b="1" dirty="0">
                           <a:solidFill>
                             <a:schemeClr val="bg1"/>
                           </a:solidFill>
@@ -34261,7 +35343,7 @@
                     <a:lstStyle/>
                     <a:p>
                       <a:r>
-                        <a:rPr lang="fr-FR" sz="1600" dirty="0">
+                        <a:rPr lang="fr-FR" sz="1200" b="1" dirty="0">
                           <a:solidFill>
                             <a:schemeClr val="bg1"/>
                           </a:solidFill>
@@ -34282,7 +35364,7 @@
                     <a:lstStyle/>
                     <a:p>
                       <a:r>
-                        <a:rPr lang="fr-FR" sz="1600" dirty="0">
+                        <a:rPr lang="fr-FR" sz="1200" b="1" dirty="0">
                           <a:solidFill>
                             <a:schemeClr val="bg1"/>
                           </a:solidFill>
@@ -34303,7 +35385,7 @@
                     <a:lstStyle/>
                     <a:p>
                       <a:r>
-                        <a:rPr lang="fr-FR" sz="1600" dirty="0">
+                        <a:rPr lang="fr-FR" sz="1200" b="1" dirty="0">
                           <a:solidFill>
                             <a:schemeClr val="bg1"/>
                           </a:solidFill>
@@ -34324,7 +35406,7 @@
                     <a:lstStyle/>
                     <a:p>
                       <a:r>
-                        <a:rPr lang="fr-FR" sz="1600" dirty="0">
+                        <a:rPr lang="fr-FR" sz="1200" b="1" dirty="0">
                           <a:solidFill>
                             <a:schemeClr val="bg1"/>
                           </a:solidFill>
@@ -34345,7 +35427,7 @@
                     <a:lstStyle/>
                     <a:p>
                       <a:r>
-                        <a:rPr lang="fr-FR" sz="1600" dirty="0">
+                        <a:rPr lang="fr-FR" sz="1200" b="1" dirty="0">
                           <a:solidFill>
                             <a:schemeClr val="bg1"/>
                           </a:solidFill>
@@ -34366,7 +35448,7 @@
                     <a:lstStyle/>
                     <a:p>
                       <a:r>
-                        <a:rPr lang="fr-FR" sz="1600" dirty="0">
+                        <a:rPr lang="fr-FR" sz="1200" b="1" dirty="0">
                           <a:solidFill>
                             <a:schemeClr val="bg1"/>
                           </a:solidFill>
@@ -34386,13 +35468,51 @@
                     <a:bodyPr/>
                     <a:lstStyle/>
                     <a:p>
+                      <a:pPr marL="0" marR="0" lvl="0" indent="0" algn="l" defTabSz="914400" rtl="0" eaLnBrk="1" fontAlgn="auto" latinLnBrk="0" hangingPunct="1">
+                        <a:lnSpc>
+                          <a:spcPct val="100000"/>
+                        </a:lnSpc>
+                        <a:spcBef>
+                          <a:spcPts val="0"/>
+                        </a:spcBef>
+                        <a:spcAft>
+                          <a:spcPts val="0"/>
+                        </a:spcAft>
+                        <a:buClrTx/>
+                        <a:buSzTx/>
+                        <a:buFontTx/>
+                        <a:buNone/>
+                        <a:tabLst/>
+                        <a:defRPr/>
+                      </a:pPr>
                       <a:r>
-                        <a:rPr lang="fr-FR" sz="1600" dirty="0">
+                        <a:rPr lang="fr-FR" sz="1200" b="1" dirty="0">
                           <a:solidFill>
                             <a:schemeClr val="bg1"/>
                           </a:solidFill>
                         </a:rPr>
                         <a:t>1.3.1.0</a:t>
+                      </a:r>
+                    </a:p>
+                  </a:txBody>
+                  <a:tcPr anchor="ctr">
+                    <a:solidFill>
+                      <a:schemeClr val="accent1"/>
+                    </a:solidFill>
+                  </a:tcPr>
+                </a:tc>
+                <a:tc>
+                  <a:txBody>
+                    <a:bodyPr/>
+                    <a:lstStyle/>
+                    <a:p>
+                      <a:r>
+                        <a:rPr lang="fr-FR" sz="1200" b="1" dirty="0">
+                          <a:solidFill>
+                            <a:schemeClr val="bg1"/>
+                          </a:solidFill>
+                        </a:rPr>
+                        <a:t>1.4.0.0</a:t>
                       </a:r>
                     </a:p>
                   </a:txBody>
@@ -34408,8 +35528,8 @@
                   </a:ext>
                 </a:extLst>
               </a:tr>
-              <a:tr h="421410">
-                <a:tc rowSpan="7">
+              <a:tr h="324000">
+                <a:tc rowSpan="10">
                   <a:txBody>
                     <a:bodyPr/>
                     <a:lstStyle/>
@@ -34453,7 +35573,7 @@
                     <a:lstStyle/>
                     <a:p>
                       <a:r>
-                        <a:rPr lang="fr-FR" sz="1600" dirty="0">
+                        <a:rPr lang="fr-FR" sz="1200" b="1" dirty="0">
                           <a:solidFill>
                             <a:schemeClr val="bg1"/>
                           </a:solidFill>
@@ -34613,7 +35733,37 @@
                     <a:bodyPr/>
                     <a:lstStyle/>
                     <a:p>
-                      <a:endParaRPr lang="fr-FR" sz="1600" dirty="0"/>
+                      <a:pPr marL="0" algn="l" defTabSz="914400" rtl="0" eaLnBrk="1" latinLnBrk="0" hangingPunct="1"/>
+                      <a:endParaRPr lang="fr-FR" sz="1600" kern="1200" dirty="0">
+                        <a:solidFill>
+                          <a:schemeClr val="dk1"/>
+                        </a:solidFill>
+                        <a:latin typeface="+mn-lt"/>
+                        <a:ea typeface="+mn-ea"/>
+                        <a:cs typeface="+mn-cs"/>
+                      </a:endParaRPr>
+                    </a:p>
+                  </a:txBody>
+                  <a:tcPr anchor="ctr">
+                    <a:solidFill>
+                      <a:srgbClr val="FFC000"/>
+                    </a:solidFill>
+                  </a:tcPr>
+                </a:tc>
+                <a:tc>
+                  <a:txBody>
+                    <a:bodyPr/>
+                    <a:lstStyle/>
+                    <a:p>
+                      <a:pPr marL="0" algn="l" defTabSz="914400" rtl="0" eaLnBrk="1" latinLnBrk="0" hangingPunct="1"/>
+                      <a:endParaRPr lang="fr-FR" sz="1600" kern="1200" dirty="0">
+                        <a:solidFill>
+                          <a:schemeClr val="dk1"/>
+                        </a:solidFill>
+                        <a:latin typeface="+mn-lt"/>
+                        <a:ea typeface="+mn-ea"/>
+                        <a:cs typeface="+mn-cs"/>
+                      </a:endParaRPr>
                     </a:p>
                   </a:txBody>
                   <a:tcPr anchor="ctr">
@@ -34628,7 +35778,7 @@
                   </a:ext>
                 </a:extLst>
               </a:tr>
-              <a:tr h="421410">
+              <a:tr h="324000">
                 <a:tc vMerge="1">
                   <a:txBody>
                     <a:bodyPr/>
@@ -34645,7 +35795,7 @@
                     <a:lstStyle/>
                     <a:p>
                       <a:r>
-                        <a:rPr lang="fr-FR" sz="1600" dirty="0">
+                        <a:rPr lang="fr-FR" sz="1200" b="1" dirty="0">
                           <a:solidFill>
                             <a:schemeClr val="bg1"/>
                           </a:solidFill>
@@ -34805,7 +35955,37 @@
                     <a:bodyPr/>
                     <a:lstStyle/>
                     <a:p>
-                      <a:endParaRPr lang="fr-FR" sz="1600" dirty="0"/>
+                      <a:pPr marL="0" algn="l" defTabSz="914400" rtl="0" eaLnBrk="1" latinLnBrk="0" hangingPunct="1"/>
+                      <a:endParaRPr lang="fr-FR" sz="1600" kern="1200" dirty="0">
+                        <a:solidFill>
+                          <a:schemeClr val="dk1"/>
+                        </a:solidFill>
+                        <a:latin typeface="+mn-lt"/>
+                        <a:ea typeface="+mn-ea"/>
+                        <a:cs typeface="+mn-cs"/>
+                      </a:endParaRPr>
+                    </a:p>
+                  </a:txBody>
+                  <a:tcPr anchor="ctr">
+                    <a:solidFill>
+                      <a:schemeClr val="accent6"/>
+                    </a:solidFill>
+                  </a:tcPr>
+                </a:tc>
+                <a:tc>
+                  <a:txBody>
+                    <a:bodyPr/>
+                    <a:lstStyle/>
+                    <a:p>
+                      <a:pPr marL="0" algn="l" defTabSz="914400" rtl="0" eaLnBrk="1" latinLnBrk="0" hangingPunct="1"/>
+                      <a:endParaRPr lang="fr-FR" sz="1600" kern="1200" dirty="0">
+                        <a:solidFill>
+                          <a:schemeClr val="dk1"/>
+                        </a:solidFill>
+                        <a:latin typeface="+mn-lt"/>
+                        <a:ea typeface="+mn-ea"/>
+                        <a:cs typeface="+mn-cs"/>
+                      </a:endParaRPr>
                     </a:p>
                   </a:txBody>
                   <a:tcPr anchor="ctr">
@@ -34820,7 +36000,7 @@
                   </a:ext>
                 </a:extLst>
               </a:tr>
-              <a:tr h="421410">
+              <a:tr h="324000">
                 <a:tc vMerge="1">
                   <a:txBody>
                     <a:bodyPr/>
@@ -34854,7 +36034,7 @@
                         <a:defRPr/>
                       </a:pPr>
                       <a:r>
-                        <a:rPr lang="fr-FR" sz="1600" dirty="0">
+                        <a:rPr lang="fr-FR" sz="1200" b="1" dirty="0">
                           <a:solidFill>
                             <a:schemeClr val="bg1"/>
                           </a:solidFill>
@@ -34888,7 +36068,7 @@
                     <a:bodyPr/>
                     <a:lstStyle/>
                     <a:p>
-                      <a:endParaRPr lang="fr-FR" sz="1600"/>
+                      <a:endParaRPr lang="fr-FR" sz="1600" dirty="0"/>
                     </a:p>
                   </a:txBody>
                   <a:tcPr anchor="ctr">
@@ -35014,7 +36194,37 @@
                     <a:bodyPr/>
                     <a:lstStyle/>
                     <a:p>
-                      <a:endParaRPr lang="fr-FR" sz="1600" dirty="0"/>
+                      <a:pPr marL="0" algn="l" defTabSz="914400" rtl="0" eaLnBrk="1" latinLnBrk="0" hangingPunct="1"/>
+                      <a:endParaRPr lang="fr-FR" sz="1600" kern="1200" dirty="0">
+                        <a:solidFill>
+                          <a:schemeClr val="dk1"/>
+                        </a:solidFill>
+                        <a:latin typeface="+mn-lt"/>
+                        <a:ea typeface="+mn-ea"/>
+                        <a:cs typeface="+mn-cs"/>
+                      </a:endParaRPr>
+                    </a:p>
+                  </a:txBody>
+                  <a:tcPr anchor="ctr">
+                    <a:solidFill>
+                      <a:schemeClr val="accent6"/>
+                    </a:solidFill>
+                  </a:tcPr>
+                </a:tc>
+                <a:tc>
+                  <a:txBody>
+                    <a:bodyPr/>
+                    <a:lstStyle/>
+                    <a:p>
+                      <a:pPr marL="0" algn="l" defTabSz="914400" rtl="0" eaLnBrk="1" latinLnBrk="0" hangingPunct="1"/>
+                      <a:endParaRPr lang="fr-FR" sz="1600" kern="1200" dirty="0">
+                        <a:solidFill>
+                          <a:schemeClr val="dk1"/>
+                        </a:solidFill>
+                        <a:latin typeface="+mn-lt"/>
+                        <a:ea typeface="+mn-ea"/>
+                        <a:cs typeface="+mn-cs"/>
+                      </a:endParaRPr>
                     </a:p>
                   </a:txBody>
                   <a:tcPr anchor="ctr">
@@ -35029,7 +36239,7 @@
                   </a:ext>
                 </a:extLst>
               </a:tr>
-              <a:tr h="421410">
+              <a:tr h="324000">
                 <a:tc vMerge="1">
                   <a:txBody>
                     <a:bodyPr/>
@@ -35063,7 +36273,7 @@
                         <a:defRPr/>
                       </a:pPr>
                       <a:r>
-                        <a:rPr lang="fr-FR" sz="1600" dirty="0">
+                        <a:rPr lang="fr-FR" sz="1200" b="1" dirty="0">
                           <a:solidFill>
                             <a:schemeClr val="bg1"/>
                           </a:solidFill>
@@ -35097,7 +36307,7 @@
                     <a:bodyPr/>
                     <a:lstStyle/>
                     <a:p>
-                      <a:endParaRPr lang="fr-FR" sz="1600"/>
+                      <a:endParaRPr lang="fr-FR" sz="1600" dirty="0"/>
                     </a:p>
                   </a:txBody>
                   <a:tcPr anchor="ctr">
@@ -35223,7 +36433,37 @@
                     <a:bodyPr/>
                     <a:lstStyle/>
                     <a:p>
-                      <a:endParaRPr lang="fr-FR" sz="1600" dirty="0"/>
+                      <a:pPr marL="0" algn="l" defTabSz="914400" rtl="0" eaLnBrk="1" latinLnBrk="0" hangingPunct="1"/>
+                      <a:endParaRPr lang="fr-FR" sz="1600" kern="1200" dirty="0">
+                        <a:solidFill>
+                          <a:schemeClr val="dk1"/>
+                        </a:solidFill>
+                        <a:latin typeface="+mn-lt"/>
+                        <a:ea typeface="+mn-ea"/>
+                        <a:cs typeface="+mn-cs"/>
+                      </a:endParaRPr>
+                    </a:p>
+                  </a:txBody>
+                  <a:tcPr anchor="ctr">
+                    <a:solidFill>
+                      <a:schemeClr val="accent6"/>
+                    </a:solidFill>
+                  </a:tcPr>
+                </a:tc>
+                <a:tc>
+                  <a:txBody>
+                    <a:bodyPr/>
+                    <a:lstStyle/>
+                    <a:p>
+                      <a:pPr marL="0" algn="l" defTabSz="914400" rtl="0" eaLnBrk="1" latinLnBrk="0" hangingPunct="1"/>
+                      <a:endParaRPr lang="fr-FR" sz="1600" kern="1200" dirty="0">
+                        <a:solidFill>
+                          <a:schemeClr val="dk1"/>
+                        </a:solidFill>
+                        <a:latin typeface="+mn-lt"/>
+                        <a:ea typeface="+mn-ea"/>
+                        <a:cs typeface="+mn-cs"/>
+                      </a:endParaRPr>
                     </a:p>
                   </a:txBody>
                   <a:tcPr anchor="ctr">
@@ -35238,7 +36478,7 @@
                   </a:ext>
                 </a:extLst>
               </a:tr>
-              <a:tr h="421410">
+              <a:tr h="324000">
                 <a:tc vMerge="1">
                   <a:txBody>
                     <a:bodyPr/>
@@ -35272,7 +36512,7 @@
                         <a:defRPr/>
                       </a:pPr>
                       <a:r>
-                        <a:rPr lang="fr-FR" sz="1600" dirty="0">
+                        <a:rPr lang="fr-FR" sz="1200" b="1" dirty="0">
                           <a:solidFill>
                             <a:schemeClr val="bg1"/>
                           </a:solidFill>
@@ -35432,7 +36672,37 @@
                     <a:bodyPr/>
                     <a:lstStyle/>
                     <a:p>
-                      <a:endParaRPr lang="fr-FR" sz="1600" dirty="0"/>
+                      <a:pPr marL="0" algn="l" defTabSz="914400" rtl="0" eaLnBrk="1" latinLnBrk="0" hangingPunct="1"/>
+                      <a:endParaRPr lang="fr-FR" sz="1600" kern="1200" dirty="0">
+                        <a:solidFill>
+                          <a:schemeClr val="dk1"/>
+                        </a:solidFill>
+                        <a:latin typeface="+mn-lt"/>
+                        <a:ea typeface="+mn-ea"/>
+                        <a:cs typeface="+mn-cs"/>
+                      </a:endParaRPr>
+                    </a:p>
+                  </a:txBody>
+                  <a:tcPr anchor="ctr">
+                    <a:solidFill>
+                      <a:schemeClr val="accent6"/>
+                    </a:solidFill>
+                  </a:tcPr>
+                </a:tc>
+                <a:tc>
+                  <a:txBody>
+                    <a:bodyPr/>
+                    <a:lstStyle/>
+                    <a:p>
+                      <a:pPr marL="0" algn="l" defTabSz="914400" rtl="0" eaLnBrk="1" latinLnBrk="0" hangingPunct="1"/>
+                      <a:endParaRPr lang="fr-FR" sz="1600" kern="1200" dirty="0">
+                        <a:solidFill>
+                          <a:schemeClr val="dk1"/>
+                        </a:solidFill>
+                        <a:latin typeface="+mn-lt"/>
+                        <a:ea typeface="+mn-ea"/>
+                        <a:cs typeface="+mn-cs"/>
+                      </a:endParaRPr>
                     </a:p>
                   </a:txBody>
                   <a:tcPr anchor="ctr">
@@ -35447,7 +36717,7 @@
                   </a:ext>
                 </a:extLst>
               </a:tr>
-              <a:tr h="421410">
+              <a:tr h="324000">
                 <a:tc vMerge="1">
                   <a:txBody>
                     <a:bodyPr/>
@@ -35506,7 +36776,7 @@
                         <a:defRPr/>
                       </a:pPr>
                       <a:r>
-                        <a:rPr lang="fr-FR" sz="1600" dirty="0">
+                        <a:rPr lang="fr-FR" sz="1200" b="1" dirty="0">
                           <a:solidFill>
                             <a:schemeClr val="bg1"/>
                           </a:solidFill>
@@ -35666,7 +36936,37 @@
                     <a:bodyPr/>
                     <a:lstStyle/>
                     <a:p>
-                      <a:endParaRPr lang="fr-FR" sz="1600" dirty="0"/>
+                      <a:pPr marL="0" algn="l" defTabSz="914400" rtl="0" eaLnBrk="1" latinLnBrk="0" hangingPunct="1"/>
+                      <a:endParaRPr lang="fr-FR" sz="1600" kern="1200" dirty="0">
+                        <a:solidFill>
+                          <a:schemeClr val="dk1"/>
+                        </a:solidFill>
+                        <a:latin typeface="+mn-lt"/>
+                        <a:ea typeface="+mn-ea"/>
+                        <a:cs typeface="+mn-cs"/>
+                      </a:endParaRPr>
+                    </a:p>
+                  </a:txBody>
+                  <a:tcPr anchor="ctr">
+                    <a:solidFill>
+                      <a:schemeClr val="accent6"/>
+                    </a:solidFill>
+                  </a:tcPr>
+                </a:tc>
+                <a:tc>
+                  <a:txBody>
+                    <a:bodyPr/>
+                    <a:lstStyle/>
+                    <a:p>
+                      <a:pPr marL="0" algn="l" defTabSz="914400" rtl="0" eaLnBrk="1" latinLnBrk="0" hangingPunct="1"/>
+                      <a:endParaRPr lang="fr-FR" sz="1600" kern="1200" dirty="0">
+                        <a:solidFill>
+                          <a:schemeClr val="dk1"/>
+                        </a:solidFill>
+                        <a:latin typeface="+mn-lt"/>
+                        <a:ea typeface="+mn-ea"/>
+                        <a:cs typeface="+mn-cs"/>
+                      </a:endParaRPr>
                     </a:p>
                   </a:txBody>
                   <a:tcPr anchor="ctr">
@@ -35681,7 +36981,7 @@
                   </a:ext>
                 </a:extLst>
               </a:tr>
-              <a:tr h="421410">
+              <a:tr h="324000">
                 <a:tc vMerge="1">
                   <a:txBody>
                     <a:bodyPr/>
@@ -35740,12 +37040,12 @@
                         <a:defRPr/>
                       </a:pPr>
                       <a:r>
-                        <a:rPr lang="fr-FR" sz="1600" dirty="0">
+                        <a:rPr lang="fr-FR" sz="1200" b="1" dirty="0">
                           <a:solidFill>
                             <a:schemeClr val="bg1"/>
                           </a:solidFill>
                         </a:rPr>
-                        <a:t>1.2.7.3</a:t>
+                        <a:t>1.2.7</a:t>
                       </a:r>
                     </a:p>
                   </a:txBody>
@@ -35900,7 +37200,37 @@
                     <a:bodyPr/>
                     <a:lstStyle/>
                     <a:p>
-                      <a:endParaRPr lang="fr-FR" sz="1600" dirty="0"/>
+                      <a:pPr marL="0" algn="l" defTabSz="914400" rtl="0" eaLnBrk="1" latinLnBrk="0" hangingPunct="1"/>
+                      <a:endParaRPr lang="fr-FR" sz="1600" kern="1200" dirty="0">
+                        <a:solidFill>
+                          <a:schemeClr val="dk1"/>
+                        </a:solidFill>
+                        <a:latin typeface="+mn-lt"/>
+                        <a:ea typeface="+mn-ea"/>
+                        <a:cs typeface="+mn-cs"/>
+                      </a:endParaRPr>
+                    </a:p>
+                  </a:txBody>
+                  <a:tcPr anchor="ctr">
+                    <a:solidFill>
+                      <a:schemeClr val="accent6"/>
+                    </a:solidFill>
+                  </a:tcPr>
+                </a:tc>
+                <a:tc>
+                  <a:txBody>
+                    <a:bodyPr/>
+                    <a:lstStyle/>
+                    <a:p>
+                      <a:pPr marL="0" algn="l" defTabSz="914400" rtl="0" eaLnBrk="1" latinLnBrk="0" hangingPunct="1"/>
+                      <a:endParaRPr lang="fr-FR" sz="1600" kern="1200" dirty="0">
+                        <a:solidFill>
+                          <a:schemeClr val="dk1"/>
+                        </a:solidFill>
+                        <a:latin typeface="+mn-lt"/>
+                        <a:ea typeface="+mn-ea"/>
+                        <a:cs typeface="+mn-cs"/>
+                      </a:endParaRPr>
                     </a:p>
                   </a:txBody>
                   <a:tcPr anchor="ctr">
@@ -35915,6 +37245,798 @@
                   </a:ext>
                 </a:extLst>
               </a:tr>
+              <a:tr h="324000">
+                <a:tc vMerge="1">
+                  <a:txBody>
+                    <a:bodyPr/>
+                    <a:lstStyle/>
+                    <a:p>
+                      <a:pPr marL="0" marR="0" lvl="0" indent="0" algn="ctr" defTabSz="914400" rtl="0" eaLnBrk="1" fontAlgn="auto" latinLnBrk="0" hangingPunct="1">
+                        <a:lnSpc>
+                          <a:spcPct val="100000"/>
+                        </a:lnSpc>
+                        <a:spcBef>
+                          <a:spcPts val="0"/>
+                        </a:spcBef>
+                        <a:spcAft>
+                          <a:spcPts val="0"/>
+                        </a:spcAft>
+                        <a:buClrTx/>
+                        <a:buSzTx/>
+                        <a:buFontTx/>
+                        <a:buNone/>
+                        <a:tabLst/>
+                        <a:defRPr/>
+                      </a:pPr>
+                      <a:endParaRPr lang="fr-FR" sz="1600" dirty="0">
+                        <a:solidFill>
+                          <a:schemeClr val="bg1"/>
+                        </a:solidFill>
+                      </a:endParaRPr>
+                    </a:p>
+                  </a:txBody>
+                  <a:tcPr vert="vert270" anchor="ctr">
+                    <a:solidFill>
+                      <a:schemeClr val="accent1"/>
+                    </a:solidFill>
+                  </a:tcPr>
+                </a:tc>
+                <a:tc>
+                  <a:txBody>
+                    <a:bodyPr/>
+                    <a:lstStyle/>
+                    <a:p>
+                      <a:pPr marL="0" marR="0" lvl="0" indent="0" algn="l" defTabSz="914400" rtl="0" eaLnBrk="1" fontAlgn="auto" latinLnBrk="0" hangingPunct="1">
+                        <a:lnSpc>
+                          <a:spcPct val="100000"/>
+                        </a:lnSpc>
+                        <a:spcBef>
+                          <a:spcPts val="0"/>
+                        </a:spcBef>
+                        <a:spcAft>
+                          <a:spcPts val="0"/>
+                        </a:spcAft>
+                        <a:buClrTx/>
+                        <a:buSzTx/>
+                        <a:buFontTx/>
+                        <a:buNone/>
+                        <a:tabLst/>
+                        <a:defRPr/>
+                      </a:pPr>
+                      <a:r>
+                        <a:rPr lang="fr-FR" sz="1200" b="1" dirty="0">
+                          <a:solidFill>
+                            <a:schemeClr val="bg1"/>
+                          </a:solidFill>
+                        </a:rPr>
+                        <a:t>1.2.7.1</a:t>
+                      </a:r>
+                    </a:p>
+                  </a:txBody>
+                  <a:tcPr anchor="ctr">
+                    <a:solidFill>
+                      <a:schemeClr val="accent1"/>
+                    </a:solidFill>
+                  </a:tcPr>
+                </a:tc>
+                <a:tc>
+                  <a:txBody>
+                    <a:bodyPr/>
+                    <a:lstStyle/>
+                    <a:p>
+                      <a:endParaRPr lang="fr-FR" sz="1600" dirty="0"/>
+                    </a:p>
+                  </a:txBody>
+                  <a:tcPr anchor="ctr">
+                    <a:solidFill>
+                      <a:srgbClr val="FFC000"/>
+                    </a:solidFill>
+                  </a:tcPr>
+                </a:tc>
+                <a:tc>
+                  <a:txBody>
+                    <a:bodyPr/>
+                    <a:lstStyle/>
+                    <a:p>
+                      <a:endParaRPr lang="fr-FR" sz="1600" dirty="0"/>
+                    </a:p>
+                  </a:txBody>
+                  <a:tcPr anchor="ctr">
+                    <a:solidFill>
+                      <a:srgbClr val="FFC000"/>
+                    </a:solidFill>
+                  </a:tcPr>
+                </a:tc>
+                <a:tc>
+                  <a:txBody>
+                    <a:bodyPr/>
+                    <a:lstStyle/>
+                    <a:p>
+                      <a:endParaRPr lang="fr-FR" sz="1600" dirty="0"/>
+                    </a:p>
+                  </a:txBody>
+                  <a:tcPr anchor="ctr">
+                    <a:solidFill>
+                      <a:srgbClr val="FFC000"/>
+                    </a:solidFill>
+                  </a:tcPr>
+                </a:tc>
+                <a:tc>
+                  <a:txBody>
+                    <a:bodyPr/>
+                    <a:lstStyle/>
+                    <a:p>
+                      <a:endParaRPr lang="fr-FR" sz="1600" dirty="0"/>
+                    </a:p>
+                  </a:txBody>
+                  <a:tcPr anchor="ctr">
+                    <a:solidFill>
+                      <a:srgbClr val="FFC000"/>
+                    </a:solidFill>
+                  </a:tcPr>
+                </a:tc>
+                <a:tc>
+                  <a:txBody>
+                    <a:bodyPr/>
+                    <a:lstStyle/>
+                    <a:p>
+                      <a:endParaRPr lang="fr-FR" sz="1600" dirty="0"/>
+                    </a:p>
+                  </a:txBody>
+                  <a:tcPr anchor="ctr">
+                    <a:solidFill>
+                      <a:srgbClr val="FFC000"/>
+                    </a:solidFill>
+                  </a:tcPr>
+                </a:tc>
+                <a:tc>
+                  <a:txBody>
+                    <a:bodyPr/>
+                    <a:lstStyle/>
+                    <a:p>
+                      <a:endParaRPr lang="fr-FR" sz="1600" dirty="0"/>
+                    </a:p>
+                  </a:txBody>
+                  <a:tcPr anchor="ctr">
+                    <a:solidFill>
+                      <a:srgbClr val="FFC000"/>
+                    </a:solidFill>
+                  </a:tcPr>
+                </a:tc>
+                <a:tc>
+                  <a:txBody>
+                    <a:bodyPr/>
+                    <a:lstStyle/>
+                    <a:p>
+                      <a:endParaRPr lang="fr-FR" sz="1600" dirty="0"/>
+                    </a:p>
+                  </a:txBody>
+                  <a:tcPr anchor="ctr">
+                    <a:solidFill>
+                      <a:srgbClr val="FFC000"/>
+                    </a:solidFill>
+                  </a:tcPr>
+                </a:tc>
+                <a:tc>
+                  <a:txBody>
+                    <a:bodyPr/>
+                    <a:lstStyle/>
+                    <a:p>
+                      <a:endParaRPr lang="fr-FR" sz="1600" dirty="0"/>
+                    </a:p>
+                  </a:txBody>
+                  <a:tcPr anchor="ctr">
+                    <a:solidFill>
+                      <a:srgbClr val="FFC000"/>
+                    </a:solidFill>
+                  </a:tcPr>
+                </a:tc>
+                <a:tc>
+                  <a:txBody>
+                    <a:bodyPr/>
+                    <a:lstStyle/>
+                    <a:p>
+                      <a:endParaRPr lang="fr-FR" sz="1600" dirty="0"/>
+                    </a:p>
+                  </a:txBody>
+                  <a:tcPr anchor="ctr">
+                    <a:solidFill>
+                      <a:schemeClr val="accent4"/>
+                    </a:solidFill>
+                  </a:tcPr>
+                </a:tc>
+                <a:tc>
+                  <a:txBody>
+                    <a:bodyPr/>
+                    <a:lstStyle/>
+                    <a:p>
+                      <a:endParaRPr lang="fr-FR" sz="1600" dirty="0"/>
+                    </a:p>
+                  </a:txBody>
+                  <a:tcPr anchor="ctr">
+                    <a:solidFill>
+                      <a:schemeClr val="accent4"/>
+                    </a:solidFill>
+                  </a:tcPr>
+                </a:tc>
+                <a:tc>
+                  <a:txBody>
+                    <a:bodyPr/>
+                    <a:lstStyle/>
+                    <a:p>
+                      <a:pPr marL="0" algn="l" defTabSz="914400" rtl="0" eaLnBrk="1" latinLnBrk="0" hangingPunct="1"/>
+                      <a:endParaRPr lang="fr-FR" sz="1600" kern="1200" dirty="0">
+                        <a:solidFill>
+                          <a:schemeClr val="dk1"/>
+                        </a:solidFill>
+                        <a:latin typeface="+mn-lt"/>
+                        <a:ea typeface="+mn-ea"/>
+                        <a:cs typeface="+mn-cs"/>
+                      </a:endParaRPr>
+                    </a:p>
+                  </a:txBody>
+                  <a:tcPr anchor="ctr">
+                    <a:solidFill>
+                      <a:schemeClr val="accent6"/>
+                    </a:solidFill>
+                  </a:tcPr>
+                </a:tc>
+                <a:tc>
+                  <a:txBody>
+                    <a:bodyPr/>
+                    <a:lstStyle/>
+                    <a:p>
+                      <a:pPr marL="0" algn="l" defTabSz="914400" rtl="0" eaLnBrk="1" latinLnBrk="0" hangingPunct="1"/>
+                      <a:endParaRPr lang="fr-FR" sz="1600" kern="1200" dirty="0">
+                        <a:solidFill>
+                          <a:schemeClr val="dk1"/>
+                        </a:solidFill>
+                        <a:latin typeface="+mn-lt"/>
+                        <a:ea typeface="+mn-ea"/>
+                        <a:cs typeface="+mn-cs"/>
+                      </a:endParaRPr>
+                    </a:p>
+                  </a:txBody>
+                  <a:tcPr anchor="ctr">
+                    <a:solidFill>
+                      <a:schemeClr val="accent6"/>
+                    </a:solidFill>
+                  </a:tcPr>
+                </a:tc>
+                <a:extLst>
+                  <a:ext uri="{0D108BD9-81ED-4DB2-BD59-A6C34878D82A}">
+                    <a16:rowId xmlns:a16="http://schemas.microsoft.com/office/drawing/2014/main" val="1073795265"/>
+                  </a:ext>
+                </a:extLst>
+              </a:tr>
+              <a:tr h="324000">
+                <a:tc vMerge="1">
+                  <a:txBody>
+                    <a:bodyPr/>
+                    <a:lstStyle/>
+                    <a:p>
+                      <a:pPr marL="0" marR="0" lvl="0" indent="0" algn="ctr" defTabSz="914400" rtl="0" eaLnBrk="1" fontAlgn="auto" latinLnBrk="0" hangingPunct="1">
+                        <a:lnSpc>
+                          <a:spcPct val="100000"/>
+                        </a:lnSpc>
+                        <a:spcBef>
+                          <a:spcPts val="0"/>
+                        </a:spcBef>
+                        <a:spcAft>
+                          <a:spcPts val="0"/>
+                        </a:spcAft>
+                        <a:buClrTx/>
+                        <a:buSzTx/>
+                        <a:buFontTx/>
+                        <a:buNone/>
+                        <a:tabLst/>
+                        <a:defRPr/>
+                      </a:pPr>
+                      <a:endParaRPr lang="fr-FR" sz="1600" dirty="0">
+                        <a:solidFill>
+                          <a:schemeClr val="bg1"/>
+                        </a:solidFill>
+                      </a:endParaRPr>
+                    </a:p>
+                  </a:txBody>
+                  <a:tcPr vert="vert270" anchor="ctr">
+                    <a:solidFill>
+                      <a:schemeClr val="accent1"/>
+                    </a:solidFill>
+                  </a:tcPr>
+                </a:tc>
+                <a:tc>
+                  <a:txBody>
+                    <a:bodyPr/>
+                    <a:lstStyle/>
+                    <a:p>
+                      <a:pPr marL="0" marR="0" lvl="0" indent="0" algn="l" defTabSz="914400" rtl="0" eaLnBrk="1" fontAlgn="auto" latinLnBrk="0" hangingPunct="1">
+                        <a:lnSpc>
+                          <a:spcPct val="100000"/>
+                        </a:lnSpc>
+                        <a:spcBef>
+                          <a:spcPts val="0"/>
+                        </a:spcBef>
+                        <a:spcAft>
+                          <a:spcPts val="0"/>
+                        </a:spcAft>
+                        <a:buClrTx/>
+                        <a:buSzTx/>
+                        <a:buFontTx/>
+                        <a:buNone/>
+                        <a:tabLst/>
+                        <a:defRPr/>
+                      </a:pPr>
+                      <a:r>
+                        <a:rPr lang="fr-FR" sz="1200" b="1" dirty="0">
+                          <a:solidFill>
+                            <a:schemeClr val="bg1"/>
+                          </a:solidFill>
+                        </a:rPr>
+                        <a:t>1.2.7.2</a:t>
+                      </a:r>
+                    </a:p>
+                  </a:txBody>
+                  <a:tcPr anchor="ctr">
+                    <a:solidFill>
+                      <a:schemeClr val="accent1"/>
+                    </a:solidFill>
+                  </a:tcPr>
+                </a:tc>
+                <a:tc>
+                  <a:txBody>
+                    <a:bodyPr/>
+                    <a:lstStyle/>
+                    <a:p>
+                      <a:endParaRPr lang="fr-FR" sz="1600" dirty="0"/>
+                    </a:p>
+                  </a:txBody>
+                  <a:tcPr anchor="ctr">
+                    <a:solidFill>
+                      <a:srgbClr val="FFC000"/>
+                    </a:solidFill>
+                  </a:tcPr>
+                </a:tc>
+                <a:tc>
+                  <a:txBody>
+                    <a:bodyPr/>
+                    <a:lstStyle/>
+                    <a:p>
+                      <a:endParaRPr lang="fr-FR" sz="1600" dirty="0"/>
+                    </a:p>
+                  </a:txBody>
+                  <a:tcPr anchor="ctr">
+                    <a:solidFill>
+                      <a:srgbClr val="FFC000"/>
+                    </a:solidFill>
+                  </a:tcPr>
+                </a:tc>
+                <a:tc>
+                  <a:txBody>
+                    <a:bodyPr/>
+                    <a:lstStyle/>
+                    <a:p>
+                      <a:endParaRPr lang="fr-FR" sz="1600" dirty="0"/>
+                    </a:p>
+                  </a:txBody>
+                  <a:tcPr anchor="ctr">
+                    <a:solidFill>
+                      <a:srgbClr val="FFC000"/>
+                    </a:solidFill>
+                  </a:tcPr>
+                </a:tc>
+                <a:tc>
+                  <a:txBody>
+                    <a:bodyPr/>
+                    <a:lstStyle/>
+                    <a:p>
+                      <a:endParaRPr lang="fr-FR" sz="1600" dirty="0"/>
+                    </a:p>
+                  </a:txBody>
+                  <a:tcPr anchor="ctr">
+                    <a:solidFill>
+                      <a:srgbClr val="FFC000"/>
+                    </a:solidFill>
+                  </a:tcPr>
+                </a:tc>
+                <a:tc>
+                  <a:txBody>
+                    <a:bodyPr/>
+                    <a:lstStyle/>
+                    <a:p>
+                      <a:endParaRPr lang="fr-FR" sz="1600" dirty="0"/>
+                    </a:p>
+                  </a:txBody>
+                  <a:tcPr anchor="ctr">
+                    <a:solidFill>
+                      <a:srgbClr val="FFC000"/>
+                    </a:solidFill>
+                  </a:tcPr>
+                </a:tc>
+                <a:tc>
+                  <a:txBody>
+                    <a:bodyPr/>
+                    <a:lstStyle/>
+                    <a:p>
+                      <a:endParaRPr lang="fr-FR" sz="1600" dirty="0"/>
+                    </a:p>
+                  </a:txBody>
+                  <a:tcPr anchor="ctr">
+                    <a:solidFill>
+                      <a:srgbClr val="FFC000"/>
+                    </a:solidFill>
+                  </a:tcPr>
+                </a:tc>
+                <a:tc>
+                  <a:txBody>
+                    <a:bodyPr/>
+                    <a:lstStyle/>
+                    <a:p>
+                      <a:endParaRPr lang="fr-FR" sz="1600" dirty="0"/>
+                    </a:p>
+                  </a:txBody>
+                  <a:tcPr anchor="ctr">
+                    <a:solidFill>
+                      <a:srgbClr val="FFC000"/>
+                    </a:solidFill>
+                  </a:tcPr>
+                </a:tc>
+                <a:tc>
+                  <a:txBody>
+                    <a:bodyPr/>
+                    <a:lstStyle/>
+                    <a:p>
+                      <a:endParaRPr lang="fr-FR" sz="1600" dirty="0"/>
+                    </a:p>
+                  </a:txBody>
+                  <a:tcPr anchor="ctr">
+                    <a:solidFill>
+                      <a:srgbClr val="FFC000"/>
+                    </a:solidFill>
+                  </a:tcPr>
+                </a:tc>
+                <a:tc>
+                  <a:txBody>
+                    <a:bodyPr/>
+                    <a:lstStyle/>
+                    <a:p>
+                      <a:endParaRPr lang="fr-FR" sz="1600" dirty="0"/>
+                    </a:p>
+                  </a:txBody>
+                  <a:tcPr anchor="ctr">
+                    <a:solidFill>
+                      <a:schemeClr val="accent4"/>
+                    </a:solidFill>
+                  </a:tcPr>
+                </a:tc>
+                <a:tc>
+                  <a:txBody>
+                    <a:bodyPr/>
+                    <a:lstStyle/>
+                    <a:p>
+                      <a:endParaRPr lang="fr-FR" sz="1600" dirty="0"/>
+                    </a:p>
+                  </a:txBody>
+                  <a:tcPr anchor="ctr">
+                    <a:solidFill>
+                      <a:schemeClr val="accent4"/>
+                    </a:solidFill>
+                  </a:tcPr>
+                </a:tc>
+                <a:tc>
+                  <a:txBody>
+                    <a:bodyPr/>
+                    <a:lstStyle/>
+                    <a:p>
+                      <a:pPr marL="0" algn="l" defTabSz="914400" rtl="0" eaLnBrk="1" latinLnBrk="0" hangingPunct="1"/>
+                      <a:endParaRPr lang="fr-FR" sz="1600" kern="1200" dirty="0">
+                        <a:solidFill>
+                          <a:schemeClr val="dk1"/>
+                        </a:solidFill>
+                        <a:latin typeface="+mn-lt"/>
+                        <a:ea typeface="+mn-ea"/>
+                        <a:cs typeface="+mn-cs"/>
+                      </a:endParaRPr>
+                    </a:p>
+                  </a:txBody>
+                  <a:tcPr anchor="ctr">
+                    <a:solidFill>
+                      <a:schemeClr val="accent6"/>
+                    </a:solidFill>
+                  </a:tcPr>
+                </a:tc>
+                <a:tc>
+                  <a:txBody>
+                    <a:bodyPr/>
+                    <a:lstStyle/>
+                    <a:p>
+                      <a:pPr marL="0" algn="l" defTabSz="914400" rtl="0" eaLnBrk="1" latinLnBrk="0" hangingPunct="1"/>
+                      <a:endParaRPr lang="fr-FR" sz="1600" kern="1200" dirty="0">
+                        <a:solidFill>
+                          <a:schemeClr val="dk1"/>
+                        </a:solidFill>
+                        <a:latin typeface="+mn-lt"/>
+                        <a:ea typeface="+mn-ea"/>
+                        <a:cs typeface="+mn-cs"/>
+                      </a:endParaRPr>
+                    </a:p>
+                  </a:txBody>
+                  <a:tcPr anchor="ctr">
+                    <a:solidFill>
+                      <a:schemeClr val="accent6"/>
+                    </a:solidFill>
+                  </a:tcPr>
+                </a:tc>
+                <a:extLst>
+                  <a:ext uri="{0D108BD9-81ED-4DB2-BD59-A6C34878D82A}">
+                    <a16:rowId xmlns:a16="http://schemas.microsoft.com/office/drawing/2014/main" val="3525567865"/>
+                  </a:ext>
+                </a:extLst>
+              </a:tr>
+              <a:tr h="324000">
+                <a:tc vMerge="1">
+                  <a:txBody>
+                    <a:bodyPr/>
+                    <a:lstStyle/>
+                    <a:p>
+                      <a:pPr marL="0" marR="0" lvl="0" indent="0" algn="ctr" defTabSz="914400" rtl="0" eaLnBrk="1" fontAlgn="auto" latinLnBrk="0" hangingPunct="1">
+                        <a:lnSpc>
+                          <a:spcPct val="100000"/>
+                        </a:lnSpc>
+                        <a:spcBef>
+                          <a:spcPts val="0"/>
+                        </a:spcBef>
+                        <a:spcAft>
+                          <a:spcPts val="0"/>
+                        </a:spcAft>
+                        <a:buClrTx/>
+                        <a:buSzTx/>
+                        <a:buFontTx/>
+                        <a:buNone/>
+                        <a:tabLst/>
+                        <a:defRPr/>
+                      </a:pPr>
+                      <a:endParaRPr lang="fr-FR" sz="1600" dirty="0">
+                        <a:solidFill>
+                          <a:schemeClr val="bg1"/>
+                        </a:solidFill>
+                      </a:endParaRPr>
+                    </a:p>
+                  </a:txBody>
+                  <a:tcPr vert="vert270" anchor="ctr">
+                    <a:solidFill>
+                      <a:schemeClr val="accent1"/>
+                    </a:solidFill>
+                  </a:tcPr>
+                </a:tc>
+                <a:tc>
+                  <a:txBody>
+                    <a:bodyPr/>
+                    <a:lstStyle/>
+                    <a:p>
+                      <a:pPr marL="0" marR="0" lvl="0" indent="0" algn="l" defTabSz="914400" rtl="0" eaLnBrk="1" fontAlgn="auto" latinLnBrk="0" hangingPunct="1">
+                        <a:lnSpc>
+                          <a:spcPct val="100000"/>
+                        </a:lnSpc>
+                        <a:spcBef>
+                          <a:spcPts val="0"/>
+                        </a:spcBef>
+                        <a:spcAft>
+                          <a:spcPts val="0"/>
+                        </a:spcAft>
+                        <a:buClrTx/>
+                        <a:buSzTx/>
+                        <a:buFontTx/>
+                        <a:buNone/>
+                        <a:tabLst/>
+                        <a:defRPr/>
+                      </a:pPr>
+                      <a:r>
+                        <a:rPr lang="fr-FR" sz="1200" b="1" dirty="0">
+                          <a:solidFill>
+                            <a:schemeClr val="bg1"/>
+                          </a:solidFill>
+                        </a:rPr>
+                        <a:t>1.4.0.0</a:t>
+                      </a:r>
+                    </a:p>
+                  </a:txBody>
+                  <a:tcPr anchor="ctr">
+                    <a:solidFill>
+                      <a:schemeClr val="accent1"/>
+                    </a:solidFill>
+                  </a:tcPr>
+                </a:tc>
+                <a:tc>
+                  <a:txBody>
+                    <a:bodyPr/>
+                    <a:lstStyle/>
+                    <a:p>
+                      <a:endParaRPr lang="fr-FR" sz="1600" dirty="0"/>
+                    </a:p>
+                  </a:txBody>
+                  <a:tcPr anchor="ctr">
+                    <a:solidFill>
+                      <a:srgbClr val="FFC000"/>
+                    </a:solidFill>
+                  </a:tcPr>
+                </a:tc>
+                <a:tc>
+                  <a:txBody>
+                    <a:bodyPr/>
+                    <a:lstStyle/>
+                    <a:p>
+                      <a:endParaRPr lang="fr-FR" sz="1600" dirty="0"/>
+                    </a:p>
+                  </a:txBody>
+                  <a:tcPr anchor="ctr">
+                    <a:solidFill>
+                      <a:srgbClr val="FFC000"/>
+                    </a:solidFill>
+                  </a:tcPr>
+                </a:tc>
+                <a:tc>
+                  <a:txBody>
+                    <a:bodyPr/>
+                    <a:lstStyle/>
+                    <a:p>
+                      <a:endParaRPr lang="fr-FR" sz="1600" dirty="0"/>
+                    </a:p>
+                  </a:txBody>
+                  <a:tcPr anchor="ctr">
+                    <a:solidFill>
+                      <a:srgbClr val="FFC000"/>
+                    </a:solidFill>
+                  </a:tcPr>
+                </a:tc>
+                <a:tc>
+                  <a:txBody>
+                    <a:bodyPr/>
+                    <a:lstStyle/>
+                    <a:p>
+                      <a:endParaRPr lang="fr-FR" sz="1600" dirty="0"/>
+                    </a:p>
+                  </a:txBody>
+                  <a:tcPr anchor="ctr">
+                    <a:solidFill>
+                      <a:srgbClr val="FFC000"/>
+                    </a:solidFill>
+                  </a:tcPr>
+                </a:tc>
+                <a:tc>
+                  <a:txBody>
+                    <a:bodyPr/>
+                    <a:lstStyle/>
+                    <a:p>
+                      <a:endParaRPr lang="fr-FR" sz="1600" dirty="0"/>
+                    </a:p>
+                  </a:txBody>
+                  <a:tcPr anchor="ctr">
+                    <a:solidFill>
+                      <a:srgbClr val="FFC000"/>
+                    </a:solidFill>
+                  </a:tcPr>
+                </a:tc>
+                <a:tc>
+                  <a:txBody>
+                    <a:bodyPr/>
+                    <a:lstStyle/>
+                    <a:p>
+                      <a:endParaRPr lang="fr-FR" sz="1600" dirty="0"/>
+                    </a:p>
+                  </a:txBody>
+                  <a:tcPr anchor="ctr">
+                    <a:solidFill>
+                      <a:srgbClr val="FFC000"/>
+                    </a:solidFill>
+                  </a:tcPr>
+                </a:tc>
+                <a:tc>
+                  <a:txBody>
+                    <a:bodyPr/>
+                    <a:lstStyle/>
+                    <a:p>
+                      <a:endParaRPr lang="fr-FR" sz="1600" dirty="0"/>
+                    </a:p>
+                  </a:txBody>
+                  <a:tcPr anchor="ctr">
+                    <a:solidFill>
+                      <a:srgbClr val="FFC000"/>
+                    </a:solidFill>
+                  </a:tcPr>
+                </a:tc>
+                <a:tc>
+                  <a:txBody>
+                    <a:bodyPr/>
+                    <a:lstStyle/>
+                    <a:p>
+                      <a:endParaRPr lang="fr-FR" sz="1600" dirty="0"/>
+                    </a:p>
+                  </a:txBody>
+                  <a:tcPr anchor="ctr">
+                    <a:solidFill>
+                      <a:srgbClr val="FFC000"/>
+                    </a:solidFill>
+                  </a:tcPr>
+                </a:tc>
+                <a:tc>
+                  <a:txBody>
+                    <a:bodyPr/>
+                    <a:lstStyle/>
+                    <a:p>
+                      <a:endParaRPr lang="fr-FR" sz="1600" dirty="0"/>
+                    </a:p>
+                  </a:txBody>
+                  <a:tcPr anchor="ctr">
+                    <a:solidFill>
+                      <a:schemeClr val="accent4"/>
+                    </a:solidFill>
+                  </a:tcPr>
+                </a:tc>
+                <a:tc>
+                  <a:txBody>
+                    <a:bodyPr/>
+                    <a:lstStyle/>
+                    <a:p>
+                      <a:endParaRPr lang="fr-FR" sz="1600" dirty="0"/>
+                    </a:p>
+                  </a:txBody>
+                  <a:tcPr anchor="ctr">
+                    <a:solidFill>
+                      <a:schemeClr val="accent4"/>
+                    </a:solidFill>
+                  </a:tcPr>
+                </a:tc>
+                <a:tc>
+                  <a:txBody>
+                    <a:bodyPr/>
+                    <a:lstStyle/>
+                    <a:p>
+                      <a:pPr marL="0" algn="l" defTabSz="914400" rtl="0" eaLnBrk="1" latinLnBrk="0" hangingPunct="1"/>
+                      <a:endParaRPr lang="fr-FR" sz="1600" kern="1200" dirty="0">
+                        <a:solidFill>
+                          <a:schemeClr val="dk1"/>
+                        </a:solidFill>
+                        <a:latin typeface="+mn-lt"/>
+                        <a:ea typeface="+mn-ea"/>
+                        <a:cs typeface="+mn-cs"/>
+                      </a:endParaRPr>
+                    </a:p>
+                  </a:txBody>
+                  <a:tcPr anchor="ctr">
+                    <a:solidFill>
+                      <a:schemeClr val="accent6"/>
+                    </a:solidFill>
+                  </a:tcPr>
+                </a:tc>
+                <a:tc>
+                  <a:txBody>
+                    <a:bodyPr/>
+                    <a:lstStyle/>
+                    <a:p>
+                      <a:pPr marL="0" algn="l" defTabSz="914400" rtl="0" eaLnBrk="1" latinLnBrk="0" hangingPunct="1"/>
+                      <a:endParaRPr lang="fr-FR" sz="1600" kern="1200" dirty="0">
+                        <a:solidFill>
+                          <a:schemeClr val="dk1"/>
+                        </a:solidFill>
+                        <a:latin typeface="+mn-lt"/>
+                        <a:ea typeface="+mn-ea"/>
+                        <a:cs typeface="+mn-cs"/>
+                      </a:endParaRPr>
+                    </a:p>
+                  </a:txBody>
+                  <a:tcPr anchor="ctr">
+                    <a:solidFill>
+                      <a:schemeClr val="accent6"/>
+                    </a:solidFill>
+                  </a:tcPr>
+                </a:tc>
+                <a:extLst>
+                  <a:ext uri="{0D108BD9-81ED-4DB2-BD59-A6C34878D82A}">
+                    <a16:rowId xmlns:a16="http://schemas.microsoft.com/office/drawing/2014/main" val="299860152"/>
+                  </a:ext>
+                </a:extLst>
+              </a:tr>
             </a:tbl>
           </a:graphicData>
         </a:graphic>
@@ -35934,14 +38056,14 @@
           <p:nvPr>
             <p:extLst>
               <p:ext uri="{D42A27DB-BD31-4B8C-83A1-F6EECF244321}">
-                <p14:modId xmlns:p14="http://schemas.microsoft.com/office/powerpoint/2010/main" val="2606970922"/>
+                <p14:modId xmlns:p14="http://schemas.microsoft.com/office/powerpoint/2010/main" val="3729891774"/>
               </p:ext>
             </p:extLst>
           </p:nvPr>
         </p:nvGraphicFramePr>
         <p:xfrm>
-          <a:off x="1505207" y="5963403"/>
-          <a:ext cx="8861428" cy="528202"/>
+          <a:off x="1505208" y="6065520"/>
+          <a:ext cx="8861428" cy="366832"/>
         </p:xfrm>
         <a:graphic>
           <a:graphicData uri="http://schemas.openxmlformats.org/drawingml/2006/table">
@@ -35979,7 +38101,7 @@
                   </a:extLst>
                 </a:gridCol>
               </a:tblGrid>
-              <a:tr h="528202">
+              <a:tr h="366832">
                 <a:tc>
                   <a:txBody>
                     <a:bodyPr/>
@@ -36068,7 +38190,7 @@
 </p:sld>
 </file>
 
-<file path=ppt/slides/slide33.xml><?xml version="1.0" encoding="utf-8"?>
+<file path=ppt/slides/slide34.xml><?xml version="1.0" encoding="utf-8"?>
 <p:sld xmlns:a="http://schemas.openxmlformats.org/drawingml/2006/main" xmlns:r="http://schemas.openxmlformats.org/officeDocument/2006/relationships" xmlns:p="http://schemas.openxmlformats.org/presentationml/2006/main">
   <p:cSld>
     <p:spTree>
@@ -36138,6 +38260,63 @@
         <p:txBody>
           <a:bodyPr/>
           <a:lstStyle/>
+          <a:p>
+            <a:r>
+              <a:rPr lang="fr-FR" sz="1200" b="1" dirty="0">
+                <a:latin typeface="Barlow" panose="00000500000000000000" pitchFamily="2" charset="0"/>
+              </a:rPr>
+              <a:t>V1.4.0.0 – 09/2025</a:t>
+            </a:r>
+          </a:p>
+          <a:p>
+            <a:pPr lvl="1">
+              <a:spcBef>
+                <a:spcPts val="0"/>
+              </a:spcBef>
+            </a:pPr>
+            <a:r>
+              <a:rPr lang="fr-FR" sz="1200" dirty="0">
+                <a:latin typeface="Barlow" panose="00000500000000000000" pitchFamily="2" charset="0"/>
+              </a:rPr>
+              <a:t>Support de l’affichage des judokas engagés</a:t>
+            </a:r>
+          </a:p>
+          <a:p>
+            <a:pPr lvl="1">
+              <a:spcBef>
+                <a:spcPts val="0"/>
+              </a:spcBef>
+            </a:pPr>
+            <a:r>
+              <a:rPr lang="fr-FR" sz="1200" dirty="0">
+                <a:latin typeface="Barlow" panose="00000500000000000000" pitchFamily="2" charset="0"/>
+              </a:rPr>
+              <a:t>Correction d’anomalies</a:t>
+            </a:r>
+          </a:p>
+          <a:p>
+            <a:pPr lvl="1">
+              <a:spcBef>
+                <a:spcPts val="0"/>
+              </a:spcBef>
+            </a:pPr>
+            <a:r>
+              <a:rPr lang="fr-FR" sz="1200" dirty="0">
+                <a:latin typeface="Barlow" panose="00000500000000000000" pitchFamily="2" charset="0"/>
+              </a:rPr>
+              <a:t>Optimisation de la vitesse de génération</a:t>
+            </a:r>
+          </a:p>
+          <a:p>
+            <a:pPr lvl="1">
+              <a:spcBef>
+                <a:spcPts val="0"/>
+              </a:spcBef>
+            </a:pPr>
+            <a:endParaRPr lang="fr-FR" sz="1200" b="1" dirty="0">
+              <a:latin typeface="Barlow" panose="00000500000000000000" pitchFamily="2" charset="0"/>
+            </a:endParaRPr>
+          </a:p>
           <a:p>
             <a:r>
               <a:rPr lang="fr-FR" sz="1200" b="1" dirty="0">
@@ -36977,661 +39156,6 @@
 </p:sld>
 </file>
 
-<file path=ppt/slides/slide34.xml><?xml version="1.0" encoding="utf-8"?>
-<p:sld xmlns:a="http://schemas.openxmlformats.org/drawingml/2006/main" xmlns:r="http://schemas.openxmlformats.org/officeDocument/2006/relationships" xmlns:p="http://schemas.openxmlformats.org/presentationml/2006/main">
-  <p:cSld>
-    <p:spTree>
-      <p:nvGrpSpPr>
-        <p:cNvPr id="1" name=""/>
-        <p:cNvGrpSpPr/>
-        <p:nvPr/>
-      </p:nvGrpSpPr>
-      <p:grpSpPr>
-        <a:xfrm>
-          <a:off x="0" y="0"/>
-          <a:ext cx="0" cy="0"/>
-          <a:chOff x="0" y="0"/>
-          <a:chExt cx="0" cy="0"/>
-        </a:xfrm>
-      </p:grpSpPr>
-      <p:sp>
-        <p:nvSpPr>
-          <p:cNvPr id="2" name="Titre 1">
-            <a:extLst>
-              <a:ext uri="{FF2B5EF4-FFF2-40B4-BE49-F238E27FC236}">
-                <a16:creationId xmlns:a16="http://schemas.microsoft.com/office/drawing/2014/main" id="{2C198829-35EB-6A46-EBAA-6A582DAFE970}"/>
-              </a:ext>
-            </a:extLst>
-          </p:cNvPr>
-          <p:cNvSpPr>
-            <a:spLocks noGrp="1"/>
-          </p:cNvSpPr>
-          <p:nvPr>
-            <p:ph type="title"/>
-          </p:nvPr>
-        </p:nvSpPr>
-        <p:spPr/>
-        <p:txBody>
-          <a:bodyPr/>
-          <a:lstStyle/>
-          <a:p>
-            <a:r>
-              <a:rPr lang="fr-FR" dirty="0"/>
-              <a:t>Plan du Site utilisateur</a:t>
-            </a:r>
-          </a:p>
-        </p:txBody>
-      </p:sp>
-      <p:sp>
-        <p:nvSpPr>
-          <p:cNvPr id="96" name="Espace réservé du texte 95">
-            <a:extLst>
-              <a:ext uri="{FF2B5EF4-FFF2-40B4-BE49-F238E27FC236}">
-                <a16:creationId xmlns:a16="http://schemas.microsoft.com/office/drawing/2014/main" id="{632EA303-8082-81B4-4011-C47156776500}"/>
-              </a:ext>
-            </a:extLst>
-          </p:cNvPr>
-          <p:cNvSpPr>
-            <a:spLocks noGrp="1"/>
-          </p:cNvSpPr>
-          <p:nvPr>
-            <p:ph type="body" idx="1"/>
-          </p:nvPr>
-        </p:nvSpPr>
-        <p:spPr>
-          <a:xfrm>
-            <a:off x="294171" y="2705491"/>
-            <a:ext cx="5648329" cy="2692716"/>
-          </a:xfrm>
-        </p:spPr>
-        <p:txBody>
-          <a:bodyPr/>
-          <a:lstStyle/>
-          <a:p>
-            <a:pPr marL="101598" indent="0">
-              <a:buNone/>
-            </a:pPr>
-            <a:r>
-              <a:rPr lang="fr-FR" b="1" dirty="0"/>
-              <a:t>Icones communs</a:t>
-            </a:r>
-          </a:p>
-          <a:p>
-            <a:pPr lvl="1">
-              <a:lnSpc>
-                <a:spcPct val="150000"/>
-              </a:lnSpc>
-            </a:pPr>
-            <a:r>
-              <a:rPr lang="fr-FR" sz="2000" dirty="0"/>
-              <a:t>Ouvre le panneau de navigation</a:t>
-            </a:r>
-          </a:p>
-          <a:p>
-            <a:pPr lvl="1">
-              <a:lnSpc>
-                <a:spcPct val="150000"/>
-              </a:lnSpc>
-            </a:pPr>
-            <a:r>
-              <a:rPr lang="fr-FR" sz="2000" dirty="0"/>
-              <a:t>Déplie une zone d’affichage masquée</a:t>
-            </a:r>
-          </a:p>
-          <a:p>
-            <a:pPr lvl="1">
-              <a:lnSpc>
-                <a:spcPct val="150000"/>
-              </a:lnSpc>
-            </a:pPr>
-            <a:r>
-              <a:rPr lang="fr-FR" sz="2000" dirty="0"/>
-              <a:t>Replie une zone d’affichage</a:t>
-            </a:r>
-          </a:p>
-        </p:txBody>
-      </p:sp>
-      <p:sp>
-        <p:nvSpPr>
-          <p:cNvPr id="4" name="Espace réservé du texte 3">
-            <a:extLst>
-              <a:ext uri="{FF2B5EF4-FFF2-40B4-BE49-F238E27FC236}">
-                <a16:creationId xmlns:a16="http://schemas.microsoft.com/office/drawing/2014/main" id="{55EE5942-743C-7FE0-DDCC-8AF825345982}"/>
-              </a:ext>
-            </a:extLst>
-          </p:cNvPr>
-          <p:cNvSpPr>
-            <a:spLocks noGrp="1"/>
-          </p:cNvSpPr>
-          <p:nvPr>
-            <p:ph type="body" sz="quarter" idx="15"/>
-          </p:nvPr>
-        </p:nvSpPr>
-        <p:spPr/>
-        <p:txBody>
-          <a:bodyPr/>
-          <a:lstStyle/>
-          <a:p>
-            <a:r>
-              <a:rPr lang="fr-FR" dirty="0"/>
-              <a:t>Annexe</a:t>
-            </a:r>
-          </a:p>
-        </p:txBody>
-      </p:sp>
-      <p:pic>
-        <p:nvPicPr>
-          <p:cNvPr id="39" name="Image 38">
-            <a:extLst>
-              <a:ext uri="{FF2B5EF4-FFF2-40B4-BE49-F238E27FC236}">
-                <a16:creationId xmlns:a16="http://schemas.microsoft.com/office/drawing/2014/main" id="{4668D6BD-33B6-5D57-80FA-C18DE3BB775B}"/>
-              </a:ext>
-            </a:extLst>
-          </p:cNvPr>
-          <p:cNvPicPr>
-            <a:picLocks noChangeAspect="1"/>
-          </p:cNvPicPr>
-          <p:nvPr/>
-        </p:nvPicPr>
-        <p:blipFill rotWithShape="1">
-          <a:blip r:embed="rId2"/>
-          <a:srcRect r="93167" b="81568"/>
-          <a:stretch/>
-        </p:blipFill>
-        <p:spPr>
-          <a:xfrm>
-            <a:off x="582477" y="3207350"/>
-            <a:ext cx="390526" cy="423110"/>
-          </a:xfrm>
-          <a:prstGeom prst="rect">
-            <a:avLst/>
-          </a:prstGeom>
-        </p:spPr>
-      </p:pic>
-      <p:pic>
-        <p:nvPicPr>
-          <p:cNvPr id="93" name="Image 92">
-            <a:extLst>
-              <a:ext uri="{FF2B5EF4-FFF2-40B4-BE49-F238E27FC236}">
-                <a16:creationId xmlns:a16="http://schemas.microsoft.com/office/drawing/2014/main" id="{5CA17C80-E623-1F6D-0B3B-1C4BAB12603F}"/>
-              </a:ext>
-            </a:extLst>
-          </p:cNvPr>
-          <p:cNvPicPr>
-            <a:picLocks noChangeAspect="1"/>
-          </p:cNvPicPr>
-          <p:nvPr/>
-        </p:nvPicPr>
-        <p:blipFill rotWithShape="1">
-          <a:blip r:embed="rId3"/>
-          <a:srcRect l="4066" t="28114" r="92396" b="66858"/>
-          <a:stretch/>
-        </p:blipFill>
-        <p:spPr>
-          <a:xfrm>
-            <a:off x="607243" y="4298044"/>
-            <a:ext cx="375825" cy="423110"/>
-          </a:xfrm>
-          <a:prstGeom prst="rect">
-            <a:avLst/>
-          </a:prstGeom>
-        </p:spPr>
-      </p:pic>
-      <p:pic>
-        <p:nvPicPr>
-          <p:cNvPr id="95" name="Image 94">
-            <a:extLst>
-              <a:ext uri="{FF2B5EF4-FFF2-40B4-BE49-F238E27FC236}">
-                <a16:creationId xmlns:a16="http://schemas.microsoft.com/office/drawing/2014/main" id="{984867CE-3E59-9C52-93FB-A0A9C0CD7583}"/>
-              </a:ext>
-            </a:extLst>
-          </p:cNvPr>
-          <p:cNvPicPr>
-            <a:picLocks noChangeAspect="1"/>
-          </p:cNvPicPr>
-          <p:nvPr/>
-        </p:nvPicPr>
-        <p:blipFill rotWithShape="1">
-          <a:blip r:embed="rId4"/>
-          <a:srcRect l="4114" t="72819" r="92274" b="17419"/>
-          <a:stretch/>
-        </p:blipFill>
-        <p:spPr>
-          <a:xfrm>
-            <a:off x="607243" y="3779112"/>
-            <a:ext cx="365760" cy="370280"/>
-          </a:xfrm>
-          <a:prstGeom prst="rect">
-            <a:avLst/>
-          </a:prstGeom>
-        </p:spPr>
-      </p:pic>
-      <p:pic>
-        <p:nvPicPr>
-          <p:cNvPr id="97" name="Image 96">
-            <a:extLst>
-              <a:ext uri="{FF2B5EF4-FFF2-40B4-BE49-F238E27FC236}">
-                <a16:creationId xmlns:a16="http://schemas.microsoft.com/office/drawing/2014/main" id="{2AEA0DFA-979E-1831-3CDF-EB998F1592C7}"/>
-              </a:ext>
-            </a:extLst>
-          </p:cNvPr>
-          <p:cNvPicPr>
-            <a:picLocks noChangeAspect="1"/>
-          </p:cNvPicPr>
-          <p:nvPr/>
-        </p:nvPicPr>
-        <p:blipFill>
-          <a:blip r:embed="rId5"/>
-          <a:stretch>
-            <a:fillRect/>
-          </a:stretch>
-        </p:blipFill>
-        <p:spPr>
-          <a:xfrm>
-            <a:off x="6547450" y="1065770"/>
-            <a:ext cx="5125529" cy="5383094"/>
-          </a:xfrm>
-          <a:prstGeom prst="rect">
-            <a:avLst/>
-          </a:prstGeom>
-        </p:spPr>
-      </p:pic>
-      <p:sp>
-        <p:nvSpPr>
-          <p:cNvPr id="98" name="Rectangle 97">
-            <a:extLst>
-              <a:ext uri="{FF2B5EF4-FFF2-40B4-BE49-F238E27FC236}">
-                <a16:creationId xmlns:a16="http://schemas.microsoft.com/office/drawing/2014/main" id="{C1D59BD6-8545-5BFA-DC66-AF87077CEC4E}"/>
-              </a:ext>
-            </a:extLst>
-          </p:cNvPr>
-          <p:cNvSpPr/>
-          <p:nvPr/>
-        </p:nvSpPr>
-        <p:spPr>
-          <a:xfrm>
-            <a:off x="6547450" y="1520147"/>
-            <a:ext cx="5125528" cy="4588254"/>
-          </a:xfrm>
-          <a:prstGeom prst="rect">
-            <a:avLst/>
-          </a:prstGeom>
-          <a:ln>
-            <a:solidFill>
-              <a:schemeClr val="accent1"/>
-            </a:solidFill>
-          </a:ln>
-        </p:spPr>
-        <p:style>
-          <a:lnRef idx="0">
-            <a:schemeClr val="accent5"/>
-          </a:lnRef>
-          <a:fillRef idx="3">
-            <a:schemeClr val="accent5"/>
-          </a:fillRef>
-          <a:effectRef idx="3">
-            <a:schemeClr val="accent5"/>
-          </a:effectRef>
-          <a:fontRef idx="minor">
-            <a:schemeClr val="lt1"/>
-          </a:fontRef>
-        </p:style>
-        <p:txBody>
-          <a:bodyPr rtlCol="0" anchor="ctr"/>
-          <a:lstStyle/>
-          <a:p>
-            <a:pPr algn="ctr"/>
-            <a:r>
-              <a:rPr lang="fr-FR" sz="1400" dirty="0">
-                <a:solidFill>
-                  <a:schemeClr val="lt1"/>
-                </a:solidFill>
-              </a:rPr>
-              <a:t>Affichage des informations</a:t>
-            </a:r>
-          </a:p>
-        </p:txBody>
-      </p:sp>
-      <p:sp>
-        <p:nvSpPr>
-          <p:cNvPr id="99" name="Légende : encadrée à une bordure 98">
-            <a:extLst>
-              <a:ext uri="{FF2B5EF4-FFF2-40B4-BE49-F238E27FC236}">
-                <a16:creationId xmlns:a16="http://schemas.microsoft.com/office/drawing/2014/main" id="{3C9B238E-A3E8-0741-3EC5-FFAFFCE4A2F9}"/>
-              </a:ext>
-            </a:extLst>
-          </p:cNvPr>
-          <p:cNvSpPr/>
-          <p:nvPr/>
-        </p:nvSpPr>
-        <p:spPr>
-          <a:xfrm flipH="1">
-            <a:off x="3873260" y="5804245"/>
-            <a:ext cx="2309004" cy="436961"/>
-          </a:xfrm>
-          <a:prstGeom prst="accentBorderCallout1">
-            <a:avLst>
-              <a:gd name="adj1" fmla="val 18750"/>
-              <a:gd name="adj2" fmla="val -8333"/>
-              <a:gd name="adj3" fmla="val 116381"/>
-              <a:gd name="adj4" fmla="val -90520"/>
-            </a:avLst>
-          </a:prstGeom>
-          <a:ln>
-            <a:solidFill>
-              <a:schemeClr val="accent1"/>
-            </a:solidFill>
-          </a:ln>
-        </p:spPr>
-        <p:style>
-          <a:lnRef idx="0">
-            <a:schemeClr val="accent5"/>
-          </a:lnRef>
-          <a:fillRef idx="3">
-            <a:schemeClr val="accent5"/>
-          </a:fillRef>
-          <a:effectRef idx="3">
-            <a:schemeClr val="accent5"/>
-          </a:effectRef>
-          <a:fontRef idx="minor">
-            <a:schemeClr val="lt1"/>
-          </a:fontRef>
-        </p:style>
-        <p:txBody>
-          <a:bodyPr rtlCol="0" anchor="ctr"/>
-          <a:lstStyle/>
-          <a:p>
-            <a:pPr algn="ctr"/>
-            <a:r>
-              <a:rPr lang="fr-FR" sz="1400" dirty="0"/>
-              <a:t>Date et heure de génération de la page</a:t>
-            </a:r>
-          </a:p>
-        </p:txBody>
-      </p:sp>
-      <p:sp>
-        <p:nvSpPr>
-          <p:cNvPr id="100" name="Rectangle 99">
-            <a:extLst>
-              <a:ext uri="{FF2B5EF4-FFF2-40B4-BE49-F238E27FC236}">
-                <a16:creationId xmlns:a16="http://schemas.microsoft.com/office/drawing/2014/main" id="{2EAF2B2D-282C-03B6-9184-4DF717E359C8}"/>
-              </a:ext>
-            </a:extLst>
-          </p:cNvPr>
-          <p:cNvSpPr/>
-          <p:nvPr/>
-        </p:nvSpPr>
-        <p:spPr>
-          <a:xfrm>
-            <a:off x="8285555" y="6193764"/>
-            <a:ext cx="1634822" cy="210389"/>
-          </a:xfrm>
-          <a:prstGeom prst="rect">
-            <a:avLst/>
-          </a:prstGeom>
-          <a:noFill/>
-          <a:ln w="28575">
-            <a:solidFill>
-              <a:srgbClr val="2349E3"/>
-            </a:solidFill>
-          </a:ln>
-        </p:spPr>
-        <p:style>
-          <a:lnRef idx="2">
-            <a:schemeClr val="accent1">
-              <a:shade val="15000"/>
-            </a:schemeClr>
-          </a:lnRef>
-          <a:fillRef idx="1">
-            <a:schemeClr val="accent1"/>
-          </a:fillRef>
-          <a:effectRef idx="0">
-            <a:schemeClr val="accent1"/>
-          </a:effectRef>
-          <a:fontRef idx="minor">
-            <a:schemeClr val="lt1"/>
-          </a:fontRef>
-        </p:style>
-        <p:txBody>
-          <a:bodyPr rtlCol="0" anchor="ctr"/>
-          <a:lstStyle/>
-          <a:p>
-            <a:pPr algn="ctr"/>
-            <a:endParaRPr lang="fr-FR"/>
-          </a:p>
-        </p:txBody>
-      </p:sp>
-      <p:sp>
-        <p:nvSpPr>
-          <p:cNvPr id="102" name="Rectangle 101">
-            <a:extLst>
-              <a:ext uri="{FF2B5EF4-FFF2-40B4-BE49-F238E27FC236}">
-                <a16:creationId xmlns:a16="http://schemas.microsoft.com/office/drawing/2014/main" id="{E97E29FF-67E6-A642-B9C3-A853D238957C}"/>
-              </a:ext>
-            </a:extLst>
-          </p:cNvPr>
-          <p:cNvSpPr/>
-          <p:nvPr/>
-        </p:nvSpPr>
-        <p:spPr>
-          <a:xfrm>
-            <a:off x="6532750" y="1090193"/>
-            <a:ext cx="390526" cy="333165"/>
-          </a:xfrm>
-          <a:prstGeom prst="rect">
-            <a:avLst/>
-          </a:prstGeom>
-          <a:noFill/>
-          <a:ln w="28575">
-            <a:solidFill>
-              <a:srgbClr val="FFC000"/>
-            </a:solidFill>
-          </a:ln>
-        </p:spPr>
-        <p:style>
-          <a:lnRef idx="2">
-            <a:schemeClr val="accent1">
-              <a:shade val="15000"/>
-            </a:schemeClr>
-          </a:lnRef>
-          <a:fillRef idx="1">
-            <a:schemeClr val="accent1"/>
-          </a:fillRef>
-          <a:effectRef idx="0">
-            <a:schemeClr val="accent1"/>
-          </a:effectRef>
-          <a:fontRef idx="minor">
-            <a:schemeClr val="lt1"/>
-          </a:fontRef>
-        </p:style>
-        <p:txBody>
-          <a:bodyPr rtlCol="0" anchor="ctr"/>
-          <a:lstStyle/>
-          <a:p>
-            <a:pPr algn="ctr"/>
-            <a:endParaRPr lang="fr-FR"/>
-          </a:p>
-        </p:txBody>
-      </p:sp>
-      <p:sp>
-        <p:nvSpPr>
-          <p:cNvPr id="103" name="Légende : encadrée à une bordure 102">
-            <a:extLst>
-              <a:ext uri="{FF2B5EF4-FFF2-40B4-BE49-F238E27FC236}">
-                <a16:creationId xmlns:a16="http://schemas.microsoft.com/office/drawing/2014/main" id="{F64F9F6D-CE22-254B-E61B-658E501A5F75}"/>
-              </a:ext>
-            </a:extLst>
-          </p:cNvPr>
-          <p:cNvSpPr/>
-          <p:nvPr/>
-        </p:nvSpPr>
-        <p:spPr>
-          <a:xfrm flipH="1">
-            <a:off x="4386639" y="1719483"/>
-            <a:ext cx="1709361" cy="579970"/>
-          </a:xfrm>
-          <a:prstGeom prst="accentBorderCallout1">
-            <a:avLst>
-              <a:gd name="adj1" fmla="val 18750"/>
-              <a:gd name="adj2" fmla="val -8333"/>
-              <a:gd name="adj3" fmla="val -42724"/>
-              <a:gd name="adj4" fmla="val -30610"/>
-            </a:avLst>
-          </a:prstGeom>
-          <a:ln>
-            <a:solidFill>
-              <a:schemeClr val="accent4"/>
-            </a:solidFill>
-          </a:ln>
-        </p:spPr>
-        <p:style>
-          <a:lnRef idx="0">
-            <a:schemeClr val="accent4"/>
-          </a:lnRef>
-          <a:fillRef idx="3">
-            <a:schemeClr val="accent4"/>
-          </a:fillRef>
-          <a:effectRef idx="3">
-            <a:schemeClr val="accent4"/>
-          </a:effectRef>
-          <a:fontRef idx="minor">
-            <a:schemeClr val="lt1"/>
-          </a:fontRef>
-        </p:style>
-        <p:txBody>
-          <a:bodyPr rtlCol="0" anchor="ctr"/>
-          <a:lstStyle/>
-          <a:p>
-            <a:pPr algn="ctr"/>
-            <a:r>
-              <a:rPr lang="fr-FR" sz="1400" dirty="0"/>
-              <a:t>Affiche le panneau de navigation</a:t>
-            </a:r>
-          </a:p>
-        </p:txBody>
-      </p:sp>
-      <p:sp>
-        <p:nvSpPr>
-          <p:cNvPr id="104" name="Légende : encadrée à une bordure 103">
-            <a:extLst>
-              <a:ext uri="{FF2B5EF4-FFF2-40B4-BE49-F238E27FC236}">
-                <a16:creationId xmlns:a16="http://schemas.microsoft.com/office/drawing/2014/main" id="{5A54C490-7140-FC0A-C192-022E3030A5F2}"/>
-              </a:ext>
-            </a:extLst>
-          </p:cNvPr>
-          <p:cNvSpPr/>
-          <p:nvPr/>
-        </p:nvSpPr>
-        <p:spPr>
-          <a:xfrm flipH="1">
-            <a:off x="6923276" y="506826"/>
-            <a:ext cx="2309004" cy="436961"/>
-          </a:xfrm>
-          <a:prstGeom prst="accentBorderCallout1">
-            <a:avLst>
-              <a:gd name="adj1" fmla="val 18750"/>
-              <a:gd name="adj2" fmla="val -8333"/>
-              <a:gd name="adj3" fmla="val 181529"/>
-              <a:gd name="adj4" fmla="val -79312"/>
-            </a:avLst>
-          </a:prstGeom>
-          <a:ln>
-            <a:solidFill>
-              <a:schemeClr val="accent1"/>
-            </a:solidFill>
-          </a:ln>
-        </p:spPr>
-        <p:style>
-          <a:lnRef idx="0">
-            <a:schemeClr val="accent5"/>
-          </a:lnRef>
-          <a:fillRef idx="3">
-            <a:schemeClr val="accent5"/>
-          </a:fillRef>
-          <a:effectRef idx="3">
-            <a:schemeClr val="accent5"/>
-          </a:effectRef>
-          <a:fontRef idx="minor">
-            <a:schemeClr val="lt1"/>
-          </a:fontRef>
-        </p:style>
-        <p:txBody>
-          <a:bodyPr rtlCol="0" anchor="ctr"/>
-          <a:lstStyle/>
-          <a:p>
-            <a:pPr algn="ctr"/>
-            <a:r>
-              <a:rPr lang="fr-FR" sz="1400" dirty="0"/>
-              <a:t>Logo sélectionné</a:t>
-            </a:r>
-          </a:p>
-        </p:txBody>
-      </p:sp>
-      <p:sp>
-        <p:nvSpPr>
-          <p:cNvPr id="105" name="Rectangle 104">
-            <a:extLst>
-              <a:ext uri="{FF2B5EF4-FFF2-40B4-BE49-F238E27FC236}">
-                <a16:creationId xmlns:a16="http://schemas.microsoft.com/office/drawing/2014/main" id="{9F20B463-53F3-1023-B35D-CD0F36B08443}"/>
-              </a:ext>
-            </a:extLst>
-          </p:cNvPr>
-          <p:cNvSpPr/>
-          <p:nvPr/>
-        </p:nvSpPr>
-        <p:spPr>
-          <a:xfrm>
-            <a:off x="11084943" y="1082569"/>
-            <a:ext cx="408316" cy="340789"/>
-          </a:xfrm>
-          <a:prstGeom prst="rect">
-            <a:avLst/>
-          </a:prstGeom>
-          <a:noFill/>
-          <a:ln w="28575">
-            <a:solidFill>
-              <a:srgbClr val="2349E3"/>
-            </a:solidFill>
-          </a:ln>
-        </p:spPr>
-        <p:style>
-          <a:lnRef idx="2">
-            <a:schemeClr val="accent1">
-              <a:shade val="15000"/>
-            </a:schemeClr>
-          </a:lnRef>
-          <a:fillRef idx="1">
-            <a:schemeClr val="accent1"/>
-          </a:fillRef>
-          <a:effectRef idx="0">
-            <a:schemeClr val="accent1"/>
-          </a:effectRef>
-          <a:fontRef idx="minor">
-            <a:schemeClr val="lt1"/>
-          </a:fontRef>
-        </p:style>
-        <p:txBody>
-          <a:bodyPr rtlCol="0" anchor="ctr"/>
-          <a:lstStyle/>
-          <a:p>
-            <a:pPr algn="ctr"/>
-            <a:endParaRPr lang="fr-FR"/>
-          </a:p>
-        </p:txBody>
-      </p:sp>
-    </p:spTree>
-    <p:extLst>
-      <p:ext uri="{BB962C8B-B14F-4D97-AF65-F5344CB8AC3E}">
-        <p14:creationId xmlns:p14="http://schemas.microsoft.com/office/powerpoint/2010/main" val="1215838868"/>
-      </p:ext>
-    </p:extLst>
-  </p:cSld>
-  <p:clrMapOvr>
-    <a:masterClrMapping/>
-  </p:clrMapOvr>
-</p:sld>
-</file>
-
 <file path=ppt/slides/slide35.xml><?xml version="1.0" encoding="utf-8"?>
 <p:sld xmlns:a="http://schemas.openxmlformats.org/drawingml/2006/main" xmlns:r="http://schemas.openxmlformats.org/officeDocument/2006/relationships" xmlns:p="http://schemas.openxmlformats.org/presentationml/2006/main">
   <p:cSld>
@@ -37651,6 +39175,661 @@
       </p:grpSpPr>
       <p:sp>
         <p:nvSpPr>
+          <p:cNvPr id="2" name="Titre 1">
+            <a:extLst>
+              <a:ext uri="{FF2B5EF4-FFF2-40B4-BE49-F238E27FC236}">
+                <a16:creationId xmlns:a16="http://schemas.microsoft.com/office/drawing/2014/main" id="{2C198829-35EB-6A46-EBAA-6A582DAFE970}"/>
+              </a:ext>
+            </a:extLst>
+          </p:cNvPr>
+          <p:cNvSpPr>
+            <a:spLocks noGrp="1"/>
+          </p:cNvSpPr>
+          <p:nvPr>
+            <p:ph type="title"/>
+          </p:nvPr>
+        </p:nvSpPr>
+        <p:spPr/>
+        <p:txBody>
+          <a:bodyPr/>
+          <a:lstStyle/>
+          <a:p>
+            <a:r>
+              <a:rPr lang="fr-FR" dirty="0"/>
+              <a:t>Plan du Site utilisateur</a:t>
+            </a:r>
+          </a:p>
+        </p:txBody>
+      </p:sp>
+      <p:sp>
+        <p:nvSpPr>
+          <p:cNvPr id="96" name="Espace réservé du texte 95">
+            <a:extLst>
+              <a:ext uri="{FF2B5EF4-FFF2-40B4-BE49-F238E27FC236}">
+                <a16:creationId xmlns:a16="http://schemas.microsoft.com/office/drawing/2014/main" id="{632EA303-8082-81B4-4011-C47156776500}"/>
+              </a:ext>
+            </a:extLst>
+          </p:cNvPr>
+          <p:cNvSpPr>
+            <a:spLocks noGrp="1"/>
+          </p:cNvSpPr>
+          <p:nvPr>
+            <p:ph type="body" idx="1"/>
+          </p:nvPr>
+        </p:nvSpPr>
+        <p:spPr>
+          <a:xfrm>
+            <a:off x="294171" y="2705491"/>
+            <a:ext cx="5648329" cy="2692716"/>
+          </a:xfrm>
+        </p:spPr>
+        <p:txBody>
+          <a:bodyPr/>
+          <a:lstStyle/>
+          <a:p>
+            <a:pPr marL="101598" indent="0">
+              <a:buNone/>
+            </a:pPr>
+            <a:r>
+              <a:rPr lang="fr-FR" b="1" dirty="0"/>
+              <a:t>Icones communs</a:t>
+            </a:r>
+          </a:p>
+          <a:p>
+            <a:pPr lvl="1">
+              <a:lnSpc>
+                <a:spcPct val="150000"/>
+              </a:lnSpc>
+            </a:pPr>
+            <a:r>
+              <a:rPr lang="fr-FR" sz="2000" dirty="0"/>
+              <a:t>Ouvre le panneau de navigation</a:t>
+            </a:r>
+          </a:p>
+          <a:p>
+            <a:pPr lvl="1">
+              <a:lnSpc>
+                <a:spcPct val="150000"/>
+              </a:lnSpc>
+            </a:pPr>
+            <a:r>
+              <a:rPr lang="fr-FR" sz="2000" dirty="0"/>
+              <a:t>Déplie une zone d’affichage masquée</a:t>
+            </a:r>
+          </a:p>
+          <a:p>
+            <a:pPr lvl="1">
+              <a:lnSpc>
+                <a:spcPct val="150000"/>
+              </a:lnSpc>
+            </a:pPr>
+            <a:r>
+              <a:rPr lang="fr-FR" sz="2000" dirty="0"/>
+              <a:t>Replie une zone d’affichage</a:t>
+            </a:r>
+          </a:p>
+        </p:txBody>
+      </p:sp>
+      <p:sp>
+        <p:nvSpPr>
+          <p:cNvPr id="4" name="Espace réservé du texte 3">
+            <a:extLst>
+              <a:ext uri="{FF2B5EF4-FFF2-40B4-BE49-F238E27FC236}">
+                <a16:creationId xmlns:a16="http://schemas.microsoft.com/office/drawing/2014/main" id="{55EE5942-743C-7FE0-DDCC-8AF825345982}"/>
+              </a:ext>
+            </a:extLst>
+          </p:cNvPr>
+          <p:cNvSpPr>
+            <a:spLocks noGrp="1"/>
+          </p:cNvSpPr>
+          <p:nvPr>
+            <p:ph type="body" sz="quarter" idx="15"/>
+          </p:nvPr>
+        </p:nvSpPr>
+        <p:spPr/>
+        <p:txBody>
+          <a:bodyPr/>
+          <a:lstStyle/>
+          <a:p>
+            <a:r>
+              <a:rPr lang="fr-FR" dirty="0"/>
+              <a:t>Annexe</a:t>
+            </a:r>
+          </a:p>
+        </p:txBody>
+      </p:sp>
+      <p:pic>
+        <p:nvPicPr>
+          <p:cNvPr id="39" name="Image 38">
+            <a:extLst>
+              <a:ext uri="{FF2B5EF4-FFF2-40B4-BE49-F238E27FC236}">
+                <a16:creationId xmlns:a16="http://schemas.microsoft.com/office/drawing/2014/main" id="{4668D6BD-33B6-5D57-80FA-C18DE3BB775B}"/>
+              </a:ext>
+            </a:extLst>
+          </p:cNvPr>
+          <p:cNvPicPr>
+            <a:picLocks noChangeAspect="1"/>
+          </p:cNvPicPr>
+          <p:nvPr/>
+        </p:nvPicPr>
+        <p:blipFill rotWithShape="1">
+          <a:blip r:embed="rId2"/>
+          <a:srcRect r="93167" b="81568"/>
+          <a:stretch/>
+        </p:blipFill>
+        <p:spPr>
+          <a:xfrm>
+            <a:off x="582477" y="3207350"/>
+            <a:ext cx="390526" cy="423110"/>
+          </a:xfrm>
+          <a:prstGeom prst="rect">
+            <a:avLst/>
+          </a:prstGeom>
+        </p:spPr>
+      </p:pic>
+      <p:pic>
+        <p:nvPicPr>
+          <p:cNvPr id="93" name="Image 92">
+            <a:extLst>
+              <a:ext uri="{FF2B5EF4-FFF2-40B4-BE49-F238E27FC236}">
+                <a16:creationId xmlns:a16="http://schemas.microsoft.com/office/drawing/2014/main" id="{5CA17C80-E623-1F6D-0B3B-1C4BAB12603F}"/>
+              </a:ext>
+            </a:extLst>
+          </p:cNvPr>
+          <p:cNvPicPr>
+            <a:picLocks noChangeAspect="1"/>
+          </p:cNvPicPr>
+          <p:nvPr/>
+        </p:nvPicPr>
+        <p:blipFill rotWithShape="1">
+          <a:blip r:embed="rId3"/>
+          <a:srcRect l="4066" t="28114" r="92396" b="66858"/>
+          <a:stretch/>
+        </p:blipFill>
+        <p:spPr>
+          <a:xfrm>
+            <a:off x="607243" y="4298044"/>
+            <a:ext cx="375825" cy="423110"/>
+          </a:xfrm>
+          <a:prstGeom prst="rect">
+            <a:avLst/>
+          </a:prstGeom>
+        </p:spPr>
+      </p:pic>
+      <p:pic>
+        <p:nvPicPr>
+          <p:cNvPr id="95" name="Image 94">
+            <a:extLst>
+              <a:ext uri="{FF2B5EF4-FFF2-40B4-BE49-F238E27FC236}">
+                <a16:creationId xmlns:a16="http://schemas.microsoft.com/office/drawing/2014/main" id="{984867CE-3E59-9C52-93FB-A0A9C0CD7583}"/>
+              </a:ext>
+            </a:extLst>
+          </p:cNvPr>
+          <p:cNvPicPr>
+            <a:picLocks noChangeAspect="1"/>
+          </p:cNvPicPr>
+          <p:nvPr/>
+        </p:nvPicPr>
+        <p:blipFill rotWithShape="1">
+          <a:blip r:embed="rId4"/>
+          <a:srcRect l="4114" t="72819" r="92274" b="17419"/>
+          <a:stretch/>
+        </p:blipFill>
+        <p:spPr>
+          <a:xfrm>
+            <a:off x="607243" y="3779112"/>
+            <a:ext cx="365760" cy="370280"/>
+          </a:xfrm>
+          <a:prstGeom prst="rect">
+            <a:avLst/>
+          </a:prstGeom>
+        </p:spPr>
+      </p:pic>
+      <p:pic>
+        <p:nvPicPr>
+          <p:cNvPr id="97" name="Image 96">
+            <a:extLst>
+              <a:ext uri="{FF2B5EF4-FFF2-40B4-BE49-F238E27FC236}">
+                <a16:creationId xmlns:a16="http://schemas.microsoft.com/office/drawing/2014/main" id="{2AEA0DFA-979E-1831-3CDF-EB998F1592C7}"/>
+              </a:ext>
+            </a:extLst>
+          </p:cNvPr>
+          <p:cNvPicPr>
+            <a:picLocks noChangeAspect="1"/>
+          </p:cNvPicPr>
+          <p:nvPr/>
+        </p:nvPicPr>
+        <p:blipFill>
+          <a:blip r:embed="rId5"/>
+          <a:stretch>
+            <a:fillRect/>
+          </a:stretch>
+        </p:blipFill>
+        <p:spPr>
+          <a:xfrm>
+            <a:off x="6547450" y="1065770"/>
+            <a:ext cx="5125529" cy="5383094"/>
+          </a:xfrm>
+          <a:prstGeom prst="rect">
+            <a:avLst/>
+          </a:prstGeom>
+        </p:spPr>
+      </p:pic>
+      <p:sp>
+        <p:nvSpPr>
+          <p:cNvPr id="98" name="Rectangle 97">
+            <a:extLst>
+              <a:ext uri="{FF2B5EF4-FFF2-40B4-BE49-F238E27FC236}">
+                <a16:creationId xmlns:a16="http://schemas.microsoft.com/office/drawing/2014/main" id="{C1D59BD6-8545-5BFA-DC66-AF87077CEC4E}"/>
+              </a:ext>
+            </a:extLst>
+          </p:cNvPr>
+          <p:cNvSpPr/>
+          <p:nvPr/>
+        </p:nvSpPr>
+        <p:spPr>
+          <a:xfrm>
+            <a:off x="6547450" y="1520147"/>
+            <a:ext cx="5125528" cy="4588254"/>
+          </a:xfrm>
+          <a:prstGeom prst="rect">
+            <a:avLst/>
+          </a:prstGeom>
+          <a:ln>
+            <a:solidFill>
+              <a:schemeClr val="accent1"/>
+            </a:solidFill>
+          </a:ln>
+        </p:spPr>
+        <p:style>
+          <a:lnRef idx="0">
+            <a:schemeClr val="accent5"/>
+          </a:lnRef>
+          <a:fillRef idx="3">
+            <a:schemeClr val="accent5"/>
+          </a:fillRef>
+          <a:effectRef idx="3">
+            <a:schemeClr val="accent5"/>
+          </a:effectRef>
+          <a:fontRef idx="minor">
+            <a:schemeClr val="lt1"/>
+          </a:fontRef>
+        </p:style>
+        <p:txBody>
+          <a:bodyPr rtlCol="0" anchor="ctr"/>
+          <a:lstStyle/>
+          <a:p>
+            <a:pPr algn="ctr"/>
+            <a:r>
+              <a:rPr lang="fr-FR" sz="1400" dirty="0">
+                <a:solidFill>
+                  <a:schemeClr val="lt1"/>
+                </a:solidFill>
+              </a:rPr>
+              <a:t>Affichage des informations</a:t>
+            </a:r>
+          </a:p>
+        </p:txBody>
+      </p:sp>
+      <p:sp>
+        <p:nvSpPr>
+          <p:cNvPr id="99" name="Légende : encadrée à une bordure 98">
+            <a:extLst>
+              <a:ext uri="{FF2B5EF4-FFF2-40B4-BE49-F238E27FC236}">
+                <a16:creationId xmlns:a16="http://schemas.microsoft.com/office/drawing/2014/main" id="{3C9B238E-A3E8-0741-3EC5-FFAFFCE4A2F9}"/>
+              </a:ext>
+            </a:extLst>
+          </p:cNvPr>
+          <p:cNvSpPr/>
+          <p:nvPr/>
+        </p:nvSpPr>
+        <p:spPr>
+          <a:xfrm flipH="1">
+            <a:off x="3873260" y="5804245"/>
+            <a:ext cx="2309004" cy="436961"/>
+          </a:xfrm>
+          <a:prstGeom prst="accentBorderCallout1">
+            <a:avLst>
+              <a:gd name="adj1" fmla="val 18750"/>
+              <a:gd name="adj2" fmla="val -8333"/>
+              <a:gd name="adj3" fmla="val 116381"/>
+              <a:gd name="adj4" fmla="val -90520"/>
+            </a:avLst>
+          </a:prstGeom>
+          <a:ln>
+            <a:solidFill>
+              <a:schemeClr val="accent1"/>
+            </a:solidFill>
+          </a:ln>
+        </p:spPr>
+        <p:style>
+          <a:lnRef idx="0">
+            <a:schemeClr val="accent5"/>
+          </a:lnRef>
+          <a:fillRef idx="3">
+            <a:schemeClr val="accent5"/>
+          </a:fillRef>
+          <a:effectRef idx="3">
+            <a:schemeClr val="accent5"/>
+          </a:effectRef>
+          <a:fontRef idx="minor">
+            <a:schemeClr val="lt1"/>
+          </a:fontRef>
+        </p:style>
+        <p:txBody>
+          <a:bodyPr rtlCol="0" anchor="ctr"/>
+          <a:lstStyle/>
+          <a:p>
+            <a:pPr algn="ctr"/>
+            <a:r>
+              <a:rPr lang="fr-FR" sz="1400" dirty="0"/>
+              <a:t>Date et heure de génération de la page</a:t>
+            </a:r>
+          </a:p>
+        </p:txBody>
+      </p:sp>
+      <p:sp>
+        <p:nvSpPr>
+          <p:cNvPr id="100" name="Rectangle 99">
+            <a:extLst>
+              <a:ext uri="{FF2B5EF4-FFF2-40B4-BE49-F238E27FC236}">
+                <a16:creationId xmlns:a16="http://schemas.microsoft.com/office/drawing/2014/main" id="{2EAF2B2D-282C-03B6-9184-4DF717E359C8}"/>
+              </a:ext>
+            </a:extLst>
+          </p:cNvPr>
+          <p:cNvSpPr/>
+          <p:nvPr/>
+        </p:nvSpPr>
+        <p:spPr>
+          <a:xfrm>
+            <a:off x="8285555" y="6193764"/>
+            <a:ext cx="1634822" cy="210389"/>
+          </a:xfrm>
+          <a:prstGeom prst="rect">
+            <a:avLst/>
+          </a:prstGeom>
+          <a:noFill/>
+          <a:ln w="28575">
+            <a:solidFill>
+              <a:srgbClr val="2349E3"/>
+            </a:solidFill>
+          </a:ln>
+        </p:spPr>
+        <p:style>
+          <a:lnRef idx="2">
+            <a:schemeClr val="accent1">
+              <a:shade val="15000"/>
+            </a:schemeClr>
+          </a:lnRef>
+          <a:fillRef idx="1">
+            <a:schemeClr val="accent1"/>
+          </a:fillRef>
+          <a:effectRef idx="0">
+            <a:schemeClr val="accent1"/>
+          </a:effectRef>
+          <a:fontRef idx="minor">
+            <a:schemeClr val="lt1"/>
+          </a:fontRef>
+        </p:style>
+        <p:txBody>
+          <a:bodyPr rtlCol="0" anchor="ctr"/>
+          <a:lstStyle/>
+          <a:p>
+            <a:pPr algn="ctr"/>
+            <a:endParaRPr lang="fr-FR"/>
+          </a:p>
+        </p:txBody>
+      </p:sp>
+      <p:sp>
+        <p:nvSpPr>
+          <p:cNvPr id="102" name="Rectangle 101">
+            <a:extLst>
+              <a:ext uri="{FF2B5EF4-FFF2-40B4-BE49-F238E27FC236}">
+                <a16:creationId xmlns:a16="http://schemas.microsoft.com/office/drawing/2014/main" id="{E97E29FF-67E6-A642-B9C3-A853D238957C}"/>
+              </a:ext>
+            </a:extLst>
+          </p:cNvPr>
+          <p:cNvSpPr/>
+          <p:nvPr/>
+        </p:nvSpPr>
+        <p:spPr>
+          <a:xfrm>
+            <a:off x="6532750" y="1090193"/>
+            <a:ext cx="390526" cy="333165"/>
+          </a:xfrm>
+          <a:prstGeom prst="rect">
+            <a:avLst/>
+          </a:prstGeom>
+          <a:noFill/>
+          <a:ln w="28575">
+            <a:solidFill>
+              <a:srgbClr val="FFC000"/>
+            </a:solidFill>
+          </a:ln>
+        </p:spPr>
+        <p:style>
+          <a:lnRef idx="2">
+            <a:schemeClr val="accent1">
+              <a:shade val="15000"/>
+            </a:schemeClr>
+          </a:lnRef>
+          <a:fillRef idx="1">
+            <a:schemeClr val="accent1"/>
+          </a:fillRef>
+          <a:effectRef idx="0">
+            <a:schemeClr val="accent1"/>
+          </a:effectRef>
+          <a:fontRef idx="minor">
+            <a:schemeClr val="lt1"/>
+          </a:fontRef>
+        </p:style>
+        <p:txBody>
+          <a:bodyPr rtlCol="0" anchor="ctr"/>
+          <a:lstStyle/>
+          <a:p>
+            <a:pPr algn="ctr"/>
+            <a:endParaRPr lang="fr-FR"/>
+          </a:p>
+        </p:txBody>
+      </p:sp>
+      <p:sp>
+        <p:nvSpPr>
+          <p:cNvPr id="103" name="Légende : encadrée à une bordure 102">
+            <a:extLst>
+              <a:ext uri="{FF2B5EF4-FFF2-40B4-BE49-F238E27FC236}">
+                <a16:creationId xmlns:a16="http://schemas.microsoft.com/office/drawing/2014/main" id="{F64F9F6D-CE22-254B-E61B-658E501A5F75}"/>
+              </a:ext>
+            </a:extLst>
+          </p:cNvPr>
+          <p:cNvSpPr/>
+          <p:nvPr/>
+        </p:nvSpPr>
+        <p:spPr>
+          <a:xfrm flipH="1">
+            <a:off x="4386639" y="1719483"/>
+            <a:ext cx="1709361" cy="579970"/>
+          </a:xfrm>
+          <a:prstGeom prst="accentBorderCallout1">
+            <a:avLst>
+              <a:gd name="adj1" fmla="val 18750"/>
+              <a:gd name="adj2" fmla="val -8333"/>
+              <a:gd name="adj3" fmla="val -42724"/>
+              <a:gd name="adj4" fmla="val -30610"/>
+            </a:avLst>
+          </a:prstGeom>
+          <a:ln>
+            <a:solidFill>
+              <a:schemeClr val="accent4"/>
+            </a:solidFill>
+          </a:ln>
+        </p:spPr>
+        <p:style>
+          <a:lnRef idx="0">
+            <a:schemeClr val="accent4"/>
+          </a:lnRef>
+          <a:fillRef idx="3">
+            <a:schemeClr val="accent4"/>
+          </a:fillRef>
+          <a:effectRef idx="3">
+            <a:schemeClr val="accent4"/>
+          </a:effectRef>
+          <a:fontRef idx="minor">
+            <a:schemeClr val="lt1"/>
+          </a:fontRef>
+        </p:style>
+        <p:txBody>
+          <a:bodyPr rtlCol="0" anchor="ctr"/>
+          <a:lstStyle/>
+          <a:p>
+            <a:pPr algn="ctr"/>
+            <a:r>
+              <a:rPr lang="fr-FR" sz="1400" dirty="0"/>
+              <a:t>Affiche le panneau de navigation</a:t>
+            </a:r>
+          </a:p>
+        </p:txBody>
+      </p:sp>
+      <p:sp>
+        <p:nvSpPr>
+          <p:cNvPr id="104" name="Légende : encadrée à une bordure 103">
+            <a:extLst>
+              <a:ext uri="{FF2B5EF4-FFF2-40B4-BE49-F238E27FC236}">
+                <a16:creationId xmlns:a16="http://schemas.microsoft.com/office/drawing/2014/main" id="{5A54C490-7140-FC0A-C192-022E3030A5F2}"/>
+              </a:ext>
+            </a:extLst>
+          </p:cNvPr>
+          <p:cNvSpPr/>
+          <p:nvPr/>
+        </p:nvSpPr>
+        <p:spPr>
+          <a:xfrm flipH="1">
+            <a:off x="6923276" y="506826"/>
+            <a:ext cx="2309004" cy="436961"/>
+          </a:xfrm>
+          <a:prstGeom prst="accentBorderCallout1">
+            <a:avLst>
+              <a:gd name="adj1" fmla="val 18750"/>
+              <a:gd name="adj2" fmla="val -8333"/>
+              <a:gd name="adj3" fmla="val 181529"/>
+              <a:gd name="adj4" fmla="val -79312"/>
+            </a:avLst>
+          </a:prstGeom>
+          <a:ln>
+            <a:solidFill>
+              <a:schemeClr val="accent1"/>
+            </a:solidFill>
+          </a:ln>
+        </p:spPr>
+        <p:style>
+          <a:lnRef idx="0">
+            <a:schemeClr val="accent5"/>
+          </a:lnRef>
+          <a:fillRef idx="3">
+            <a:schemeClr val="accent5"/>
+          </a:fillRef>
+          <a:effectRef idx="3">
+            <a:schemeClr val="accent5"/>
+          </a:effectRef>
+          <a:fontRef idx="minor">
+            <a:schemeClr val="lt1"/>
+          </a:fontRef>
+        </p:style>
+        <p:txBody>
+          <a:bodyPr rtlCol="0" anchor="ctr"/>
+          <a:lstStyle/>
+          <a:p>
+            <a:pPr algn="ctr"/>
+            <a:r>
+              <a:rPr lang="fr-FR" sz="1400" dirty="0"/>
+              <a:t>Logo sélectionné</a:t>
+            </a:r>
+          </a:p>
+        </p:txBody>
+      </p:sp>
+      <p:sp>
+        <p:nvSpPr>
+          <p:cNvPr id="105" name="Rectangle 104">
+            <a:extLst>
+              <a:ext uri="{FF2B5EF4-FFF2-40B4-BE49-F238E27FC236}">
+                <a16:creationId xmlns:a16="http://schemas.microsoft.com/office/drawing/2014/main" id="{9F20B463-53F3-1023-B35D-CD0F36B08443}"/>
+              </a:ext>
+            </a:extLst>
+          </p:cNvPr>
+          <p:cNvSpPr/>
+          <p:nvPr/>
+        </p:nvSpPr>
+        <p:spPr>
+          <a:xfrm>
+            <a:off x="11084943" y="1082569"/>
+            <a:ext cx="408316" cy="340789"/>
+          </a:xfrm>
+          <a:prstGeom prst="rect">
+            <a:avLst/>
+          </a:prstGeom>
+          <a:noFill/>
+          <a:ln w="28575">
+            <a:solidFill>
+              <a:srgbClr val="2349E3"/>
+            </a:solidFill>
+          </a:ln>
+        </p:spPr>
+        <p:style>
+          <a:lnRef idx="2">
+            <a:schemeClr val="accent1">
+              <a:shade val="15000"/>
+            </a:schemeClr>
+          </a:lnRef>
+          <a:fillRef idx="1">
+            <a:schemeClr val="accent1"/>
+          </a:fillRef>
+          <a:effectRef idx="0">
+            <a:schemeClr val="accent1"/>
+          </a:effectRef>
+          <a:fontRef idx="minor">
+            <a:schemeClr val="lt1"/>
+          </a:fontRef>
+        </p:style>
+        <p:txBody>
+          <a:bodyPr rtlCol="0" anchor="ctr"/>
+          <a:lstStyle/>
+          <a:p>
+            <a:pPr algn="ctr"/>
+            <a:endParaRPr lang="fr-FR"/>
+          </a:p>
+        </p:txBody>
+      </p:sp>
+    </p:spTree>
+    <p:extLst>
+      <p:ext uri="{BB962C8B-B14F-4D97-AF65-F5344CB8AC3E}">
+        <p14:creationId xmlns:p14="http://schemas.microsoft.com/office/powerpoint/2010/main" val="1215838868"/>
+      </p:ext>
+    </p:extLst>
+  </p:cSld>
+  <p:clrMapOvr>
+    <a:masterClrMapping/>
+  </p:clrMapOvr>
+</p:sld>
+</file>
+
+<file path=ppt/slides/slide36.xml><?xml version="1.0" encoding="utf-8"?>
+<p:sld xmlns:a="http://schemas.openxmlformats.org/drawingml/2006/main" xmlns:r="http://schemas.openxmlformats.org/officeDocument/2006/relationships" xmlns:p="http://schemas.openxmlformats.org/presentationml/2006/main">
+  <p:cSld>
+    <p:spTree>
+      <p:nvGrpSpPr>
+        <p:cNvPr id="1" name=""/>
+        <p:cNvGrpSpPr/>
+        <p:nvPr/>
+      </p:nvGrpSpPr>
+      <p:grpSpPr>
+        <a:xfrm>
+          <a:off x="0" y="0"/>
+          <a:ext cx="0" cy="0"/>
+          <a:chOff x="0" y="0"/>
+          <a:chExt cx="0" cy="0"/>
+        </a:xfrm>
+      </p:grpSpPr>
+      <p:sp>
+        <p:nvSpPr>
           <p:cNvPr id="40" name="Rectangle : coins arrondis 39">
             <a:extLst>
               <a:ext uri="{FF2B5EF4-FFF2-40B4-BE49-F238E27FC236}">
@@ -37695,6 +39874,36 @@
           </a:p>
         </p:txBody>
       </p:sp>
+      <p:pic>
+        <p:nvPicPr>
+          <p:cNvPr id="10" name="Image 9">
+            <a:extLst>
+              <a:ext uri="{FF2B5EF4-FFF2-40B4-BE49-F238E27FC236}">
+                <a16:creationId xmlns:a16="http://schemas.microsoft.com/office/drawing/2014/main" id="{804C31F6-97C4-3A6E-A46D-53FB6E1EBDB9}"/>
+              </a:ext>
+            </a:extLst>
+          </p:cNvPr>
+          <p:cNvPicPr>
+            <a:picLocks noChangeAspect="1"/>
+          </p:cNvPicPr>
+          <p:nvPr/>
+        </p:nvPicPr>
+        <p:blipFill>
+          <a:blip r:embed="rId2"/>
+          <a:stretch>
+            <a:fillRect/>
+          </a:stretch>
+        </p:blipFill>
+        <p:spPr>
+          <a:xfrm>
+            <a:off x="2828920" y="2943180"/>
+            <a:ext cx="1361973" cy="2218472"/>
+          </a:xfrm>
+          <a:prstGeom prst="rect">
+            <a:avLst/>
+          </a:prstGeom>
+        </p:spPr>
+      </p:pic>
       <p:sp>
         <p:nvSpPr>
           <p:cNvPr id="2" name="Titre 1">
@@ -37765,7 +39974,7 @@
         </p:nvSpPr>
         <p:spPr>
           <a:xfrm>
-            <a:off x="6098858" y="4633252"/>
+            <a:off x="6162353" y="3993899"/>
             <a:ext cx="1628776" cy="528400"/>
           </a:xfrm>
           <a:prstGeom prst="roundRect">
@@ -37812,7 +40021,7 @@
         </p:nvSpPr>
         <p:spPr>
           <a:xfrm>
-            <a:off x="9307832" y="3972752"/>
+            <a:off x="9405671" y="2683257"/>
             <a:ext cx="1628776" cy="528400"/>
           </a:xfrm>
           <a:prstGeom prst="roundRect">
@@ -37859,7 +40068,7 @@
         </p:nvSpPr>
         <p:spPr>
           <a:xfrm>
-            <a:off x="9307833" y="4830745"/>
+            <a:off x="9405672" y="3541250"/>
             <a:ext cx="1628776" cy="528400"/>
           </a:xfrm>
           <a:prstGeom prst="roundRect">
@@ -37902,6 +40111,7 @@
             </a:extLst>
           </p:cNvPr>
           <p:cNvCxnSpPr>
+            <a:cxnSpLocks/>
             <a:stCxn id="3" idx="3"/>
             <a:endCxn id="5" idx="1"/>
           </p:cNvCxnSpPr>
@@ -37909,8 +40119,8 @@
         </p:nvCxnSpPr>
         <p:spPr>
           <a:xfrm flipV="1">
-            <a:off x="7727634" y="4236952"/>
-            <a:ext cx="1580198" cy="660500"/>
+            <a:off x="7791129" y="2947457"/>
+            <a:ext cx="1614542" cy="1310642"/>
           </a:xfrm>
           <a:prstGeom prst="curvedConnector3">
             <a:avLst>
@@ -37953,9 +40163,9 @@
           <p:nvPr/>
         </p:nvCxnSpPr>
         <p:spPr>
-          <a:xfrm>
-            <a:off x="7727634" y="4897452"/>
-            <a:ext cx="1580199" cy="197493"/>
+          <a:xfrm flipV="1">
+            <a:off x="7791129" y="3805450"/>
+            <a:ext cx="1614543" cy="452649"/>
           </a:xfrm>
           <a:prstGeom prst="curvedConnector3">
             <a:avLst>
@@ -38042,7 +40252,7 @@
         </p:nvSpPr>
         <p:spPr>
           <a:xfrm>
-            <a:off x="6098858" y="5615884"/>
+            <a:off x="6162353" y="4857950"/>
             <a:ext cx="1628776" cy="528400"/>
           </a:xfrm>
           <a:prstGeom prst="roundRect">
@@ -38089,7 +40299,7 @@
         </p:nvSpPr>
         <p:spPr>
           <a:xfrm>
-            <a:off x="9107808" y="5821313"/>
+            <a:off x="9205646" y="4505366"/>
             <a:ext cx="2028825" cy="528400"/>
           </a:xfrm>
           <a:prstGeom prst="roundRect">
@@ -38139,9 +40349,9 @@
           <p:nvPr/>
         </p:nvCxnSpPr>
         <p:spPr>
-          <a:xfrm>
-            <a:off x="7727634" y="5880084"/>
-            <a:ext cx="1380174" cy="205429"/>
+          <a:xfrm flipV="1">
+            <a:off x="7791129" y="4769566"/>
+            <a:ext cx="1414517" cy="352584"/>
           </a:xfrm>
           <a:prstGeom prst="curvedConnector3">
             <a:avLst>
@@ -38181,7 +40391,7 @@
         </p:nvSpPr>
         <p:spPr>
           <a:xfrm>
-            <a:off x="6098858" y="1685358"/>
+            <a:off x="6162353" y="1401746"/>
             <a:ext cx="1628776" cy="528400"/>
           </a:xfrm>
           <a:prstGeom prst="roundRect">
@@ -38228,7 +40438,7 @@
         </p:nvSpPr>
         <p:spPr>
           <a:xfrm>
-            <a:off x="5985982" y="2667989"/>
+            <a:off x="6038528" y="2265797"/>
             <a:ext cx="1876426" cy="528400"/>
           </a:xfrm>
           <a:prstGeom prst="roundRect">
@@ -38275,7 +40485,7 @@
         </p:nvSpPr>
         <p:spPr>
           <a:xfrm>
-            <a:off x="9184007" y="2300831"/>
+            <a:off x="9256725" y="1544620"/>
             <a:ext cx="1876426" cy="528400"/>
           </a:xfrm>
           <a:prstGeom prst="roundRect">
@@ -38308,36 +40518,6 @@
           </a:p>
         </p:txBody>
       </p:sp>
-      <p:pic>
-        <p:nvPicPr>
-          <p:cNvPr id="38" name="Image 37">
-            <a:extLst>
-              <a:ext uri="{FF2B5EF4-FFF2-40B4-BE49-F238E27FC236}">
-                <a16:creationId xmlns:a16="http://schemas.microsoft.com/office/drawing/2014/main" id="{F27717C4-85AF-F32E-A5B5-CA748D196B86}"/>
-              </a:ext>
-            </a:extLst>
-          </p:cNvPr>
-          <p:cNvPicPr>
-            <a:picLocks noChangeAspect="1"/>
-          </p:cNvPicPr>
-          <p:nvPr/>
-        </p:nvPicPr>
-        <p:blipFill>
-          <a:blip r:embed="rId2"/>
-          <a:stretch>
-            <a:fillRect/>
-          </a:stretch>
-        </p:blipFill>
-        <p:spPr>
-          <a:xfrm>
-            <a:off x="2795211" y="2966790"/>
-            <a:ext cx="1390650" cy="2295525"/>
-          </a:xfrm>
-          <a:prstGeom prst="rect">
-            <a:avLst/>
-          </a:prstGeom>
-        </p:spPr>
-      </p:pic>
       <p:pic>
         <p:nvPicPr>
           <p:cNvPr id="39" name="Image 38">
@@ -38433,15 +40613,15 @@
         </p:nvSpPr>
         <p:spPr>
           <a:xfrm flipH="1">
-            <a:off x="285747" y="1667041"/>
+            <a:off x="244237" y="1541505"/>
             <a:ext cx="1709361" cy="579970"/>
           </a:xfrm>
           <a:prstGeom prst="accentBorderCallout1">
             <a:avLst>
               <a:gd name="adj1" fmla="val 18750"/>
               <a:gd name="adj2" fmla="val -8333"/>
-              <a:gd name="adj3" fmla="val 114939"/>
-              <a:gd name="adj4" fmla="val -48778"/>
+              <a:gd name="adj3" fmla="val 153041"/>
+              <a:gd name="adj4" fmla="val -39417"/>
             </a:avLst>
           </a:prstGeom>
           <a:ln>
@@ -38490,15 +40670,15 @@
         </p:nvSpPr>
         <p:spPr>
           <a:xfrm flipH="1">
-            <a:off x="228598" y="2597337"/>
+            <a:off x="236417" y="2312910"/>
             <a:ext cx="1725000" cy="579970"/>
           </a:xfrm>
           <a:prstGeom prst="accentBorderCallout1">
             <a:avLst>
               <a:gd name="adj1" fmla="val 18750"/>
               <a:gd name="adj2" fmla="val -8333"/>
-              <a:gd name="adj3" fmla="val 79037"/>
-              <a:gd name="adj4" fmla="val -50003"/>
+              <a:gd name="adj3" fmla="val 147358"/>
+              <a:gd name="adj4" fmla="val -48236"/>
             </a:avLst>
           </a:prstGeom>
           <a:ln>
@@ -38599,15 +40779,15 @@
         </p:nvSpPr>
         <p:spPr>
           <a:xfrm flipH="1">
-            <a:off x="228598" y="3532043"/>
+            <a:off x="236417" y="3084315"/>
             <a:ext cx="1725000" cy="710686"/>
           </a:xfrm>
           <a:prstGeom prst="accentBorderCallout1">
             <a:avLst>
               <a:gd name="adj1" fmla="val 18750"/>
               <a:gd name="adj2" fmla="val -8333"/>
-              <a:gd name="adj3" fmla="val -13837"/>
-              <a:gd name="adj4" fmla="val -50193"/>
+              <a:gd name="adj3" fmla="val 65506"/>
+              <a:gd name="adj4" fmla="val -49751"/>
             </a:avLst>
           </a:prstGeom>
           <a:ln>
@@ -38708,15 +40888,15 @@
         </p:nvSpPr>
         <p:spPr>
           <a:xfrm flipH="1">
-            <a:off x="228594" y="5877678"/>
-            <a:ext cx="1680033" cy="436961"/>
+            <a:off x="226261" y="5285039"/>
+            <a:ext cx="1735155" cy="436961"/>
           </a:xfrm>
           <a:prstGeom prst="accentBorderCallout1">
             <a:avLst>
               <a:gd name="adj1" fmla="val 18750"/>
               <a:gd name="adj2" fmla="val -8333"/>
-              <a:gd name="adj3" fmla="val -268585"/>
-              <a:gd name="adj4" fmla="val -59511"/>
+              <a:gd name="adj3" fmla="val -179649"/>
+              <a:gd name="adj4" fmla="val -47693"/>
             </a:avLst>
           </a:prstGeom>
           <a:ln>
@@ -38765,8 +40945,8 @@
         </p:nvSpPr>
         <p:spPr>
           <a:xfrm>
-            <a:off x="2795211" y="4398492"/>
-            <a:ext cx="1402743" cy="303048"/>
+            <a:off x="2816827" y="4336833"/>
+            <a:ext cx="1402743" cy="260635"/>
           </a:xfrm>
           <a:prstGeom prst="rect">
             <a:avLst/>
@@ -38817,7 +40997,7 @@
         </p:nvSpPr>
         <p:spPr>
           <a:xfrm>
-            <a:off x="2828921" y="3675397"/>
+            <a:off x="2828920" y="3631157"/>
             <a:ext cx="1356940" cy="426863"/>
           </a:xfrm>
           <a:custGeom>
@@ -38976,7 +41156,7 @@
         </p:nvSpPr>
         <p:spPr>
           <a:xfrm>
-            <a:off x="2816827" y="4143636"/>
+            <a:off x="2806019" y="4111891"/>
             <a:ext cx="1369033" cy="213100"/>
           </a:xfrm>
           <a:custGeom>
@@ -39135,15 +41315,15 @@
         </p:nvSpPr>
         <p:spPr>
           <a:xfrm flipH="1">
-            <a:off x="202213" y="4497937"/>
+            <a:off x="223224" y="3986436"/>
             <a:ext cx="1751385" cy="454039"/>
           </a:xfrm>
           <a:prstGeom prst="accentBorderCallout1">
             <a:avLst>
               <a:gd name="adj1" fmla="val 18750"/>
               <a:gd name="adj2" fmla="val -8333"/>
-              <a:gd name="adj3" fmla="val -139623"/>
-              <a:gd name="adj4" fmla="val -51561"/>
+              <a:gd name="adj3" fmla="val -27179"/>
+              <a:gd name="adj4" fmla="val -47645"/>
             </a:avLst>
           </a:prstGeom>
           <a:solidFill>
@@ -39197,15 +41377,15 @@
         </p:nvSpPr>
         <p:spPr>
           <a:xfrm flipH="1">
-            <a:off x="228594" y="5161652"/>
-            <a:ext cx="1766513" cy="461694"/>
+            <a:off x="223224" y="4631910"/>
+            <a:ext cx="1730374" cy="461694"/>
           </a:xfrm>
           <a:prstGeom prst="accentBorderCallout1">
             <a:avLst>
               <a:gd name="adj1" fmla="val 18750"/>
               <a:gd name="adj2" fmla="val -8333"/>
-              <a:gd name="adj3" fmla="val -199779"/>
-              <a:gd name="adj4" fmla="val -48290"/>
+              <a:gd name="adj3" fmla="val -92500"/>
+              <a:gd name="adj4" fmla="val -49171"/>
             </a:avLst>
           </a:prstGeom>
           <a:solidFill>
@@ -39259,7 +41439,7 @@
         </p:nvSpPr>
         <p:spPr>
           <a:xfrm>
-            <a:off x="5975033" y="3650620"/>
+            <a:off x="6038528" y="3129848"/>
             <a:ext cx="1876426" cy="528400"/>
           </a:xfrm>
           <a:prstGeom prst="roundRect">
@@ -39310,8 +41490,8 @@
         </p:nvCxnSpPr>
         <p:spPr>
           <a:xfrm flipV="1">
-            <a:off x="7862408" y="2565031"/>
-            <a:ext cx="1321599" cy="367158"/>
+            <a:off x="7914954" y="1808820"/>
+            <a:ext cx="1341771" cy="721177"/>
           </a:xfrm>
           <a:prstGeom prst="curvedConnector3">
             <a:avLst>
@@ -39348,14 +41528,14 @@
           </p:cNvPr>
           <p:cNvCxnSpPr>
             <a:cxnSpLocks/>
-            <a:endCxn id="34" idx="1"/>
+            <a:endCxn id="62" idx="1"/>
           </p:cNvCxnSpPr>
           <p:nvPr/>
         </p:nvCxnSpPr>
         <p:spPr>
           <a:xfrm flipV="1">
-            <a:off x="4061940" y="1949558"/>
-            <a:ext cx="2036918" cy="1828047"/>
+            <a:off x="4174344" y="3394048"/>
+            <a:ext cx="1864184" cy="809804"/>
           </a:xfrm>
           <a:prstGeom prst="curvedConnector3">
             <a:avLst>
@@ -39393,14 +41573,13 @@
           </p:cNvPr>
           <p:cNvCxnSpPr>
             <a:cxnSpLocks/>
-            <a:endCxn id="36" idx="1"/>
           </p:cNvCxnSpPr>
           <p:nvPr/>
         </p:nvCxnSpPr>
         <p:spPr>
           <a:xfrm flipV="1">
-            <a:off x="4053467" y="2932189"/>
-            <a:ext cx="1932515" cy="1088666"/>
+            <a:off x="4126185" y="1815368"/>
+            <a:ext cx="1892172" cy="1708050"/>
           </a:xfrm>
           <a:prstGeom prst="curvedConnector3">
             <a:avLst>
@@ -39438,14 +41617,14 @@
           </p:cNvPr>
           <p:cNvCxnSpPr>
             <a:cxnSpLocks/>
-            <a:endCxn id="62" idx="1"/>
+            <a:endCxn id="36" idx="1"/>
           </p:cNvCxnSpPr>
           <p:nvPr/>
         </p:nvCxnSpPr>
         <p:spPr>
           <a:xfrm flipV="1">
-            <a:off x="4053466" y="3914820"/>
-            <a:ext cx="1921567" cy="343465"/>
+            <a:off x="4186040" y="2529997"/>
+            <a:ext cx="1852488" cy="1481308"/>
           </a:xfrm>
           <a:prstGeom prst="curvedConnector3">
             <a:avLst>
@@ -39488,9 +41667,9 @@
           <p:nvPr/>
         </p:nvCxnSpPr>
         <p:spPr>
-          <a:xfrm>
-            <a:off x="4061940" y="4533141"/>
-            <a:ext cx="2036918" cy="364311"/>
+          <a:xfrm flipV="1">
+            <a:off x="4242471" y="4258099"/>
+            <a:ext cx="1919882" cy="211994"/>
           </a:xfrm>
           <a:prstGeom prst="curvedConnector3">
             <a:avLst>
@@ -39534,8 +41713,414 @@
         </p:nvCxnSpPr>
         <p:spPr>
           <a:xfrm>
-            <a:off x="4053466" y="4818463"/>
-            <a:ext cx="2045392" cy="1061621"/>
+            <a:off x="4174229" y="4769093"/>
+            <a:ext cx="1988124" cy="353057"/>
+          </a:xfrm>
+          <a:prstGeom prst="curvedConnector3">
+            <a:avLst>
+              <a:gd name="adj1" fmla="val 50000"/>
+            </a:avLst>
+          </a:prstGeom>
+          <a:ln>
+            <a:headEnd type="diamond" w="med" len="med"/>
+            <a:tailEnd type="triangle" w="med" len="med"/>
+          </a:ln>
+        </p:spPr>
+        <p:style>
+          <a:lnRef idx="1">
+            <a:schemeClr val="accent1"/>
+          </a:lnRef>
+          <a:fillRef idx="0">
+            <a:schemeClr val="accent1"/>
+          </a:fillRef>
+          <a:effectRef idx="0">
+            <a:schemeClr val="accent1"/>
+          </a:effectRef>
+          <a:fontRef idx="minor">
+            <a:schemeClr val="tx1"/>
+          </a:fontRef>
+        </p:style>
+      </p:cxnSp>
+      <p:sp>
+        <p:nvSpPr>
+          <p:cNvPr id="12" name="Rectangle 11">
+            <a:extLst>
+              <a:ext uri="{FF2B5EF4-FFF2-40B4-BE49-F238E27FC236}">
+                <a16:creationId xmlns:a16="http://schemas.microsoft.com/office/drawing/2014/main" id="{FAA0A9C5-1773-0DFE-0ECD-5E3D4CDC3B19}"/>
+              </a:ext>
+            </a:extLst>
+          </p:cNvPr>
+          <p:cNvSpPr/>
+          <p:nvPr/>
+        </p:nvSpPr>
+        <p:spPr>
+          <a:xfrm>
+            <a:off x="2825389" y="4905347"/>
+            <a:ext cx="1369033" cy="213100"/>
+          </a:xfrm>
+          <a:custGeom>
+            <a:avLst/>
+            <a:gdLst>
+              <a:gd name="connsiteX0" fmla="*/ 0 w 1369033"/>
+              <a:gd name="connsiteY0" fmla="*/ 0 h 213100"/>
+              <a:gd name="connsiteX1" fmla="*/ 483725 w 1369033"/>
+              <a:gd name="connsiteY1" fmla="*/ 0 h 213100"/>
+              <a:gd name="connsiteX2" fmla="*/ 912689 w 1369033"/>
+              <a:gd name="connsiteY2" fmla="*/ 0 h 213100"/>
+              <a:gd name="connsiteX3" fmla="*/ 1369033 w 1369033"/>
+              <a:gd name="connsiteY3" fmla="*/ 0 h 213100"/>
+              <a:gd name="connsiteX4" fmla="*/ 1369033 w 1369033"/>
+              <a:gd name="connsiteY4" fmla="*/ 213100 h 213100"/>
+              <a:gd name="connsiteX5" fmla="*/ 926379 w 1369033"/>
+              <a:gd name="connsiteY5" fmla="*/ 213100 h 213100"/>
+              <a:gd name="connsiteX6" fmla="*/ 442654 w 1369033"/>
+              <a:gd name="connsiteY6" fmla="*/ 213100 h 213100"/>
+              <a:gd name="connsiteX7" fmla="*/ 0 w 1369033"/>
+              <a:gd name="connsiteY7" fmla="*/ 213100 h 213100"/>
+              <a:gd name="connsiteX8" fmla="*/ 0 w 1369033"/>
+              <a:gd name="connsiteY8" fmla="*/ 0 h 213100"/>
+            </a:gdLst>
+            <a:ahLst/>
+            <a:cxnLst>
+              <a:cxn ang="0">
+                <a:pos x="connsiteX0" y="connsiteY0"/>
+              </a:cxn>
+              <a:cxn ang="0">
+                <a:pos x="connsiteX1" y="connsiteY1"/>
+              </a:cxn>
+              <a:cxn ang="0">
+                <a:pos x="connsiteX2" y="connsiteY2"/>
+              </a:cxn>
+              <a:cxn ang="0">
+                <a:pos x="connsiteX3" y="connsiteY3"/>
+              </a:cxn>
+              <a:cxn ang="0">
+                <a:pos x="connsiteX4" y="connsiteY4"/>
+              </a:cxn>
+              <a:cxn ang="0">
+                <a:pos x="connsiteX5" y="connsiteY5"/>
+              </a:cxn>
+              <a:cxn ang="0">
+                <a:pos x="connsiteX6" y="connsiteY6"/>
+              </a:cxn>
+              <a:cxn ang="0">
+                <a:pos x="connsiteX7" y="connsiteY7"/>
+              </a:cxn>
+              <a:cxn ang="0">
+                <a:pos x="connsiteX8" y="connsiteY8"/>
+              </a:cxn>
+            </a:cxnLst>
+            <a:rect l="l" t="t" r="r" b="b"/>
+            <a:pathLst>
+              <a:path w="1369033" h="213100" extrusionOk="0">
+                <a:moveTo>
+                  <a:pt x="0" y="0"/>
+                </a:moveTo>
+                <a:cubicBezTo>
+                  <a:pt x="225682" y="-41141"/>
+                  <a:pt x="324761" y="9020"/>
+                  <a:pt x="483725" y="0"/>
+                </a:cubicBezTo>
+                <a:cubicBezTo>
+                  <a:pt x="642689" y="-9020"/>
+                  <a:pt x="701347" y="33594"/>
+                  <a:pt x="912689" y="0"/>
+                </a:cubicBezTo>
+                <a:cubicBezTo>
+                  <a:pt x="1124031" y="-33594"/>
+                  <a:pt x="1153107" y="41323"/>
+                  <a:pt x="1369033" y="0"/>
+                </a:cubicBezTo>
+                <a:cubicBezTo>
+                  <a:pt x="1379352" y="93957"/>
+                  <a:pt x="1348541" y="111066"/>
+                  <a:pt x="1369033" y="213100"/>
+                </a:cubicBezTo>
+                <a:cubicBezTo>
+                  <a:pt x="1200431" y="243302"/>
+                  <a:pt x="1058357" y="204311"/>
+                  <a:pt x="926379" y="213100"/>
+                </a:cubicBezTo>
+                <a:cubicBezTo>
+                  <a:pt x="794401" y="221889"/>
+                  <a:pt x="668696" y="189040"/>
+                  <a:pt x="442654" y="213100"/>
+                </a:cubicBezTo>
+                <a:cubicBezTo>
+                  <a:pt x="216612" y="237160"/>
+                  <a:pt x="197971" y="160801"/>
+                  <a:pt x="0" y="213100"/>
+                </a:cubicBezTo>
+                <a:cubicBezTo>
+                  <a:pt x="-5914" y="167168"/>
+                  <a:pt x="16461" y="102979"/>
+                  <a:pt x="0" y="0"/>
+                </a:cubicBezTo>
+                <a:close/>
+              </a:path>
+            </a:pathLst>
+          </a:custGeom>
+          <a:noFill/>
+          <a:ln>
+            <a:prstDash val="sysDash"/>
+            <a:extLst>
+              <a:ext uri="{C807C97D-BFC1-408E-A445-0C87EB9F89A2}">
+                <ask:lineSketchStyleProps xmlns:ask="http://schemas.microsoft.com/office/drawing/2018/sketchyshapes" sd="3359201351">
+                  <a:prstGeom prst="rect">
+                    <a:avLst/>
+                  </a:prstGeom>
+                  <ask:type>
+                    <ask:lineSketchScribble/>
+                  </ask:type>
+                </ask:lineSketchStyleProps>
+              </a:ext>
+            </a:extLst>
+          </a:ln>
+        </p:spPr>
+        <p:style>
+          <a:lnRef idx="2">
+            <a:schemeClr val="accent6"/>
+          </a:lnRef>
+          <a:fillRef idx="1">
+            <a:schemeClr val="lt1"/>
+          </a:fillRef>
+          <a:effectRef idx="0">
+            <a:schemeClr val="accent6"/>
+          </a:effectRef>
+          <a:fontRef idx="minor">
+            <a:schemeClr val="dk1"/>
+          </a:fontRef>
+        </p:style>
+        <p:txBody>
+          <a:bodyPr rtlCol="0" anchor="ctr"/>
+          <a:lstStyle/>
+          <a:p>
+            <a:pPr algn="ctr"/>
+            <a:endParaRPr lang="fr-FR"/>
+          </a:p>
+        </p:txBody>
+      </p:sp>
+      <p:sp>
+        <p:nvSpPr>
+          <p:cNvPr id="14" name="Légende : encadrée à une bordure 13">
+            <a:extLst>
+              <a:ext uri="{FF2B5EF4-FFF2-40B4-BE49-F238E27FC236}">
+                <a16:creationId xmlns:a16="http://schemas.microsoft.com/office/drawing/2014/main" id="{DD5B86EA-B684-C6D9-2593-6092B9DF40AF}"/>
+              </a:ext>
+            </a:extLst>
+          </p:cNvPr>
+          <p:cNvSpPr/>
+          <p:nvPr/>
+        </p:nvSpPr>
+        <p:spPr>
+          <a:xfrm flipH="1">
+            <a:off x="236417" y="5913437"/>
+            <a:ext cx="1717181" cy="461694"/>
+          </a:xfrm>
+          <a:prstGeom prst="accentBorderCallout1">
+            <a:avLst>
+              <a:gd name="adj1" fmla="val 18750"/>
+              <a:gd name="adj2" fmla="val -8333"/>
+              <a:gd name="adj3" fmla="val -199779"/>
+              <a:gd name="adj4" fmla="val -48290"/>
+            </a:avLst>
+          </a:prstGeom>
+          <a:solidFill>
+            <a:schemeClr val="accent6">
+              <a:alpha val="50000"/>
+            </a:schemeClr>
+          </a:solidFill>
+          <a:ln>
+            <a:solidFill>
+              <a:schemeClr val="accent6"/>
+            </a:solidFill>
+          </a:ln>
+        </p:spPr>
+        <p:style>
+          <a:lnRef idx="0">
+            <a:scrgbClr r="0" g="0" b="0"/>
+          </a:lnRef>
+          <a:fillRef idx="0">
+            <a:scrgbClr r="0" g="0" b="0"/>
+          </a:fillRef>
+          <a:effectRef idx="0">
+            <a:scrgbClr r="0" g="0" b="0"/>
+          </a:effectRef>
+          <a:fontRef idx="minor">
+            <a:schemeClr val="lt1"/>
+          </a:fontRef>
+        </p:style>
+        <p:txBody>
+          <a:bodyPr rtlCol="0" anchor="ctr"/>
+          <a:lstStyle/>
+          <a:p>
+            <a:pPr algn="ctr"/>
+            <a:r>
+              <a:rPr lang="fr-FR" sz="1050" dirty="0"/>
+              <a:t>Avec option « Publier Engagements »</a:t>
+            </a:r>
+          </a:p>
+        </p:txBody>
+      </p:sp>
+      <p:sp>
+        <p:nvSpPr>
+          <p:cNvPr id="33" name="Rectangle : coins arrondis 32">
+            <a:extLst>
+              <a:ext uri="{FF2B5EF4-FFF2-40B4-BE49-F238E27FC236}">
+                <a16:creationId xmlns:a16="http://schemas.microsoft.com/office/drawing/2014/main" id="{DDEE0534-2E14-3ACC-7EA4-3DCB7C19DBF1}"/>
+              </a:ext>
+            </a:extLst>
+          </p:cNvPr>
+          <p:cNvSpPr/>
+          <p:nvPr/>
+        </p:nvSpPr>
+        <p:spPr>
+          <a:xfrm>
+            <a:off x="6162353" y="5722000"/>
+            <a:ext cx="1628776" cy="528400"/>
+          </a:xfrm>
+          <a:prstGeom prst="roundRect">
+            <a:avLst/>
+          </a:prstGeom>
+        </p:spPr>
+        <p:style>
+          <a:lnRef idx="0">
+            <a:schemeClr val="accent1"/>
+          </a:lnRef>
+          <a:fillRef idx="3">
+            <a:schemeClr val="accent1"/>
+          </a:fillRef>
+          <a:effectRef idx="3">
+            <a:schemeClr val="accent1"/>
+          </a:effectRef>
+          <a:fontRef idx="minor">
+            <a:schemeClr val="lt1"/>
+          </a:fontRef>
+        </p:style>
+        <p:txBody>
+          <a:bodyPr rtlCol="0" anchor="ctr"/>
+          <a:lstStyle/>
+          <a:p>
+            <a:pPr algn="ctr"/>
+            <a:r>
+              <a:rPr lang="fr-FR" sz="1400" dirty="0"/>
+              <a:t>Engagements (choix du groupe)</a:t>
+            </a:r>
+          </a:p>
+        </p:txBody>
+      </p:sp>
+      <p:sp>
+        <p:nvSpPr>
+          <p:cNvPr id="35" name="Rectangle : coins arrondis 34">
+            <a:extLst>
+              <a:ext uri="{FF2B5EF4-FFF2-40B4-BE49-F238E27FC236}">
+                <a16:creationId xmlns:a16="http://schemas.microsoft.com/office/drawing/2014/main" id="{14CE2E6C-BEDD-2847-FBC1-14764A9042C1}"/>
+              </a:ext>
+            </a:extLst>
+          </p:cNvPr>
+          <p:cNvSpPr/>
+          <p:nvPr/>
+        </p:nvSpPr>
+        <p:spPr>
+          <a:xfrm>
+            <a:off x="9180525" y="5499048"/>
+            <a:ext cx="2028825" cy="528400"/>
+          </a:xfrm>
+          <a:prstGeom prst="roundRect">
+            <a:avLst/>
+          </a:prstGeom>
+        </p:spPr>
+        <p:style>
+          <a:lnRef idx="0">
+            <a:schemeClr val="accent1"/>
+          </a:lnRef>
+          <a:fillRef idx="3">
+            <a:schemeClr val="accent1"/>
+          </a:fillRef>
+          <a:effectRef idx="3">
+            <a:schemeClr val="accent1"/>
+          </a:effectRef>
+          <a:fontRef idx="minor">
+            <a:schemeClr val="lt1"/>
+          </a:fontRef>
+        </p:style>
+        <p:txBody>
+          <a:bodyPr rtlCol="0" anchor="ctr"/>
+          <a:lstStyle/>
+          <a:p>
+            <a:pPr algn="ctr"/>
+            <a:r>
+              <a:rPr lang="fr-FR" sz="1400" dirty="0"/>
+              <a:t>Liste du judokas engagés du groupe</a:t>
+            </a:r>
+          </a:p>
+        </p:txBody>
+      </p:sp>
+      <p:cxnSp>
+        <p:nvCxnSpPr>
+          <p:cNvPr id="44" name="Connecteur : en angle 10">
+            <a:extLst>
+              <a:ext uri="{FF2B5EF4-FFF2-40B4-BE49-F238E27FC236}">
+                <a16:creationId xmlns:a16="http://schemas.microsoft.com/office/drawing/2014/main" id="{9EB727D6-5DA8-87B5-58E7-A7B786097F88}"/>
+              </a:ext>
+            </a:extLst>
+          </p:cNvPr>
+          <p:cNvCxnSpPr>
+            <a:cxnSpLocks/>
+            <a:stCxn id="33" idx="3"/>
+            <a:endCxn id="35" idx="1"/>
+          </p:cNvCxnSpPr>
+          <p:nvPr/>
+        </p:nvCxnSpPr>
+        <p:spPr>
+          <a:xfrm flipV="1">
+            <a:off x="7791129" y="5763248"/>
+            <a:ext cx="1389396" cy="222952"/>
+          </a:xfrm>
+          <a:prstGeom prst="curvedConnector3">
+            <a:avLst>
+              <a:gd name="adj1" fmla="val 50000"/>
+            </a:avLst>
+          </a:prstGeom>
+          <a:ln>
+            <a:tailEnd type="triangle"/>
+          </a:ln>
+        </p:spPr>
+        <p:style>
+          <a:lnRef idx="1">
+            <a:schemeClr val="accent1"/>
+          </a:lnRef>
+          <a:fillRef idx="0">
+            <a:schemeClr val="accent1"/>
+          </a:fillRef>
+          <a:effectRef idx="0">
+            <a:schemeClr val="accent1"/>
+          </a:effectRef>
+          <a:fontRef idx="minor">
+            <a:schemeClr val="tx1"/>
+          </a:fontRef>
+        </p:style>
+      </p:cxnSp>
+      <p:cxnSp>
+        <p:nvCxnSpPr>
+          <p:cNvPr id="54" name="Connecteur : en angle 10">
+            <a:extLst>
+              <a:ext uri="{FF2B5EF4-FFF2-40B4-BE49-F238E27FC236}">
+                <a16:creationId xmlns:a16="http://schemas.microsoft.com/office/drawing/2014/main" id="{2C375E33-F60B-2A42-DF2C-E3DA4EF3762B}"/>
+              </a:ext>
+            </a:extLst>
+          </p:cNvPr>
+          <p:cNvCxnSpPr>
+            <a:cxnSpLocks/>
+            <a:stCxn id="12" idx="3"/>
+            <a:endCxn id="33" idx="1"/>
+          </p:cNvCxnSpPr>
+          <p:nvPr/>
+        </p:nvCxnSpPr>
+        <p:spPr>
+          <a:xfrm>
+            <a:off x="4194422" y="5011897"/>
+            <a:ext cx="1967931" cy="974303"/>
           </a:xfrm>
           <a:prstGeom prst="curvedConnector3">
             <a:avLst>
@@ -39575,7 +42160,7 @@
 </p:sld>
 </file>
 
-<file path=ppt/slides/slide36.xml><?xml version="1.0" encoding="utf-8"?>
+<file path=ppt/slides/slide37.xml><?xml version="1.0" encoding="utf-8"?>
 <p:sld xmlns:a="http://schemas.openxmlformats.org/drawingml/2006/main" xmlns:r="http://schemas.openxmlformats.org/officeDocument/2006/relationships" xmlns:p="http://schemas.openxmlformats.org/presentationml/2006/main">
   <p:cSld>
     <p:spTree>
@@ -40126,7 +42711,7 @@
 </p:sld>
 </file>
 
-<file path=ppt/slides/slide37.xml><?xml version="1.0" encoding="utf-8"?>
+<file path=ppt/slides/slide38.xml><?xml version="1.0" encoding="utf-8"?>
 <p:sld xmlns:a="http://schemas.openxmlformats.org/drawingml/2006/main" xmlns:r="http://schemas.openxmlformats.org/officeDocument/2006/relationships" xmlns:p="http://schemas.openxmlformats.org/presentationml/2006/main">
   <p:cSld>
     <p:spTree>
@@ -40846,216 +43431,6 @@
 </p:sld>
 </file>
 
-<file path=ppt/slides/slide38.xml><?xml version="1.0" encoding="utf-8"?>
-<p:sld xmlns:a="http://schemas.openxmlformats.org/drawingml/2006/main" xmlns:r="http://schemas.openxmlformats.org/officeDocument/2006/relationships" xmlns:p="http://schemas.openxmlformats.org/presentationml/2006/main">
-  <p:cSld>
-    <p:spTree>
-      <p:nvGrpSpPr>
-        <p:cNvPr id="1" name=""/>
-        <p:cNvGrpSpPr/>
-        <p:nvPr/>
-      </p:nvGrpSpPr>
-      <p:grpSpPr>
-        <a:xfrm>
-          <a:off x="0" y="0"/>
-          <a:ext cx="0" cy="0"/>
-          <a:chOff x="0" y="0"/>
-          <a:chExt cx="0" cy="0"/>
-        </a:xfrm>
-      </p:grpSpPr>
-      <p:sp>
-        <p:nvSpPr>
-          <p:cNvPr id="40" name="Rectangle : coins arrondis 39">
-            <a:extLst>
-              <a:ext uri="{FF2B5EF4-FFF2-40B4-BE49-F238E27FC236}">
-                <a16:creationId xmlns:a16="http://schemas.microsoft.com/office/drawing/2014/main" id="{58A34438-3D1A-7ADA-6577-FC12D5E3BB3A}"/>
-              </a:ext>
-            </a:extLst>
-          </p:cNvPr>
-          <p:cNvSpPr/>
-          <p:nvPr/>
-        </p:nvSpPr>
-        <p:spPr>
-          <a:xfrm>
-            <a:off x="3231116" y="1647522"/>
-            <a:ext cx="5829064" cy="4808792"/>
-          </a:xfrm>
-          <a:prstGeom prst="roundRect">
-            <a:avLst>
-              <a:gd name="adj" fmla="val 1691"/>
-            </a:avLst>
-          </a:prstGeom>
-          <a:noFill/>
-        </p:spPr>
-        <p:style>
-          <a:lnRef idx="2">
-            <a:schemeClr val="accent1"/>
-          </a:lnRef>
-          <a:fillRef idx="1">
-            <a:schemeClr val="lt1"/>
-          </a:fillRef>
-          <a:effectRef idx="0">
-            <a:schemeClr val="accent1"/>
-          </a:effectRef>
-          <a:fontRef idx="minor">
-            <a:schemeClr val="dk1"/>
-          </a:fontRef>
-        </p:style>
-        <p:txBody>
-          <a:bodyPr rtlCol="0" anchor="ctr"/>
-          <a:lstStyle/>
-          <a:p>
-            <a:pPr algn="r"/>
-            <a:endParaRPr lang="fr-FR" dirty="0"/>
-          </a:p>
-        </p:txBody>
-      </p:sp>
-      <p:sp>
-        <p:nvSpPr>
-          <p:cNvPr id="2" name="Titre 1">
-            <a:extLst>
-              <a:ext uri="{FF2B5EF4-FFF2-40B4-BE49-F238E27FC236}">
-                <a16:creationId xmlns:a16="http://schemas.microsoft.com/office/drawing/2014/main" id="{2C198829-35EB-6A46-EBAA-6A582DAFE970}"/>
-              </a:ext>
-            </a:extLst>
-          </p:cNvPr>
-          <p:cNvSpPr>
-            <a:spLocks noGrp="1"/>
-          </p:cNvSpPr>
-          <p:nvPr>
-            <p:ph type="title"/>
-          </p:nvPr>
-        </p:nvSpPr>
-        <p:spPr/>
-        <p:txBody>
-          <a:bodyPr/>
-          <a:lstStyle/>
-          <a:p>
-            <a:r>
-              <a:rPr lang="fr-FR" dirty="0"/>
-              <a:t>Plan du Site utilisateur – Affectations</a:t>
-            </a:r>
-          </a:p>
-        </p:txBody>
-      </p:sp>
-      <p:sp>
-        <p:nvSpPr>
-          <p:cNvPr id="4" name="Espace réservé du texte 3">
-            <a:extLst>
-              <a:ext uri="{FF2B5EF4-FFF2-40B4-BE49-F238E27FC236}">
-                <a16:creationId xmlns:a16="http://schemas.microsoft.com/office/drawing/2014/main" id="{55EE5942-743C-7FE0-DDCC-8AF825345982}"/>
-              </a:ext>
-            </a:extLst>
-          </p:cNvPr>
-          <p:cNvSpPr>
-            <a:spLocks noGrp="1"/>
-          </p:cNvSpPr>
-          <p:nvPr>
-            <p:ph type="body" sz="quarter" idx="15"/>
-          </p:nvPr>
-        </p:nvSpPr>
-        <p:spPr/>
-        <p:txBody>
-          <a:bodyPr/>
-          <a:lstStyle/>
-          <a:p>
-            <a:r>
-              <a:rPr lang="fr-FR" dirty="0"/>
-              <a:t>Annexe</a:t>
-            </a:r>
-          </a:p>
-        </p:txBody>
-      </p:sp>
-      <p:sp>
-        <p:nvSpPr>
-          <p:cNvPr id="34" name="Rectangle : coins arrondis 33">
-            <a:extLst>
-              <a:ext uri="{FF2B5EF4-FFF2-40B4-BE49-F238E27FC236}">
-                <a16:creationId xmlns:a16="http://schemas.microsoft.com/office/drawing/2014/main" id="{2A9E8854-3740-AEB4-DA1E-41A230566829}"/>
-              </a:ext>
-            </a:extLst>
-          </p:cNvPr>
-          <p:cNvSpPr/>
-          <p:nvPr/>
-        </p:nvSpPr>
-        <p:spPr>
-          <a:xfrm>
-            <a:off x="3231114" y="1639838"/>
-            <a:ext cx="5829066" cy="402322"/>
-          </a:xfrm>
-          <a:prstGeom prst="roundRect">
-            <a:avLst/>
-          </a:prstGeom>
-        </p:spPr>
-        <p:style>
-          <a:lnRef idx="0">
-            <a:schemeClr val="accent1"/>
-          </a:lnRef>
-          <a:fillRef idx="3">
-            <a:schemeClr val="accent1"/>
-          </a:fillRef>
-          <a:effectRef idx="3">
-            <a:schemeClr val="accent1"/>
-          </a:effectRef>
-          <a:fontRef idx="minor">
-            <a:schemeClr val="lt1"/>
-          </a:fontRef>
-        </p:style>
-        <p:txBody>
-          <a:bodyPr rtlCol="0" anchor="ctr"/>
-          <a:lstStyle/>
-          <a:p>
-            <a:pPr algn="ctr"/>
-            <a:r>
-              <a:rPr lang="fr-FR" sz="1400" dirty="0"/>
-              <a:t>Affectations des tapis</a:t>
-            </a:r>
-          </a:p>
-        </p:txBody>
-      </p:sp>
-      <p:pic>
-        <p:nvPicPr>
-          <p:cNvPr id="5" name="Image 4">
-            <a:extLst>
-              <a:ext uri="{FF2B5EF4-FFF2-40B4-BE49-F238E27FC236}">
-                <a16:creationId xmlns:a16="http://schemas.microsoft.com/office/drawing/2014/main" id="{299E2910-1D4D-F715-AB09-C6B0203E31BC}"/>
-              </a:ext>
-            </a:extLst>
-          </p:cNvPr>
-          <p:cNvPicPr>
-            <a:picLocks noChangeAspect="1"/>
-          </p:cNvPicPr>
-          <p:nvPr/>
-        </p:nvPicPr>
-        <p:blipFill>
-          <a:blip r:embed="rId2"/>
-          <a:stretch>
-            <a:fillRect/>
-          </a:stretch>
-        </p:blipFill>
-        <p:spPr>
-          <a:xfrm>
-            <a:off x="3878697" y="2145295"/>
-            <a:ext cx="4533900" cy="4207884"/>
-          </a:xfrm>
-          <a:prstGeom prst="rect">
-            <a:avLst/>
-          </a:prstGeom>
-        </p:spPr>
-      </p:pic>
-    </p:spTree>
-    <p:extLst>
-      <p:ext uri="{BB962C8B-B14F-4D97-AF65-F5344CB8AC3E}">
-        <p14:creationId xmlns:p14="http://schemas.microsoft.com/office/powerpoint/2010/main" val="2055979273"/>
-      </p:ext>
-    </p:extLst>
-  </p:cSld>
-  <p:clrMapOvr>
-    <a:masterClrMapping/>
-  </p:clrMapOvr>
-</p:sld>
-</file>
-
 <file path=ppt/slides/slide39.xml><?xml version="1.0" encoding="utf-8"?>
 <p:sld xmlns:a="http://schemas.openxmlformats.org/drawingml/2006/main" xmlns:r="http://schemas.openxmlformats.org/officeDocument/2006/relationships" xmlns:p="http://schemas.openxmlformats.org/presentationml/2006/main">
   <p:cSld>
@@ -41075,66 +43450,10 @@
       </p:grpSpPr>
       <p:sp>
         <p:nvSpPr>
-          <p:cNvPr id="2" name="Titre 1">
-            <a:extLst>
-              <a:ext uri="{FF2B5EF4-FFF2-40B4-BE49-F238E27FC236}">
-                <a16:creationId xmlns:a16="http://schemas.microsoft.com/office/drawing/2014/main" id="{2C198829-35EB-6A46-EBAA-6A582DAFE970}"/>
-              </a:ext>
-            </a:extLst>
-          </p:cNvPr>
-          <p:cNvSpPr>
-            <a:spLocks noGrp="1"/>
-          </p:cNvSpPr>
-          <p:nvPr>
-            <p:ph type="title"/>
-          </p:nvPr>
-        </p:nvSpPr>
-        <p:spPr/>
-        <p:txBody>
-          <a:bodyPr/>
-          <a:lstStyle/>
-          <a:p>
-            <a:r>
-              <a:rPr lang="fr-FR" dirty="0"/>
-              <a:t>Plan du Site utilisateur – Avancements</a:t>
-            </a:r>
-          </a:p>
-        </p:txBody>
-      </p:sp>
-      <p:sp>
-        <p:nvSpPr>
-          <p:cNvPr id="4" name="Espace réservé du texte 3">
-            <a:extLst>
-              <a:ext uri="{FF2B5EF4-FFF2-40B4-BE49-F238E27FC236}">
-                <a16:creationId xmlns:a16="http://schemas.microsoft.com/office/drawing/2014/main" id="{55EE5942-743C-7FE0-DDCC-8AF825345982}"/>
-              </a:ext>
-            </a:extLst>
-          </p:cNvPr>
-          <p:cNvSpPr>
-            <a:spLocks noGrp="1"/>
-          </p:cNvSpPr>
-          <p:nvPr>
-            <p:ph type="body" sz="quarter" idx="15"/>
-          </p:nvPr>
-        </p:nvSpPr>
-        <p:spPr/>
-        <p:txBody>
-          <a:bodyPr/>
-          <a:lstStyle/>
-          <a:p>
-            <a:r>
-              <a:rPr lang="fr-FR" dirty="0"/>
-              <a:t>Annexe</a:t>
-            </a:r>
-          </a:p>
-        </p:txBody>
-      </p:sp>
-      <p:sp>
-        <p:nvSpPr>
-          <p:cNvPr id="3" name="Rectangle : coins arrondis 2">
-            <a:extLst>
-              <a:ext uri="{FF2B5EF4-FFF2-40B4-BE49-F238E27FC236}">
-                <a16:creationId xmlns:a16="http://schemas.microsoft.com/office/drawing/2014/main" id="{503174A0-941A-A415-3B71-EFB82484532B}"/>
+          <p:cNvPr id="40" name="Rectangle : coins arrondis 39">
+            <a:extLst>
+              <a:ext uri="{FF2B5EF4-FFF2-40B4-BE49-F238E27FC236}">
+                <a16:creationId xmlns:a16="http://schemas.microsoft.com/office/drawing/2014/main" id="{58A34438-3D1A-7ADA-6577-FC12D5E3BB3A}"/>
               </a:ext>
             </a:extLst>
           </p:cNvPr>
@@ -41143,8 +43462,8 @@
         </p:nvSpPr>
         <p:spPr>
           <a:xfrm>
-            <a:off x="221059" y="1972782"/>
-            <a:ext cx="3529729" cy="3861738"/>
+            <a:off x="3231116" y="1647522"/>
+            <a:ext cx="5829064" cy="4808792"/>
           </a:xfrm>
           <a:prstGeom prst="roundRect">
             <a:avLst>
@@ -41178,10 +43497,66 @@
       </p:sp>
       <p:sp>
         <p:nvSpPr>
-          <p:cNvPr id="6" name="Rectangle : coins arrondis 5">
-            <a:extLst>
-              <a:ext uri="{FF2B5EF4-FFF2-40B4-BE49-F238E27FC236}">
-                <a16:creationId xmlns:a16="http://schemas.microsoft.com/office/drawing/2014/main" id="{1FF9D910-74CE-77AC-4697-C5E04C287AF0}"/>
+          <p:cNvPr id="2" name="Titre 1">
+            <a:extLst>
+              <a:ext uri="{FF2B5EF4-FFF2-40B4-BE49-F238E27FC236}">
+                <a16:creationId xmlns:a16="http://schemas.microsoft.com/office/drawing/2014/main" id="{2C198829-35EB-6A46-EBAA-6A582DAFE970}"/>
+              </a:ext>
+            </a:extLst>
+          </p:cNvPr>
+          <p:cNvSpPr>
+            <a:spLocks noGrp="1"/>
+          </p:cNvSpPr>
+          <p:nvPr>
+            <p:ph type="title"/>
+          </p:nvPr>
+        </p:nvSpPr>
+        <p:spPr/>
+        <p:txBody>
+          <a:bodyPr/>
+          <a:lstStyle/>
+          <a:p>
+            <a:r>
+              <a:rPr lang="fr-FR" dirty="0"/>
+              <a:t>Plan du Site utilisateur – Affectations</a:t>
+            </a:r>
+          </a:p>
+        </p:txBody>
+      </p:sp>
+      <p:sp>
+        <p:nvSpPr>
+          <p:cNvPr id="4" name="Espace réservé du texte 3">
+            <a:extLst>
+              <a:ext uri="{FF2B5EF4-FFF2-40B4-BE49-F238E27FC236}">
+                <a16:creationId xmlns:a16="http://schemas.microsoft.com/office/drawing/2014/main" id="{55EE5942-743C-7FE0-DDCC-8AF825345982}"/>
+              </a:ext>
+            </a:extLst>
+          </p:cNvPr>
+          <p:cNvSpPr>
+            <a:spLocks noGrp="1"/>
+          </p:cNvSpPr>
+          <p:nvPr>
+            <p:ph type="body" sz="quarter" idx="15"/>
+          </p:nvPr>
+        </p:nvSpPr>
+        <p:spPr/>
+        <p:txBody>
+          <a:bodyPr/>
+          <a:lstStyle/>
+          <a:p>
+            <a:r>
+              <a:rPr lang="fr-FR" dirty="0"/>
+              <a:t>Annexe</a:t>
+            </a:r>
+          </a:p>
+        </p:txBody>
+      </p:sp>
+      <p:sp>
+        <p:nvSpPr>
+          <p:cNvPr id="34" name="Rectangle : coins arrondis 33">
+            <a:extLst>
+              <a:ext uri="{FF2B5EF4-FFF2-40B4-BE49-F238E27FC236}">
+                <a16:creationId xmlns:a16="http://schemas.microsoft.com/office/drawing/2014/main" id="{2A9E8854-3740-AEB4-DA1E-41A230566829}"/>
               </a:ext>
             </a:extLst>
           </p:cNvPr>
@@ -41190,8 +43565,8 @@
         </p:nvSpPr>
         <p:spPr>
           <a:xfrm>
-            <a:off x="221057" y="1965098"/>
-            <a:ext cx="3529731" cy="402322"/>
+            <a:off x="3231114" y="1639838"/>
+            <a:ext cx="5829066" cy="402322"/>
           </a:xfrm>
           <a:prstGeom prst="roundRect">
             <a:avLst/>
@@ -41218,111 +43593,17 @@
             <a:pPr algn="ctr"/>
             <a:r>
               <a:rPr lang="fr-FR" sz="1400" dirty="0"/>
-              <a:t>Avancements (choix de catégorie)</a:t>
-            </a:r>
-          </a:p>
-        </p:txBody>
-      </p:sp>
-      <p:sp>
-        <p:nvSpPr>
-          <p:cNvPr id="7" name="Rectangle : coins arrondis 6">
-            <a:extLst>
-              <a:ext uri="{FF2B5EF4-FFF2-40B4-BE49-F238E27FC236}">
-                <a16:creationId xmlns:a16="http://schemas.microsoft.com/office/drawing/2014/main" id="{1A86364E-4B4A-25F5-F6B9-3ED2D611FCB6}"/>
-              </a:ext>
-            </a:extLst>
-          </p:cNvPr>
-          <p:cNvSpPr/>
-          <p:nvPr/>
-        </p:nvSpPr>
-        <p:spPr>
-          <a:xfrm>
-            <a:off x="4046431" y="1534320"/>
-            <a:ext cx="2690096" cy="3526522"/>
-          </a:xfrm>
-          <a:prstGeom prst="roundRect">
-            <a:avLst>
-              <a:gd name="adj" fmla="val 1691"/>
-            </a:avLst>
-          </a:prstGeom>
-          <a:noFill/>
-        </p:spPr>
-        <p:style>
-          <a:lnRef idx="2">
-            <a:schemeClr val="accent1"/>
-          </a:lnRef>
-          <a:fillRef idx="1">
-            <a:schemeClr val="lt1"/>
-          </a:fillRef>
-          <a:effectRef idx="0">
-            <a:schemeClr val="accent1"/>
-          </a:effectRef>
-          <a:fontRef idx="minor">
-            <a:schemeClr val="dk1"/>
-          </a:fontRef>
-        </p:style>
-        <p:txBody>
-          <a:bodyPr rtlCol="0" anchor="ctr"/>
-          <a:lstStyle/>
-          <a:p>
-            <a:pPr algn="r"/>
-            <a:endParaRPr lang="fr-FR" dirty="0"/>
-          </a:p>
-        </p:txBody>
-      </p:sp>
-      <p:sp>
-        <p:nvSpPr>
-          <p:cNvPr id="8" name="Rectangle : coins arrondis 7">
-            <a:extLst>
-              <a:ext uri="{FF2B5EF4-FFF2-40B4-BE49-F238E27FC236}">
-                <a16:creationId xmlns:a16="http://schemas.microsoft.com/office/drawing/2014/main" id="{784D7F57-DCD9-FF19-1D50-01AEC1AFCAAE}"/>
-              </a:ext>
-            </a:extLst>
-          </p:cNvPr>
-          <p:cNvSpPr/>
-          <p:nvPr/>
-        </p:nvSpPr>
-        <p:spPr>
-          <a:xfrm>
-            <a:off x="4046429" y="1534320"/>
-            <a:ext cx="2690098" cy="402322"/>
-          </a:xfrm>
-          <a:prstGeom prst="roundRect">
-            <a:avLst/>
-          </a:prstGeom>
-        </p:spPr>
-        <p:style>
-          <a:lnRef idx="0">
-            <a:schemeClr val="accent1"/>
-          </a:lnRef>
-          <a:fillRef idx="3">
-            <a:schemeClr val="accent1"/>
-          </a:fillRef>
-          <a:effectRef idx="3">
-            <a:schemeClr val="accent1"/>
-          </a:effectRef>
-          <a:fontRef idx="minor">
-            <a:schemeClr val="lt1"/>
-          </a:fontRef>
-        </p:style>
-        <p:txBody>
-          <a:bodyPr rtlCol="0" anchor="ctr"/>
-          <a:lstStyle/>
-          <a:p>
-            <a:pPr algn="ctr"/>
-            <a:r>
-              <a:rPr lang="fr-FR" sz="1400" dirty="0"/>
-              <a:t>Tableau de catégorie</a:t>
+              <a:t>Affectations des tapis</a:t>
             </a:r>
           </a:p>
         </p:txBody>
       </p:sp>
       <p:pic>
         <p:nvPicPr>
-          <p:cNvPr id="14" name="Image 13">
-            <a:extLst>
-              <a:ext uri="{FF2B5EF4-FFF2-40B4-BE49-F238E27FC236}">
-                <a16:creationId xmlns:a16="http://schemas.microsoft.com/office/drawing/2014/main" id="{569F78C2-1079-9B2D-317A-BEFB7F12F78D}"/>
+          <p:cNvPr id="5" name="Image 4">
+            <a:extLst>
+              <a:ext uri="{FF2B5EF4-FFF2-40B4-BE49-F238E27FC236}">
+                <a16:creationId xmlns:a16="http://schemas.microsoft.com/office/drawing/2014/main" id="{299E2910-1D4D-F715-AB09-C6B0203E31BC}"/>
               </a:ext>
             </a:extLst>
           </p:cNvPr>
@@ -41339,355 +43620,18 @@
         </p:blipFill>
         <p:spPr>
           <a:xfrm>
-            <a:off x="571095" y="2515039"/>
-            <a:ext cx="2834168" cy="3194967"/>
+            <a:off x="3878697" y="2145295"/>
+            <a:ext cx="4533900" cy="4207884"/>
           </a:xfrm>
           <a:prstGeom prst="rect">
             <a:avLst/>
           </a:prstGeom>
         </p:spPr>
       </p:pic>
-      <p:pic>
-        <p:nvPicPr>
-          <p:cNvPr id="15" name="Image 14">
-            <a:extLst>
-              <a:ext uri="{FF2B5EF4-FFF2-40B4-BE49-F238E27FC236}">
-                <a16:creationId xmlns:a16="http://schemas.microsoft.com/office/drawing/2014/main" id="{E087A879-379E-56AC-1AF7-F653744646ED}"/>
-              </a:ext>
-            </a:extLst>
-          </p:cNvPr>
-          <p:cNvPicPr>
-            <a:picLocks noChangeAspect="1"/>
-          </p:cNvPicPr>
-          <p:nvPr/>
-        </p:nvPicPr>
-        <p:blipFill>
-          <a:blip r:embed="rId3"/>
-          <a:stretch>
-            <a:fillRect/>
-          </a:stretch>
-        </p:blipFill>
-        <p:spPr>
-          <a:xfrm>
-            <a:off x="4226822" y="2083601"/>
-            <a:ext cx="2270163" cy="2826353"/>
-          </a:xfrm>
-          <a:prstGeom prst="rect">
-            <a:avLst/>
-          </a:prstGeom>
-        </p:spPr>
-      </p:pic>
-      <p:sp>
-        <p:nvSpPr>
-          <p:cNvPr id="16" name="Rectangle : coins arrondis 15">
-            <a:extLst>
-              <a:ext uri="{FF2B5EF4-FFF2-40B4-BE49-F238E27FC236}">
-                <a16:creationId xmlns:a16="http://schemas.microsoft.com/office/drawing/2014/main" id="{EFB40968-59E3-B5AA-6426-D47479177ACF}"/>
-              </a:ext>
-            </a:extLst>
-          </p:cNvPr>
-          <p:cNvSpPr/>
-          <p:nvPr/>
-        </p:nvSpPr>
-        <p:spPr>
-          <a:xfrm>
-            <a:off x="7032172" y="2720037"/>
-            <a:ext cx="4938769" cy="3526522"/>
-          </a:xfrm>
-          <a:prstGeom prst="roundRect">
-            <a:avLst>
-              <a:gd name="adj" fmla="val 1691"/>
-            </a:avLst>
-          </a:prstGeom>
-          <a:noFill/>
-        </p:spPr>
-        <p:style>
-          <a:lnRef idx="2">
-            <a:schemeClr val="accent1"/>
-          </a:lnRef>
-          <a:fillRef idx="1">
-            <a:schemeClr val="lt1"/>
-          </a:fillRef>
-          <a:effectRef idx="0">
-            <a:schemeClr val="accent1"/>
-          </a:effectRef>
-          <a:fontRef idx="minor">
-            <a:schemeClr val="dk1"/>
-          </a:fontRef>
-        </p:style>
-        <p:txBody>
-          <a:bodyPr rtlCol="0" anchor="ctr"/>
-          <a:lstStyle/>
-          <a:p>
-            <a:pPr algn="r"/>
-            <a:endParaRPr lang="fr-FR" dirty="0"/>
-          </a:p>
-        </p:txBody>
-      </p:sp>
-      <p:sp>
-        <p:nvSpPr>
-          <p:cNvPr id="17" name="Rectangle : coins arrondis 16">
-            <a:extLst>
-              <a:ext uri="{FF2B5EF4-FFF2-40B4-BE49-F238E27FC236}">
-                <a16:creationId xmlns:a16="http://schemas.microsoft.com/office/drawing/2014/main" id="{27C9924D-127A-4599-64CD-4C4545D933E9}"/>
-              </a:ext>
-            </a:extLst>
-          </p:cNvPr>
-          <p:cNvSpPr/>
-          <p:nvPr/>
-        </p:nvSpPr>
-        <p:spPr>
-          <a:xfrm>
-            <a:off x="7032170" y="2720037"/>
-            <a:ext cx="4938769" cy="402322"/>
-          </a:xfrm>
-          <a:prstGeom prst="roundRect">
-            <a:avLst/>
-          </a:prstGeom>
-        </p:spPr>
-        <p:style>
-          <a:lnRef idx="0">
-            <a:schemeClr val="accent1"/>
-          </a:lnRef>
-          <a:fillRef idx="3">
-            <a:schemeClr val="accent1"/>
-          </a:fillRef>
-          <a:effectRef idx="3">
-            <a:schemeClr val="accent1"/>
-          </a:effectRef>
-          <a:fontRef idx="minor">
-            <a:schemeClr val="lt1"/>
-          </a:fontRef>
-        </p:style>
-        <p:txBody>
-          <a:bodyPr rtlCol="0" anchor="ctr"/>
-          <a:lstStyle/>
-          <a:p>
-            <a:pPr algn="ctr"/>
-            <a:r>
-              <a:rPr lang="fr-FR" sz="1400" dirty="0"/>
-              <a:t>Poule de catégorie</a:t>
-            </a:r>
-          </a:p>
-        </p:txBody>
-      </p:sp>
-      <p:pic>
-        <p:nvPicPr>
-          <p:cNvPr id="18" name="Image 17">
-            <a:extLst>
-              <a:ext uri="{FF2B5EF4-FFF2-40B4-BE49-F238E27FC236}">
-                <a16:creationId xmlns:a16="http://schemas.microsoft.com/office/drawing/2014/main" id="{B16364DA-96FA-F0CD-AE6C-E157B021F957}"/>
-              </a:ext>
-            </a:extLst>
-          </p:cNvPr>
-          <p:cNvPicPr>
-            <a:picLocks noChangeAspect="1"/>
-          </p:cNvPicPr>
-          <p:nvPr/>
-        </p:nvPicPr>
-        <p:blipFill>
-          <a:blip r:embed="rId4"/>
-          <a:stretch>
-            <a:fillRect/>
-          </a:stretch>
-        </p:blipFill>
-        <p:spPr>
-          <a:xfrm>
-            <a:off x="7204249" y="3288701"/>
-            <a:ext cx="2660296" cy="1978623"/>
-          </a:xfrm>
-          <a:prstGeom prst="rect">
-            <a:avLst/>
-          </a:prstGeom>
-        </p:spPr>
-      </p:pic>
-      <p:pic>
-        <p:nvPicPr>
-          <p:cNvPr id="19" name="Image 18">
-            <a:extLst>
-              <a:ext uri="{FF2B5EF4-FFF2-40B4-BE49-F238E27FC236}">
-                <a16:creationId xmlns:a16="http://schemas.microsoft.com/office/drawing/2014/main" id="{0C7124AE-7EA4-DB9F-D8BC-2C87D82F528E}"/>
-              </a:ext>
-            </a:extLst>
-          </p:cNvPr>
-          <p:cNvPicPr>
-            <a:picLocks noChangeAspect="1"/>
-          </p:cNvPicPr>
-          <p:nvPr/>
-        </p:nvPicPr>
-        <p:blipFill>
-          <a:blip r:embed="rId5"/>
-          <a:stretch>
-            <a:fillRect/>
-          </a:stretch>
-        </p:blipFill>
-        <p:spPr>
-          <a:xfrm>
-            <a:off x="9116679" y="4055692"/>
-            <a:ext cx="2656626" cy="2010299"/>
-          </a:xfrm>
-          <a:prstGeom prst="rect">
-            <a:avLst/>
-          </a:prstGeom>
-        </p:spPr>
-      </p:pic>
-      <p:cxnSp>
-        <p:nvCxnSpPr>
-          <p:cNvPr id="11" name="Connecteur : en angle 10">
-            <a:extLst>
-              <a:ext uri="{FF2B5EF4-FFF2-40B4-BE49-F238E27FC236}">
-                <a16:creationId xmlns:a16="http://schemas.microsoft.com/office/drawing/2014/main" id="{F5813451-B99C-85D9-890B-7BD6D792A98D}"/>
-              </a:ext>
-            </a:extLst>
-          </p:cNvPr>
-          <p:cNvCxnSpPr>
-            <a:cxnSpLocks/>
-            <a:endCxn id="15" idx="1"/>
-          </p:cNvCxnSpPr>
-          <p:nvPr/>
-        </p:nvCxnSpPr>
-        <p:spPr>
-          <a:xfrm flipV="1">
-            <a:off x="2916791" y="3496778"/>
-            <a:ext cx="1310031" cy="1237147"/>
-          </a:xfrm>
-          <a:prstGeom prst="curvedConnector3">
-            <a:avLst>
-              <a:gd name="adj1" fmla="val 50000"/>
-            </a:avLst>
-          </a:prstGeom>
-          <a:ln>
-            <a:headEnd type="diamond" w="med" len="med"/>
-            <a:tailEnd type="triangle" w="med" len="med"/>
-          </a:ln>
-        </p:spPr>
-        <p:style>
-          <a:lnRef idx="1">
-            <a:schemeClr val="accent1"/>
-          </a:lnRef>
-          <a:fillRef idx="0">
-            <a:schemeClr val="accent1"/>
-          </a:fillRef>
-          <a:effectRef idx="0">
-            <a:schemeClr val="accent1"/>
-          </a:effectRef>
-          <a:fontRef idx="minor">
-            <a:schemeClr val="tx1"/>
-          </a:fontRef>
-        </p:style>
-      </p:cxnSp>
-      <p:cxnSp>
-        <p:nvCxnSpPr>
-          <p:cNvPr id="22" name="Connecteur : en angle 10">
-            <a:extLst>
-              <a:ext uri="{FF2B5EF4-FFF2-40B4-BE49-F238E27FC236}">
-                <a16:creationId xmlns:a16="http://schemas.microsoft.com/office/drawing/2014/main" id="{49F7FAC1-9236-3A9E-5C30-67587362A919}"/>
-              </a:ext>
-            </a:extLst>
-          </p:cNvPr>
-          <p:cNvCxnSpPr>
-            <a:cxnSpLocks/>
-            <a:endCxn id="18" idx="2"/>
-          </p:cNvCxnSpPr>
-          <p:nvPr/>
-        </p:nvCxnSpPr>
-        <p:spPr>
-          <a:xfrm>
-            <a:off x="2916791" y="4909954"/>
-            <a:ext cx="5617606" cy="357370"/>
-          </a:xfrm>
-          <a:prstGeom prst="curvedConnector4">
-            <a:avLst>
-              <a:gd name="adj1" fmla="val 20527"/>
-              <a:gd name="adj2" fmla="val 163967"/>
-            </a:avLst>
-          </a:prstGeom>
-          <a:ln>
-            <a:headEnd type="diamond" w="med" len="med"/>
-            <a:tailEnd type="triangle" w="med" len="med"/>
-          </a:ln>
-        </p:spPr>
-        <p:style>
-          <a:lnRef idx="1">
-            <a:schemeClr val="accent1"/>
-          </a:lnRef>
-          <a:fillRef idx="0">
-            <a:schemeClr val="accent1"/>
-          </a:fillRef>
-          <a:effectRef idx="0">
-            <a:schemeClr val="accent1"/>
-          </a:effectRef>
-          <a:fontRef idx="minor">
-            <a:schemeClr val="tx1"/>
-          </a:fontRef>
-        </p:style>
-      </p:cxnSp>
-      <p:sp>
-        <p:nvSpPr>
-          <p:cNvPr id="26" name="Légende : encadrée à une bordure 25">
-            <a:extLst>
-              <a:ext uri="{FF2B5EF4-FFF2-40B4-BE49-F238E27FC236}">
-                <a16:creationId xmlns:a16="http://schemas.microsoft.com/office/drawing/2014/main" id="{6D3D5DAC-84E4-A2D1-6D7D-E05FD8DFE120}"/>
-              </a:ext>
-            </a:extLst>
-          </p:cNvPr>
-          <p:cNvSpPr/>
-          <p:nvPr/>
-        </p:nvSpPr>
-        <p:spPr>
-          <a:xfrm flipH="1">
-            <a:off x="7032170" y="2188659"/>
-            <a:ext cx="1806691" cy="331600"/>
-          </a:xfrm>
-          <a:prstGeom prst="accentBorderCallout1">
-            <a:avLst>
-              <a:gd name="adj1" fmla="val 18750"/>
-              <a:gd name="adj2" fmla="val -8333"/>
-              <a:gd name="adj3" fmla="val 535974"/>
-              <a:gd name="adj4" fmla="val -72045"/>
-            </a:avLst>
-          </a:prstGeom>
-          <a:solidFill>
-            <a:schemeClr val="accent6">
-              <a:alpha val="50000"/>
-            </a:schemeClr>
-          </a:solidFill>
-          <a:ln>
-            <a:solidFill>
-              <a:schemeClr val="accent6"/>
-            </a:solidFill>
-          </a:ln>
-        </p:spPr>
-        <p:style>
-          <a:lnRef idx="0">
-            <a:scrgbClr r="0" g="0" b="0"/>
-          </a:lnRef>
-          <a:fillRef idx="0">
-            <a:scrgbClr r="0" g="0" b="0"/>
-          </a:fillRef>
-          <a:effectRef idx="0">
-            <a:scrgbClr r="0" g="0" b="0"/>
-          </a:effectRef>
-          <a:fontRef idx="minor">
-            <a:schemeClr val="lt1"/>
-          </a:fontRef>
-        </p:style>
-        <p:txBody>
-          <a:bodyPr rtlCol="0" anchor="ctr"/>
-          <a:lstStyle/>
-          <a:p>
-            <a:pPr algn="ctr"/>
-            <a:r>
-              <a:rPr lang="fr-FR" sz="1050" dirty="0"/>
-              <a:t>Selon la disposition configuré</a:t>
-            </a:r>
-          </a:p>
-        </p:txBody>
-      </p:sp>
     </p:spTree>
     <p:extLst>
       <p:ext uri="{BB962C8B-B14F-4D97-AF65-F5344CB8AC3E}">
-        <p14:creationId xmlns:p14="http://schemas.microsoft.com/office/powerpoint/2010/main" val="1262413790"/>
+        <p14:creationId xmlns:p14="http://schemas.microsoft.com/office/powerpoint/2010/main" val="2055979273"/>
       </p:ext>
     </p:extLst>
   </p:cSld>
@@ -41917,6 +43861,647 @@
           <a:p>
             <a:r>
               <a:rPr lang="fr-FR" dirty="0"/>
+              <a:t>Plan du Site utilisateur – Avancements</a:t>
+            </a:r>
+          </a:p>
+        </p:txBody>
+      </p:sp>
+      <p:sp>
+        <p:nvSpPr>
+          <p:cNvPr id="4" name="Espace réservé du texte 3">
+            <a:extLst>
+              <a:ext uri="{FF2B5EF4-FFF2-40B4-BE49-F238E27FC236}">
+                <a16:creationId xmlns:a16="http://schemas.microsoft.com/office/drawing/2014/main" id="{55EE5942-743C-7FE0-DDCC-8AF825345982}"/>
+              </a:ext>
+            </a:extLst>
+          </p:cNvPr>
+          <p:cNvSpPr>
+            <a:spLocks noGrp="1"/>
+          </p:cNvSpPr>
+          <p:nvPr>
+            <p:ph type="body" sz="quarter" idx="15"/>
+          </p:nvPr>
+        </p:nvSpPr>
+        <p:spPr/>
+        <p:txBody>
+          <a:bodyPr/>
+          <a:lstStyle/>
+          <a:p>
+            <a:r>
+              <a:rPr lang="fr-FR" dirty="0"/>
+              <a:t>Annexe</a:t>
+            </a:r>
+          </a:p>
+        </p:txBody>
+      </p:sp>
+      <p:sp>
+        <p:nvSpPr>
+          <p:cNvPr id="3" name="Rectangle : coins arrondis 2">
+            <a:extLst>
+              <a:ext uri="{FF2B5EF4-FFF2-40B4-BE49-F238E27FC236}">
+                <a16:creationId xmlns:a16="http://schemas.microsoft.com/office/drawing/2014/main" id="{503174A0-941A-A415-3B71-EFB82484532B}"/>
+              </a:ext>
+            </a:extLst>
+          </p:cNvPr>
+          <p:cNvSpPr/>
+          <p:nvPr/>
+        </p:nvSpPr>
+        <p:spPr>
+          <a:xfrm>
+            <a:off x="221059" y="1972782"/>
+            <a:ext cx="3529729" cy="3861738"/>
+          </a:xfrm>
+          <a:prstGeom prst="roundRect">
+            <a:avLst>
+              <a:gd name="adj" fmla="val 1691"/>
+            </a:avLst>
+          </a:prstGeom>
+          <a:noFill/>
+        </p:spPr>
+        <p:style>
+          <a:lnRef idx="2">
+            <a:schemeClr val="accent1"/>
+          </a:lnRef>
+          <a:fillRef idx="1">
+            <a:schemeClr val="lt1"/>
+          </a:fillRef>
+          <a:effectRef idx="0">
+            <a:schemeClr val="accent1"/>
+          </a:effectRef>
+          <a:fontRef idx="minor">
+            <a:schemeClr val="dk1"/>
+          </a:fontRef>
+        </p:style>
+        <p:txBody>
+          <a:bodyPr rtlCol="0" anchor="ctr"/>
+          <a:lstStyle/>
+          <a:p>
+            <a:pPr algn="r"/>
+            <a:endParaRPr lang="fr-FR" dirty="0"/>
+          </a:p>
+        </p:txBody>
+      </p:sp>
+      <p:sp>
+        <p:nvSpPr>
+          <p:cNvPr id="6" name="Rectangle : coins arrondis 5">
+            <a:extLst>
+              <a:ext uri="{FF2B5EF4-FFF2-40B4-BE49-F238E27FC236}">
+                <a16:creationId xmlns:a16="http://schemas.microsoft.com/office/drawing/2014/main" id="{1FF9D910-74CE-77AC-4697-C5E04C287AF0}"/>
+              </a:ext>
+            </a:extLst>
+          </p:cNvPr>
+          <p:cNvSpPr/>
+          <p:nvPr/>
+        </p:nvSpPr>
+        <p:spPr>
+          <a:xfrm>
+            <a:off x="221057" y="1965098"/>
+            <a:ext cx="3529731" cy="402322"/>
+          </a:xfrm>
+          <a:prstGeom prst="roundRect">
+            <a:avLst/>
+          </a:prstGeom>
+        </p:spPr>
+        <p:style>
+          <a:lnRef idx="0">
+            <a:schemeClr val="accent1"/>
+          </a:lnRef>
+          <a:fillRef idx="3">
+            <a:schemeClr val="accent1"/>
+          </a:fillRef>
+          <a:effectRef idx="3">
+            <a:schemeClr val="accent1"/>
+          </a:effectRef>
+          <a:fontRef idx="minor">
+            <a:schemeClr val="lt1"/>
+          </a:fontRef>
+        </p:style>
+        <p:txBody>
+          <a:bodyPr rtlCol="0" anchor="ctr"/>
+          <a:lstStyle/>
+          <a:p>
+            <a:pPr algn="ctr"/>
+            <a:r>
+              <a:rPr lang="fr-FR" sz="1400" dirty="0"/>
+              <a:t>Avancements (choix de catégorie)</a:t>
+            </a:r>
+          </a:p>
+        </p:txBody>
+      </p:sp>
+      <p:sp>
+        <p:nvSpPr>
+          <p:cNvPr id="7" name="Rectangle : coins arrondis 6">
+            <a:extLst>
+              <a:ext uri="{FF2B5EF4-FFF2-40B4-BE49-F238E27FC236}">
+                <a16:creationId xmlns:a16="http://schemas.microsoft.com/office/drawing/2014/main" id="{1A86364E-4B4A-25F5-F6B9-3ED2D611FCB6}"/>
+              </a:ext>
+            </a:extLst>
+          </p:cNvPr>
+          <p:cNvSpPr/>
+          <p:nvPr/>
+        </p:nvSpPr>
+        <p:spPr>
+          <a:xfrm>
+            <a:off x="4046431" y="1534320"/>
+            <a:ext cx="2690096" cy="3526522"/>
+          </a:xfrm>
+          <a:prstGeom prst="roundRect">
+            <a:avLst>
+              <a:gd name="adj" fmla="val 1691"/>
+            </a:avLst>
+          </a:prstGeom>
+          <a:noFill/>
+        </p:spPr>
+        <p:style>
+          <a:lnRef idx="2">
+            <a:schemeClr val="accent1"/>
+          </a:lnRef>
+          <a:fillRef idx="1">
+            <a:schemeClr val="lt1"/>
+          </a:fillRef>
+          <a:effectRef idx="0">
+            <a:schemeClr val="accent1"/>
+          </a:effectRef>
+          <a:fontRef idx="minor">
+            <a:schemeClr val="dk1"/>
+          </a:fontRef>
+        </p:style>
+        <p:txBody>
+          <a:bodyPr rtlCol="0" anchor="ctr"/>
+          <a:lstStyle/>
+          <a:p>
+            <a:pPr algn="r"/>
+            <a:endParaRPr lang="fr-FR" dirty="0"/>
+          </a:p>
+        </p:txBody>
+      </p:sp>
+      <p:sp>
+        <p:nvSpPr>
+          <p:cNvPr id="8" name="Rectangle : coins arrondis 7">
+            <a:extLst>
+              <a:ext uri="{FF2B5EF4-FFF2-40B4-BE49-F238E27FC236}">
+                <a16:creationId xmlns:a16="http://schemas.microsoft.com/office/drawing/2014/main" id="{784D7F57-DCD9-FF19-1D50-01AEC1AFCAAE}"/>
+              </a:ext>
+            </a:extLst>
+          </p:cNvPr>
+          <p:cNvSpPr/>
+          <p:nvPr/>
+        </p:nvSpPr>
+        <p:spPr>
+          <a:xfrm>
+            <a:off x="4046429" y="1534320"/>
+            <a:ext cx="2690098" cy="402322"/>
+          </a:xfrm>
+          <a:prstGeom prst="roundRect">
+            <a:avLst/>
+          </a:prstGeom>
+        </p:spPr>
+        <p:style>
+          <a:lnRef idx="0">
+            <a:schemeClr val="accent1"/>
+          </a:lnRef>
+          <a:fillRef idx="3">
+            <a:schemeClr val="accent1"/>
+          </a:fillRef>
+          <a:effectRef idx="3">
+            <a:schemeClr val="accent1"/>
+          </a:effectRef>
+          <a:fontRef idx="minor">
+            <a:schemeClr val="lt1"/>
+          </a:fontRef>
+        </p:style>
+        <p:txBody>
+          <a:bodyPr rtlCol="0" anchor="ctr"/>
+          <a:lstStyle/>
+          <a:p>
+            <a:pPr algn="ctr"/>
+            <a:r>
+              <a:rPr lang="fr-FR" sz="1400" dirty="0"/>
+              <a:t>Tableau de catégorie</a:t>
+            </a:r>
+          </a:p>
+        </p:txBody>
+      </p:sp>
+      <p:pic>
+        <p:nvPicPr>
+          <p:cNvPr id="14" name="Image 13">
+            <a:extLst>
+              <a:ext uri="{FF2B5EF4-FFF2-40B4-BE49-F238E27FC236}">
+                <a16:creationId xmlns:a16="http://schemas.microsoft.com/office/drawing/2014/main" id="{569F78C2-1079-9B2D-317A-BEFB7F12F78D}"/>
+              </a:ext>
+            </a:extLst>
+          </p:cNvPr>
+          <p:cNvPicPr>
+            <a:picLocks noChangeAspect="1"/>
+          </p:cNvPicPr>
+          <p:nvPr/>
+        </p:nvPicPr>
+        <p:blipFill>
+          <a:blip r:embed="rId2"/>
+          <a:stretch>
+            <a:fillRect/>
+          </a:stretch>
+        </p:blipFill>
+        <p:spPr>
+          <a:xfrm>
+            <a:off x="571095" y="2515039"/>
+            <a:ext cx="2834168" cy="3194967"/>
+          </a:xfrm>
+          <a:prstGeom prst="rect">
+            <a:avLst/>
+          </a:prstGeom>
+        </p:spPr>
+      </p:pic>
+      <p:pic>
+        <p:nvPicPr>
+          <p:cNvPr id="15" name="Image 14">
+            <a:extLst>
+              <a:ext uri="{FF2B5EF4-FFF2-40B4-BE49-F238E27FC236}">
+                <a16:creationId xmlns:a16="http://schemas.microsoft.com/office/drawing/2014/main" id="{E087A879-379E-56AC-1AF7-F653744646ED}"/>
+              </a:ext>
+            </a:extLst>
+          </p:cNvPr>
+          <p:cNvPicPr>
+            <a:picLocks noChangeAspect="1"/>
+          </p:cNvPicPr>
+          <p:nvPr/>
+        </p:nvPicPr>
+        <p:blipFill>
+          <a:blip r:embed="rId3"/>
+          <a:stretch>
+            <a:fillRect/>
+          </a:stretch>
+        </p:blipFill>
+        <p:spPr>
+          <a:xfrm>
+            <a:off x="4226822" y="2083601"/>
+            <a:ext cx="2270163" cy="2826353"/>
+          </a:xfrm>
+          <a:prstGeom prst="rect">
+            <a:avLst/>
+          </a:prstGeom>
+        </p:spPr>
+      </p:pic>
+      <p:sp>
+        <p:nvSpPr>
+          <p:cNvPr id="16" name="Rectangle : coins arrondis 15">
+            <a:extLst>
+              <a:ext uri="{FF2B5EF4-FFF2-40B4-BE49-F238E27FC236}">
+                <a16:creationId xmlns:a16="http://schemas.microsoft.com/office/drawing/2014/main" id="{EFB40968-59E3-B5AA-6426-D47479177ACF}"/>
+              </a:ext>
+            </a:extLst>
+          </p:cNvPr>
+          <p:cNvSpPr/>
+          <p:nvPr/>
+        </p:nvSpPr>
+        <p:spPr>
+          <a:xfrm>
+            <a:off x="7032172" y="2720037"/>
+            <a:ext cx="4938769" cy="3526522"/>
+          </a:xfrm>
+          <a:prstGeom prst="roundRect">
+            <a:avLst>
+              <a:gd name="adj" fmla="val 1691"/>
+            </a:avLst>
+          </a:prstGeom>
+          <a:noFill/>
+        </p:spPr>
+        <p:style>
+          <a:lnRef idx="2">
+            <a:schemeClr val="accent1"/>
+          </a:lnRef>
+          <a:fillRef idx="1">
+            <a:schemeClr val="lt1"/>
+          </a:fillRef>
+          <a:effectRef idx="0">
+            <a:schemeClr val="accent1"/>
+          </a:effectRef>
+          <a:fontRef idx="minor">
+            <a:schemeClr val="dk1"/>
+          </a:fontRef>
+        </p:style>
+        <p:txBody>
+          <a:bodyPr rtlCol="0" anchor="ctr"/>
+          <a:lstStyle/>
+          <a:p>
+            <a:pPr algn="r"/>
+            <a:endParaRPr lang="fr-FR" dirty="0"/>
+          </a:p>
+        </p:txBody>
+      </p:sp>
+      <p:sp>
+        <p:nvSpPr>
+          <p:cNvPr id="17" name="Rectangle : coins arrondis 16">
+            <a:extLst>
+              <a:ext uri="{FF2B5EF4-FFF2-40B4-BE49-F238E27FC236}">
+                <a16:creationId xmlns:a16="http://schemas.microsoft.com/office/drawing/2014/main" id="{27C9924D-127A-4599-64CD-4C4545D933E9}"/>
+              </a:ext>
+            </a:extLst>
+          </p:cNvPr>
+          <p:cNvSpPr/>
+          <p:nvPr/>
+        </p:nvSpPr>
+        <p:spPr>
+          <a:xfrm>
+            <a:off x="7032170" y="2720037"/>
+            <a:ext cx="4938769" cy="402322"/>
+          </a:xfrm>
+          <a:prstGeom prst="roundRect">
+            <a:avLst/>
+          </a:prstGeom>
+        </p:spPr>
+        <p:style>
+          <a:lnRef idx="0">
+            <a:schemeClr val="accent1"/>
+          </a:lnRef>
+          <a:fillRef idx="3">
+            <a:schemeClr val="accent1"/>
+          </a:fillRef>
+          <a:effectRef idx="3">
+            <a:schemeClr val="accent1"/>
+          </a:effectRef>
+          <a:fontRef idx="minor">
+            <a:schemeClr val="lt1"/>
+          </a:fontRef>
+        </p:style>
+        <p:txBody>
+          <a:bodyPr rtlCol="0" anchor="ctr"/>
+          <a:lstStyle/>
+          <a:p>
+            <a:pPr algn="ctr"/>
+            <a:r>
+              <a:rPr lang="fr-FR" sz="1400" dirty="0"/>
+              <a:t>Poule de catégorie</a:t>
+            </a:r>
+          </a:p>
+        </p:txBody>
+      </p:sp>
+      <p:pic>
+        <p:nvPicPr>
+          <p:cNvPr id="18" name="Image 17">
+            <a:extLst>
+              <a:ext uri="{FF2B5EF4-FFF2-40B4-BE49-F238E27FC236}">
+                <a16:creationId xmlns:a16="http://schemas.microsoft.com/office/drawing/2014/main" id="{B16364DA-96FA-F0CD-AE6C-E157B021F957}"/>
+              </a:ext>
+            </a:extLst>
+          </p:cNvPr>
+          <p:cNvPicPr>
+            <a:picLocks noChangeAspect="1"/>
+          </p:cNvPicPr>
+          <p:nvPr/>
+        </p:nvPicPr>
+        <p:blipFill>
+          <a:blip r:embed="rId4"/>
+          <a:stretch>
+            <a:fillRect/>
+          </a:stretch>
+        </p:blipFill>
+        <p:spPr>
+          <a:xfrm>
+            <a:off x="7204249" y="3288701"/>
+            <a:ext cx="2660296" cy="1978623"/>
+          </a:xfrm>
+          <a:prstGeom prst="rect">
+            <a:avLst/>
+          </a:prstGeom>
+        </p:spPr>
+      </p:pic>
+      <p:pic>
+        <p:nvPicPr>
+          <p:cNvPr id="19" name="Image 18">
+            <a:extLst>
+              <a:ext uri="{FF2B5EF4-FFF2-40B4-BE49-F238E27FC236}">
+                <a16:creationId xmlns:a16="http://schemas.microsoft.com/office/drawing/2014/main" id="{0C7124AE-7EA4-DB9F-D8BC-2C87D82F528E}"/>
+              </a:ext>
+            </a:extLst>
+          </p:cNvPr>
+          <p:cNvPicPr>
+            <a:picLocks noChangeAspect="1"/>
+          </p:cNvPicPr>
+          <p:nvPr/>
+        </p:nvPicPr>
+        <p:blipFill>
+          <a:blip r:embed="rId5"/>
+          <a:stretch>
+            <a:fillRect/>
+          </a:stretch>
+        </p:blipFill>
+        <p:spPr>
+          <a:xfrm>
+            <a:off x="9116679" y="4055692"/>
+            <a:ext cx="2656626" cy="2010299"/>
+          </a:xfrm>
+          <a:prstGeom prst="rect">
+            <a:avLst/>
+          </a:prstGeom>
+        </p:spPr>
+      </p:pic>
+      <p:cxnSp>
+        <p:nvCxnSpPr>
+          <p:cNvPr id="11" name="Connecteur : en angle 10">
+            <a:extLst>
+              <a:ext uri="{FF2B5EF4-FFF2-40B4-BE49-F238E27FC236}">
+                <a16:creationId xmlns:a16="http://schemas.microsoft.com/office/drawing/2014/main" id="{F5813451-B99C-85D9-890B-7BD6D792A98D}"/>
+              </a:ext>
+            </a:extLst>
+          </p:cNvPr>
+          <p:cNvCxnSpPr>
+            <a:cxnSpLocks/>
+            <a:endCxn id="15" idx="1"/>
+          </p:cNvCxnSpPr>
+          <p:nvPr/>
+        </p:nvCxnSpPr>
+        <p:spPr>
+          <a:xfrm flipV="1">
+            <a:off x="2916791" y="3496778"/>
+            <a:ext cx="1310031" cy="1237147"/>
+          </a:xfrm>
+          <a:prstGeom prst="curvedConnector3">
+            <a:avLst>
+              <a:gd name="adj1" fmla="val 50000"/>
+            </a:avLst>
+          </a:prstGeom>
+          <a:ln>
+            <a:headEnd type="diamond" w="med" len="med"/>
+            <a:tailEnd type="triangle" w="med" len="med"/>
+          </a:ln>
+        </p:spPr>
+        <p:style>
+          <a:lnRef idx="1">
+            <a:schemeClr val="accent1"/>
+          </a:lnRef>
+          <a:fillRef idx="0">
+            <a:schemeClr val="accent1"/>
+          </a:fillRef>
+          <a:effectRef idx="0">
+            <a:schemeClr val="accent1"/>
+          </a:effectRef>
+          <a:fontRef idx="minor">
+            <a:schemeClr val="tx1"/>
+          </a:fontRef>
+        </p:style>
+      </p:cxnSp>
+      <p:cxnSp>
+        <p:nvCxnSpPr>
+          <p:cNvPr id="22" name="Connecteur : en angle 10">
+            <a:extLst>
+              <a:ext uri="{FF2B5EF4-FFF2-40B4-BE49-F238E27FC236}">
+                <a16:creationId xmlns:a16="http://schemas.microsoft.com/office/drawing/2014/main" id="{49F7FAC1-9236-3A9E-5C30-67587362A919}"/>
+              </a:ext>
+            </a:extLst>
+          </p:cNvPr>
+          <p:cNvCxnSpPr>
+            <a:cxnSpLocks/>
+            <a:endCxn id="18" idx="2"/>
+          </p:cNvCxnSpPr>
+          <p:nvPr/>
+        </p:nvCxnSpPr>
+        <p:spPr>
+          <a:xfrm>
+            <a:off x="2916791" y="4909954"/>
+            <a:ext cx="5617606" cy="357370"/>
+          </a:xfrm>
+          <a:prstGeom prst="curvedConnector4">
+            <a:avLst>
+              <a:gd name="adj1" fmla="val 20527"/>
+              <a:gd name="adj2" fmla="val 163967"/>
+            </a:avLst>
+          </a:prstGeom>
+          <a:ln>
+            <a:headEnd type="diamond" w="med" len="med"/>
+            <a:tailEnd type="triangle" w="med" len="med"/>
+          </a:ln>
+        </p:spPr>
+        <p:style>
+          <a:lnRef idx="1">
+            <a:schemeClr val="accent1"/>
+          </a:lnRef>
+          <a:fillRef idx="0">
+            <a:schemeClr val="accent1"/>
+          </a:fillRef>
+          <a:effectRef idx="0">
+            <a:schemeClr val="accent1"/>
+          </a:effectRef>
+          <a:fontRef idx="minor">
+            <a:schemeClr val="tx1"/>
+          </a:fontRef>
+        </p:style>
+      </p:cxnSp>
+      <p:sp>
+        <p:nvSpPr>
+          <p:cNvPr id="26" name="Légende : encadrée à une bordure 25">
+            <a:extLst>
+              <a:ext uri="{FF2B5EF4-FFF2-40B4-BE49-F238E27FC236}">
+                <a16:creationId xmlns:a16="http://schemas.microsoft.com/office/drawing/2014/main" id="{6D3D5DAC-84E4-A2D1-6D7D-E05FD8DFE120}"/>
+              </a:ext>
+            </a:extLst>
+          </p:cNvPr>
+          <p:cNvSpPr/>
+          <p:nvPr/>
+        </p:nvSpPr>
+        <p:spPr>
+          <a:xfrm flipH="1">
+            <a:off x="6916917" y="2188659"/>
+            <a:ext cx="1921943" cy="331600"/>
+          </a:xfrm>
+          <a:prstGeom prst="accentBorderCallout1">
+            <a:avLst>
+              <a:gd name="adj1" fmla="val 18750"/>
+              <a:gd name="adj2" fmla="val -8333"/>
+              <a:gd name="adj3" fmla="val 535974"/>
+              <a:gd name="adj4" fmla="val -72045"/>
+            </a:avLst>
+          </a:prstGeom>
+          <a:solidFill>
+            <a:schemeClr val="accent6">
+              <a:alpha val="50000"/>
+            </a:schemeClr>
+          </a:solidFill>
+          <a:ln>
+            <a:solidFill>
+              <a:schemeClr val="accent6"/>
+            </a:solidFill>
+          </a:ln>
+        </p:spPr>
+        <p:style>
+          <a:lnRef idx="0">
+            <a:scrgbClr r="0" g="0" b="0"/>
+          </a:lnRef>
+          <a:fillRef idx="0">
+            <a:scrgbClr r="0" g="0" b="0"/>
+          </a:fillRef>
+          <a:effectRef idx="0">
+            <a:scrgbClr r="0" g="0" b="0"/>
+          </a:effectRef>
+          <a:fontRef idx="minor">
+            <a:schemeClr val="lt1"/>
+          </a:fontRef>
+        </p:style>
+        <p:txBody>
+          <a:bodyPr rtlCol="0" anchor="ctr"/>
+          <a:lstStyle/>
+          <a:p>
+            <a:pPr algn="ctr"/>
+            <a:r>
+              <a:rPr lang="fr-FR" sz="1050" dirty="0"/>
+              <a:t>Selon la disposition configurée</a:t>
+            </a:r>
+          </a:p>
+        </p:txBody>
+      </p:sp>
+    </p:spTree>
+    <p:extLst>
+      <p:ext uri="{BB962C8B-B14F-4D97-AF65-F5344CB8AC3E}">
+        <p14:creationId xmlns:p14="http://schemas.microsoft.com/office/powerpoint/2010/main" val="1262413790"/>
+      </p:ext>
+    </p:extLst>
+  </p:cSld>
+  <p:clrMapOvr>
+    <a:masterClrMapping/>
+  </p:clrMapOvr>
+</p:sld>
+</file>
+
+<file path=ppt/slides/slide41.xml><?xml version="1.0" encoding="utf-8"?>
+<p:sld xmlns:a="http://schemas.openxmlformats.org/drawingml/2006/main" xmlns:r="http://schemas.openxmlformats.org/officeDocument/2006/relationships" xmlns:p="http://schemas.openxmlformats.org/presentationml/2006/main">
+  <p:cSld>
+    <p:spTree>
+      <p:nvGrpSpPr>
+        <p:cNvPr id="1" name=""/>
+        <p:cNvGrpSpPr/>
+        <p:nvPr/>
+      </p:nvGrpSpPr>
+      <p:grpSpPr>
+        <a:xfrm>
+          <a:off x="0" y="0"/>
+          <a:ext cx="0" cy="0"/>
+          <a:chOff x="0" y="0"/>
+          <a:chExt cx="0" cy="0"/>
+        </a:xfrm>
+      </p:grpSpPr>
+      <p:sp>
+        <p:nvSpPr>
+          <p:cNvPr id="2" name="Titre 1">
+            <a:extLst>
+              <a:ext uri="{FF2B5EF4-FFF2-40B4-BE49-F238E27FC236}">
+                <a16:creationId xmlns:a16="http://schemas.microsoft.com/office/drawing/2014/main" id="{2C198829-35EB-6A46-EBAA-6A582DAFE970}"/>
+              </a:ext>
+            </a:extLst>
+          </p:cNvPr>
+          <p:cNvSpPr>
+            <a:spLocks noGrp="1"/>
+          </p:cNvSpPr>
+          <p:nvPr>
+            <p:ph type="title"/>
+          </p:nvPr>
+        </p:nvSpPr>
+        <p:spPr/>
+        <p:txBody>
+          <a:bodyPr/>
+          <a:lstStyle/>
+          <a:p>
+            <a:r>
+              <a:rPr lang="fr-FR" dirty="0"/>
               <a:t>Plan du Site utilisateur – Classements</a:t>
             </a:r>
           </a:p>
@@ -42255,7 +44840,649 @@
 </p:sld>
 </file>
 
-<file path=ppt/slides/slide41.xml><?xml version="1.0" encoding="utf-8"?>
+<file path=ppt/slides/slide42.xml><?xml version="1.0" encoding="utf-8"?>
+<p:sld xmlns:a="http://schemas.openxmlformats.org/drawingml/2006/main" xmlns:r="http://schemas.openxmlformats.org/officeDocument/2006/relationships" xmlns:p="http://schemas.openxmlformats.org/presentationml/2006/main">
+  <p:cSld>
+    <p:spTree>
+      <p:nvGrpSpPr>
+        <p:cNvPr id="1" name=""/>
+        <p:cNvGrpSpPr/>
+        <p:nvPr/>
+      </p:nvGrpSpPr>
+      <p:grpSpPr>
+        <a:xfrm>
+          <a:off x="0" y="0"/>
+          <a:ext cx="0" cy="0"/>
+          <a:chOff x="0" y="0"/>
+          <a:chExt cx="0" cy="0"/>
+        </a:xfrm>
+      </p:grpSpPr>
+      <p:sp>
+        <p:nvSpPr>
+          <p:cNvPr id="2" name="Titre 1">
+            <a:extLst>
+              <a:ext uri="{FF2B5EF4-FFF2-40B4-BE49-F238E27FC236}">
+                <a16:creationId xmlns:a16="http://schemas.microsoft.com/office/drawing/2014/main" id="{2C198829-35EB-6A46-EBAA-6A582DAFE970}"/>
+              </a:ext>
+            </a:extLst>
+          </p:cNvPr>
+          <p:cNvSpPr>
+            <a:spLocks noGrp="1"/>
+          </p:cNvSpPr>
+          <p:nvPr>
+            <p:ph type="title"/>
+          </p:nvPr>
+        </p:nvSpPr>
+        <p:spPr/>
+        <p:txBody>
+          <a:bodyPr/>
+          <a:lstStyle/>
+          <a:p>
+            <a:r>
+              <a:rPr lang="fr-FR" dirty="0"/>
+              <a:t>Plan du Site utilisateur – Engagements</a:t>
+            </a:r>
+          </a:p>
+        </p:txBody>
+      </p:sp>
+      <p:sp>
+        <p:nvSpPr>
+          <p:cNvPr id="4" name="Espace réservé du texte 3">
+            <a:extLst>
+              <a:ext uri="{FF2B5EF4-FFF2-40B4-BE49-F238E27FC236}">
+                <a16:creationId xmlns:a16="http://schemas.microsoft.com/office/drawing/2014/main" id="{55EE5942-743C-7FE0-DDCC-8AF825345982}"/>
+              </a:ext>
+            </a:extLst>
+          </p:cNvPr>
+          <p:cNvSpPr>
+            <a:spLocks noGrp="1"/>
+          </p:cNvSpPr>
+          <p:nvPr>
+            <p:ph type="body" sz="quarter" idx="15"/>
+          </p:nvPr>
+        </p:nvSpPr>
+        <p:spPr/>
+        <p:txBody>
+          <a:bodyPr/>
+          <a:lstStyle/>
+          <a:p>
+            <a:r>
+              <a:rPr lang="fr-FR" dirty="0"/>
+              <a:t>Annexe</a:t>
+            </a:r>
+          </a:p>
+        </p:txBody>
+      </p:sp>
+      <p:sp>
+        <p:nvSpPr>
+          <p:cNvPr id="3" name="Rectangle : coins arrondis 2">
+            <a:extLst>
+              <a:ext uri="{FF2B5EF4-FFF2-40B4-BE49-F238E27FC236}">
+                <a16:creationId xmlns:a16="http://schemas.microsoft.com/office/drawing/2014/main" id="{503174A0-941A-A415-3B71-EFB82484532B}"/>
+              </a:ext>
+            </a:extLst>
+          </p:cNvPr>
+          <p:cNvSpPr/>
+          <p:nvPr/>
+        </p:nvSpPr>
+        <p:spPr>
+          <a:xfrm>
+            <a:off x="1240592" y="2414742"/>
+            <a:ext cx="3529729" cy="3861738"/>
+          </a:xfrm>
+          <a:prstGeom prst="roundRect">
+            <a:avLst>
+              <a:gd name="adj" fmla="val 1691"/>
+            </a:avLst>
+          </a:prstGeom>
+          <a:noFill/>
+        </p:spPr>
+        <p:style>
+          <a:lnRef idx="2">
+            <a:schemeClr val="accent1"/>
+          </a:lnRef>
+          <a:fillRef idx="1">
+            <a:schemeClr val="lt1"/>
+          </a:fillRef>
+          <a:effectRef idx="0">
+            <a:schemeClr val="accent1"/>
+          </a:effectRef>
+          <a:fontRef idx="minor">
+            <a:schemeClr val="dk1"/>
+          </a:fontRef>
+        </p:style>
+        <p:txBody>
+          <a:bodyPr rtlCol="0" anchor="ctr"/>
+          <a:lstStyle/>
+          <a:p>
+            <a:pPr algn="r"/>
+            <a:endParaRPr lang="fr-FR" dirty="0"/>
+          </a:p>
+        </p:txBody>
+      </p:sp>
+      <p:sp>
+        <p:nvSpPr>
+          <p:cNvPr id="6" name="Rectangle : coins arrondis 5">
+            <a:extLst>
+              <a:ext uri="{FF2B5EF4-FFF2-40B4-BE49-F238E27FC236}">
+                <a16:creationId xmlns:a16="http://schemas.microsoft.com/office/drawing/2014/main" id="{1FF9D910-74CE-77AC-4697-C5E04C287AF0}"/>
+              </a:ext>
+            </a:extLst>
+          </p:cNvPr>
+          <p:cNvSpPr/>
+          <p:nvPr/>
+        </p:nvSpPr>
+        <p:spPr>
+          <a:xfrm>
+            <a:off x="1240590" y="2407058"/>
+            <a:ext cx="3529731" cy="402322"/>
+          </a:xfrm>
+          <a:prstGeom prst="roundRect">
+            <a:avLst/>
+          </a:prstGeom>
+        </p:spPr>
+        <p:style>
+          <a:lnRef idx="0">
+            <a:schemeClr val="accent1"/>
+          </a:lnRef>
+          <a:fillRef idx="3">
+            <a:schemeClr val="accent1"/>
+          </a:fillRef>
+          <a:effectRef idx="3">
+            <a:schemeClr val="accent1"/>
+          </a:effectRef>
+          <a:fontRef idx="minor">
+            <a:schemeClr val="lt1"/>
+          </a:fontRef>
+        </p:style>
+        <p:txBody>
+          <a:bodyPr rtlCol="0" anchor="ctr"/>
+          <a:lstStyle/>
+          <a:p>
+            <a:pPr algn="ctr"/>
+            <a:r>
+              <a:rPr lang="fr-FR" sz="1400" dirty="0"/>
+              <a:t>Engagements (choix du groupe)</a:t>
+            </a:r>
+          </a:p>
+        </p:txBody>
+      </p:sp>
+      <p:sp>
+        <p:nvSpPr>
+          <p:cNvPr id="7" name="Rectangle : coins arrondis 6">
+            <a:extLst>
+              <a:ext uri="{FF2B5EF4-FFF2-40B4-BE49-F238E27FC236}">
+                <a16:creationId xmlns:a16="http://schemas.microsoft.com/office/drawing/2014/main" id="{1A86364E-4B4A-25F5-F6B9-3ED2D611FCB6}"/>
+              </a:ext>
+            </a:extLst>
+          </p:cNvPr>
+          <p:cNvSpPr/>
+          <p:nvPr/>
+        </p:nvSpPr>
+        <p:spPr>
+          <a:xfrm>
+            <a:off x="6427681" y="2407058"/>
+            <a:ext cx="3678344" cy="3526522"/>
+          </a:xfrm>
+          <a:prstGeom prst="roundRect">
+            <a:avLst>
+              <a:gd name="adj" fmla="val 1691"/>
+            </a:avLst>
+          </a:prstGeom>
+          <a:noFill/>
+        </p:spPr>
+        <p:style>
+          <a:lnRef idx="2">
+            <a:schemeClr val="accent1"/>
+          </a:lnRef>
+          <a:fillRef idx="1">
+            <a:schemeClr val="lt1"/>
+          </a:fillRef>
+          <a:effectRef idx="0">
+            <a:schemeClr val="accent1"/>
+          </a:effectRef>
+          <a:fontRef idx="minor">
+            <a:schemeClr val="dk1"/>
+          </a:fontRef>
+        </p:style>
+        <p:txBody>
+          <a:bodyPr rtlCol="0" anchor="ctr"/>
+          <a:lstStyle/>
+          <a:p>
+            <a:pPr algn="r"/>
+            <a:endParaRPr lang="fr-FR" dirty="0"/>
+          </a:p>
+        </p:txBody>
+      </p:sp>
+      <p:sp>
+        <p:nvSpPr>
+          <p:cNvPr id="8" name="Rectangle : coins arrondis 7">
+            <a:extLst>
+              <a:ext uri="{FF2B5EF4-FFF2-40B4-BE49-F238E27FC236}">
+                <a16:creationId xmlns:a16="http://schemas.microsoft.com/office/drawing/2014/main" id="{784D7F57-DCD9-FF19-1D50-01AEC1AFCAAE}"/>
+              </a:ext>
+            </a:extLst>
+          </p:cNvPr>
+          <p:cNvSpPr/>
+          <p:nvPr/>
+        </p:nvSpPr>
+        <p:spPr>
+          <a:xfrm>
+            <a:off x="6427679" y="2407058"/>
+            <a:ext cx="3678346" cy="402322"/>
+          </a:xfrm>
+          <a:prstGeom prst="roundRect">
+            <a:avLst/>
+          </a:prstGeom>
+        </p:spPr>
+        <p:style>
+          <a:lnRef idx="0">
+            <a:schemeClr val="accent1"/>
+          </a:lnRef>
+          <a:fillRef idx="3">
+            <a:schemeClr val="accent1"/>
+          </a:fillRef>
+          <a:effectRef idx="3">
+            <a:schemeClr val="accent1"/>
+          </a:effectRef>
+          <a:fontRef idx="minor">
+            <a:schemeClr val="lt1"/>
+          </a:fontRef>
+        </p:style>
+        <p:txBody>
+          <a:bodyPr rtlCol="0" anchor="ctr"/>
+          <a:lstStyle/>
+          <a:p>
+            <a:pPr algn="ctr"/>
+            <a:r>
+              <a:rPr lang="fr-FR" sz="1400" dirty="0"/>
+              <a:t>Liste du judokas engagés du groupe</a:t>
+            </a:r>
+          </a:p>
+        </p:txBody>
+      </p:sp>
+      <p:cxnSp>
+        <p:nvCxnSpPr>
+          <p:cNvPr id="11" name="Connecteur : en angle 10">
+            <a:extLst>
+              <a:ext uri="{FF2B5EF4-FFF2-40B4-BE49-F238E27FC236}">
+                <a16:creationId xmlns:a16="http://schemas.microsoft.com/office/drawing/2014/main" id="{F5813451-B99C-85D9-890B-7BD6D792A98D}"/>
+              </a:ext>
+            </a:extLst>
+          </p:cNvPr>
+          <p:cNvCxnSpPr>
+            <a:cxnSpLocks/>
+          </p:cNvCxnSpPr>
+          <p:nvPr/>
+        </p:nvCxnSpPr>
+        <p:spPr>
+          <a:xfrm flipV="1">
+            <a:off x="3550920" y="3581400"/>
+            <a:ext cx="3764280" cy="1463040"/>
+          </a:xfrm>
+          <a:prstGeom prst="curvedConnector3">
+            <a:avLst>
+              <a:gd name="adj1" fmla="val 50000"/>
+            </a:avLst>
+          </a:prstGeom>
+          <a:ln>
+            <a:headEnd type="diamond" w="med" len="med"/>
+            <a:tailEnd type="triangle" w="med" len="med"/>
+          </a:ln>
+        </p:spPr>
+        <p:style>
+          <a:lnRef idx="1">
+            <a:schemeClr val="accent1"/>
+          </a:lnRef>
+          <a:fillRef idx="0">
+            <a:schemeClr val="accent1"/>
+          </a:fillRef>
+          <a:effectRef idx="0">
+            <a:schemeClr val="accent1"/>
+          </a:effectRef>
+          <a:fontRef idx="minor">
+            <a:schemeClr val="tx1"/>
+          </a:fontRef>
+        </p:style>
+      </p:cxnSp>
+      <p:pic>
+        <p:nvPicPr>
+          <p:cNvPr id="10" name="Image 9">
+            <a:extLst>
+              <a:ext uri="{FF2B5EF4-FFF2-40B4-BE49-F238E27FC236}">
+                <a16:creationId xmlns:a16="http://schemas.microsoft.com/office/drawing/2014/main" id="{0A01C283-6734-4051-C147-A90ACDE558C9}"/>
+              </a:ext>
+            </a:extLst>
+          </p:cNvPr>
+          <p:cNvPicPr>
+            <a:picLocks noChangeAspect="1"/>
+          </p:cNvPicPr>
+          <p:nvPr/>
+        </p:nvPicPr>
+        <p:blipFill>
+          <a:blip r:embed="rId2"/>
+          <a:stretch>
+            <a:fillRect/>
+          </a:stretch>
+        </p:blipFill>
+        <p:spPr>
+          <a:xfrm>
+            <a:off x="1943012" y="2885598"/>
+            <a:ext cx="1947557" cy="3123248"/>
+          </a:xfrm>
+          <a:prstGeom prst="rect">
+            <a:avLst/>
+          </a:prstGeom>
+        </p:spPr>
+      </p:pic>
+      <p:pic>
+        <p:nvPicPr>
+          <p:cNvPr id="15" name="Image 14">
+            <a:extLst>
+              <a:ext uri="{FF2B5EF4-FFF2-40B4-BE49-F238E27FC236}">
+                <a16:creationId xmlns:a16="http://schemas.microsoft.com/office/drawing/2014/main" id="{6622D6F8-F733-8118-2FB6-2C6140A360D4}"/>
+              </a:ext>
+            </a:extLst>
+          </p:cNvPr>
+          <p:cNvPicPr>
+            <a:picLocks noChangeAspect="1"/>
+          </p:cNvPicPr>
+          <p:nvPr/>
+        </p:nvPicPr>
+        <p:blipFill>
+          <a:blip r:embed="rId3"/>
+          <a:stretch>
+            <a:fillRect/>
+          </a:stretch>
+        </p:blipFill>
+        <p:spPr>
+          <a:xfrm>
+            <a:off x="7381104" y="2932577"/>
+            <a:ext cx="1771496" cy="2826068"/>
+          </a:xfrm>
+          <a:prstGeom prst="rect">
+            <a:avLst/>
+          </a:prstGeom>
+        </p:spPr>
+      </p:pic>
+      <p:sp>
+        <p:nvSpPr>
+          <p:cNvPr id="17" name="Légende : encadrée à une bordure 16">
+            <a:extLst>
+              <a:ext uri="{FF2B5EF4-FFF2-40B4-BE49-F238E27FC236}">
+                <a16:creationId xmlns:a16="http://schemas.microsoft.com/office/drawing/2014/main" id="{90A36C5C-3C35-F6B9-A5BF-FF2843189B06}"/>
+              </a:ext>
+            </a:extLst>
+          </p:cNvPr>
+          <p:cNvSpPr/>
+          <p:nvPr/>
+        </p:nvSpPr>
+        <p:spPr>
+          <a:xfrm flipH="1">
+            <a:off x="195796" y="1667897"/>
+            <a:ext cx="1838743" cy="622069"/>
+          </a:xfrm>
+          <a:prstGeom prst="accentBorderCallout1">
+            <a:avLst>
+              <a:gd name="adj1" fmla="val 18750"/>
+              <a:gd name="adj2" fmla="val -8333"/>
+              <a:gd name="adj3" fmla="val 332633"/>
+              <a:gd name="adj4" fmla="val -36820"/>
+            </a:avLst>
+          </a:prstGeom>
+          <a:solidFill>
+            <a:schemeClr val="accent6">
+              <a:alpha val="50000"/>
+            </a:schemeClr>
+          </a:solidFill>
+          <a:ln>
+            <a:solidFill>
+              <a:schemeClr val="accent6"/>
+            </a:solidFill>
+          </a:ln>
+        </p:spPr>
+        <p:style>
+          <a:lnRef idx="0">
+            <a:scrgbClr r="0" g="0" b="0"/>
+          </a:lnRef>
+          <a:fillRef idx="0">
+            <a:scrgbClr r="0" g="0" b="0"/>
+          </a:fillRef>
+          <a:effectRef idx="0">
+            <a:scrgbClr r="0" g="0" b="0"/>
+          </a:effectRef>
+          <a:fontRef idx="minor">
+            <a:schemeClr val="lt1"/>
+          </a:fontRef>
+        </p:style>
+        <p:txBody>
+          <a:bodyPr rtlCol="0" anchor="ctr"/>
+          <a:lstStyle/>
+          <a:p>
+            <a:pPr algn="ctr"/>
+            <a:r>
+              <a:rPr lang="fr-FR" sz="1050" dirty="0"/>
+              <a:t>Les groupes s’affichent en fonction du niveau de la compétition</a:t>
+            </a:r>
+          </a:p>
+        </p:txBody>
+      </p:sp>
+      <p:sp>
+        <p:nvSpPr>
+          <p:cNvPr id="18" name="Légende : encadrée à une bordure 17">
+            <a:extLst>
+              <a:ext uri="{FF2B5EF4-FFF2-40B4-BE49-F238E27FC236}">
+                <a16:creationId xmlns:a16="http://schemas.microsoft.com/office/drawing/2014/main" id="{5B0DE0D3-30A3-096C-3B47-4338CAAFA417}"/>
+              </a:ext>
+            </a:extLst>
+          </p:cNvPr>
+          <p:cNvSpPr/>
+          <p:nvPr/>
+        </p:nvSpPr>
+        <p:spPr>
+          <a:xfrm flipH="1">
+            <a:off x="4864373" y="6008846"/>
+            <a:ext cx="1734547" cy="478675"/>
+          </a:xfrm>
+          <a:prstGeom prst="accentBorderCallout1">
+            <a:avLst>
+              <a:gd name="adj1" fmla="val 18750"/>
+              <a:gd name="adj2" fmla="val -8333"/>
+              <a:gd name="adj3" fmla="val -65340"/>
+              <a:gd name="adj4" fmla="val -90863"/>
+            </a:avLst>
+          </a:prstGeom>
+          <a:solidFill>
+            <a:schemeClr val="accent6">
+              <a:alpha val="50000"/>
+            </a:schemeClr>
+          </a:solidFill>
+          <a:ln>
+            <a:solidFill>
+              <a:schemeClr val="accent6"/>
+            </a:solidFill>
+          </a:ln>
+        </p:spPr>
+        <p:style>
+          <a:lnRef idx="0">
+            <a:scrgbClr r="0" g="0" b="0"/>
+          </a:lnRef>
+          <a:fillRef idx="0">
+            <a:scrgbClr r="0" g="0" b="0"/>
+          </a:fillRef>
+          <a:effectRef idx="0">
+            <a:scrgbClr r="0" g="0" b="0"/>
+          </a:effectRef>
+          <a:fontRef idx="minor">
+            <a:schemeClr val="lt1"/>
+          </a:fontRef>
+        </p:style>
+        <p:txBody>
+          <a:bodyPr rtlCol="0" anchor="ctr"/>
+          <a:lstStyle/>
+          <a:p>
+            <a:pPr algn="ctr"/>
+            <a:r>
+              <a:rPr lang="fr-FR" sz="1050" dirty="0"/>
+              <a:t>En fonction du mode d’affichage G/P ou 1</a:t>
+            </a:r>
+            <a:r>
+              <a:rPr lang="fr-FR" sz="1050" baseline="30000" dirty="0"/>
+              <a:t>er</a:t>
+            </a:r>
+            <a:r>
+              <a:rPr lang="fr-FR" sz="1050" dirty="0"/>
+              <a:t>/2</a:t>
+            </a:r>
+            <a:r>
+              <a:rPr lang="fr-FR" sz="1050" baseline="30000" dirty="0"/>
+              <a:t>nd</a:t>
+            </a:r>
+            <a:r>
+              <a:rPr lang="fr-FR" sz="1050" dirty="0"/>
+              <a:t> </a:t>
+            </a:r>
+          </a:p>
+        </p:txBody>
+      </p:sp>
+      <p:sp>
+        <p:nvSpPr>
+          <p:cNvPr id="19" name="Légende : encadrée à une bordure 18">
+            <a:extLst>
+              <a:ext uri="{FF2B5EF4-FFF2-40B4-BE49-F238E27FC236}">
+                <a16:creationId xmlns:a16="http://schemas.microsoft.com/office/drawing/2014/main" id="{5979D410-AE88-188F-2F2A-1733AEB966F8}"/>
+              </a:ext>
+            </a:extLst>
+          </p:cNvPr>
+          <p:cNvSpPr/>
+          <p:nvPr/>
+        </p:nvSpPr>
+        <p:spPr>
+          <a:xfrm>
+            <a:off x="10006229" y="3044166"/>
+            <a:ext cx="1591410" cy="478675"/>
+          </a:xfrm>
+          <a:prstGeom prst="accentBorderCallout1">
+            <a:avLst>
+              <a:gd name="adj1" fmla="val 18750"/>
+              <a:gd name="adj2" fmla="val -8333"/>
+              <a:gd name="adj3" fmla="val 186179"/>
+              <a:gd name="adj4" fmla="val -68837"/>
+            </a:avLst>
+          </a:prstGeom>
+          <a:solidFill>
+            <a:schemeClr val="accent6">
+              <a:alpha val="50000"/>
+            </a:schemeClr>
+          </a:solidFill>
+          <a:ln>
+            <a:solidFill>
+              <a:schemeClr val="accent6"/>
+            </a:solidFill>
+          </a:ln>
+        </p:spPr>
+        <p:style>
+          <a:lnRef idx="0">
+            <a:scrgbClr r="0" g="0" b="0"/>
+          </a:lnRef>
+          <a:fillRef idx="0">
+            <a:scrgbClr r="0" g="0" b="0"/>
+          </a:fillRef>
+          <a:effectRef idx="0">
+            <a:scrgbClr r="0" g="0" b="0"/>
+          </a:effectRef>
+          <a:fontRef idx="minor">
+            <a:schemeClr val="lt1"/>
+          </a:fontRef>
+        </p:style>
+        <p:txBody>
+          <a:bodyPr rtlCol="0" anchor="ctr"/>
+          <a:lstStyle/>
+          <a:p>
+            <a:pPr algn="ctr"/>
+            <a:r>
+              <a:rPr lang="fr-FR" sz="1050" dirty="0"/>
+              <a:t>Uniquement si affichage de tous les judokas</a:t>
+            </a:r>
+          </a:p>
+        </p:txBody>
+      </p:sp>
+      <p:sp>
+        <p:nvSpPr>
+          <p:cNvPr id="20" name="Légende : encadrée à une bordure 19">
+            <a:extLst>
+              <a:ext uri="{FF2B5EF4-FFF2-40B4-BE49-F238E27FC236}">
+                <a16:creationId xmlns:a16="http://schemas.microsoft.com/office/drawing/2014/main" id="{4031B635-70E3-5D48-DC9A-F1E2EA22390A}"/>
+              </a:ext>
+            </a:extLst>
+          </p:cNvPr>
+          <p:cNvSpPr/>
+          <p:nvPr/>
+        </p:nvSpPr>
+        <p:spPr>
+          <a:xfrm>
+            <a:off x="10171975" y="4652702"/>
+            <a:ext cx="1591410" cy="478675"/>
+          </a:xfrm>
+          <a:prstGeom prst="accentBorderCallout1">
+            <a:avLst>
+              <a:gd name="adj1" fmla="val 18750"/>
+              <a:gd name="adj2" fmla="val -8333"/>
+              <a:gd name="adj3" fmla="val 186179"/>
+              <a:gd name="adj4" fmla="val -68837"/>
+            </a:avLst>
+          </a:prstGeom>
+          <a:solidFill>
+            <a:schemeClr val="accent6">
+              <a:alpha val="50000"/>
+            </a:schemeClr>
+          </a:solidFill>
+          <a:ln>
+            <a:solidFill>
+              <a:schemeClr val="accent6"/>
+            </a:solidFill>
+          </a:ln>
+        </p:spPr>
+        <p:style>
+          <a:lnRef idx="0">
+            <a:scrgbClr r="0" g="0" b="0"/>
+          </a:lnRef>
+          <a:fillRef idx="0">
+            <a:scrgbClr r="0" g="0" b="0"/>
+          </a:fillRef>
+          <a:effectRef idx="0">
+            <a:scrgbClr r="0" g="0" b="0"/>
+          </a:effectRef>
+          <a:fontRef idx="minor">
+            <a:schemeClr val="lt1"/>
+          </a:fontRef>
+        </p:style>
+        <p:txBody>
+          <a:bodyPr rtlCol="0" anchor="ctr"/>
+          <a:lstStyle/>
+          <a:p>
+            <a:pPr algn="ctr"/>
+            <a:r>
+              <a:rPr lang="fr-FR" sz="1050" dirty="0"/>
+              <a:t>Uniquement si affichage de tous les combats</a:t>
+            </a:r>
+          </a:p>
+        </p:txBody>
+      </p:sp>
+    </p:spTree>
+    <p:extLst>
+      <p:ext uri="{BB962C8B-B14F-4D97-AF65-F5344CB8AC3E}">
+        <p14:creationId xmlns:p14="http://schemas.microsoft.com/office/powerpoint/2010/main" val="980831204"/>
+      </p:ext>
+    </p:extLst>
+  </p:cSld>
+  <p:clrMapOvr>
+    <a:masterClrMapping/>
+  </p:clrMapOvr>
+</p:sld>
+</file>
+
+<file path=ppt/slides/slide43.xml><?xml version="1.0" encoding="utf-8"?>
 <p:sld xmlns:a="http://schemas.openxmlformats.org/drawingml/2006/main" xmlns:r="http://schemas.openxmlformats.org/officeDocument/2006/relationships" xmlns:p="http://schemas.openxmlformats.org/presentationml/2006/main">
   <p:cSld>
     <p:spTree>
@@ -46974,6 +50201,15 @@
 </file>
 
 <file path=customXml/item1.xml><?xml version="1.0" encoding="utf-8"?>
+<?mso-contentType ?>
+<FormTemplates xmlns="http://schemas.microsoft.com/sharepoint/v3/contenttype/forms">
+  <Display>DocumentLibraryForm</Display>
+  <Edit>DocumentLibraryForm</Edit>
+  <New>DocumentLibraryForm</New>
+</FormTemplates>
+</file>
+
+<file path=customXml/item2.xml><?xml version="1.0" encoding="utf-8"?>
 <p:properties xmlns:p="http://schemas.microsoft.com/office/2006/metadata/properties" xmlns:xsi="http://www.w3.org/2001/XMLSchema-instance" xmlns:pc="http://schemas.microsoft.com/office/infopath/2007/PartnerControls">
   <documentManagement>
     <TaxCatchAll xmlns="5d7a3535-6ccc-4381-989f-ae061031b78e" xsi:nil="true"/>
@@ -46984,7 +50220,7 @@
 </p:properties>
 </file>
 
-<file path=customXml/item2.xml><?xml version="1.0" encoding="utf-8"?>
+<file path=customXml/item3.xml><?xml version="1.0" encoding="utf-8"?>
 <ct:contentTypeSchema xmlns:ct="http://schemas.microsoft.com/office/2006/metadata/contentType" xmlns:ma="http://schemas.microsoft.com/office/2006/metadata/properties/metaAttributes" ct:_="" ma:_="" ma:contentTypeName="Document" ma:contentTypeID="0x01010094D69007D53E474D873D1C4BCA1E8F18" ma:contentTypeVersion="15" ma:contentTypeDescription="Crée un document." ma:contentTypeScope="" ma:versionID="b94b5753296409f7397b66632584fdb0">
   <xsd:schema xmlns:xsd="http://www.w3.org/2001/XMLSchema" xmlns:xs="http://www.w3.org/2001/XMLSchema" xmlns:p="http://schemas.microsoft.com/office/2006/metadata/properties" xmlns:ns2="f9bf1094-3609-4046-a6fd-76c9c0caa714" xmlns:ns3="5d7a3535-6ccc-4381-989f-ae061031b78e" targetNamespace="http://schemas.microsoft.com/office/2006/metadata/properties" ma:root="true" ma:fieldsID="fee6db9217be9a70816f6107f4b0cedb" ns2:_="" ns3:_="">
     <xsd:import namespace="f9bf1094-3609-4046-a6fd-76c9c0caa714"/>
@@ -47213,16 +50449,15 @@
 </ct:contentTypeSchema>
 </file>
 
-<file path=customXml/item3.xml><?xml version="1.0" encoding="utf-8"?>
-<?mso-contentType ?>
-<FormTemplates xmlns="http://schemas.microsoft.com/sharepoint/v3/contenttype/forms">
-  <Display>DocumentLibraryForm</Display>
-  <Edit>DocumentLibraryForm</Edit>
-  <New>DocumentLibraryForm</New>
-</FormTemplates>
+<file path=customXml/itemProps1.xml><?xml version="1.0" encoding="utf-8"?>
+<ds:datastoreItem xmlns:ds="http://schemas.openxmlformats.org/officeDocument/2006/customXml" ds:itemID="{37867E26-7D2E-4C08-8937-A5EDA2DC982A}">
+  <ds:schemaRefs>
+    <ds:schemaRef ds:uri="http://schemas.microsoft.com/sharepoint/v3/contenttype/forms"/>
+  </ds:schemaRefs>
+</ds:datastoreItem>
 </file>
 
-<file path=customXml/itemProps1.xml><?xml version="1.0" encoding="utf-8"?>
+<file path=customXml/itemProps2.xml><?xml version="1.0" encoding="utf-8"?>
 <ds:datastoreItem xmlns:ds="http://schemas.openxmlformats.org/officeDocument/2006/customXml" ds:itemID="{A397F285-9F9C-4CEA-8DC8-CF9392934C5A}">
   <ds:schemaRefs>
     <ds:schemaRef ds:uri="http://purl.org/dc/terms/"/>
@@ -47239,7 +50474,7 @@
 </ds:datastoreItem>
 </file>
 
-<file path=customXml/itemProps2.xml><?xml version="1.0" encoding="utf-8"?>
+<file path=customXml/itemProps3.xml><?xml version="1.0" encoding="utf-8"?>
 <ds:datastoreItem xmlns:ds="http://schemas.openxmlformats.org/officeDocument/2006/customXml" ds:itemID="{A23C0DE2-5723-4EBE-BB67-CD0D7BAFEF27}">
   <ds:schemaRefs>
     <ds:schemaRef ds:uri="http://schemas.microsoft.com/office/2006/metadata/contentType"/>
@@ -47256,12 +50491,4 @@
     <ds:schemaRef ds:uri="http://schemas.microsoft.com/internal/obd"/>
   </ds:schemaRefs>
 </ds:datastoreItem>
-</file>
-
-<file path=customXml/itemProps3.xml><?xml version="1.0" encoding="utf-8"?>
-<ds:datastoreItem xmlns:ds="http://schemas.openxmlformats.org/officeDocument/2006/customXml" ds:itemID="{37867E26-7D2E-4C08-8937-A5EDA2DC982A}">
-  <ds:schemaRefs>
-    <ds:schemaRef ds:uri="http://schemas.microsoft.com/sharepoint/v3/contenttype/forms"/>
-  </ds:schemaRefs>
-</ds:datastoreItem>
 </file>